--- a/ATM.pptx
+++ b/ATM.pptx
@@ -5,7 +5,7 @@
     <p:sldMasterId id="2147483660" r:id="rId1"/>
   </p:sldMasterIdLst>
   <p:notesMasterIdLst>
-    <p:notesMasterId r:id="rId26"/>
+    <p:notesMasterId r:id="rId33"/>
   </p:notesMasterIdLst>
   <p:sldIdLst>
     <p:sldId id="256" r:id="rId2"/>
@@ -23,39 +23,46 @@
     <p:sldId id="302" r:id="rId14"/>
     <p:sldId id="303" r:id="rId15"/>
     <p:sldId id="304" r:id="rId16"/>
-    <p:sldId id="305" r:id="rId17"/>
-    <p:sldId id="306" r:id="rId18"/>
-    <p:sldId id="307" r:id="rId19"/>
-    <p:sldId id="308" r:id="rId20"/>
-    <p:sldId id="281" r:id="rId21"/>
-    <p:sldId id="309" r:id="rId22"/>
-    <p:sldId id="310" r:id="rId23"/>
-    <p:sldId id="311" r:id="rId24"/>
-    <p:sldId id="285" r:id="rId25"/>
+    <p:sldId id="312" r:id="rId17"/>
+    <p:sldId id="313" r:id="rId18"/>
+    <p:sldId id="314" r:id="rId19"/>
+    <p:sldId id="315" r:id="rId20"/>
+    <p:sldId id="316" r:id="rId21"/>
+    <p:sldId id="317" r:id="rId22"/>
+    <p:sldId id="318" r:id="rId23"/>
+    <p:sldId id="305" r:id="rId24"/>
+    <p:sldId id="306" r:id="rId25"/>
+    <p:sldId id="307" r:id="rId26"/>
+    <p:sldId id="308" r:id="rId27"/>
+    <p:sldId id="281" r:id="rId28"/>
+    <p:sldId id="309" r:id="rId29"/>
+    <p:sldId id="310" r:id="rId30"/>
+    <p:sldId id="311" r:id="rId31"/>
+    <p:sldId id="285" r:id="rId32"/>
   </p:sldIdLst>
   <p:sldSz cx="9144000" cy="6858000" type="screen4x3"/>
   <p:notesSz cx="6858000" cy="9144000"/>
   <p:embeddedFontLst>
     <p:embeddedFont>
       <p:font typeface="-윤고딕340" charset="-127"/>
-      <p:regular r:id="rId27"/>
+      <p:regular r:id="rId34"/>
     </p:embeddedFont>
     <p:embeddedFont>
       <p:font typeface="양재붓꽃체L" pitchFamily="18" charset="-127"/>
-      <p:regular r:id="rId28"/>
+      <p:regular r:id="rId35"/>
     </p:embeddedFont>
     <p:embeddedFont>
       <p:font typeface="맑은 고딕" pitchFamily="50" charset="-127"/>
-      <p:regular r:id="rId29"/>
-      <p:bold r:id="rId30"/>
+      <p:regular r:id="rId36"/>
+      <p:bold r:id="rId37"/>
     </p:embeddedFont>
     <p:embeddedFont>
       <p:font typeface="-윤고딕330" charset="-127"/>
-      <p:regular r:id="rId31"/>
+      <p:regular r:id="rId38"/>
     </p:embeddedFont>
     <p:embeddedFont>
       <p:font typeface="Yoon 윤고딕 550_TT" charset="-127"/>
-      <p:regular r:id="rId32"/>
+      <p:regular r:id="rId39"/>
     </p:embeddedFont>
   </p:embeddedFontLst>
   <p:defaultTextStyle>
@@ -436,7 +443,7 @@
     </p:spTree>
     <p:extLst>
       <p:ext uri="{BB962C8B-B14F-4D97-AF65-F5344CB8AC3E}">
-        <p14:creationId xmlns="" xmlns:p14="http://schemas.microsoft.com/office/powerpoint/2010/main" val="2880877131"/>
+        <p14:creationId xmlns:p14="http://schemas.microsoft.com/office/powerpoint/2010/main" xmlns="" val="2880877131"/>
       </p:ext>
     </p:extLst>
   </p:cSld>
@@ -617,7 +624,7 @@
     </p:spTree>
     <p:extLst>
       <p:ext uri="{BB962C8B-B14F-4D97-AF65-F5344CB8AC3E}">
-        <p14:creationId xmlns="" xmlns:p14="http://schemas.microsoft.com/office/powerpoint/2010/main" val="2923878467"/>
+        <p14:creationId xmlns:p14="http://schemas.microsoft.com/office/powerpoint/2010/main" xmlns="" val="2923878467"/>
       </p:ext>
     </p:extLst>
   </p:cSld>
@@ -1240,9 +1247,67 @@
         </p:nvSpPr>
         <p:spPr/>
         <p:txBody>
-          <a:bodyPr/>
-          <a:lstStyle/>
-          <a:p>
+          <a:bodyPr>
+            <a:normAutofit/>
+          </a:bodyPr>
+          <a:lstStyle/>
+          <a:p>
+            <a:r>
+              <a:rPr lang="en-US" altLang="ko-KR" dirty="0" smtClean="0"/>
+              <a:t>9</a:t>
+            </a:r>
+            <a:r>
+              <a:rPr lang="ko-KR" altLang="en-US" dirty="0" smtClean="0"/>
+              <a:t>가지의 흐름이 있는데 </a:t>
+            </a:r>
+            <a:r>
+              <a:rPr lang="ko-KR" altLang="en-US" dirty="0" err="1" smtClean="0"/>
+              <a:t>그중에서</a:t>
+            </a:r>
+            <a:r>
+              <a:rPr lang="ko-KR" altLang="en-US" dirty="0" smtClean="0"/>
+              <a:t> </a:t>
+            </a:r>
+            <a:r>
+              <a:rPr lang="en-US" altLang="ko-KR" dirty="0" smtClean="0"/>
+              <a:t>Transaction </a:t>
+            </a:r>
+            <a:r>
+              <a:rPr lang="ko-KR" altLang="en-US" dirty="0" smtClean="0"/>
+              <a:t>흐름을 좀더 구체적으로 </a:t>
+            </a:r>
+            <a:r>
+              <a:rPr lang="ko-KR" altLang="en-US" dirty="0" err="1" smtClean="0"/>
+              <a:t>표현하기위해</a:t>
+            </a:r>
+            <a:r>
+              <a:rPr lang="ko-KR" altLang="en-US" dirty="0" smtClean="0"/>
+              <a:t> </a:t>
+            </a:r>
+            <a:r>
+              <a:rPr lang="ko-KR" altLang="en-US" dirty="0" err="1" smtClean="0"/>
+              <a:t>콜라보레이션을</a:t>
+            </a:r>
+            <a:r>
+              <a:rPr lang="ko-KR" altLang="en-US" dirty="0" smtClean="0"/>
+              <a:t> 사용했다</a:t>
+            </a:r>
+            <a:r>
+              <a:rPr lang="en-US" altLang="ko-KR" dirty="0" smtClean="0"/>
+              <a:t>. </a:t>
+            </a:r>
+            <a:r>
+              <a:rPr lang="ko-KR" altLang="en-US" dirty="0" err="1" smtClean="0"/>
+              <a:t>콜라보레이션은</a:t>
+            </a:r>
+            <a:r>
+              <a:rPr lang="ko-KR" altLang="en-US" dirty="0" smtClean="0"/>
+              <a:t> 대화형흐름으로 시퀀스다이어그램 같이 메시지의 흐름을 나타내지만 추가적으로 객체와의 관계를 나타낸다</a:t>
+            </a:r>
+            <a:r>
+              <a:rPr lang="en-US" altLang="ko-KR" dirty="0" smtClean="0"/>
+              <a:t>.</a:t>
+            </a:r>
             <a:endParaRPr lang="ko-KR" altLang="en-US" dirty="0"/>
           </a:p>
         </p:txBody>
@@ -1277,11 +1342,6 @@
         </p:txBody>
       </p:sp>
     </p:spTree>
-    <p:extLst>
-      <p:ext uri="{BB962C8B-B14F-4D97-AF65-F5344CB8AC3E}">
-        <p14:creationId xmlns="" xmlns:p14="http://schemas.microsoft.com/office/powerpoint/2010/main" val="2923878467"/>
-      </p:ext>
-    </p:extLst>
   </p:cSld>
   <p:clrMapOvr>
     <a:masterClrMapping/>
@@ -1330,9 +1390,67 @@
         </p:nvSpPr>
         <p:spPr/>
         <p:txBody>
-          <a:bodyPr/>
-          <a:lstStyle/>
-          <a:p>
+          <a:bodyPr>
+            <a:normAutofit/>
+          </a:bodyPr>
+          <a:lstStyle/>
+          <a:p>
+            <a:r>
+              <a:rPr lang="en-US" altLang="ko-KR" dirty="0" smtClean="0"/>
+              <a:t>9</a:t>
+            </a:r>
+            <a:r>
+              <a:rPr lang="ko-KR" altLang="en-US" dirty="0" smtClean="0"/>
+              <a:t>가지의 흐름이 있는데 </a:t>
+            </a:r>
+            <a:r>
+              <a:rPr lang="ko-KR" altLang="en-US" dirty="0" err="1" smtClean="0"/>
+              <a:t>그중에서</a:t>
+            </a:r>
+            <a:r>
+              <a:rPr lang="ko-KR" altLang="en-US" dirty="0" smtClean="0"/>
+              <a:t> </a:t>
+            </a:r>
+            <a:r>
+              <a:rPr lang="en-US" altLang="ko-KR" dirty="0" smtClean="0"/>
+              <a:t>Transaction </a:t>
+            </a:r>
+            <a:r>
+              <a:rPr lang="ko-KR" altLang="en-US" dirty="0" smtClean="0"/>
+              <a:t>흐름을 좀더 구체적으로 </a:t>
+            </a:r>
+            <a:r>
+              <a:rPr lang="ko-KR" altLang="en-US" dirty="0" err="1" smtClean="0"/>
+              <a:t>표현하기위해</a:t>
+            </a:r>
+            <a:r>
+              <a:rPr lang="ko-KR" altLang="en-US" dirty="0" smtClean="0"/>
+              <a:t> </a:t>
+            </a:r>
+            <a:r>
+              <a:rPr lang="ko-KR" altLang="en-US" dirty="0" err="1" smtClean="0"/>
+              <a:t>콜라보레이션을</a:t>
+            </a:r>
+            <a:r>
+              <a:rPr lang="ko-KR" altLang="en-US" dirty="0" smtClean="0"/>
+              <a:t> 사용했다</a:t>
+            </a:r>
+            <a:r>
+              <a:rPr lang="en-US" altLang="ko-KR" dirty="0" smtClean="0"/>
+              <a:t>. </a:t>
+            </a:r>
+            <a:r>
+              <a:rPr lang="ko-KR" altLang="en-US" dirty="0" err="1" smtClean="0"/>
+              <a:t>콜라보레이션은</a:t>
+            </a:r>
+            <a:r>
+              <a:rPr lang="ko-KR" altLang="en-US" dirty="0" smtClean="0"/>
+              <a:t> 대화형흐름으로 시퀀스다이어그램 같이 메시지의 흐름을 나타내지만 추가적으로 객체와의 관계를 나타낸다</a:t>
+            </a:r>
+            <a:r>
+              <a:rPr lang="en-US" altLang="ko-KR" dirty="0" smtClean="0"/>
+              <a:t>.</a:t>
+            </a:r>
             <a:endParaRPr lang="ko-KR" altLang="en-US" dirty="0"/>
           </a:p>
         </p:txBody>
@@ -1367,11 +1485,6 @@
         </p:txBody>
       </p:sp>
     </p:spTree>
-    <p:extLst>
-      <p:ext uri="{BB962C8B-B14F-4D97-AF65-F5344CB8AC3E}">
-        <p14:creationId xmlns="" xmlns:p14="http://schemas.microsoft.com/office/powerpoint/2010/main" val="2923878467"/>
-      </p:ext>
-    </p:extLst>
   </p:cSld>
   <p:clrMapOvr>
     <a:masterClrMapping/>
@@ -1420,9 +1533,67 @@
         </p:nvSpPr>
         <p:spPr/>
         <p:txBody>
-          <a:bodyPr/>
-          <a:lstStyle/>
-          <a:p>
+          <a:bodyPr>
+            <a:normAutofit/>
+          </a:bodyPr>
+          <a:lstStyle/>
+          <a:p>
+            <a:r>
+              <a:rPr lang="en-US" altLang="ko-KR" dirty="0" smtClean="0"/>
+              <a:t>9</a:t>
+            </a:r>
+            <a:r>
+              <a:rPr lang="ko-KR" altLang="en-US" dirty="0" smtClean="0"/>
+              <a:t>가지의 흐름이 있는데 </a:t>
+            </a:r>
+            <a:r>
+              <a:rPr lang="ko-KR" altLang="en-US" dirty="0" err="1" smtClean="0"/>
+              <a:t>그중에서</a:t>
+            </a:r>
+            <a:r>
+              <a:rPr lang="ko-KR" altLang="en-US" dirty="0" smtClean="0"/>
+              <a:t> </a:t>
+            </a:r>
+            <a:r>
+              <a:rPr lang="en-US" altLang="ko-KR" dirty="0" smtClean="0"/>
+              <a:t>Transaction </a:t>
+            </a:r>
+            <a:r>
+              <a:rPr lang="ko-KR" altLang="en-US" dirty="0" smtClean="0"/>
+              <a:t>흐름을 좀더 구체적으로 </a:t>
+            </a:r>
+            <a:r>
+              <a:rPr lang="ko-KR" altLang="en-US" dirty="0" err="1" smtClean="0"/>
+              <a:t>표현하기위해</a:t>
+            </a:r>
+            <a:r>
+              <a:rPr lang="ko-KR" altLang="en-US" dirty="0" smtClean="0"/>
+              <a:t> </a:t>
+            </a:r>
+            <a:r>
+              <a:rPr lang="ko-KR" altLang="en-US" dirty="0" err="1" smtClean="0"/>
+              <a:t>콜라보레이션을</a:t>
+            </a:r>
+            <a:r>
+              <a:rPr lang="ko-KR" altLang="en-US" dirty="0" smtClean="0"/>
+              <a:t> 사용했다</a:t>
+            </a:r>
+            <a:r>
+              <a:rPr lang="en-US" altLang="ko-KR" dirty="0" smtClean="0"/>
+              <a:t>. </a:t>
+            </a:r>
+            <a:r>
+              <a:rPr lang="ko-KR" altLang="en-US" dirty="0" err="1" smtClean="0"/>
+              <a:t>콜라보레이션은</a:t>
+            </a:r>
+            <a:r>
+              <a:rPr lang="ko-KR" altLang="en-US" dirty="0" smtClean="0"/>
+              <a:t> 대화형흐름으로 시퀀스다이어그램 같이 메시지의 흐름을 나타내지만 추가적으로 객체와의 관계를 나타낸다</a:t>
+            </a:r>
+            <a:r>
+              <a:rPr lang="en-US" altLang="ko-KR" dirty="0" smtClean="0"/>
+              <a:t>.</a:t>
+            </a:r>
             <a:endParaRPr lang="ko-KR" altLang="en-US" dirty="0"/>
           </a:p>
         </p:txBody>
@@ -1457,11 +1628,6 @@
         </p:txBody>
       </p:sp>
     </p:spTree>
-    <p:extLst>
-      <p:ext uri="{BB962C8B-B14F-4D97-AF65-F5344CB8AC3E}">
-        <p14:creationId xmlns="" xmlns:p14="http://schemas.microsoft.com/office/powerpoint/2010/main" val="2923878467"/>
-      </p:ext>
-    </p:extLst>
   </p:cSld>
   <p:clrMapOvr>
     <a:masterClrMapping/>
@@ -1510,9 +1676,67 @@
         </p:nvSpPr>
         <p:spPr/>
         <p:txBody>
-          <a:bodyPr/>
-          <a:lstStyle/>
-          <a:p>
+          <a:bodyPr>
+            <a:normAutofit/>
+          </a:bodyPr>
+          <a:lstStyle/>
+          <a:p>
+            <a:r>
+              <a:rPr lang="en-US" altLang="ko-KR" dirty="0" smtClean="0"/>
+              <a:t>9</a:t>
+            </a:r>
+            <a:r>
+              <a:rPr lang="ko-KR" altLang="en-US" dirty="0" smtClean="0"/>
+              <a:t>가지의 흐름이 있는데 </a:t>
+            </a:r>
+            <a:r>
+              <a:rPr lang="ko-KR" altLang="en-US" dirty="0" err="1" smtClean="0"/>
+              <a:t>그중에서</a:t>
+            </a:r>
+            <a:r>
+              <a:rPr lang="ko-KR" altLang="en-US" dirty="0" smtClean="0"/>
+              <a:t> </a:t>
+            </a:r>
+            <a:r>
+              <a:rPr lang="en-US" altLang="ko-KR" dirty="0" smtClean="0"/>
+              <a:t>Transaction </a:t>
+            </a:r>
+            <a:r>
+              <a:rPr lang="ko-KR" altLang="en-US" dirty="0" smtClean="0"/>
+              <a:t>흐름을 좀더 구체적으로 </a:t>
+            </a:r>
+            <a:r>
+              <a:rPr lang="ko-KR" altLang="en-US" dirty="0" err="1" smtClean="0"/>
+              <a:t>표현하기위해</a:t>
+            </a:r>
+            <a:r>
+              <a:rPr lang="ko-KR" altLang="en-US" dirty="0" smtClean="0"/>
+              <a:t> </a:t>
+            </a:r>
+            <a:r>
+              <a:rPr lang="ko-KR" altLang="en-US" dirty="0" err="1" smtClean="0"/>
+              <a:t>콜라보레이션을</a:t>
+            </a:r>
+            <a:r>
+              <a:rPr lang="ko-KR" altLang="en-US" dirty="0" smtClean="0"/>
+              <a:t> 사용했다</a:t>
+            </a:r>
+            <a:r>
+              <a:rPr lang="en-US" altLang="ko-KR" dirty="0" smtClean="0"/>
+              <a:t>. </a:t>
+            </a:r>
+            <a:r>
+              <a:rPr lang="ko-KR" altLang="en-US" dirty="0" err="1" smtClean="0"/>
+              <a:t>콜라보레이션은</a:t>
+            </a:r>
+            <a:r>
+              <a:rPr lang="ko-KR" altLang="en-US" dirty="0" smtClean="0"/>
+              <a:t> 대화형흐름으로 시퀀스다이어그램 같이 메시지의 흐름을 나타내지만 추가적으로 객체와의 관계를 나타낸다</a:t>
+            </a:r>
+            <a:r>
+              <a:rPr lang="en-US" altLang="ko-KR" dirty="0" smtClean="0"/>
+              <a:t>.</a:t>
+            </a:r>
             <a:endParaRPr lang="ko-KR" altLang="en-US" dirty="0"/>
           </a:p>
         </p:txBody>
@@ -1547,11 +1771,292 @@
         </p:txBody>
       </p:sp>
     </p:spTree>
-    <p:extLst>
-      <p:ext uri="{BB962C8B-B14F-4D97-AF65-F5344CB8AC3E}">
-        <p14:creationId xmlns="" xmlns:p14="http://schemas.microsoft.com/office/powerpoint/2010/main" val="2923878467"/>
-      </p:ext>
-    </p:extLst>
+  </p:cSld>
+  <p:clrMapOvr>
+    <a:masterClrMapping/>
+  </p:clrMapOvr>
+</p:notes>
+</file>
+
+<file path=ppt/notesSlides/notesSlide18.xml><?xml version="1.0" encoding="utf-8"?>
+<p:notes xmlns:a="http://schemas.openxmlformats.org/drawingml/2006/main" xmlns:r="http://schemas.openxmlformats.org/officeDocument/2006/relationships" xmlns:p="http://schemas.openxmlformats.org/presentationml/2006/main">
+  <p:cSld>
+    <p:spTree>
+      <p:nvGrpSpPr>
+        <p:cNvPr id="1" name=""/>
+        <p:cNvGrpSpPr/>
+        <p:nvPr/>
+      </p:nvGrpSpPr>
+      <p:grpSpPr>
+        <a:xfrm>
+          <a:off x="0" y="0"/>
+          <a:ext cx="0" cy="0"/>
+          <a:chOff x="0" y="0"/>
+          <a:chExt cx="0" cy="0"/>
+        </a:xfrm>
+      </p:grpSpPr>
+      <p:sp>
+        <p:nvSpPr>
+          <p:cNvPr id="2" name="슬라이드 이미지 개체 틀 1"/>
+          <p:cNvSpPr>
+            <a:spLocks noGrp="1" noRot="1" noChangeAspect="1"/>
+          </p:cNvSpPr>
+          <p:nvPr>
+            <p:ph type="sldImg"/>
+          </p:nvPr>
+        </p:nvSpPr>
+        <p:spPr/>
+      </p:sp>
+      <p:sp>
+        <p:nvSpPr>
+          <p:cNvPr id="3" name="슬라이드 노트 개체 틀 2"/>
+          <p:cNvSpPr>
+            <a:spLocks noGrp="1"/>
+          </p:cNvSpPr>
+          <p:nvPr>
+            <p:ph type="body" idx="1"/>
+          </p:nvPr>
+        </p:nvSpPr>
+        <p:spPr/>
+        <p:txBody>
+          <a:bodyPr>
+            <a:normAutofit/>
+          </a:bodyPr>
+          <a:lstStyle/>
+          <a:p>
+            <a:r>
+              <a:rPr lang="en-US" altLang="ko-KR" dirty="0" smtClean="0"/>
+              <a:t>9</a:t>
+            </a:r>
+            <a:r>
+              <a:rPr lang="ko-KR" altLang="en-US" dirty="0" smtClean="0"/>
+              <a:t>가지의 흐름이 있는데 </a:t>
+            </a:r>
+            <a:r>
+              <a:rPr lang="ko-KR" altLang="en-US" dirty="0" err="1" smtClean="0"/>
+              <a:t>그중에서</a:t>
+            </a:r>
+            <a:r>
+              <a:rPr lang="ko-KR" altLang="en-US" dirty="0" smtClean="0"/>
+              <a:t> </a:t>
+            </a:r>
+            <a:r>
+              <a:rPr lang="en-US" altLang="ko-KR" dirty="0" smtClean="0"/>
+              <a:t>Transaction </a:t>
+            </a:r>
+            <a:r>
+              <a:rPr lang="ko-KR" altLang="en-US" dirty="0" smtClean="0"/>
+              <a:t>흐름을 좀더 구체적으로 </a:t>
+            </a:r>
+            <a:r>
+              <a:rPr lang="ko-KR" altLang="en-US" dirty="0" err="1" smtClean="0"/>
+              <a:t>표현하기위해</a:t>
+            </a:r>
+            <a:r>
+              <a:rPr lang="ko-KR" altLang="en-US" dirty="0" smtClean="0"/>
+              <a:t> </a:t>
+            </a:r>
+            <a:r>
+              <a:rPr lang="ko-KR" altLang="en-US" dirty="0" err="1" smtClean="0"/>
+              <a:t>콜라보레이션을</a:t>
+            </a:r>
+            <a:r>
+              <a:rPr lang="ko-KR" altLang="en-US" dirty="0" smtClean="0"/>
+              <a:t> 사용했다</a:t>
+            </a:r>
+            <a:r>
+              <a:rPr lang="en-US" altLang="ko-KR" dirty="0" smtClean="0"/>
+              <a:t>. </a:t>
+            </a:r>
+            <a:r>
+              <a:rPr lang="ko-KR" altLang="en-US" dirty="0" err="1" smtClean="0"/>
+              <a:t>콜라보레이션은</a:t>
+            </a:r>
+            <a:r>
+              <a:rPr lang="ko-KR" altLang="en-US" dirty="0" smtClean="0"/>
+              <a:t> 대화형흐름으로 시퀀스다이어그램 같이 메시지의 흐름을 나타내지만 추가적으로 객체와의 관계를 나타낸다</a:t>
+            </a:r>
+            <a:r>
+              <a:rPr lang="en-US" altLang="ko-KR" dirty="0" smtClean="0"/>
+              <a:t>.</a:t>
+            </a:r>
+            <a:endParaRPr lang="ko-KR" altLang="en-US" dirty="0"/>
+          </a:p>
+        </p:txBody>
+      </p:sp>
+      <p:sp>
+        <p:nvSpPr>
+          <p:cNvPr id="4" name="슬라이드 번호 개체 틀 3"/>
+          <p:cNvSpPr>
+            <a:spLocks noGrp="1"/>
+          </p:cNvSpPr>
+          <p:nvPr>
+            <p:ph type="sldNum" sz="quarter" idx="10"/>
+          </p:nvPr>
+        </p:nvSpPr>
+        <p:spPr/>
+        <p:txBody>
+          <a:bodyPr/>
+          <a:lstStyle/>
+          <a:p>
+            <a:pPr lvl="0">
+              <a:defRPr lang="ko-KR" altLang="en-US"/>
+            </a:pPr>
+            <a:fld id="{9C33EF00-BB1E-42E8-9466-D6066537D647}" type="slidenum">
+              <a:rPr lang="ko-KR" altLang="en-US" smtClean="0"/>
+              <a:pPr lvl="0">
+                <a:defRPr lang="ko-KR" altLang="en-US"/>
+              </a:pPr>
+              <a:t>24</a:t>
+            </a:fld>
+            <a:endParaRPr lang="ko-KR" altLang="en-US"/>
+          </a:p>
+        </p:txBody>
+      </p:sp>
+    </p:spTree>
+  </p:cSld>
+  <p:clrMapOvr>
+    <a:masterClrMapping/>
+  </p:clrMapOvr>
+</p:notes>
+</file>
+
+<file path=ppt/notesSlides/notesSlide19.xml><?xml version="1.0" encoding="utf-8"?>
+<p:notes xmlns:a="http://schemas.openxmlformats.org/drawingml/2006/main" xmlns:r="http://schemas.openxmlformats.org/officeDocument/2006/relationships" xmlns:p="http://schemas.openxmlformats.org/presentationml/2006/main">
+  <p:cSld>
+    <p:spTree>
+      <p:nvGrpSpPr>
+        <p:cNvPr id="1" name=""/>
+        <p:cNvGrpSpPr/>
+        <p:nvPr/>
+      </p:nvGrpSpPr>
+      <p:grpSpPr>
+        <a:xfrm>
+          <a:off x="0" y="0"/>
+          <a:ext cx="0" cy="0"/>
+          <a:chOff x="0" y="0"/>
+          <a:chExt cx="0" cy="0"/>
+        </a:xfrm>
+      </p:grpSpPr>
+      <p:sp>
+        <p:nvSpPr>
+          <p:cNvPr id="2" name="슬라이드 이미지 개체 틀 1"/>
+          <p:cNvSpPr>
+            <a:spLocks noGrp="1" noRot="1" noChangeAspect="1"/>
+          </p:cNvSpPr>
+          <p:nvPr>
+            <p:ph type="sldImg"/>
+          </p:nvPr>
+        </p:nvSpPr>
+        <p:spPr/>
+      </p:sp>
+      <p:sp>
+        <p:nvSpPr>
+          <p:cNvPr id="3" name="슬라이드 노트 개체 틀 2"/>
+          <p:cNvSpPr>
+            <a:spLocks noGrp="1"/>
+          </p:cNvSpPr>
+          <p:nvPr>
+            <p:ph type="body" idx="1"/>
+          </p:nvPr>
+        </p:nvSpPr>
+        <p:spPr/>
+        <p:txBody>
+          <a:bodyPr>
+            <a:normAutofit/>
+          </a:bodyPr>
+          <a:lstStyle/>
+          <a:p>
+            <a:r>
+              <a:rPr lang="en-US" altLang="ko-KR" dirty="0" smtClean="0"/>
+              <a:t>9</a:t>
+            </a:r>
+            <a:r>
+              <a:rPr lang="ko-KR" altLang="en-US" dirty="0" smtClean="0"/>
+              <a:t>가지의 흐름이 있는데 </a:t>
+            </a:r>
+            <a:r>
+              <a:rPr lang="ko-KR" altLang="en-US" dirty="0" err="1" smtClean="0"/>
+              <a:t>그중에서</a:t>
+            </a:r>
+            <a:r>
+              <a:rPr lang="ko-KR" altLang="en-US" dirty="0" smtClean="0"/>
+              <a:t> </a:t>
+            </a:r>
+            <a:r>
+              <a:rPr lang="en-US" altLang="ko-KR" dirty="0" smtClean="0"/>
+              <a:t>Transaction </a:t>
+            </a:r>
+            <a:r>
+              <a:rPr lang="ko-KR" altLang="en-US" dirty="0" smtClean="0"/>
+              <a:t>흐름을 좀더 구체적으로 </a:t>
+            </a:r>
+            <a:r>
+              <a:rPr lang="ko-KR" altLang="en-US" dirty="0" err="1" smtClean="0"/>
+              <a:t>표현하기위해</a:t>
+            </a:r>
+            <a:r>
+              <a:rPr lang="ko-KR" altLang="en-US" dirty="0" smtClean="0"/>
+              <a:t> </a:t>
+            </a:r>
+            <a:r>
+              <a:rPr lang="ko-KR" altLang="en-US" dirty="0" err="1" smtClean="0"/>
+              <a:t>콜라보레이션을</a:t>
+            </a:r>
+            <a:r>
+              <a:rPr lang="ko-KR" altLang="en-US" dirty="0" smtClean="0"/>
+              <a:t> 사용했다</a:t>
+            </a:r>
+            <a:r>
+              <a:rPr lang="en-US" altLang="ko-KR" dirty="0" smtClean="0"/>
+              <a:t>. </a:t>
+            </a:r>
+            <a:r>
+              <a:rPr lang="ko-KR" altLang="en-US" dirty="0" err="1" smtClean="0"/>
+              <a:t>콜라보레이션은</a:t>
+            </a:r>
+            <a:r>
+              <a:rPr lang="ko-KR" altLang="en-US" dirty="0" smtClean="0"/>
+              <a:t> 대화형흐름으로 시퀀스다이어그램 같이 메시지의 흐름을 나타내지만 추가적으로 객체와의 관계를 나타낸다</a:t>
+            </a:r>
+            <a:r>
+              <a:rPr lang="en-US" altLang="ko-KR" dirty="0" smtClean="0"/>
+              <a:t>.</a:t>
+            </a:r>
+            <a:endParaRPr lang="ko-KR" altLang="en-US" dirty="0"/>
+          </a:p>
+        </p:txBody>
+      </p:sp>
+      <p:sp>
+        <p:nvSpPr>
+          <p:cNvPr id="4" name="슬라이드 번호 개체 틀 3"/>
+          <p:cNvSpPr>
+            <a:spLocks noGrp="1"/>
+          </p:cNvSpPr>
+          <p:nvPr>
+            <p:ph type="sldNum" sz="quarter" idx="10"/>
+          </p:nvPr>
+        </p:nvSpPr>
+        <p:spPr/>
+        <p:txBody>
+          <a:bodyPr/>
+          <a:lstStyle/>
+          <a:p>
+            <a:pPr lvl="0">
+              <a:defRPr lang="ko-KR" altLang="en-US"/>
+            </a:pPr>
+            <a:fld id="{9C33EF00-BB1E-42E8-9466-D6066537D647}" type="slidenum">
+              <a:rPr lang="ko-KR" altLang="en-US" smtClean="0"/>
+              <a:pPr lvl="0">
+                <a:defRPr lang="ko-KR" altLang="en-US"/>
+              </a:pPr>
+              <a:t>25</a:t>
+            </a:fld>
+            <a:endParaRPr lang="ko-KR" altLang="en-US"/>
+          </a:p>
+        </p:txBody>
+      </p:sp>
+    </p:spTree>
   </p:cSld>
   <p:clrMapOvr>
     <a:masterClrMapping/>
@@ -1639,7 +2144,510 @@
     </p:spTree>
     <p:extLst>
       <p:ext uri="{BB962C8B-B14F-4D97-AF65-F5344CB8AC3E}">
-        <p14:creationId xmlns="" xmlns:p14="http://schemas.microsoft.com/office/powerpoint/2010/main" val="2923878467"/>
+        <p14:creationId xmlns:p14="http://schemas.microsoft.com/office/powerpoint/2010/main" xmlns="" val="2923878467"/>
+      </p:ext>
+    </p:extLst>
+  </p:cSld>
+  <p:clrMapOvr>
+    <a:masterClrMapping/>
+  </p:clrMapOvr>
+</p:notes>
+</file>
+
+<file path=ppt/notesSlides/notesSlide20.xml><?xml version="1.0" encoding="utf-8"?>
+<p:notes xmlns:a="http://schemas.openxmlformats.org/drawingml/2006/main" xmlns:r="http://schemas.openxmlformats.org/officeDocument/2006/relationships" xmlns:p="http://schemas.openxmlformats.org/presentationml/2006/main">
+  <p:cSld>
+    <p:spTree>
+      <p:nvGrpSpPr>
+        <p:cNvPr id="1" name=""/>
+        <p:cNvGrpSpPr/>
+        <p:nvPr/>
+      </p:nvGrpSpPr>
+      <p:grpSpPr>
+        <a:xfrm>
+          <a:off x="0" y="0"/>
+          <a:ext cx="0" cy="0"/>
+          <a:chOff x="0" y="0"/>
+          <a:chExt cx="0" cy="0"/>
+        </a:xfrm>
+      </p:grpSpPr>
+      <p:sp>
+        <p:nvSpPr>
+          <p:cNvPr id="2" name="슬라이드 이미지 개체 틀 1"/>
+          <p:cNvSpPr>
+            <a:spLocks noGrp="1" noRot="1" noChangeAspect="1"/>
+          </p:cNvSpPr>
+          <p:nvPr>
+            <p:ph type="sldImg"/>
+          </p:nvPr>
+        </p:nvSpPr>
+        <p:spPr/>
+      </p:sp>
+      <p:sp>
+        <p:nvSpPr>
+          <p:cNvPr id="3" name="슬라이드 노트 개체 틀 2"/>
+          <p:cNvSpPr>
+            <a:spLocks noGrp="1"/>
+          </p:cNvSpPr>
+          <p:nvPr>
+            <p:ph type="body" idx="1"/>
+          </p:nvPr>
+        </p:nvSpPr>
+        <p:spPr/>
+        <p:txBody>
+          <a:bodyPr>
+            <a:normAutofit/>
+          </a:bodyPr>
+          <a:lstStyle/>
+          <a:p>
+            <a:r>
+              <a:rPr lang="en-US" altLang="ko-KR" dirty="0" smtClean="0"/>
+              <a:t>9</a:t>
+            </a:r>
+            <a:r>
+              <a:rPr lang="ko-KR" altLang="en-US" dirty="0" smtClean="0"/>
+              <a:t>가지의 흐름이 있는데 </a:t>
+            </a:r>
+            <a:r>
+              <a:rPr lang="ko-KR" altLang="en-US" dirty="0" err="1" smtClean="0"/>
+              <a:t>그중에서</a:t>
+            </a:r>
+            <a:r>
+              <a:rPr lang="ko-KR" altLang="en-US" dirty="0" smtClean="0"/>
+              <a:t> </a:t>
+            </a:r>
+            <a:r>
+              <a:rPr lang="en-US" altLang="ko-KR" dirty="0" smtClean="0"/>
+              <a:t>Transaction </a:t>
+            </a:r>
+            <a:r>
+              <a:rPr lang="ko-KR" altLang="en-US" dirty="0" smtClean="0"/>
+              <a:t>흐름을 좀더 구체적으로 </a:t>
+            </a:r>
+            <a:r>
+              <a:rPr lang="ko-KR" altLang="en-US" dirty="0" err="1" smtClean="0"/>
+              <a:t>표현하기위해</a:t>
+            </a:r>
+            <a:r>
+              <a:rPr lang="ko-KR" altLang="en-US" dirty="0" smtClean="0"/>
+              <a:t> </a:t>
+            </a:r>
+            <a:r>
+              <a:rPr lang="ko-KR" altLang="en-US" dirty="0" err="1" smtClean="0"/>
+              <a:t>콜라보레이션을</a:t>
+            </a:r>
+            <a:r>
+              <a:rPr lang="ko-KR" altLang="en-US" dirty="0" smtClean="0"/>
+              <a:t> 사용했다</a:t>
+            </a:r>
+            <a:r>
+              <a:rPr lang="en-US" altLang="ko-KR" dirty="0" smtClean="0"/>
+              <a:t>. </a:t>
+            </a:r>
+            <a:r>
+              <a:rPr lang="ko-KR" altLang="en-US" dirty="0" err="1" smtClean="0"/>
+              <a:t>콜라보레이션은</a:t>
+            </a:r>
+            <a:r>
+              <a:rPr lang="ko-KR" altLang="en-US" dirty="0" smtClean="0"/>
+              <a:t> 대화형흐름으로 시퀀스다이어그램 같이 메시지의 흐름을 나타내지만 추가적으로 객체와의 관계를 나타낸다</a:t>
+            </a:r>
+            <a:r>
+              <a:rPr lang="en-US" altLang="ko-KR" dirty="0" smtClean="0"/>
+              <a:t>.</a:t>
+            </a:r>
+            <a:endParaRPr lang="ko-KR" altLang="en-US" dirty="0"/>
+          </a:p>
+        </p:txBody>
+      </p:sp>
+      <p:sp>
+        <p:nvSpPr>
+          <p:cNvPr id="4" name="슬라이드 번호 개체 틀 3"/>
+          <p:cNvSpPr>
+            <a:spLocks noGrp="1"/>
+          </p:cNvSpPr>
+          <p:nvPr>
+            <p:ph type="sldNum" sz="quarter" idx="10"/>
+          </p:nvPr>
+        </p:nvSpPr>
+        <p:spPr/>
+        <p:txBody>
+          <a:bodyPr/>
+          <a:lstStyle/>
+          <a:p>
+            <a:pPr lvl="0">
+              <a:defRPr lang="ko-KR" altLang="en-US"/>
+            </a:pPr>
+            <a:fld id="{9C33EF00-BB1E-42E8-9466-D6066537D647}" type="slidenum">
+              <a:rPr lang="ko-KR" altLang="en-US" smtClean="0"/>
+              <a:pPr lvl="0">
+                <a:defRPr lang="ko-KR" altLang="en-US"/>
+              </a:pPr>
+              <a:t>26</a:t>
+            </a:fld>
+            <a:endParaRPr lang="ko-KR" altLang="en-US"/>
+          </a:p>
+        </p:txBody>
+      </p:sp>
+    </p:spTree>
+  </p:cSld>
+  <p:clrMapOvr>
+    <a:masterClrMapping/>
+  </p:clrMapOvr>
+</p:notes>
+</file>
+
+<file path=ppt/notesSlides/notesSlide21.xml><?xml version="1.0" encoding="utf-8"?>
+<p:notes xmlns:a="http://schemas.openxmlformats.org/drawingml/2006/main" xmlns:r="http://schemas.openxmlformats.org/officeDocument/2006/relationships" xmlns:p="http://schemas.openxmlformats.org/presentationml/2006/main">
+  <p:cSld>
+    <p:spTree>
+      <p:nvGrpSpPr>
+        <p:cNvPr id="1" name=""/>
+        <p:cNvGrpSpPr/>
+        <p:nvPr/>
+      </p:nvGrpSpPr>
+      <p:grpSpPr>
+        <a:xfrm>
+          <a:off x="0" y="0"/>
+          <a:ext cx="0" cy="0"/>
+          <a:chOff x="0" y="0"/>
+          <a:chExt cx="0" cy="0"/>
+        </a:xfrm>
+      </p:grpSpPr>
+      <p:sp>
+        <p:nvSpPr>
+          <p:cNvPr id="2" name="슬라이드 이미지 개체 틀 1"/>
+          <p:cNvSpPr>
+            <a:spLocks noGrp="1" noRot="1" noChangeAspect="1"/>
+          </p:cNvSpPr>
+          <p:nvPr>
+            <p:ph type="sldImg"/>
+          </p:nvPr>
+        </p:nvSpPr>
+        <p:spPr/>
+      </p:sp>
+      <p:sp>
+        <p:nvSpPr>
+          <p:cNvPr id="3" name="슬라이드 노트 개체 틀 2"/>
+          <p:cNvSpPr>
+            <a:spLocks noGrp="1"/>
+          </p:cNvSpPr>
+          <p:nvPr>
+            <p:ph type="body" idx="1"/>
+          </p:nvPr>
+        </p:nvSpPr>
+        <p:spPr/>
+        <p:txBody>
+          <a:bodyPr/>
+          <a:lstStyle/>
+          <a:p>
+            <a:endParaRPr lang="ko-KR" altLang="en-US" dirty="0"/>
+          </a:p>
+        </p:txBody>
+      </p:sp>
+      <p:sp>
+        <p:nvSpPr>
+          <p:cNvPr id="4" name="슬라이드 번호 개체 틀 3"/>
+          <p:cNvSpPr>
+            <a:spLocks noGrp="1"/>
+          </p:cNvSpPr>
+          <p:nvPr>
+            <p:ph type="sldNum" sz="quarter" idx="10"/>
+          </p:nvPr>
+        </p:nvSpPr>
+        <p:spPr/>
+        <p:txBody>
+          <a:bodyPr/>
+          <a:lstStyle/>
+          <a:p>
+            <a:pPr lvl="0">
+              <a:defRPr lang="ko-KR" altLang="en-US"/>
+            </a:pPr>
+            <a:fld id="{9C33EF00-BB1E-42E8-9466-D6066537D647}" type="slidenum">
+              <a:rPr lang="ko-KR" altLang="en-US" smtClean="0"/>
+              <a:pPr lvl="0">
+                <a:defRPr lang="ko-KR" altLang="en-US"/>
+              </a:pPr>
+              <a:t>27</a:t>
+            </a:fld>
+            <a:endParaRPr lang="ko-KR" altLang="en-US"/>
+          </a:p>
+        </p:txBody>
+      </p:sp>
+    </p:spTree>
+    <p:extLst>
+      <p:ext uri="{BB962C8B-B14F-4D97-AF65-F5344CB8AC3E}">
+        <p14:creationId xmlns:p14="http://schemas.microsoft.com/office/powerpoint/2010/main" xmlns="" val="2923878467"/>
+      </p:ext>
+    </p:extLst>
+  </p:cSld>
+  <p:clrMapOvr>
+    <a:masterClrMapping/>
+  </p:clrMapOvr>
+</p:notes>
+</file>
+
+<file path=ppt/notesSlides/notesSlide22.xml><?xml version="1.0" encoding="utf-8"?>
+<p:notes xmlns:a="http://schemas.openxmlformats.org/drawingml/2006/main" xmlns:r="http://schemas.openxmlformats.org/officeDocument/2006/relationships" xmlns:p="http://schemas.openxmlformats.org/presentationml/2006/main">
+  <p:cSld>
+    <p:spTree>
+      <p:nvGrpSpPr>
+        <p:cNvPr id="1" name=""/>
+        <p:cNvGrpSpPr/>
+        <p:nvPr/>
+      </p:nvGrpSpPr>
+      <p:grpSpPr>
+        <a:xfrm>
+          <a:off x="0" y="0"/>
+          <a:ext cx="0" cy="0"/>
+          <a:chOff x="0" y="0"/>
+          <a:chExt cx="0" cy="0"/>
+        </a:xfrm>
+      </p:grpSpPr>
+      <p:sp>
+        <p:nvSpPr>
+          <p:cNvPr id="2" name="슬라이드 이미지 개체 틀 1"/>
+          <p:cNvSpPr>
+            <a:spLocks noGrp="1" noRot="1" noChangeAspect="1"/>
+          </p:cNvSpPr>
+          <p:nvPr>
+            <p:ph type="sldImg"/>
+          </p:nvPr>
+        </p:nvSpPr>
+        <p:spPr/>
+      </p:sp>
+      <p:sp>
+        <p:nvSpPr>
+          <p:cNvPr id="3" name="슬라이드 노트 개체 틀 2"/>
+          <p:cNvSpPr>
+            <a:spLocks noGrp="1"/>
+          </p:cNvSpPr>
+          <p:nvPr>
+            <p:ph type="body" idx="1"/>
+          </p:nvPr>
+        </p:nvSpPr>
+        <p:spPr/>
+        <p:txBody>
+          <a:bodyPr/>
+          <a:lstStyle/>
+          <a:p>
+            <a:endParaRPr lang="ko-KR" altLang="en-US" dirty="0"/>
+          </a:p>
+        </p:txBody>
+      </p:sp>
+      <p:sp>
+        <p:nvSpPr>
+          <p:cNvPr id="4" name="슬라이드 번호 개체 틀 3"/>
+          <p:cNvSpPr>
+            <a:spLocks noGrp="1"/>
+          </p:cNvSpPr>
+          <p:nvPr>
+            <p:ph type="sldNum" sz="quarter" idx="10"/>
+          </p:nvPr>
+        </p:nvSpPr>
+        <p:spPr/>
+        <p:txBody>
+          <a:bodyPr/>
+          <a:lstStyle/>
+          <a:p>
+            <a:pPr lvl="0">
+              <a:defRPr lang="ko-KR" altLang="en-US"/>
+            </a:pPr>
+            <a:fld id="{9C33EF00-BB1E-42E8-9466-D6066537D647}" type="slidenum">
+              <a:rPr lang="ko-KR" altLang="en-US" smtClean="0"/>
+              <a:pPr lvl="0">
+                <a:defRPr lang="ko-KR" altLang="en-US"/>
+              </a:pPr>
+              <a:t>28</a:t>
+            </a:fld>
+            <a:endParaRPr lang="ko-KR" altLang="en-US"/>
+          </a:p>
+        </p:txBody>
+      </p:sp>
+    </p:spTree>
+    <p:extLst>
+      <p:ext uri="{BB962C8B-B14F-4D97-AF65-F5344CB8AC3E}">
+        <p14:creationId xmlns:p14="http://schemas.microsoft.com/office/powerpoint/2010/main" xmlns="" val="2923878467"/>
+      </p:ext>
+    </p:extLst>
+  </p:cSld>
+  <p:clrMapOvr>
+    <a:masterClrMapping/>
+  </p:clrMapOvr>
+</p:notes>
+</file>
+
+<file path=ppt/notesSlides/notesSlide23.xml><?xml version="1.0" encoding="utf-8"?>
+<p:notes xmlns:a="http://schemas.openxmlformats.org/drawingml/2006/main" xmlns:r="http://schemas.openxmlformats.org/officeDocument/2006/relationships" xmlns:p="http://schemas.openxmlformats.org/presentationml/2006/main">
+  <p:cSld>
+    <p:spTree>
+      <p:nvGrpSpPr>
+        <p:cNvPr id="1" name=""/>
+        <p:cNvGrpSpPr/>
+        <p:nvPr/>
+      </p:nvGrpSpPr>
+      <p:grpSpPr>
+        <a:xfrm>
+          <a:off x="0" y="0"/>
+          <a:ext cx="0" cy="0"/>
+          <a:chOff x="0" y="0"/>
+          <a:chExt cx="0" cy="0"/>
+        </a:xfrm>
+      </p:grpSpPr>
+      <p:sp>
+        <p:nvSpPr>
+          <p:cNvPr id="2" name="슬라이드 이미지 개체 틀 1"/>
+          <p:cNvSpPr>
+            <a:spLocks noGrp="1" noRot="1" noChangeAspect="1"/>
+          </p:cNvSpPr>
+          <p:nvPr>
+            <p:ph type="sldImg"/>
+          </p:nvPr>
+        </p:nvSpPr>
+        <p:spPr/>
+      </p:sp>
+      <p:sp>
+        <p:nvSpPr>
+          <p:cNvPr id="3" name="슬라이드 노트 개체 틀 2"/>
+          <p:cNvSpPr>
+            <a:spLocks noGrp="1"/>
+          </p:cNvSpPr>
+          <p:nvPr>
+            <p:ph type="body" idx="1"/>
+          </p:nvPr>
+        </p:nvSpPr>
+        <p:spPr/>
+        <p:txBody>
+          <a:bodyPr/>
+          <a:lstStyle/>
+          <a:p>
+            <a:endParaRPr lang="ko-KR" altLang="en-US" dirty="0"/>
+          </a:p>
+        </p:txBody>
+      </p:sp>
+      <p:sp>
+        <p:nvSpPr>
+          <p:cNvPr id="4" name="슬라이드 번호 개체 틀 3"/>
+          <p:cNvSpPr>
+            <a:spLocks noGrp="1"/>
+          </p:cNvSpPr>
+          <p:nvPr>
+            <p:ph type="sldNum" sz="quarter" idx="10"/>
+          </p:nvPr>
+        </p:nvSpPr>
+        <p:spPr/>
+        <p:txBody>
+          <a:bodyPr/>
+          <a:lstStyle/>
+          <a:p>
+            <a:pPr lvl="0">
+              <a:defRPr lang="ko-KR" altLang="en-US"/>
+            </a:pPr>
+            <a:fld id="{9C33EF00-BB1E-42E8-9466-D6066537D647}" type="slidenum">
+              <a:rPr lang="ko-KR" altLang="en-US" smtClean="0"/>
+              <a:pPr lvl="0">
+                <a:defRPr lang="ko-KR" altLang="en-US"/>
+              </a:pPr>
+              <a:t>29</a:t>
+            </a:fld>
+            <a:endParaRPr lang="ko-KR" altLang="en-US"/>
+          </a:p>
+        </p:txBody>
+      </p:sp>
+    </p:spTree>
+    <p:extLst>
+      <p:ext uri="{BB962C8B-B14F-4D97-AF65-F5344CB8AC3E}">
+        <p14:creationId xmlns:p14="http://schemas.microsoft.com/office/powerpoint/2010/main" xmlns="" val="2923878467"/>
+      </p:ext>
+    </p:extLst>
+  </p:cSld>
+  <p:clrMapOvr>
+    <a:masterClrMapping/>
+  </p:clrMapOvr>
+</p:notes>
+</file>
+
+<file path=ppt/notesSlides/notesSlide24.xml><?xml version="1.0" encoding="utf-8"?>
+<p:notes xmlns:a="http://schemas.openxmlformats.org/drawingml/2006/main" xmlns:r="http://schemas.openxmlformats.org/officeDocument/2006/relationships" xmlns:p="http://schemas.openxmlformats.org/presentationml/2006/main">
+  <p:cSld>
+    <p:spTree>
+      <p:nvGrpSpPr>
+        <p:cNvPr id="1" name=""/>
+        <p:cNvGrpSpPr/>
+        <p:nvPr/>
+      </p:nvGrpSpPr>
+      <p:grpSpPr>
+        <a:xfrm>
+          <a:off x="0" y="0"/>
+          <a:ext cx="0" cy="0"/>
+          <a:chOff x="0" y="0"/>
+          <a:chExt cx="0" cy="0"/>
+        </a:xfrm>
+      </p:grpSpPr>
+      <p:sp>
+        <p:nvSpPr>
+          <p:cNvPr id="2" name="슬라이드 이미지 개체 틀 1"/>
+          <p:cNvSpPr>
+            <a:spLocks noGrp="1" noRot="1" noChangeAspect="1"/>
+          </p:cNvSpPr>
+          <p:nvPr>
+            <p:ph type="sldImg"/>
+          </p:nvPr>
+        </p:nvSpPr>
+        <p:spPr/>
+      </p:sp>
+      <p:sp>
+        <p:nvSpPr>
+          <p:cNvPr id="3" name="슬라이드 노트 개체 틀 2"/>
+          <p:cNvSpPr>
+            <a:spLocks noGrp="1"/>
+          </p:cNvSpPr>
+          <p:nvPr>
+            <p:ph type="body" idx="1"/>
+          </p:nvPr>
+        </p:nvSpPr>
+        <p:spPr/>
+        <p:txBody>
+          <a:bodyPr/>
+          <a:lstStyle/>
+          <a:p>
+            <a:endParaRPr lang="ko-KR" altLang="en-US" dirty="0"/>
+          </a:p>
+        </p:txBody>
+      </p:sp>
+      <p:sp>
+        <p:nvSpPr>
+          <p:cNvPr id="4" name="슬라이드 번호 개체 틀 3"/>
+          <p:cNvSpPr>
+            <a:spLocks noGrp="1"/>
+          </p:cNvSpPr>
+          <p:nvPr>
+            <p:ph type="sldNum" sz="quarter" idx="10"/>
+          </p:nvPr>
+        </p:nvSpPr>
+        <p:spPr/>
+        <p:txBody>
+          <a:bodyPr/>
+          <a:lstStyle/>
+          <a:p>
+            <a:pPr lvl="0">
+              <a:defRPr lang="ko-KR" altLang="en-US"/>
+            </a:pPr>
+            <a:fld id="{9C33EF00-BB1E-42E8-9466-D6066537D647}" type="slidenum">
+              <a:rPr lang="ko-KR" altLang="en-US" smtClean="0"/>
+              <a:pPr lvl="0">
+                <a:defRPr lang="ko-KR" altLang="en-US"/>
+              </a:pPr>
+              <a:t>30</a:t>
+            </a:fld>
+            <a:endParaRPr lang="ko-KR" altLang="en-US"/>
+          </a:p>
+        </p:txBody>
+      </p:sp>
+    </p:spTree>
+    <p:extLst>
+      <p:ext uri="{BB962C8B-B14F-4D97-AF65-F5344CB8AC3E}">
+        <p14:creationId xmlns:p14="http://schemas.microsoft.com/office/powerpoint/2010/main" xmlns="" val="2923878467"/>
       </p:ext>
     </p:extLst>
   </p:cSld>
@@ -1729,7 +2737,7 @@
     </p:spTree>
     <p:extLst>
       <p:ext uri="{BB962C8B-B14F-4D97-AF65-F5344CB8AC3E}">
-        <p14:creationId xmlns="" xmlns:p14="http://schemas.microsoft.com/office/powerpoint/2010/main" val="2923878467"/>
+        <p14:creationId xmlns:p14="http://schemas.microsoft.com/office/powerpoint/2010/main" xmlns="" val="2923878467"/>
       </p:ext>
     </p:extLst>
   </p:cSld>
@@ -1819,7 +2827,7 @@
     </p:spTree>
     <p:extLst>
       <p:ext uri="{BB962C8B-B14F-4D97-AF65-F5344CB8AC3E}">
-        <p14:creationId xmlns="" xmlns:p14="http://schemas.microsoft.com/office/powerpoint/2010/main" val="2923878467"/>
+        <p14:creationId xmlns:p14="http://schemas.microsoft.com/office/powerpoint/2010/main" xmlns="" val="2923878467"/>
       </p:ext>
     </p:extLst>
   </p:cSld>
@@ -2778,7 +3786,7 @@
     </p:spTree>
     <p:extLst>
       <p:ext uri="{BB962C8B-B14F-4D97-AF65-F5344CB8AC3E}">
-        <p14:creationId xmlns="" xmlns:p14="http://schemas.microsoft.com/office/powerpoint/2010/main" val="3312566302"/>
+        <p14:creationId xmlns:p14="http://schemas.microsoft.com/office/powerpoint/2010/main" xmlns="" val="3312566302"/>
       </p:ext>
     </p:extLst>
   </p:cSld>
@@ -2957,7 +3965,7 @@
     </p:spTree>
     <p:extLst>
       <p:ext uri="{BB962C8B-B14F-4D97-AF65-F5344CB8AC3E}">
-        <p14:creationId xmlns="" xmlns:p14="http://schemas.microsoft.com/office/powerpoint/2010/main" val="3690458110"/>
+        <p14:creationId xmlns:p14="http://schemas.microsoft.com/office/powerpoint/2010/main" xmlns="" val="3690458110"/>
       </p:ext>
     </p:extLst>
   </p:cSld>
@@ -3139,7 +4147,7 @@
     </p:spTree>
     <p:extLst>
       <p:ext uri="{BB962C8B-B14F-4D97-AF65-F5344CB8AC3E}">
-        <p14:creationId xmlns="" xmlns:p14="http://schemas.microsoft.com/office/powerpoint/2010/main" val="3351353629"/>
+        <p14:creationId xmlns:p14="http://schemas.microsoft.com/office/powerpoint/2010/main" xmlns="" val="3351353629"/>
       </p:ext>
     </p:extLst>
   </p:cSld>
@@ -3331,7 +4339,7 @@
     </p:spTree>
     <p:extLst>
       <p:ext uri="{BB962C8B-B14F-4D97-AF65-F5344CB8AC3E}">
-        <p14:creationId xmlns="" xmlns:p14="http://schemas.microsoft.com/office/powerpoint/2010/main" val="3644754599"/>
+        <p14:creationId xmlns:p14="http://schemas.microsoft.com/office/powerpoint/2010/main" xmlns="" val="3644754599"/>
       </p:ext>
     </p:extLst>
   </p:cSld>
@@ -3586,7 +4594,7 @@
     </p:spTree>
     <p:extLst>
       <p:ext uri="{BB962C8B-B14F-4D97-AF65-F5344CB8AC3E}">
-        <p14:creationId xmlns="" xmlns:p14="http://schemas.microsoft.com/office/powerpoint/2010/main" val="537752893"/>
+        <p14:creationId xmlns:p14="http://schemas.microsoft.com/office/powerpoint/2010/main" xmlns="" val="537752893"/>
       </p:ext>
     </p:extLst>
   </p:cSld>
@@ -3883,7 +4891,7 @@
     </p:spTree>
     <p:extLst>
       <p:ext uri="{BB962C8B-B14F-4D97-AF65-F5344CB8AC3E}">
-        <p14:creationId xmlns="" xmlns:p14="http://schemas.microsoft.com/office/powerpoint/2010/main" val="1145409686"/>
+        <p14:creationId xmlns:p14="http://schemas.microsoft.com/office/powerpoint/2010/main" xmlns="" val="1145409686"/>
       </p:ext>
     </p:extLst>
   </p:cSld>
@@ -4307,7 +5315,7 @@
     </p:spTree>
     <p:extLst>
       <p:ext uri="{BB962C8B-B14F-4D97-AF65-F5344CB8AC3E}">
-        <p14:creationId xmlns="" xmlns:p14="http://schemas.microsoft.com/office/powerpoint/2010/main" val="3566256486"/>
+        <p14:creationId xmlns:p14="http://schemas.microsoft.com/office/powerpoint/2010/main" xmlns="" val="3566256486"/>
       </p:ext>
     </p:extLst>
   </p:cSld>
@@ -4427,7 +5435,7 @@
     </p:spTree>
     <p:extLst>
       <p:ext uri="{BB962C8B-B14F-4D97-AF65-F5344CB8AC3E}">
-        <p14:creationId xmlns="" xmlns:p14="http://schemas.microsoft.com/office/powerpoint/2010/main" val="3837165919"/>
+        <p14:creationId xmlns:p14="http://schemas.microsoft.com/office/powerpoint/2010/main" xmlns="" val="3837165919"/>
       </p:ext>
     </p:extLst>
   </p:cSld>
@@ -4524,7 +5532,7 @@
     </p:spTree>
     <p:extLst>
       <p:ext uri="{BB962C8B-B14F-4D97-AF65-F5344CB8AC3E}">
-        <p14:creationId xmlns="" xmlns:p14="http://schemas.microsoft.com/office/powerpoint/2010/main" val="3309720427"/>
+        <p14:creationId xmlns:p14="http://schemas.microsoft.com/office/powerpoint/2010/main" xmlns="" val="3309720427"/>
       </p:ext>
     </p:extLst>
   </p:cSld>
@@ -4803,7 +5811,7 @@
     </p:spTree>
     <p:extLst>
       <p:ext uri="{BB962C8B-B14F-4D97-AF65-F5344CB8AC3E}">
-        <p14:creationId xmlns="" xmlns:p14="http://schemas.microsoft.com/office/powerpoint/2010/main" val="3224292234"/>
+        <p14:creationId xmlns:p14="http://schemas.microsoft.com/office/powerpoint/2010/main" xmlns="" val="3224292234"/>
       </p:ext>
     </p:extLst>
   </p:cSld>
@@ -5058,7 +6066,7 @@
     </p:spTree>
     <p:extLst>
       <p:ext uri="{BB962C8B-B14F-4D97-AF65-F5344CB8AC3E}">
-        <p14:creationId xmlns="" xmlns:p14="http://schemas.microsoft.com/office/powerpoint/2010/main" val="304396642"/>
+        <p14:creationId xmlns:p14="http://schemas.microsoft.com/office/powerpoint/2010/main" xmlns="" val="304396642"/>
       </p:ext>
     </p:extLst>
   </p:cSld>
@@ -5324,7 +6332,7 @@
     </p:spTree>
     <p:extLst>
       <p:ext uri="{BB962C8B-B14F-4D97-AF65-F5344CB8AC3E}">
-        <p14:creationId xmlns="" xmlns:p14="http://schemas.microsoft.com/office/powerpoint/2010/main" val="3536956202"/>
+        <p14:creationId xmlns:p14="http://schemas.microsoft.com/office/powerpoint/2010/main" xmlns="" val="3536956202"/>
       </p:ext>
     </p:extLst>
   </p:cSld>
@@ -5660,21 +6668,6 @@
               </a:rPr>
               <a:t>ATM PROCESS</a:t>
             </a:r>
-            <a:endParaRPr lang="en-US" altLang="ko-KR" sz="8800" spc="-250" dirty="0" smtClean="0">
-              <a:ln w="6350" cmpd="sng">
-                <a:solidFill>
-                  <a:schemeClr val="bg1">
-                    <a:alpha val="22000"/>
-                  </a:schemeClr>
-                </a:solidFill>
-                <a:prstDash val="solid"/>
-              </a:ln>
-              <a:solidFill>
-                <a:srgbClr val="36B5E4"/>
-              </a:solidFill>
-              <a:latin typeface="-윤고딕340" pitchFamily="18" charset="-127"/>
-              <a:ea typeface="-윤고딕340" pitchFamily="18" charset="-127"/>
-            </a:endParaRPr>
           </a:p>
         </p:txBody>
       </p:sp>
@@ -5889,7 +6882,7 @@
     </p:spTree>
     <p:extLst>
       <p:ext uri="{BB962C8B-B14F-4D97-AF65-F5344CB8AC3E}">
-        <p14:creationId xmlns="" xmlns:p14="http://schemas.microsoft.com/office/powerpoint/2010/main" val="1390811957"/>
+        <p14:creationId xmlns:p14="http://schemas.microsoft.com/office/powerpoint/2010/main" xmlns="" val="1390811957"/>
       </p:ext>
     </p:extLst>
   </p:cSld>
@@ -5953,17 +6946,7 @@
                 <a:latin typeface="a옛날목욕탕B" panose="02020600000000000000" pitchFamily="18" charset="-127"/>
                 <a:ea typeface="a옛날목욕탕B" panose="02020600000000000000" pitchFamily="18" charset="-127"/>
               </a:rPr>
-              <a:t>Analysis – </a:t>
-            </a:r>
-            <a:r>
-              <a:rPr lang="en-US" altLang="ko-KR" sz="2800" dirty="0" smtClean="0">
-                <a:solidFill>
-                  <a:srgbClr val="36B5E4"/>
-                </a:solidFill>
-                <a:latin typeface="a옛날목욕탕B" panose="02020600000000000000" pitchFamily="18" charset="-127"/>
-                <a:ea typeface="a옛날목욕탕B" panose="02020600000000000000" pitchFamily="18" charset="-127"/>
-              </a:rPr>
-              <a:t>Sequence Diagram</a:t>
+              <a:t>Analysis – Sequence Diagram</a:t>
             </a:r>
             <a:endParaRPr lang="ko-KR" altLang="en-US" sz="2800" dirty="0">
               <a:solidFill>
@@ -6069,17 +7052,7 @@
                 <a:latin typeface="a옛날목욕탕B" panose="02020600000000000000" pitchFamily="18" charset="-127"/>
                 <a:ea typeface="a옛날목욕탕B" panose="02020600000000000000" pitchFamily="18" charset="-127"/>
               </a:rPr>
-              <a:t>Analysis – </a:t>
-            </a:r>
-            <a:r>
-              <a:rPr lang="en-US" altLang="ko-KR" sz="2800" dirty="0" smtClean="0">
-                <a:solidFill>
-                  <a:srgbClr val="36B5E4"/>
-                </a:solidFill>
-                <a:latin typeface="a옛날목욕탕B" panose="02020600000000000000" pitchFamily="18" charset="-127"/>
-                <a:ea typeface="a옛날목욕탕B" panose="02020600000000000000" pitchFamily="18" charset="-127"/>
-              </a:rPr>
-              <a:t>Communication Diagram</a:t>
+              <a:t>Analysis – Communication Diagram</a:t>
             </a:r>
             <a:endParaRPr lang="ko-KR" altLang="en-US" sz="2800" dirty="0">
               <a:solidFill>
@@ -6108,7 +7081,7 @@
         </p:blipFill>
         <p:spPr bwMode="auto">
           <a:xfrm>
-            <a:off x="539552" y="1340768"/>
+            <a:off x="539552" y="1613123"/>
             <a:ext cx="8145900" cy="4444169"/>
           </a:xfrm>
           <a:prstGeom prst="rect">
@@ -6123,6 +7096,44 @@
           </a:ln>
         </p:spPr>
       </p:pic>
+      <p:sp>
+        <p:nvSpPr>
+          <p:cNvPr id="6" name="TextBox 5"/>
+          <p:cNvSpPr txBox="1"/>
+          <p:nvPr/>
+        </p:nvSpPr>
+        <p:spPr>
+          <a:xfrm>
+            <a:off x="791580" y="1160748"/>
+            <a:ext cx="4356484" cy="369332"/>
+          </a:xfrm>
+          <a:prstGeom prst="rect">
+            <a:avLst/>
+          </a:prstGeom>
+          <a:noFill/>
+        </p:spPr>
+        <p:txBody>
+          <a:bodyPr wrap="square" rtlCol="0">
+            <a:spAutoFit/>
+          </a:bodyPr>
+          <a:lstStyle/>
+          <a:p>
+            <a:r>
+              <a:rPr lang="ko-KR" altLang="en-US" dirty="0" smtClean="0">
+                <a:solidFill>
+                  <a:srgbClr val="36B5E4"/>
+                </a:solidFill>
+              </a:rPr>
+              <a:t>출금 커뮤니케이션 다이어그램</a:t>
+            </a:r>
+            <a:endParaRPr lang="ko-KR" altLang="en-US" dirty="0">
+              <a:solidFill>
+                <a:srgbClr val="36B5E4"/>
+              </a:solidFill>
+            </a:endParaRPr>
+          </a:p>
+        </p:txBody>
+      </p:sp>
     </p:spTree>
   </p:cSld>
   <p:clrMapOvr>
@@ -6185,17 +7196,7 @@
                 <a:latin typeface="a옛날목욕탕B" panose="02020600000000000000" pitchFamily="18" charset="-127"/>
                 <a:ea typeface="a옛날목욕탕B" panose="02020600000000000000" pitchFamily="18" charset="-127"/>
               </a:rPr>
-              <a:t>Analysis – </a:t>
-            </a:r>
-            <a:r>
-              <a:rPr lang="en-US" altLang="ko-KR" sz="2800" dirty="0" smtClean="0">
-                <a:solidFill>
-                  <a:srgbClr val="36B5E4"/>
-                </a:solidFill>
-                <a:latin typeface="a옛날목욕탕B" panose="02020600000000000000" pitchFamily="18" charset="-127"/>
-                <a:ea typeface="a옛날목욕탕B" panose="02020600000000000000" pitchFamily="18" charset="-127"/>
-              </a:rPr>
-              <a:t>Communication Diagram</a:t>
+              <a:t>Analysis – Communication Diagram</a:t>
             </a:r>
             <a:endParaRPr lang="ko-KR" altLang="en-US" sz="2800" dirty="0">
               <a:solidFill>
@@ -6239,6 +7240,51 @@
           </a:ln>
         </p:spPr>
       </p:pic>
+      <p:sp>
+        <p:nvSpPr>
+          <p:cNvPr id="5" name="직사각형 4"/>
+          <p:cNvSpPr/>
+          <p:nvPr/>
+        </p:nvSpPr>
+        <p:spPr>
+          <a:xfrm>
+            <a:off x="935596" y="1268760"/>
+            <a:ext cx="3348994" cy="369332"/>
+          </a:xfrm>
+          <a:prstGeom prst="rect">
+            <a:avLst/>
+          </a:prstGeom>
+        </p:spPr>
+        <p:txBody>
+          <a:bodyPr wrap="none">
+            <a:spAutoFit/>
+          </a:bodyPr>
+          <a:lstStyle/>
+          <a:p>
+            <a:r>
+              <a:rPr lang="ko-KR" altLang="en-US" dirty="0" smtClean="0">
+                <a:solidFill>
+                  <a:srgbClr val="36B5E4"/>
+                </a:solidFill>
+              </a:rPr>
+              <a:t>예금 </a:t>
+            </a:r>
+            <a:r>
+              <a:rPr lang="ko-KR" altLang="en-US" dirty="0" smtClean="0">
+                <a:solidFill>
+                  <a:srgbClr val="36B5E4"/>
+                </a:solidFill>
+              </a:rPr>
+              <a:t>커뮤니케이션 다이어그램</a:t>
+            </a:r>
+            <a:endParaRPr lang="ko-KR" altLang="en-US" dirty="0">
+              <a:solidFill>
+                <a:srgbClr val="36B5E4"/>
+              </a:solidFill>
+            </a:endParaRPr>
+          </a:p>
+        </p:txBody>
+      </p:sp>
     </p:spTree>
   </p:cSld>
   <p:clrMapOvr>
@@ -6301,17 +7347,7 @@
                 <a:latin typeface="a옛날목욕탕B" panose="02020600000000000000" pitchFamily="18" charset="-127"/>
                 <a:ea typeface="a옛날목욕탕B" panose="02020600000000000000" pitchFamily="18" charset="-127"/>
               </a:rPr>
-              <a:t>Analysis – </a:t>
-            </a:r>
-            <a:r>
-              <a:rPr lang="en-US" altLang="ko-KR" sz="2800" dirty="0" smtClean="0">
-                <a:solidFill>
-                  <a:srgbClr val="36B5E4"/>
-                </a:solidFill>
-                <a:latin typeface="a옛날목욕탕B" panose="02020600000000000000" pitchFamily="18" charset="-127"/>
-                <a:ea typeface="a옛날목욕탕B" panose="02020600000000000000" pitchFamily="18" charset="-127"/>
-              </a:rPr>
-              <a:t>Communication Diagram</a:t>
+              <a:t>Analysis – Communication Diagram</a:t>
             </a:r>
             <a:endParaRPr lang="ko-KR" altLang="en-US" sz="2800" dirty="0">
               <a:solidFill>
@@ -6355,6 +7391,51 @@
           </a:ln>
         </p:spPr>
       </p:pic>
+      <p:sp>
+        <p:nvSpPr>
+          <p:cNvPr id="5" name="직사각형 4"/>
+          <p:cNvSpPr/>
+          <p:nvPr/>
+        </p:nvSpPr>
+        <p:spPr>
+          <a:xfrm>
+            <a:off x="971600" y="1340768"/>
+            <a:ext cx="3348994" cy="369332"/>
+          </a:xfrm>
+          <a:prstGeom prst="rect">
+            <a:avLst/>
+          </a:prstGeom>
+        </p:spPr>
+        <p:txBody>
+          <a:bodyPr wrap="none">
+            <a:spAutoFit/>
+          </a:bodyPr>
+          <a:lstStyle/>
+          <a:p>
+            <a:r>
+              <a:rPr lang="ko-KR" altLang="en-US" dirty="0" smtClean="0">
+                <a:solidFill>
+                  <a:srgbClr val="36B5E4"/>
+                </a:solidFill>
+              </a:rPr>
+              <a:t>이체 </a:t>
+            </a:r>
+            <a:r>
+              <a:rPr lang="ko-KR" altLang="en-US" dirty="0" smtClean="0">
+                <a:solidFill>
+                  <a:srgbClr val="36B5E4"/>
+                </a:solidFill>
+              </a:rPr>
+              <a:t>커뮤니케이션 다이어그램</a:t>
+            </a:r>
+            <a:endParaRPr lang="ko-KR" altLang="en-US" dirty="0">
+              <a:solidFill>
+                <a:srgbClr val="36B5E4"/>
+              </a:solidFill>
+            </a:endParaRPr>
+          </a:p>
+        </p:txBody>
+      </p:sp>
     </p:spTree>
   </p:cSld>
   <p:clrMapOvr>
@@ -6417,17 +7498,7 @@
                 <a:latin typeface="a옛날목욕탕B" panose="02020600000000000000" pitchFamily="18" charset="-127"/>
                 <a:ea typeface="a옛날목욕탕B" panose="02020600000000000000" pitchFamily="18" charset="-127"/>
               </a:rPr>
-              <a:t>Analysis – </a:t>
-            </a:r>
-            <a:r>
-              <a:rPr lang="en-US" altLang="ko-KR" sz="2800" dirty="0" smtClean="0">
-                <a:solidFill>
-                  <a:srgbClr val="36B5E4"/>
-                </a:solidFill>
-                <a:latin typeface="a옛날목욕탕B" panose="02020600000000000000" pitchFamily="18" charset="-127"/>
-                <a:ea typeface="a옛날목욕탕B" panose="02020600000000000000" pitchFamily="18" charset="-127"/>
-              </a:rPr>
-              <a:t>Communication Diagram</a:t>
+              <a:t>Analysis – Communication Diagram</a:t>
             </a:r>
             <a:endParaRPr lang="ko-KR" altLang="en-US" sz="2800" dirty="0">
               <a:solidFill>
@@ -6471,6 +7542,51 @@
           </a:ln>
         </p:spPr>
       </p:pic>
+      <p:sp>
+        <p:nvSpPr>
+          <p:cNvPr id="5" name="직사각형 4"/>
+          <p:cNvSpPr/>
+          <p:nvPr/>
+        </p:nvSpPr>
+        <p:spPr>
+          <a:xfrm>
+            <a:off x="1007604" y="1160748"/>
+            <a:ext cx="3348994" cy="369332"/>
+          </a:xfrm>
+          <a:prstGeom prst="rect">
+            <a:avLst/>
+          </a:prstGeom>
+        </p:spPr>
+        <p:txBody>
+          <a:bodyPr wrap="none">
+            <a:spAutoFit/>
+          </a:bodyPr>
+          <a:lstStyle/>
+          <a:p>
+            <a:r>
+              <a:rPr lang="ko-KR" altLang="en-US" dirty="0" smtClean="0">
+                <a:solidFill>
+                  <a:srgbClr val="36B5E4"/>
+                </a:solidFill>
+              </a:rPr>
+              <a:t>조회 </a:t>
+            </a:r>
+            <a:r>
+              <a:rPr lang="ko-KR" altLang="en-US" dirty="0" smtClean="0">
+                <a:solidFill>
+                  <a:srgbClr val="36B5E4"/>
+                </a:solidFill>
+              </a:rPr>
+              <a:t>커뮤니케이션 다이어그램</a:t>
+            </a:r>
+            <a:endParaRPr lang="ko-KR" altLang="en-US" dirty="0">
+              <a:solidFill>
+                <a:srgbClr val="36B5E4"/>
+              </a:solidFill>
+            </a:endParaRPr>
+          </a:p>
+        </p:txBody>
+      </p:sp>
     </p:spTree>
   </p:cSld>
   <p:clrMapOvr>
@@ -6533,17 +7649,7 @@
                 <a:latin typeface="a옛날목욕탕B" panose="02020600000000000000" pitchFamily="18" charset="-127"/>
                 <a:ea typeface="a옛날목욕탕B" panose="02020600000000000000" pitchFamily="18" charset="-127"/>
               </a:rPr>
-              <a:t>Analysis – </a:t>
-            </a:r>
-            <a:r>
-              <a:rPr lang="en-US" altLang="ko-KR" sz="2800" dirty="0" smtClean="0">
-                <a:solidFill>
-                  <a:srgbClr val="36B5E4"/>
-                </a:solidFill>
-                <a:latin typeface="a옛날목욕탕B" panose="02020600000000000000" pitchFamily="18" charset="-127"/>
-                <a:ea typeface="a옛날목욕탕B" panose="02020600000000000000" pitchFamily="18" charset="-127"/>
-              </a:rPr>
-              <a:t>Communication Diagram</a:t>
+              <a:t>Analysis – Communication Diagram</a:t>
             </a:r>
             <a:endParaRPr lang="ko-KR" altLang="en-US" sz="2800" dirty="0">
               <a:solidFill>
@@ -6587,6 +7693,51 @@
           </a:ln>
         </p:spPr>
       </p:pic>
+      <p:sp>
+        <p:nvSpPr>
+          <p:cNvPr id="5" name="직사각형 4"/>
+          <p:cNvSpPr/>
+          <p:nvPr/>
+        </p:nvSpPr>
+        <p:spPr>
+          <a:xfrm>
+            <a:off x="791580" y="1196752"/>
+            <a:ext cx="5128327" cy="369332"/>
+          </a:xfrm>
+          <a:prstGeom prst="rect">
+            <a:avLst/>
+          </a:prstGeom>
+        </p:spPr>
+        <p:txBody>
+          <a:bodyPr wrap="none">
+            <a:spAutoFit/>
+          </a:bodyPr>
+          <a:lstStyle/>
+          <a:p>
+            <a:r>
+              <a:rPr lang="ko-KR" altLang="en-US" dirty="0" smtClean="0">
+                <a:solidFill>
+                  <a:srgbClr val="36B5E4"/>
+                </a:solidFill>
+              </a:rPr>
+              <a:t>잘못된 비밀번호 입력 커뮤니케이션 </a:t>
+            </a:r>
+            <a:r>
+              <a:rPr lang="ko-KR" altLang="en-US" dirty="0" smtClean="0">
+                <a:solidFill>
+                  <a:srgbClr val="36B5E4"/>
+                </a:solidFill>
+              </a:rPr>
+              <a:t>다이어그램</a:t>
+            </a:r>
+            <a:endParaRPr lang="ko-KR" altLang="en-US" dirty="0">
+              <a:solidFill>
+                <a:srgbClr val="36B5E4"/>
+              </a:solidFill>
+            </a:endParaRPr>
+          </a:p>
+        </p:txBody>
+      </p:sp>
     </p:spTree>
   </p:cSld>
   <p:clrMapOvr>
@@ -6603,6 +7754,1802 @@
 </file>
 
 <file path=ppt/slides/slide16.xml><?xml version="1.0" encoding="utf-8"?>
+<p:sld xmlns:a="http://schemas.openxmlformats.org/drawingml/2006/main" xmlns:r="http://schemas.openxmlformats.org/officeDocument/2006/relationships" xmlns:p="http://schemas.openxmlformats.org/presentationml/2006/main">
+  <p:cSld>
+    <p:spTree>
+      <p:nvGrpSpPr>
+        <p:cNvPr id="1" name=""/>
+        <p:cNvGrpSpPr/>
+        <p:nvPr/>
+      </p:nvGrpSpPr>
+      <p:grpSpPr>
+        <a:xfrm>
+          <a:off x="0" y="0"/>
+          <a:ext cx="0" cy="0"/>
+          <a:chOff x="0" y="0"/>
+          <a:chExt cx="0" cy="0"/>
+        </a:xfrm>
+      </p:grpSpPr>
+      <p:sp>
+        <p:nvSpPr>
+          <p:cNvPr id="4" name="TextBox 3"/>
+          <p:cNvSpPr txBox="1"/>
+          <p:nvPr/>
+        </p:nvSpPr>
+        <p:spPr>
+          <a:xfrm>
+            <a:off x="183940" y="263104"/>
+            <a:ext cx="3371436" cy="523220"/>
+          </a:xfrm>
+          <a:prstGeom prst="rect">
+            <a:avLst/>
+          </a:prstGeom>
+          <a:noFill/>
+        </p:spPr>
+        <p:txBody>
+          <a:bodyPr wrap="none" rtlCol="0">
+            <a:spAutoFit/>
+          </a:bodyPr>
+          <a:lstStyle/>
+          <a:p>
+            <a:r>
+              <a:rPr lang="en-US" altLang="ko-KR" sz="2800" dirty="0" smtClean="0">
+                <a:solidFill>
+                  <a:srgbClr val="36B5E4"/>
+                </a:solidFill>
+                <a:latin typeface="a옛날목욕탕B" panose="02020600000000000000" pitchFamily="18" charset="-127"/>
+                <a:ea typeface="a옛날목욕탕B" panose="02020600000000000000" pitchFamily="18" charset="-127"/>
+              </a:rPr>
+              <a:t>Design – CRC </a:t>
+            </a:r>
+            <a:r>
+              <a:rPr lang="ko-KR" altLang="en-US" sz="2800" dirty="0" smtClean="0">
+                <a:solidFill>
+                  <a:srgbClr val="36B5E4"/>
+                </a:solidFill>
+                <a:latin typeface="a옛날목욕탕B" panose="02020600000000000000" pitchFamily="18" charset="-127"/>
+                <a:ea typeface="a옛날목욕탕B" panose="02020600000000000000" pitchFamily="18" charset="-127"/>
+              </a:rPr>
+              <a:t>카드</a:t>
+            </a:r>
+            <a:endParaRPr lang="ko-KR" altLang="en-US" sz="2800" dirty="0">
+              <a:solidFill>
+                <a:srgbClr val="36B5E4"/>
+              </a:solidFill>
+              <a:latin typeface="a옛날목욕탕B" panose="02020600000000000000" pitchFamily="18" charset="-127"/>
+              <a:ea typeface="a옛날목욕탕B" panose="02020600000000000000" pitchFamily="18" charset="-127"/>
+            </a:endParaRPr>
+          </a:p>
+        </p:txBody>
+      </p:sp>
+      <p:sp>
+        <p:nvSpPr>
+          <p:cNvPr id="6" name="직사각형 5"/>
+          <p:cNvSpPr/>
+          <p:nvPr/>
+        </p:nvSpPr>
+        <p:spPr>
+          <a:xfrm>
+            <a:off x="935596" y="2672916"/>
+            <a:ext cx="7740860" cy="1077218"/>
+          </a:xfrm>
+          <a:prstGeom prst="rect">
+            <a:avLst/>
+          </a:prstGeom>
+        </p:spPr>
+        <p:txBody>
+          <a:bodyPr wrap="square">
+            <a:spAutoFit/>
+          </a:bodyPr>
+          <a:lstStyle/>
+          <a:p>
+            <a:r>
+              <a:rPr lang="en-US" altLang="ko-KR" sz="3200" dirty="0" smtClean="0">
+                <a:solidFill>
+                  <a:srgbClr val="00B0F0"/>
+                </a:solidFill>
+              </a:rPr>
+              <a:t>"Class - Responsibility - Collaborator“</a:t>
+            </a:r>
+          </a:p>
+          <a:p>
+            <a:r>
+              <a:rPr lang="en-US" altLang="ko-KR" sz="3200" dirty="0" smtClean="0">
+                <a:solidFill>
+                  <a:srgbClr val="00B0F0"/>
+                </a:solidFill>
+              </a:rPr>
+              <a:t>   (</a:t>
+            </a:r>
+            <a:r>
+              <a:rPr lang="ko-KR" altLang="en-US" sz="3200" dirty="0" smtClean="0">
+                <a:solidFill>
+                  <a:srgbClr val="00B0F0"/>
+                </a:solidFill>
+              </a:rPr>
+              <a:t>객체 </a:t>
+            </a:r>
+            <a:r>
+              <a:rPr lang="en-US" altLang="ko-KR" sz="3200" dirty="0" smtClean="0">
+                <a:solidFill>
+                  <a:srgbClr val="00B0F0"/>
+                </a:solidFill>
+              </a:rPr>
+              <a:t>- </a:t>
+            </a:r>
+            <a:r>
+              <a:rPr lang="ko-KR" altLang="en-US" sz="3200" dirty="0" smtClean="0">
+                <a:solidFill>
+                  <a:srgbClr val="00B0F0"/>
+                </a:solidFill>
+              </a:rPr>
+              <a:t>책임 </a:t>
+            </a:r>
+            <a:r>
+              <a:rPr lang="en-US" altLang="ko-KR" sz="3200" dirty="0" smtClean="0">
+                <a:solidFill>
+                  <a:srgbClr val="00B0F0"/>
+                </a:solidFill>
+              </a:rPr>
+              <a:t>- </a:t>
+            </a:r>
+            <a:r>
+              <a:rPr lang="ko-KR" altLang="en-US" sz="3200" dirty="0" smtClean="0">
+                <a:solidFill>
+                  <a:srgbClr val="00B0F0"/>
+                </a:solidFill>
+              </a:rPr>
+              <a:t>공동 작업자</a:t>
+            </a:r>
+            <a:r>
+              <a:rPr lang="en-US" altLang="ko-KR" sz="3200" dirty="0" smtClean="0">
+                <a:solidFill>
+                  <a:srgbClr val="00B0F0"/>
+                </a:solidFill>
+              </a:rPr>
+              <a:t>)</a:t>
+            </a:r>
+            <a:r>
+              <a:rPr lang="ko-KR" altLang="en-US" sz="3200" dirty="0" smtClean="0">
+                <a:solidFill>
+                  <a:srgbClr val="00B0F0"/>
+                </a:solidFill>
+              </a:rPr>
+              <a:t>의 약자</a:t>
+            </a:r>
+            <a:endParaRPr lang="ko-KR" altLang="en-US" sz="3200" dirty="0">
+              <a:solidFill>
+                <a:srgbClr val="00B0F0"/>
+              </a:solidFill>
+            </a:endParaRPr>
+          </a:p>
+        </p:txBody>
+      </p:sp>
+    </p:spTree>
+  </p:cSld>
+  <p:clrMapOvr>
+    <a:masterClrMapping/>
+  </p:clrMapOvr>
+  <p:timing>
+    <p:tnLst>
+      <p:par>
+        <p:cTn id="1" dur="indefinite" restart="never" nodeType="tmRoot"/>
+      </p:par>
+    </p:tnLst>
+  </p:timing>
+</p:sld>
+</file>
+
+<file path=ppt/slides/slide17.xml><?xml version="1.0" encoding="utf-8"?>
+<p:sld xmlns:a="http://schemas.openxmlformats.org/drawingml/2006/main" xmlns:r="http://schemas.openxmlformats.org/officeDocument/2006/relationships" xmlns:p="http://schemas.openxmlformats.org/presentationml/2006/main">
+  <p:cSld>
+    <p:spTree>
+      <p:nvGrpSpPr>
+        <p:cNvPr id="1" name=""/>
+        <p:cNvGrpSpPr/>
+        <p:nvPr/>
+      </p:nvGrpSpPr>
+      <p:grpSpPr>
+        <a:xfrm>
+          <a:off x="0" y="0"/>
+          <a:ext cx="0" cy="0"/>
+          <a:chOff x="0" y="0"/>
+          <a:chExt cx="0" cy="0"/>
+        </a:xfrm>
+      </p:grpSpPr>
+      <p:sp>
+        <p:nvSpPr>
+          <p:cNvPr id="4" name="TextBox 3"/>
+          <p:cNvSpPr txBox="1"/>
+          <p:nvPr/>
+        </p:nvSpPr>
+        <p:spPr>
+          <a:xfrm>
+            <a:off x="183940" y="263104"/>
+            <a:ext cx="3371436" cy="523220"/>
+          </a:xfrm>
+          <a:prstGeom prst="rect">
+            <a:avLst/>
+          </a:prstGeom>
+          <a:noFill/>
+        </p:spPr>
+        <p:txBody>
+          <a:bodyPr wrap="none" rtlCol="0">
+            <a:spAutoFit/>
+          </a:bodyPr>
+          <a:lstStyle/>
+          <a:p>
+            <a:r>
+              <a:rPr lang="en-US" altLang="ko-KR" sz="2800" dirty="0" smtClean="0">
+                <a:solidFill>
+                  <a:srgbClr val="36B5E4"/>
+                </a:solidFill>
+                <a:latin typeface="a옛날목욕탕B" panose="02020600000000000000" pitchFamily="18" charset="-127"/>
+                <a:ea typeface="a옛날목욕탕B" panose="02020600000000000000" pitchFamily="18" charset="-127"/>
+              </a:rPr>
+              <a:t>Design – CRC </a:t>
+            </a:r>
+            <a:r>
+              <a:rPr lang="ko-KR" altLang="en-US" sz="2800" dirty="0" smtClean="0">
+                <a:solidFill>
+                  <a:srgbClr val="36B5E4"/>
+                </a:solidFill>
+                <a:latin typeface="a옛날목욕탕B" panose="02020600000000000000" pitchFamily="18" charset="-127"/>
+                <a:ea typeface="a옛날목욕탕B" panose="02020600000000000000" pitchFamily="18" charset="-127"/>
+              </a:rPr>
+              <a:t>카드</a:t>
+            </a:r>
+            <a:endParaRPr lang="ko-KR" altLang="en-US" sz="2800" dirty="0">
+              <a:solidFill>
+                <a:srgbClr val="36B5E4"/>
+              </a:solidFill>
+              <a:latin typeface="a옛날목욕탕B" panose="02020600000000000000" pitchFamily="18" charset="-127"/>
+              <a:ea typeface="a옛날목욕탕B" panose="02020600000000000000" pitchFamily="18" charset="-127"/>
+            </a:endParaRPr>
+          </a:p>
+        </p:txBody>
+      </p:sp>
+      <p:pic>
+        <p:nvPicPr>
+          <p:cNvPr id="1026" name="Picture 2"/>
+          <p:cNvPicPr>
+            <a:picLocks noChangeAspect="1" noChangeArrowheads="1"/>
+          </p:cNvPicPr>
+          <p:nvPr/>
+        </p:nvPicPr>
+        <p:blipFill>
+          <a:blip r:embed="rId3" cstate="print"/>
+          <a:srcRect/>
+          <a:stretch>
+            <a:fillRect/>
+          </a:stretch>
+        </p:blipFill>
+        <p:spPr bwMode="auto">
+          <a:xfrm>
+            <a:off x="323528" y="908720"/>
+            <a:ext cx="8820472" cy="5846150"/>
+          </a:xfrm>
+          <a:prstGeom prst="rect">
+            <a:avLst/>
+          </a:prstGeom>
+          <a:noFill/>
+          <a:ln w="9525">
+            <a:noFill/>
+            <a:miter lim="800000"/>
+            <a:headEnd/>
+            <a:tailEnd/>
+          </a:ln>
+        </p:spPr>
+      </p:pic>
+      <p:cxnSp>
+        <p:nvCxnSpPr>
+          <p:cNvPr id="8" name="직선 연결선 7"/>
+          <p:cNvCxnSpPr/>
+          <p:nvPr/>
+        </p:nvCxnSpPr>
+        <p:spPr>
+          <a:xfrm>
+            <a:off x="503548" y="2960948"/>
+            <a:ext cx="8280920" cy="0"/>
+          </a:xfrm>
+          <a:prstGeom prst="line">
+            <a:avLst/>
+          </a:prstGeom>
+          <a:ln>
+            <a:solidFill>
+              <a:schemeClr val="accent3">
+                <a:lumMod val="60000"/>
+                <a:lumOff val="40000"/>
+              </a:schemeClr>
+            </a:solidFill>
+          </a:ln>
+        </p:spPr>
+        <p:style>
+          <a:lnRef idx="1">
+            <a:schemeClr val="accent1"/>
+          </a:lnRef>
+          <a:fillRef idx="0">
+            <a:schemeClr val="accent1"/>
+          </a:fillRef>
+          <a:effectRef idx="0">
+            <a:schemeClr val="accent1"/>
+          </a:effectRef>
+          <a:fontRef idx="minor">
+            <a:schemeClr val="tx1"/>
+          </a:fontRef>
+        </p:style>
+      </p:cxnSp>
+      <p:cxnSp>
+        <p:nvCxnSpPr>
+          <p:cNvPr id="9" name="직선 연결선 8"/>
+          <p:cNvCxnSpPr/>
+          <p:nvPr/>
+        </p:nvCxnSpPr>
+        <p:spPr>
+          <a:xfrm>
+            <a:off x="431540" y="5625244"/>
+            <a:ext cx="8280920" cy="0"/>
+          </a:xfrm>
+          <a:prstGeom prst="line">
+            <a:avLst/>
+          </a:prstGeom>
+          <a:ln>
+            <a:solidFill>
+              <a:schemeClr val="accent3">
+                <a:lumMod val="60000"/>
+                <a:lumOff val="40000"/>
+              </a:schemeClr>
+            </a:solidFill>
+          </a:ln>
+        </p:spPr>
+        <p:style>
+          <a:lnRef idx="1">
+            <a:schemeClr val="accent1"/>
+          </a:lnRef>
+          <a:fillRef idx="0">
+            <a:schemeClr val="accent1"/>
+          </a:fillRef>
+          <a:effectRef idx="0">
+            <a:schemeClr val="accent1"/>
+          </a:effectRef>
+          <a:fontRef idx="minor">
+            <a:schemeClr val="tx1"/>
+          </a:fontRef>
+        </p:style>
+      </p:cxnSp>
+    </p:spTree>
+  </p:cSld>
+  <p:clrMapOvr>
+    <a:masterClrMapping/>
+  </p:clrMapOvr>
+  <p:timing>
+    <p:tnLst>
+      <p:par>
+        <p:cTn id="1" dur="indefinite" restart="never" nodeType="tmRoot"/>
+      </p:par>
+    </p:tnLst>
+  </p:timing>
+</p:sld>
+</file>
+
+<file path=ppt/slides/slide18.xml><?xml version="1.0" encoding="utf-8"?>
+<p:sld xmlns:a="http://schemas.openxmlformats.org/drawingml/2006/main" xmlns:r="http://schemas.openxmlformats.org/officeDocument/2006/relationships" xmlns:p="http://schemas.openxmlformats.org/presentationml/2006/main">
+  <p:cSld>
+    <p:spTree>
+      <p:nvGrpSpPr>
+        <p:cNvPr id="1" name=""/>
+        <p:cNvGrpSpPr/>
+        <p:nvPr/>
+      </p:nvGrpSpPr>
+      <p:grpSpPr>
+        <a:xfrm>
+          <a:off x="0" y="0"/>
+          <a:ext cx="0" cy="0"/>
+          <a:chOff x="0" y="0"/>
+          <a:chExt cx="0" cy="0"/>
+        </a:xfrm>
+      </p:grpSpPr>
+      <p:sp>
+        <p:nvSpPr>
+          <p:cNvPr id="4" name="TextBox 3"/>
+          <p:cNvSpPr txBox="1"/>
+          <p:nvPr/>
+        </p:nvSpPr>
+        <p:spPr>
+          <a:xfrm>
+            <a:off x="183940" y="263104"/>
+            <a:ext cx="3371436" cy="523220"/>
+          </a:xfrm>
+          <a:prstGeom prst="rect">
+            <a:avLst/>
+          </a:prstGeom>
+          <a:noFill/>
+        </p:spPr>
+        <p:txBody>
+          <a:bodyPr wrap="none" rtlCol="0">
+            <a:spAutoFit/>
+          </a:bodyPr>
+          <a:lstStyle/>
+          <a:p>
+            <a:r>
+              <a:rPr lang="en-US" altLang="ko-KR" sz="2800" dirty="0" smtClean="0">
+                <a:solidFill>
+                  <a:srgbClr val="36B5E4"/>
+                </a:solidFill>
+                <a:latin typeface="a옛날목욕탕B" panose="02020600000000000000" pitchFamily="18" charset="-127"/>
+                <a:ea typeface="a옛날목욕탕B" panose="02020600000000000000" pitchFamily="18" charset="-127"/>
+              </a:rPr>
+              <a:t>Design – CRC </a:t>
+            </a:r>
+            <a:r>
+              <a:rPr lang="ko-KR" altLang="en-US" sz="2800" dirty="0" smtClean="0">
+                <a:solidFill>
+                  <a:srgbClr val="36B5E4"/>
+                </a:solidFill>
+                <a:latin typeface="a옛날목욕탕B" panose="02020600000000000000" pitchFamily="18" charset="-127"/>
+                <a:ea typeface="a옛날목욕탕B" panose="02020600000000000000" pitchFamily="18" charset="-127"/>
+              </a:rPr>
+              <a:t>카드</a:t>
+            </a:r>
+            <a:endParaRPr lang="ko-KR" altLang="en-US" sz="2800" dirty="0">
+              <a:solidFill>
+                <a:srgbClr val="36B5E4"/>
+              </a:solidFill>
+              <a:latin typeface="a옛날목욕탕B" panose="02020600000000000000" pitchFamily="18" charset="-127"/>
+              <a:ea typeface="a옛날목욕탕B" panose="02020600000000000000" pitchFamily="18" charset="-127"/>
+            </a:endParaRPr>
+          </a:p>
+        </p:txBody>
+      </p:sp>
+      <p:pic>
+        <p:nvPicPr>
+          <p:cNvPr id="2050" name="Picture 2"/>
+          <p:cNvPicPr>
+            <a:picLocks noChangeAspect="1" noChangeArrowheads="1"/>
+          </p:cNvPicPr>
+          <p:nvPr/>
+        </p:nvPicPr>
+        <p:blipFill>
+          <a:blip r:embed="rId3" cstate="print"/>
+          <a:srcRect/>
+          <a:stretch>
+            <a:fillRect/>
+          </a:stretch>
+        </p:blipFill>
+        <p:spPr bwMode="auto">
+          <a:xfrm>
+            <a:off x="287524" y="872717"/>
+            <a:ext cx="8280920" cy="5760640"/>
+          </a:xfrm>
+          <a:prstGeom prst="rect">
+            <a:avLst/>
+          </a:prstGeom>
+          <a:noFill/>
+          <a:ln w="9525">
+            <a:noFill/>
+            <a:miter lim="800000"/>
+            <a:headEnd/>
+            <a:tailEnd/>
+          </a:ln>
+        </p:spPr>
+      </p:pic>
+    </p:spTree>
+  </p:cSld>
+  <p:clrMapOvr>
+    <a:masterClrMapping/>
+  </p:clrMapOvr>
+  <p:timing>
+    <p:tnLst>
+      <p:par>
+        <p:cTn id="1" dur="indefinite" restart="never" nodeType="tmRoot"/>
+      </p:par>
+    </p:tnLst>
+  </p:timing>
+</p:sld>
+</file>
+
+<file path=ppt/slides/slide19.xml><?xml version="1.0" encoding="utf-8"?>
+<p:sld xmlns:a="http://schemas.openxmlformats.org/drawingml/2006/main" xmlns:r="http://schemas.openxmlformats.org/officeDocument/2006/relationships" xmlns:p="http://schemas.openxmlformats.org/presentationml/2006/main">
+  <p:cSld>
+    <p:spTree>
+      <p:nvGrpSpPr>
+        <p:cNvPr id="1" name=""/>
+        <p:cNvGrpSpPr/>
+        <p:nvPr/>
+      </p:nvGrpSpPr>
+      <p:grpSpPr>
+        <a:xfrm>
+          <a:off x="0" y="0"/>
+          <a:ext cx="0" cy="0"/>
+          <a:chOff x="0" y="0"/>
+          <a:chExt cx="0" cy="0"/>
+        </a:xfrm>
+      </p:grpSpPr>
+      <p:sp>
+        <p:nvSpPr>
+          <p:cNvPr id="4" name="TextBox 3"/>
+          <p:cNvSpPr txBox="1"/>
+          <p:nvPr/>
+        </p:nvSpPr>
+        <p:spPr>
+          <a:xfrm>
+            <a:off x="183940" y="263104"/>
+            <a:ext cx="3371436" cy="523220"/>
+          </a:xfrm>
+          <a:prstGeom prst="rect">
+            <a:avLst/>
+          </a:prstGeom>
+          <a:noFill/>
+        </p:spPr>
+        <p:txBody>
+          <a:bodyPr wrap="none" rtlCol="0">
+            <a:spAutoFit/>
+          </a:bodyPr>
+          <a:lstStyle/>
+          <a:p>
+            <a:r>
+              <a:rPr lang="en-US" altLang="ko-KR" sz="2800" dirty="0" smtClean="0">
+                <a:solidFill>
+                  <a:srgbClr val="36B5E4"/>
+                </a:solidFill>
+                <a:latin typeface="a옛날목욕탕B" panose="02020600000000000000" pitchFamily="18" charset="-127"/>
+                <a:ea typeface="a옛날목욕탕B" panose="02020600000000000000" pitchFamily="18" charset="-127"/>
+              </a:rPr>
+              <a:t>Design – CRC </a:t>
+            </a:r>
+            <a:r>
+              <a:rPr lang="ko-KR" altLang="en-US" sz="2800" dirty="0" smtClean="0">
+                <a:solidFill>
+                  <a:srgbClr val="36B5E4"/>
+                </a:solidFill>
+                <a:latin typeface="a옛날목욕탕B" panose="02020600000000000000" pitchFamily="18" charset="-127"/>
+                <a:ea typeface="a옛날목욕탕B" panose="02020600000000000000" pitchFamily="18" charset="-127"/>
+              </a:rPr>
+              <a:t>카드</a:t>
+            </a:r>
+            <a:endParaRPr lang="ko-KR" altLang="en-US" sz="2800" dirty="0">
+              <a:solidFill>
+                <a:srgbClr val="36B5E4"/>
+              </a:solidFill>
+              <a:latin typeface="a옛날목욕탕B" panose="02020600000000000000" pitchFamily="18" charset="-127"/>
+              <a:ea typeface="a옛날목욕탕B" panose="02020600000000000000" pitchFamily="18" charset="-127"/>
+            </a:endParaRPr>
+          </a:p>
+        </p:txBody>
+      </p:sp>
+      <p:pic>
+        <p:nvPicPr>
+          <p:cNvPr id="1026" name="Picture 2"/>
+          <p:cNvPicPr>
+            <a:picLocks noChangeAspect="1" noChangeArrowheads="1"/>
+          </p:cNvPicPr>
+          <p:nvPr/>
+        </p:nvPicPr>
+        <p:blipFill>
+          <a:blip r:embed="rId3" cstate="print"/>
+          <a:srcRect/>
+          <a:stretch>
+            <a:fillRect/>
+          </a:stretch>
+        </p:blipFill>
+        <p:spPr bwMode="auto">
+          <a:xfrm>
+            <a:off x="287524" y="836712"/>
+            <a:ext cx="8676964" cy="5832648"/>
+          </a:xfrm>
+          <a:prstGeom prst="rect">
+            <a:avLst/>
+          </a:prstGeom>
+          <a:noFill/>
+          <a:ln w="9525">
+            <a:noFill/>
+            <a:miter lim="800000"/>
+            <a:headEnd/>
+            <a:tailEnd/>
+          </a:ln>
+        </p:spPr>
+      </p:pic>
+      <p:cxnSp>
+        <p:nvCxnSpPr>
+          <p:cNvPr id="5" name="직선 연결선 4"/>
+          <p:cNvCxnSpPr/>
+          <p:nvPr/>
+        </p:nvCxnSpPr>
+        <p:spPr>
+          <a:xfrm>
+            <a:off x="467544" y="4473116"/>
+            <a:ext cx="8280920" cy="0"/>
+          </a:xfrm>
+          <a:prstGeom prst="line">
+            <a:avLst/>
+          </a:prstGeom>
+          <a:ln>
+            <a:solidFill>
+              <a:schemeClr val="accent3">
+                <a:lumMod val="60000"/>
+                <a:lumOff val="40000"/>
+              </a:schemeClr>
+            </a:solidFill>
+          </a:ln>
+        </p:spPr>
+        <p:style>
+          <a:lnRef idx="1">
+            <a:schemeClr val="accent1"/>
+          </a:lnRef>
+          <a:fillRef idx="0">
+            <a:schemeClr val="accent1"/>
+          </a:fillRef>
+          <a:effectRef idx="0">
+            <a:schemeClr val="accent1"/>
+          </a:effectRef>
+          <a:fontRef idx="minor">
+            <a:schemeClr val="tx1"/>
+          </a:fontRef>
+        </p:style>
+      </p:cxnSp>
+    </p:spTree>
+  </p:cSld>
+  <p:clrMapOvr>
+    <a:masterClrMapping/>
+  </p:clrMapOvr>
+  <p:timing>
+    <p:tnLst>
+      <p:par>
+        <p:cTn id="1" dur="indefinite" restart="never" nodeType="tmRoot"/>
+      </p:par>
+    </p:tnLst>
+  </p:timing>
+</p:sld>
+</file>
+
+<file path=ppt/slides/slide2.xml><?xml version="1.0" encoding="utf-8"?>
+<p:sld xmlns:a="http://schemas.openxmlformats.org/drawingml/2006/main" xmlns:r="http://schemas.openxmlformats.org/officeDocument/2006/relationships" xmlns:p="http://schemas.openxmlformats.org/presentationml/2006/main">
+  <p:cSld>
+    <p:spTree>
+      <p:nvGrpSpPr>
+        <p:cNvPr id="1" name=""/>
+        <p:cNvGrpSpPr/>
+        <p:nvPr/>
+      </p:nvGrpSpPr>
+      <p:grpSpPr>
+        <a:xfrm>
+          <a:off x="0" y="0"/>
+          <a:ext cx="0" cy="0"/>
+          <a:chOff x="0" y="0"/>
+          <a:chExt cx="0" cy="0"/>
+        </a:xfrm>
+      </p:grpSpPr>
+      <p:sp>
+        <p:nvSpPr>
+          <p:cNvPr id="7" name="직사각형 6"/>
+          <p:cNvSpPr/>
+          <p:nvPr/>
+        </p:nvSpPr>
+        <p:spPr>
+          <a:xfrm>
+            <a:off x="0" y="1052736"/>
+            <a:ext cx="9144000" cy="5805264"/>
+          </a:xfrm>
+          <a:prstGeom prst="rect">
+            <a:avLst/>
+          </a:prstGeom>
+          <a:solidFill>
+            <a:srgbClr val="36B5E4"/>
+          </a:solidFill>
+          <a:ln>
+            <a:noFill/>
+          </a:ln>
+        </p:spPr>
+        <p:style>
+          <a:lnRef idx="2">
+            <a:schemeClr val="accent1">
+              <a:shade val="50000"/>
+            </a:schemeClr>
+          </a:lnRef>
+          <a:fillRef idx="1">
+            <a:schemeClr val="accent1"/>
+          </a:fillRef>
+          <a:effectRef idx="0">
+            <a:schemeClr val="accent1"/>
+          </a:effectRef>
+          <a:fontRef idx="minor">
+            <a:schemeClr val="lt1"/>
+          </a:fontRef>
+        </p:style>
+        <p:txBody>
+          <a:bodyPr rtlCol="0" anchor="ctr"/>
+          <a:lstStyle/>
+          <a:p>
+            <a:pPr algn="ctr"/>
+            <a:endParaRPr lang="ko-KR" altLang="en-US"/>
+          </a:p>
+        </p:txBody>
+      </p:sp>
+      <p:sp>
+        <p:nvSpPr>
+          <p:cNvPr id="8" name="TextBox 25"/>
+          <p:cNvSpPr txBox="1">
+            <a:spLocks noChangeArrowheads="1"/>
+          </p:cNvSpPr>
+          <p:nvPr/>
+        </p:nvSpPr>
+        <p:spPr bwMode="auto">
+          <a:xfrm>
+            <a:off x="1159336" y="1763909"/>
+            <a:ext cx="4132743" cy="461665"/>
+          </a:xfrm>
+          <a:prstGeom prst="rect">
+            <a:avLst/>
+          </a:prstGeom>
+          <a:noFill/>
+          <a:ln w="9525">
+            <a:noFill/>
+            <a:miter lim="800000"/>
+            <a:headEnd/>
+            <a:tailEnd/>
+          </a:ln>
+        </p:spPr>
+        <p:txBody>
+          <a:bodyPr wrap="square">
+            <a:spAutoFit/>
+          </a:bodyPr>
+          <a:lstStyle/>
+          <a:p>
+            <a:r>
+              <a:rPr lang="en-US" altLang="ko-KR" sz="2400" dirty="0" smtClean="0">
+                <a:solidFill>
+                  <a:schemeClr val="bg1"/>
+                </a:solidFill>
+                <a:latin typeface="-윤고딕330" panose="02030504000101010101" pitchFamily="18" charset="-127"/>
+                <a:ea typeface="-윤고딕330" panose="02030504000101010101" pitchFamily="18" charset="-127"/>
+              </a:rPr>
+              <a:t>1. Requirement - </a:t>
+            </a:r>
+            <a:r>
+              <a:rPr lang="en-US" altLang="ko-KR" sz="2400" dirty="0" err="1" smtClean="0">
+                <a:solidFill>
+                  <a:schemeClr val="bg1"/>
+                </a:solidFill>
+                <a:latin typeface="-윤고딕330" panose="02030504000101010101" pitchFamily="18" charset="-127"/>
+                <a:ea typeface="-윤고딕330" panose="02030504000101010101" pitchFamily="18" charset="-127"/>
+              </a:rPr>
+              <a:t>Usecase</a:t>
+            </a:r>
+            <a:endParaRPr lang="en-US" altLang="ko-KR" sz="2400" dirty="0" smtClean="0">
+              <a:solidFill>
+                <a:schemeClr val="bg1"/>
+              </a:solidFill>
+              <a:latin typeface="-윤고딕330" panose="02030504000101010101" pitchFamily="18" charset="-127"/>
+              <a:ea typeface="-윤고딕330" panose="02030504000101010101" pitchFamily="18" charset="-127"/>
+            </a:endParaRPr>
+          </a:p>
+        </p:txBody>
+      </p:sp>
+      <p:sp>
+        <p:nvSpPr>
+          <p:cNvPr id="9" name="TextBox 25"/>
+          <p:cNvSpPr txBox="1">
+            <a:spLocks noChangeArrowheads="1"/>
+          </p:cNvSpPr>
+          <p:nvPr/>
+        </p:nvSpPr>
+        <p:spPr bwMode="auto">
+          <a:xfrm>
+            <a:off x="1159336" y="2623863"/>
+            <a:ext cx="4888827" cy="461665"/>
+          </a:xfrm>
+          <a:prstGeom prst="rect">
+            <a:avLst/>
+          </a:prstGeom>
+          <a:noFill/>
+          <a:ln w="9525">
+            <a:noFill/>
+            <a:miter lim="800000"/>
+            <a:headEnd/>
+            <a:tailEnd/>
+          </a:ln>
+        </p:spPr>
+        <p:txBody>
+          <a:bodyPr wrap="square">
+            <a:spAutoFit/>
+          </a:bodyPr>
+          <a:lstStyle/>
+          <a:p>
+            <a:r>
+              <a:rPr lang="en-US" altLang="ko-KR" sz="2400" dirty="0">
+                <a:solidFill>
+                  <a:schemeClr val="bg1"/>
+                </a:solidFill>
+                <a:latin typeface="-윤고딕330" panose="02030504000101010101" pitchFamily="18" charset="-127"/>
+                <a:ea typeface="-윤고딕330" panose="02030504000101010101" pitchFamily="18" charset="-127"/>
+              </a:rPr>
+              <a:t>3</a:t>
+            </a:r>
+            <a:r>
+              <a:rPr lang="en-US" altLang="ko-KR" sz="2400" dirty="0" smtClean="0">
+                <a:solidFill>
+                  <a:schemeClr val="bg1"/>
+                </a:solidFill>
+                <a:latin typeface="-윤고딕330" panose="02030504000101010101" pitchFamily="18" charset="-127"/>
+                <a:ea typeface="-윤고딕330" panose="02030504000101010101" pitchFamily="18" charset="-127"/>
+              </a:rPr>
+              <a:t>. Requirement - </a:t>
+            </a:r>
+            <a:r>
+              <a:rPr lang="ko-KR" altLang="en-US" sz="2400" dirty="0" smtClean="0">
+                <a:solidFill>
+                  <a:schemeClr val="bg1"/>
+                </a:solidFill>
+                <a:latin typeface="-윤고딕330" panose="02030504000101010101" pitchFamily="18" charset="-127"/>
+                <a:ea typeface="-윤고딕330" panose="02030504000101010101" pitchFamily="18" charset="-127"/>
+              </a:rPr>
+              <a:t>용어집</a:t>
+            </a:r>
+            <a:endParaRPr lang="en-US" altLang="ko-KR" sz="2400" dirty="0" smtClean="0">
+              <a:solidFill>
+                <a:schemeClr val="bg1"/>
+              </a:solidFill>
+              <a:latin typeface="-윤고딕330" panose="02030504000101010101" pitchFamily="18" charset="-127"/>
+              <a:ea typeface="-윤고딕330" panose="02030504000101010101" pitchFamily="18" charset="-127"/>
+            </a:endParaRPr>
+          </a:p>
+        </p:txBody>
+      </p:sp>
+      <p:sp>
+        <p:nvSpPr>
+          <p:cNvPr id="10" name="TextBox 25"/>
+          <p:cNvSpPr txBox="1">
+            <a:spLocks noChangeArrowheads="1"/>
+          </p:cNvSpPr>
+          <p:nvPr/>
+        </p:nvSpPr>
+        <p:spPr bwMode="auto">
+          <a:xfrm>
+            <a:off x="1159336" y="2193886"/>
+            <a:ext cx="5716919" cy="461665"/>
+          </a:xfrm>
+          <a:prstGeom prst="rect">
+            <a:avLst/>
+          </a:prstGeom>
+          <a:noFill/>
+          <a:ln w="9525">
+            <a:noFill/>
+            <a:miter lim="800000"/>
+            <a:headEnd/>
+            <a:tailEnd/>
+          </a:ln>
+        </p:spPr>
+        <p:txBody>
+          <a:bodyPr wrap="square">
+            <a:spAutoFit/>
+          </a:bodyPr>
+          <a:lstStyle/>
+          <a:p>
+            <a:r>
+              <a:rPr lang="en-US" altLang="ko-KR" sz="2400" dirty="0">
+                <a:solidFill>
+                  <a:schemeClr val="bg1"/>
+                </a:solidFill>
+                <a:latin typeface="-윤고딕330" panose="02030504000101010101" pitchFamily="18" charset="-127"/>
+                <a:ea typeface="-윤고딕330" panose="02030504000101010101" pitchFamily="18" charset="-127"/>
+              </a:rPr>
+              <a:t>2</a:t>
+            </a:r>
+            <a:r>
+              <a:rPr lang="en-US" altLang="ko-KR" sz="2400" dirty="0" smtClean="0">
+                <a:solidFill>
+                  <a:schemeClr val="bg1"/>
+                </a:solidFill>
+                <a:latin typeface="-윤고딕330" panose="02030504000101010101" pitchFamily="18" charset="-127"/>
+                <a:ea typeface="-윤고딕330" panose="02030504000101010101" pitchFamily="18" charset="-127"/>
+              </a:rPr>
+              <a:t>. Requirement - Domain Model</a:t>
+            </a:r>
+          </a:p>
+        </p:txBody>
+      </p:sp>
+      <p:sp>
+        <p:nvSpPr>
+          <p:cNvPr id="11" name="TextBox 25"/>
+          <p:cNvSpPr txBox="1">
+            <a:spLocks noChangeArrowheads="1"/>
+          </p:cNvSpPr>
+          <p:nvPr/>
+        </p:nvSpPr>
+        <p:spPr bwMode="auto">
+          <a:xfrm>
+            <a:off x="1151620" y="3483817"/>
+            <a:ext cx="5184068" cy="461665"/>
+          </a:xfrm>
+          <a:prstGeom prst="rect">
+            <a:avLst/>
+          </a:prstGeom>
+          <a:noFill/>
+          <a:ln w="9525">
+            <a:noFill/>
+            <a:miter lim="800000"/>
+            <a:headEnd/>
+            <a:tailEnd/>
+          </a:ln>
+        </p:spPr>
+        <p:txBody>
+          <a:bodyPr wrap="square">
+            <a:spAutoFit/>
+          </a:bodyPr>
+          <a:lstStyle/>
+          <a:p>
+            <a:r>
+              <a:rPr lang="en-US" altLang="ko-KR" sz="2400" dirty="0" smtClean="0">
+                <a:solidFill>
+                  <a:schemeClr val="bg1"/>
+                </a:solidFill>
+                <a:latin typeface="-윤고딕330" panose="02030504000101010101" pitchFamily="18" charset="-127"/>
+                <a:ea typeface="-윤고딕330" panose="02030504000101010101" pitchFamily="18" charset="-127"/>
+              </a:rPr>
+              <a:t>5. Analysis - </a:t>
+            </a:r>
+            <a:r>
+              <a:rPr lang="en-US" altLang="ko-KR" sz="2400" dirty="0" err="1" smtClean="0">
+                <a:solidFill>
+                  <a:schemeClr val="bg1"/>
+                </a:solidFill>
+                <a:latin typeface="-윤고딕330" panose="02030504000101010101" pitchFamily="18" charset="-127"/>
+                <a:ea typeface="-윤고딕330" panose="02030504000101010101" pitchFamily="18" charset="-127"/>
+              </a:rPr>
+              <a:t>SequenceDiagram</a:t>
+            </a:r>
+            <a:endParaRPr lang="en-US" altLang="ko-KR" sz="2400" dirty="0" smtClean="0">
+              <a:solidFill>
+                <a:schemeClr val="bg1"/>
+              </a:solidFill>
+              <a:latin typeface="-윤고딕330" panose="02030504000101010101" pitchFamily="18" charset="-127"/>
+              <a:ea typeface="-윤고딕330" panose="02030504000101010101" pitchFamily="18" charset="-127"/>
+            </a:endParaRPr>
+          </a:p>
+        </p:txBody>
+      </p:sp>
+      <p:sp>
+        <p:nvSpPr>
+          <p:cNvPr id="12" name="TextBox 25"/>
+          <p:cNvSpPr txBox="1">
+            <a:spLocks noChangeArrowheads="1"/>
+          </p:cNvSpPr>
+          <p:nvPr/>
+        </p:nvSpPr>
+        <p:spPr bwMode="auto">
+          <a:xfrm>
+            <a:off x="1151620" y="3053840"/>
+            <a:ext cx="4464496" cy="461665"/>
+          </a:xfrm>
+          <a:prstGeom prst="rect">
+            <a:avLst/>
+          </a:prstGeom>
+          <a:noFill/>
+          <a:ln w="9525">
+            <a:noFill/>
+            <a:miter lim="800000"/>
+            <a:headEnd/>
+            <a:tailEnd/>
+          </a:ln>
+        </p:spPr>
+        <p:txBody>
+          <a:bodyPr wrap="square">
+            <a:spAutoFit/>
+          </a:bodyPr>
+          <a:lstStyle/>
+          <a:p>
+            <a:r>
+              <a:rPr lang="en-US" altLang="ko-KR" sz="2400" dirty="0" smtClean="0">
+                <a:solidFill>
+                  <a:schemeClr val="bg1"/>
+                </a:solidFill>
+                <a:latin typeface="-윤고딕330" panose="02030504000101010101" pitchFamily="18" charset="-127"/>
+                <a:ea typeface="-윤고딕330" panose="02030504000101010101" pitchFamily="18" charset="-127"/>
+              </a:rPr>
+              <a:t>4. Analysis - </a:t>
+            </a:r>
+            <a:r>
+              <a:rPr lang="en-US" altLang="ko-KR" sz="2400" dirty="0" err="1" smtClean="0">
+                <a:solidFill>
+                  <a:schemeClr val="bg1"/>
+                </a:solidFill>
+                <a:latin typeface="-윤고딕330" panose="02030504000101010101" pitchFamily="18" charset="-127"/>
+                <a:ea typeface="-윤고딕330" panose="02030504000101010101" pitchFamily="18" charset="-127"/>
+              </a:rPr>
+              <a:t>ClassDiagram</a:t>
+            </a:r>
+            <a:endParaRPr lang="en-US" altLang="ko-KR" sz="2400" dirty="0" smtClean="0">
+              <a:solidFill>
+                <a:schemeClr val="bg1"/>
+              </a:solidFill>
+              <a:latin typeface="-윤고딕330" panose="02030504000101010101" pitchFamily="18" charset="-127"/>
+              <a:ea typeface="-윤고딕330" panose="02030504000101010101" pitchFamily="18" charset="-127"/>
+            </a:endParaRPr>
+          </a:p>
+        </p:txBody>
+      </p:sp>
+      <p:sp>
+        <p:nvSpPr>
+          <p:cNvPr id="14" name="TextBox 13"/>
+          <p:cNvSpPr txBox="1"/>
+          <p:nvPr/>
+        </p:nvSpPr>
+        <p:spPr>
+          <a:xfrm>
+            <a:off x="183940" y="263104"/>
+            <a:ext cx="801823" cy="523220"/>
+          </a:xfrm>
+          <a:prstGeom prst="rect">
+            <a:avLst/>
+          </a:prstGeom>
+          <a:noFill/>
+        </p:spPr>
+        <p:txBody>
+          <a:bodyPr wrap="none" rtlCol="0">
+            <a:spAutoFit/>
+          </a:bodyPr>
+          <a:lstStyle/>
+          <a:p>
+            <a:r>
+              <a:rPr lang="ko-KR" altLang="en-US" sz="2800" dirty="0" smtClean="0">
+                <a:solidFill>
+                  <a:srgbClr val="36B5E4"/>
+                </a:solidFill>
+                <a:latin typeface="a옛날목욕탕B" panose="02020600000000000000" pitchFamily="18" charset="-127"/>
+                <a:ea typeface="a옛날목욕탕B" panose="02020600000000000000" pitchFamily="18" charset="-127"/>
+              </a:rPr>
+              <a:t>목차</a:t>
+            </a:r>
+            <a:endParaRPr lang="ko-KR" altLang="en-US" sz="2800" dirty="0">
+              <a:solidFill>
+                <a:srgbClr val="36B5E4"/>
+              </a:solidFill>
+              <a:latin typeface="a옛날목욕탕B" panose="02020600000000000000" pitchFamily="18" charset="-127"/>
+              <a:ea typeface="a옛날목욕탕B" panose="02020600000000000000" pitchFamily="18" charset="-127"/>
+            </a:endParaRPr>
+          </a:p>
+        </p:txBody>
+      </p:sp>
+      <p:sp>
+        <p:nvSpPr>
+          <p:cNvPr id="13" name="TextBox 25"/>
+          <p:cNvSpPr txBox="1">
+            <a:spLocks noChangeArrowheads="1"/>
+          </p:cNvSpPr>
+          <p:nvPr/>
+        </p:nvSpPr>
+        <p:spPr bwMode="auto">
+          <a:xfrm>
+            <a:off x="1151620" y="3913794"/>
+            <a:ext cx="5184068" cy="461665"/>
+          </a:xfrm>
+          <a:prstGeom prst="rect">
+            <a:avLst/>
+          </a:prstGeom>
+          <a:noFill/>
+          <a:ln w="9525">
+            <a:noFill/>
+            <a:miter lim="800000"/>
+            <a:headEnd/>
+            <a:tailEnd/>
+          </a:ln>
+        </p:spPr>
+        <p:txBody>
+          <a:bodyPr wrap="square">
+            <a:spAutoFit/>
+          </a:bodyPr>
+          <a:lstStyle/>
+          <a:p>
+            <a:r>
+              <a:rPr lang="en-US" altLang="ko-KR" sz="2400" dirty="0" smtClean="0">
+                <a:solidFill>
+                  <a:schemeClr val="bg1"/>
+                </a:solidFill>
+                <a:latin typeface="-윤고딕330" panose="02030504000101010101" pitchFamily="18" charset="-127"/>
+                <a:ea typeface="-윤고딕330" panose="02030504000101010101" pitchFamily="18" charset="-127"/>
+              </a:rPr>
+              <a:t>6. Analysis – </a:t>
+            </a:r>
+            <a:r>
+              <a:rPr lang="en-US" altLang="ko-KR" sz="2400" dirty="0" err="1" smtClean="0">
+                <a:solidFill>
+                  <a:schemeClr val="bg1"/>
+                </a:solidFill>
+                <a:latin typeface="-윤고딕330" panose="02030504000101010101" pitchFamily="18" charset="-127"/>
+                <a:ea typeface="-윤고딕330" panose="02030504000101010101" pitchFamily="18" charset="-127"/>
+              </a:rPr>
+              <a:t>Comunication</a:t>
+            </a:r>
+            <a:r>
+              <a:rPr lang="en-US" altLang="ko-KR" sz="2400" dirty="0" smtClean="0">
+                <a:solidFill>
+                  <a:schemeClr val="bg1"/>
+                </a:solidFill>
+                <a:latin typeface="-윤고딕330" panose="02030504000101010101" pitchFamily="18" charset="-127"/>
+                <a:ea typeface="-윤고딕330" panose="02030504000101010101" pitchFamily="18" charset="-127"/>
+              </a:rPr>
+              <a:t> Diagram</a:t>
+            </a:r>
+          </a:p>
+        </p:txBody>
+      </p:sp>
+      <p:sp>
+        <p:nvSpPr>
+          <p:cNvPr id="15" name="TextBox 25"/>
+          <p:cNvSpPr txBox="1">
+            <a:spLocks noChangeArrowheads="1"/>
+          </p:cNvSpPr>
+          <p:nvPr/>
+        </p:nvSpPr>
+        <p:spPr bwMode="auto">
+          <a:xfrm>
+            <a:off x="1151620" y="4343771"/>
+            <a:ext cx="5184068" cy="461665"/>
+          </a:xfrm>
+          <a:prstGeom prst="rect">
+            <a:avLst/>
+          </a:prstGeom>
+          <a:noFill/>
+          <a:ln w="9525">
+            <a:noFill/>
+            <a:miter lim="800000"/>
+            <a:headEnd/>
+            <a:tailEnd/>
+          </a:ln>
+        </p:spPr>
+        <p:txBody>
+          <a:bodyPr wrap="square">
+            <a:spAutoFit/>
+          </a:bodyPr>
+          <a:lstStyle/>
+          <a:p>
+            <a:r>
+              <a:rPr lang="en-US" altLang="ko-KR" sz="2400" dirty="0" smtClean="0">
+                <a:solidFill>
+                  <a:schemeClr val="bg1"/>
+                </a:solidFill>
+                <a:latin typeface="-윤고딕330" panose="02030504000101010101" pitchFamily="18" charset="-127"/>
+                <a:ea typeface="-윤고딕330" panose="02030504000101010101" pitchFamily="18" charset="-127"/>
+              </a:rPr>
+              <a:t>7. Design – Detailed Class Diagram</a:t>
+            </a:r>
+          </a:p>
+        </p:txBody>
+      </p:sp>
+      <p:sp>
+        <p:nvSpPr>
+          <p:cNvPr id="16" name="TextBox 25"/>
+          <p:cNvSpPr txBox="1">
+            <a:spLocks noChangeArrowheads="1"/>
+          </p:cNvSpPr>
+          <p:nvPr/>
+        </p:nvSpPr>
+        <p:spPr bwMode="auto">
+          <a:xfrm>
+            <a:off x="1151620" y="4773748"/>
+            <a:ext cx="5184068" cy="461665"/>
+          </a:xfrm>
+          <a:prstGeom prst="rect">
+            <a:avLst/>
+          </a:prstGeom>
+          <a:noFill/>
+          <a:ln w="9525">
+            <a:noFill/>
+            <a:miter lim="800000"/>
+            <a:headEnd/>
+            <a:tailEnd/>
+          </a:ln>
+        </p:spPr>
+        <p:txBody>
+          <a:bodyPr wrap="square">
+            <a:spAutoFit/>
+          </a:bodyPr>
+          <a:lstStyle/>
+          <a:p>
+            <a:r>
+              <a:rPr lang="en-US" altLang="ko-KR" sz="2400" dirty="0" smtClean="0">
+                <a:solidFill>
+                  <a:schemeClr val="bg1"/>
+                </a:solidFill>
+                <a:latin typeface="-윤고딕330" panose="02030504000101010101" pitchFamily="18" charset="-127"/>
+                <a:ea typeface="-윤고딕330" panose="02030504000101010101" pitchFamily="18" charset="-127"/>
+              </a:rPr>
+              <a:t>8. Design – DB Schema</a:t>
+            </a:r>
+          </a:p>
+        </p:txBody>
+      </p:sp>
+      <p:sp>
+        <p:nvSpPr>
+          <p:cNvPr id="17" name="TextBox 25"/>
+          <p:cNvSpPr txBox="1">
+            <a:spLocks noChangeArrowheads="1"/>
+          </p:cNvSpPr>
+          <p:nvPr/>
+        </p:nvSpPr>
+        <p:spPr bwMode="auto">
+          <a:xfrm>
+            <a:off x="1151620" y="5203725"/>
+            <a:ext cx="7056784" cy="461665"/>
+          </a:xfrm>
+          <a:prstGeom prst="rect">
+            <a:avLst/>
+          </a:prstGeom>
+          <a:noFill/>
+          <a:ln w="9525">
+            <a:noFill/>
+            <a:miter lim="800000"/>
+            <a:headEnd/>
+            <a:tailEnd/>
+          </a:ln>
+        </p:spPr>
+        <p:txBody>
+          <a:bodyPr wrap="square">
+            <a:spAutoFit/>
+          </a:bodyPr>
+          <a:lstStyle/>
+          <a:p>
+            <a:r>
+              <a:rPr lang="en-US" altLang="ko-KR" sz="2400" dirty="0" smtClean="0">
+                <a:solidFill>
+                  <a:schemeClr val="bg1"/>
+                </a:solidFill>
+                <a:latin typeface="-윤고딕330" panose="02030504000101010101" pitchFamily="18" charset="-127"/>
+                <a:ea typeface="-윤고딕330" panose="02030504000101010101" pitchFamily="18" charset="-127"/>
+              </a:rPr>
+              <a:t>9. Implementation – Component Diagram</a:t>
+            </a:r>
+          </a:p>
+        </p:txBody>
+      </p:sp>
+      <p:sp>
+        <p:nvSpPr>
+          <p:cNvPr id="18" name="TextBox 25"/>
+          <p:cNvSpPr txBox="1">
+            <a:spLocks noChangeArrowheads="1"/>
+          </p:cNvSpPr>
+          <p:nvPr/>
+        </p:nvSpPr>
+        <p:spPr bwMode="auto">
+          <a:xfrm>
+            <a:off x="1115616" y="5633702"/>
+            <a:ext cx="7056784" cy="461665"/>
+          </a:xfrm>
+          <a:prstGeom prst="rect">
+            <a:avLst/>
+          </a:prstGeom>
+          <a:noFill/>
+          <a:ln w="9525">
+            <a:noFill/>
+            <a:miter lim="800000"/>
+            <a:headEnd/>
+            <a:tailEnd/>
+          </a:ln>
+        </p:spPr>
+        <p:txBody>
+          <a:bodyPr wrap="square">
+            <a:spAutoFit/>
+          </a:bodyPr>
+          <a:lstStyle/>
+          <a:p>
+            <a:r>
+              <a:rPr lang="en-US" altLang="ko-KR" sz="2400" dirty="0" smtClean="0">
+                <a:solidFill>
+                  <a:schemeClr val="bg1"/>
+                </a:solidFill>
+                <a:latin typeface="-윤고딕330" panose="02030504000101010101" pitchFamily="18" charset="-127"/>
+                <a:ea typeface="-윤고딕330" panose="02030504000101010101" pitchFamily="18" charset="-127"/>
+              </a:rPr>
+              <a:t>10. Implementation – Deployment Diagram</a:t>
+            </a:r>
+          </a:p>
+        </p:txBody>
+      </p:sp>
+      <p:sp>
+        <p:nvSpPr>
+          <p:cNvPr id="19" name="TextBox 25"/>
+          <p:cNvSpPr txBox="1">
+            <a:spLocks noChangeArrowheads="1"/>
+          </p:cNvSpPr>
+          <p:nvPr/>
+        </p:nvSpPr>
+        <p:spPr bwMode="auto">
+          <a:xfrm>
+            <a:off x="1115616" y="6063679"/>
+            <a:ext cx="7056784" cy="461665"/>
+          </a:xfrm>
+          <a:prstGeom prst="rect">
+            <a:avLst/>
+          </a:prstGeom>
+          <a:noFill/>
+          <a:ln w="9525">
+            <a:noFill/>
+            <a:miter lim="800000"/>
+            <a:headEnd/>
+            <a:tailEnd/>
+          </a:ln>
+        </p:spPr>
+        <p:txBody>
+          <a:bodyPr wrap="square">
+            <a:spAutoFit/>
+          </a:bodyPr>
+          <a:lstStyle/>
+          <a:p>
+            <a:r>
+              <a:rPr lang="en-US" altLang="ko-KR" sz="2400" dirty="0" smtClean="0">
+                <a:solidFill>
+                  <a:schemeClr val="bg1"/>
+                </a:solidFill>
+                <a:latin typeface="-윤고딕330" panose="02030504000101010101" pitchFamily="18" charset="-127"/>
+                <a:ea typeface="-윤고딕330" panose="02030504000101010101" pitchFamily="18" charset="-127"/>
+              </a:rPr>
+              <a:t>11. Implementation – </a:t>
+            </a:r>
+            <a:r>
+              <a:rPr lang="ko-KR" altLang="en-US" sz="2400" dirty="0" smtClean="0">
+                <a:solidFill>
+                  <a:schemeClr val="bg1"/>
+                </a:solidFill>
+                <a:latin typeface="-윤고딕330" panose="02030504000101010101" pitchFamily="18" charset="-127"/>
+                <a:ea typeface="-윤고딕330" panose="02030504000101010101" pitchFamily="18" charset="-127"/>
+              </a:rPr>
+              <a:t>시연</a:t>
+            </a:r>
+            <a:endParaRPr lang="en-US" altLang="ko-KR" sz="2400" dirty="0" smtClean="0">
+              <a:solidFill>
+                <a:schemeClr val="bg1"/>
+              </a:solidFill>
+              <a:latin typeface="-윤고딕330" panose="02030504000101010101" pitchFamily="18" charset="-127"/>
+              <a:ea typeface="-윤고딕330" panose="02030504000101010101" pitchFamily="18" charset="-127"/>
+            </a:endParaRPr>
+          </a:p>
+        </p:txBody>
+      </p:sp>
+    </p:spTree>
+    <p:extLst>
+      <p:ext uri="{BB962C8B-B14F-4D97-AF65-F5344CB8AC3E}">
+        <p14:creationId xmlns:p14="http://schemas.microsoft.com/office/powerpoint/2010/main" xmlns="" val="2400432682"/>
+      </p:ext>
+    </p:extLst>
+  </p:cSld>
+  <p:clrMapOvr>
+    <a:masterClrMapping/>
+  </p:clrMapOvr>
+  <p:timing>
+    <p:tnLst>
+      <p:par>
+        <p:cTn id="1" dur="indefinite" restart="never" nodeType="tmRoot"/>
+      </p:par>
+    </p:tnLst>
+  </p:timing>
+</p:sld>
+</file>
+
+<file path=ppt/slides/slide20.xml><?xml version="1.0" encoding="utf-8"?>
+<p:sld xmlns:a="http://schemas.openxmlformats.org/drawingml/2006/main" xmlns:r="http://schemas.openxmlformats.org/officeDocument/2006/relationships" xmlns:p="http://schemas.openxmlformats.org/presentationml/2006/main">
+  <p:cSld>
+    <p:spTree>
+      <p:nvGrpSpPr>
+        <p:cNvPr id="1" name=""/>
+        <p:cNvGrpSpPr/>
+        <p:nvPr/>
+      </p:nvGrpSpPr>
+      <p:grpSpPr>
+        <a:xfrm>
+          <a:off x="0" y="0"/>
+          <a:ext cx="0" cy="0"/>
+          <a:chOff x="0" y="0"/>
+          <a:chExt cx="0" cy="0"/>
+        </a:xfrm>
+      </p:grpSpPr>
+      <p:sp>
+        <p:nvSpPr>
+          <p:cNvPr id="4" name="TextBox 3"/>
+          <p:cNvSpPr txBox="1"/>
+          <p:nvPr/>
+        </p:nvSpPr>
+        <p:spPr>
+          <a:xfrm>
+            <a:off x="183940" y="263104"/>
+            <a:ext cx="3371436" cy="523220"/>
+          </a:xfrm>
+          <a:prstGeom prst="rect">
+            <a:avLst/>
+          </a:prstGeom>
+          <a:noFill/>
+        </p:spPr>
+        <p:txBody>
+          <a:bodyPr wrap="none" rtlCol="0">
+            <a:spAutoFit/>
+          </a:bodyPr>
+          <a:lstStyle/>
+          <a:p>
+            <a:r>
+              <a:rPr lang="en-US" altLang="ko-KR" sz="2800" dirty="0" smtClean="0">
+                <a:solidFill>
+                  <a:srgbClr val="36B5E4"/>
+                </a:solidFill>
+                <a:latin typeface="a옛날목욕탕B" panose="02020600000000000000" pitchFamily="18" charset="-127"/>
+                <a:ea typeface="a옛날목욕탕B" panose="02020600000000000000" pitchFamily="18" charset="-127"/>
+              </a:rPr>
+              <a:t>Design – CRC </a:t>
+            </a:r>
+            <a:r>
+              <a:rPr lang="ko-KR" altLang="en-US" sz="2800" dirty="0" smtClean="0">
+                <a:solidFill>
+                  <a:srgbClr val="36B5E4"/>
+                </a:solidFill>
+                <a:latin typeface="a옛날목욕탕B" panose="02020600000000000000" pitchFamily="18" charset="-127"/>
+                <a:ea typeface="a옛날목욕탕B" panose="02020600000000000000" pitchFamily="18" charset="-127"/>
+              </a:rPr>
+              <a:t>카드</a:t>
+            </a:r>
+            <a:endParaRPr lang="ko-KR" altLang="en-US" sz="2800" dirty="0">
+              <a:solidFill>
+                <a:srgbClr val="36B5E4"/>
+              </a:solidFill>
+              <a:latin typeface="a옛날목욕탕B" panose="02020600000000000000" pitchFamily="18" charset="-127"/>
+              <a:ea typeface="a옛날목욕탕B" panose="02020600000000000000" pitchFamily="18" charset="-127"/>
+            </a:endParaRPr>
+          </a:p>
+        </p:txBody>
+      </p:sp>
+      <p:pic>
+        <p:nvPicPr>
+          <p:cNvPr id="2050" name="Picture 2"/>
+          <p:cNvPicPr>
+            <a:picLocks noChangeAspect="1" noChangeArrowheads="1"/>
+          </p:cNvPicPr>
+          <p:nvPr/>
+        </p:nvPicPr>
+        <p:blipFill>
+          <a:blip r:embed="rId3" cstate="print"/>
+          <a:srcRect/>
+          <a:stretch>
+            <a:fillRect/>
+          </a:stretch>
+        </p:blipFill>
+        <p:spPr bwMode="auto">
+          <a:xfrm>
+            <a:off x="287524" y="764703"/>
+            <a:ext cx="8568952" cy="6072921"/>
+          </a:xfrm>
+          <a:prstGeom prst="rect">
+            <a:avLst/>
+          </a:prstGeom>
+          <a:noFill/>
+          <a:ln w="9525">
+            <a:noFill/>
+            <a:miter lim="800000"/>
+            <a:headEnd/>
+            <a:tailEnd/>
+          </a:ln>
+        </p:spPr>
+      </p:pic>
+      <p:cxnSp>
+        <p:nvCxnSpPr>
+          <p:cNvPr id="5" name="직선 연결선 4"/>
+          <p:cNvCxnSpPr/>
+          <p:nvPr/>
+        </p:nvCxnSpPr>
+        <p:spPr>
+          <a:xfrm>
+            <a:off x="503548" y="3068960"/>
+            <a:ext cx="8280920" cy="0"/>
+          </a:xfrm>
+          <a:prstGeom prst="line">
+            <a:avLst/>
+          </a:prstGeom>
+          <a:ln>
+            <a:solidFill>
+              <a:schemeClr val="accent3">
+                <a:lumMod val="60000"/>
+                <a:lumOff val="40000"/>
+              </a:schemeClr>
+            </a:solidFill>
+          </a:ln>
+        </p:spPr>
+        <p:style>
+          <a:lnRef idx="1">
+            <a:schemeClr val="accent1"/>
+          </a:lnRef>
+          <a:fillRef idx="0">
+            <a:schemeClr val="accent1"/>
+          </a:fillRef>
+          <a:effectRef idx="0">
+            <a:schemeClr val="accent1"/>
+          </a:effectRef>
+          <a:fontRef idx="minor">
+            <a:schemeClr val="tx1"/>
+          </a:fontRef>
+        </p:style>
+      </p:cxnSp>
+      <p:cxnSp>
+        <p:nvCxnSpPr>
+          <p:cNvPr id="6" name="직선 연결선 5"/>
+          <p:cNvCxnSpPr/>
+          <p:nvPr/>
+        </p:nvCxnSpPr>
+        <p:spPr>
+          <a:xfrm>
+            <a:off x="503548" y="5589240"/>
+            <a:ext cx="8280920" cy="0"/>
+          </a:xfrm>
+          <a:prstGeom prst="line">
+            <a:avLst/>
+          </a:prstGeom>
+          <a:ln>
+            <a:solidFill>
+              <a:schemeClr val="accent3">
+                <a:lumMod val="60000"/>
+                <a:lumOff val="40000"/>
+              </a:schemeClr>
+            </a:solidFill>
+          </a:ln>
+        </p:spPr>
+        <p:style>
+          <a:lnRef idx="1">
+            <a:schemeClr val="accent1"/>
+          </a:lnRef>
+          <a:fillRef idx="0">
+            <a:schemeClr val="accent1"/>
+          </a:fillRef>
+          <a:effectRef idx="0">
+            <a:schemeClr val="accent1"/>
+          </a:effectRef>
+          <a:fontRef idx="minor">
+            <a:schemeClr val="tx1"/>
+          </a:fontRef>
+        </p:style>
+      </p:cxnSp>
+    </p:spTree>
+  </p:cSld>
+  <p:clrMapOvr>
+    <a:masterClrMapping/>
+  </p:clrMapOvr>
+  <p:timing>
+    <p:tnLst>
+      <p:par>
+        <p:cTn id="1" dur="indefinite" restart="never" nodeType="tmRoot"/>
+      </p:par>
+    </p:tnLst>
+  </p:timing>
+</p:sld>
+</file>
+
+<file path=ppt/slides/slide21.xml><?xml version="1.0" encoding="utf-8"?>
+<p:sld xmlns:a="http://schemas.openxmlformats.org/drawingml/2006/main" xmlns:r="http://schemas.openxmlformats.org/officeDocument/2006/relationships" xmlns:p="http://schemas.openxmlformats.org/presentationml/2006/main">
+  <p:cSld>
+    <p:spTree>
+      <p:nvGrpSpPr>
+        <p:cNvPr id="1" name=""/>
+        <p:cNvGrpSpPr/>
+        <p:nvPr/>
+      </p:nvGrpSpPr>
+      <p:grpSpPr>
+        <a:xfrm>
+          <a:off x="0" y="0"/>
+          <a:ext cx="0" cy="0"/>
+          <a:chOff x="0" y="0"/>
+          <a:chExt cx="0" cy="0"/>
+        </a:xfrm>
+      </p:grpSpPr>
+      <p:sp>
+        <p:nvSpPr>
+          <p:cNvPr id="4" name="TextBox 3"/>
+          <p:cNvSpPr txBox="1"/>
+          <p:nvPr/>
+        </p:nvSpPr>
+        <p:spPr>
+          <a:xfrm>
+            <a:off x="183940" y="263104"/>
+            <a:ext cx="3371436" cy="523220"/>
+          </a:xfrm>
+          <a:prstGeom prst="rect">
+            <a:avLst/>
+          </a:prstGeom>
+          <a:noFill/>
+        </p:spPr>
+        <p:txBody>
+          <a:bodyPr wrap="none" rtlCol="0">
+            <a:spAutoFit/>
+          </a:bodyPr>
+          <a:lstStyle/>
+          <a:p>
+            <a:r>
+              <a:rPr lang="en-US" altLang="ko-KR" sz="2800" dirty="0" smtClean="0">
+                <a:solidFill>
+                  <a:srgbClr val="36B5E4"/>
+                </a:solidFill>
+                <a:latin typeface="a옛날목욕탕B" panose="02020600000000000000" pitchFamily="18" charset="-127"/>
+                <a:ea typeface="a옛날목욕탕B" panose="02020600000000000000" pitchFamily="18" charset="-127"/>
+              </a:rPr>
+              <a:t>Design – CRC </a:t>
+            </a:r>
+            <a:r>
+              <a:rPr lang="ko-KR" altLang="en-US" sz="2800" dirty="0" smtClean="0">
+                <a:solidFill>
+                  <a:srgbClr val="36B5E4"/>
+                </a:solidFill>
+                <a:latin typeface="a옛날목욕탕B" panose="02020600000000000000" pitchFamily="18" charset="-127"/>
+                <a:ea typeface="a옛날목욕탕B" panose="02020600000000000000" pitchFamily="18" charset="-127"/>
+              </a:rPr>
+              <a:t>카드</a:t>
+            </a:r>
+            <a:endParaRPr lang="ko-KR" altLang="en-US" sz="2800" dirty="0">
+              <a:solidFill>
+                <a:srgbClr val="36B5E4"/>
+              </a:solidFill>
+              <a:latin typeface="a옛날목욕탕B" panose="02020600000000000000" pitchFamily="18" charset="-127"/>
+              <a:ea typeface="a옛날목욕탕B" panose="02020600000000000000" pitchFamily="18" charset="-127"/>
+            </a:endParaRPr>
+          </a:p>
+        </p:txBody>
+      </p:sp>
+      <p:pic>
+        <p:nvPicPr>
+          <p:cNvPr id="3074" name="Picture 2"/>
+          <p:cNvPicPr>
+            <a:picLocks noChangeAspect="1" noChangeArrowheads="1"/>
+          </p:cNvPicPr>
+          <p:nvPr/>
+        </p:nvPicPr>
+        <p:blipFill>
+          <a:blip r:embed="rId3" cstate="print"/>
+          <a:srcRect/>
+          <a:stretch>
+            <a:fillRect/>
+          </a:stretch>
+        </p:blipFill>
+        <p:spPr bwMode="auto">
+          <a:xfrm>
+            <a:off x="323527" y="836712"/>
+            <a:ext cx="8532949" cy="5796644"/>
+          </a:xfrm>
+          <a:prstGeom prst="rect">
+            <a:avLst/>
+          </a:prstGeom>
+          <a:noFill/>
+          <a:ln w="9525">
+            <a:noFill/>
+            <a:miter lim="800000"/>
+            <a:headEnd/>
+            <a:tailEnd/>
+          </a:ln>
+        </p:spPr>
+      </p:pic>
+    </p:spTree>
+  </p:cSld>
+  <p:clrMapOvr>
+    <a:masterClrMapping/>
+  </p:clrMapOvr>
+  <p:timing>
+    <p:tnLst>
+      <p:par>
+        <p:cTn id="1" dur="indefinite" restart="never" nodeType="tmRoot"/>
+      </p:par>
+    </p:tnLst>
+  </p:timing>
+</p:sld>
+</file>
+
+<file path=ppt/slides/slide22.xml><?xml version="1.0" encoding="utf-8"?>
+<p:sld xmlns:a="http://schemas.openxmlformats.org/drawingml/2006/main" xmlns:r="http://schemas.openxmlformats.org/officeDocument/2006/relationships" xmlns:p="http://schemas.openxmlformats.org/presentationml/2006/main">
+  <p:cSld>
+    <p:spTree>
+      <p:nvGrpSpPr>
+        <p:cNvPr id="1" name=""/>
+        <p:cNvGrpSpPr/>
+        <p:nvPr/>
+      </p:nvGrpSpPr>
+      <p:grpSpPr>
+        <a:xfrm>
+          <a:off x="0" y="0"/>
+          <a:ext cx="0" cy="0"/>
+          <a:chOff x="0" y="0"/>
+          <a:chExt cx="0" cy="0"/>
+        </a:xfrm>
+      </p:grpSpPr>
+      <p:sp>
+        <p:nvSpPr>
+          <p:cNvPr id="4" name="TextBox 3"/>
+          <p:cNvSpPr txBox="1"/>
+          <p:nvPr/>
+        </p:nvSpPr>
+        <p:spPr>
+          <a:xfrm>
+            <a:off x="183940" y="263104"/>
+            <a:ext cx="3371436" cy="523220"/>
+          </a:xfrm>
+          <a:prstGeom prst="rect">
+            <a:avLst/>
+          </a:prstGeom>
+          <a:noFill/>
+        </p:spPr>
+        <p:txBody>
+          <a:bodyPr wrap="none" rtlCol="0">
+            <a:spAutoFit/>
+          </a:bodyPr>
+          <a:lstStyle/>
+          <a:p>
+            <a:r>
+              <a:rPr lang="en-US" altLang="ko-KR" sz="2800" dirty="0" smtClean="0">
+                <a:solidFill>
+                  <a:srgbClr val="36B5E4"/>
+                </a:solidFill>
+                <a:latin typeface="a옛날목욕탕B" panose="02020600000000000000" pitchFamily="18" charset="-127"/>
+                <a:ea typeface="a옛날목욕탕B" panose="02020600000000000000" pitchFamily="18" charset="-127"/>
+              </a:rPr>
+              <a:t>Design – CRC </a:t>
+            </a:r>
+            <a:r>
+              <a:rPr lang="ko-KR" altLang="en-US" sz="2800" dirty="0" smtClean="0">
+                <a:solidFill>
+                  <a:srgbClr val="36B5E4"/>
+                </a:solidFill>
+                <a:latin typeface="a옛날목욕탕B" panose="02020600000000000000" pitchFamily="18" charset="-127"/>
+                <a:ea typeface="a옛날목욕탕B" panose="02020600000000000000" pitchFamily="18" charset="-127"/>
+              </a:rPr>
+              <a:t>카드</a:t>
+            </a:r>
+            <a:endParaRPr lang="ko-KR" altLang="en-US" sz="2800" dirty="0">
+              <a:solidFill>
+                <a:srgbClr val="36B5E4"/>
+              </a:solidFill>
+              <a:latin typeface="a옛날목욕탕B" panose="02020600000000000000" pitchFamily="18" charset="-127"/>
+              <a:ea typeface="a옛날목욕탕B" panose="02020600000000000000" pitchFamily="18" charset="-127"/>
+            </a:endParaRPr>
+          </a:p>
+        </p:txBody>
+      </p:sp>
+      <p:pic>
+        <p:nvPicPr>
+          <p:cNvPr id="4098" name="Picture 2"/>
+          <p:cNvPicPr>
+            <a:picLocks noChangeAspect="1" noChangeArrowheads="1"/>
+          </p:cNvPicPr>
+          <p:nvPr/>
+        </p:nvPicPr>
+        <p:blipFill>
+          <a:blip r:embed="rId3" cstate="print"/>
+          <a:srcRect/>
+          <a:stretch>
+            <a:fillRect/>
+          </a:stretch>
+        </p:blipFill>
+        <p:spPr bwMode="auto">
+          <a:xfrm>
+            <a:off x="143508" y="800708"/>
+            <a:ext cx="8892480" cy="5922246"/>
+          </a:xfrm>
+          <a:prstGeom prst="rect">
+            <a:avLst/>
+          </a:prstGeom>
+          <a:noFill/>
+          <a:ln w="9525">
+            <a:noFill/>
+            <a:miter lim="800000"/>
+            <a:headEnd/>
+            <a:tailEnd/>
+          </a:ln>
+        </p:spPr>
+      </p:pic>
+    </p:spTree>
+  </p:cSld>
+  <p:clrMapOvr>
+    <a:masterClrMapping/>
+  </p:clrMapOvr>
+  <p:timing>
+    <p:tnLst>
+      <p:par>
+        <p:cTn id="1" dur="indefinite" restart="never" nodeType="tmRoot"/>
+      </p:par>
+    </p:tnLst>
+  </p:timing>
+</p:sld>
+</file>
+
+<file path=ppt/slides/slide23.xml><?xml version="1.0" encoding="utf-8"?>
 <p:sld xmlns:a="http://schemas.openxmlformats.org/drawingml/2006/main" xmlns:r="http://schemas.openxmlformats.org/officeDocument/2006/relationships" xmlns:p="http://schemas.openxmlformats.org/presentationml/2006/main">
   <p:cSld>
     <p:spTree>
@@ -6918,7 +9865,7 @@
 </p:sld>
 </file>
 
-<file path=ppt/slides/slide17.xml><?xml version="1.0" encoding="utf-8"?>
+<file path=ppt/slides/slide24.xml><?xml version="1.0" encoding="utf-8"?>
 <p:sld xmlns:a="http://schemas.openxmlformats.org/drawingml/2006/main" xmlns:r="http://schemas.openxmlformats.org/officeDocument/2006/relationships" xmlns:p="http://schemas.openxmlformats.org/presentationml/2006/main">
   <p:cSld>
     <p:spTree>
@@ -7074,7 +10021,7 @@
 </p:sld>
 </file>
 
-<file path=ppt/slides/slide18.xml><?xml version="1.0" encoding="utf-8"?>
+<file path=ppt/slides/slide25.xml><?xml version="1.0" encoding="utf-8"?>
 <p:sld xmlns:a="http://schemas.openxmlformats.org/drawingml/2006/main" xmlns:r="http://schemas.openxmlformats.org/officeDocument/2006/relationships" xmlns:p="http://schemas.openxmlformats.org/presentationml/2006/main">
   <p:cSld>
     <p:spTree>
@@ -7190,7 +10137,7 @@
 </p:sld>
 </file>
 
-<file path=ppt/slides/slide19.xml><?xml version="1.0" encoding="utf-8"?>
+<file path=ppt/slides/slide26.xml><?xml version="1.0" encoding="utf-8"?>
 <p:sld xmlns:a="http://schemas.openxmlformats.org/drawingml/2006/main" xmlns:r="http://schemas.openxmlformats.org/officeDocument/2006/relationships" xmlns:p="http://schemas.openxmlformats.org/presentationml/2006/main">
   <p:cSld>
     <p:spTree>
@@ -7261,7 +10208,7 @@
       </p:sp>
       <p:pic>
         <p:nvPicPr>
-          <p:cNvPr id="6" name="Picture 2"/>
+          <p:cNvPr id="1026" name="Picture 2"/>
           <p:cNvPicPr>
             <a:picLocks noChangeAspect="1" noChangeArrowheads="1"/>
           </p:cNvPicPr>
@@ -7276,8 +10223,8 @@
         </p:blipFill>
         <p:spPr bwMode="auto">
           <a:xfrm>
-            <a:off x="1691680" y="1268760"/>
-            <a:ext cx="5688632" cy="5188032"/>
+            <a:off x="899592" y="1448780"/>
+            <a:ext cx="7019925" cy="4429125"/>
           </a:xfrm>
           <a:prstGeom prst="rect">
             <a:avLst/>
@@ -7306,902 +10253,7 @@
 </p:sld>
 </file>
 
-<file path=ppt/slides/slide2.xml><?xml version="1.0" encoding="utf-8"?>
-<p:sld xmlns:a="http://schemas.openxmlformats.org/drawingml/2006/main" xmlns:r="http://schemas.openxmlformats.org/officeDocument/2006/relationships" xmlns:p="http://schemas.openxmlformats.org/presentationml/2006/main">
-  <p:cSld>
-    <p:spTree>
-      <p:nvGrpSpPr>
-        <p:cNvPr id="1" name=""/>
-        <p:cNvGrpSpPr/>
-        <p:nvPr/>
-      </p:nvGrpSpPr>
-      <p:grpSpPr>
-        <a:xfrm>
-          <a:off x="0" y="0"/>
-          <a:ext cx="0" cy="0"/>
-          <a:chOff x="0" y="0"/>
-          <a:chExt cx="0" cy="0"/>
-        </a:xfrm>
-      </p:grpSpPr>
-      <p:sp>
-        <p:nvSpPr>
-          <p:cNvPr id="7" name="직사각형 6"/>
-          <p:cNvSpPr/>
-          <p:nvPr/>
-        </p:nvSpPr>
-        <p:spPr>
-          <a:xfrm>
-            <a:off x="0" y="1052736"/>
-            <a:ext cx="9144000" cy="5805264"/>
-          </a:xfrm>
-          <a:prstGeom prst="rect">
-            <a:avLst/>
-          </a:prstGeom>
-          <a:solidFill>
-            <a:srgbClr val="36B5E4"/>
-          </a:solidFill>
-          <a:ln>
-            <a:noFill/>
-          </a:ln>
-        </p:spPr>
-        <p:style>
-          <a:lnRef idx="2">
-            <a:schemeClr val="accent1">
-              <a:shade val="50000"/>
-            </a:schemeClr>
-          </a:lnRef>
-          <a:fillRef idx="1">
-            <a:schemeClr val="accent1"/>
-          </a:fillRef>
-          <a:effectRef idx="0">
-            <a:schemeClr val="accent1"/>
-          </a:effectRef>
-          <a:fontRef idx="minor">
-            <a:schemeClr val="lt1"/>
-          </a:fontRef>
-        </p:style>
-        <p:txBody>
-          <a:bodyPr rtlCol="0" anchor="ctr"/>
-          <a:lstStyle/>
-          <a:p>
-            <a:pPr algn="ctr"/>
-            <a:endParaRPr lang="ko-KR" altLang="en-US"/>
-          </a:p>
-        </p:txBody>
-      </p:sp>
-      <p:sp>
-        <p:nvSpPr>
-          <p:cNvPr id="8" name="TextBox 25"/>
-          <p:cNvSpPr txBox="1">
-            <a:spLocks noChangeArrowheads="1"/>
-          </p:cNvSpPr>
-          <p:nvPr/>
-        </p:nvSpPr>
-        <p:spPr bwMode="auto">
-          <a:xfrm>
-            <a:off x="1159336" y="1763909"/>
-            <a:ext cx="4132743" cy="461665"/>
-          </a:xfrm>
-          <a:prstGeom prst="rect">
-            <a:avLst/>
-          </a:prstGeom>
-          <a:noFill/>
-          <a:ln w="9525">
-            <a:noFill/>
-            <a:miter lim="800000"/>
-            <a:headEnd/>
-            <a:tailEnd/>
-          </a:ln>
-        </p:spPr>
-        <p:txBody>
-          <a:bodyPr wrap="square">
-            <a:spAutoFit/>
-          </a:bodyPr>
-          <a:lstStyle/>
-          <a:p>
-            <a:r>
-              <a:rPr lang="en-US" altLang="ko-KR" sz="2400" dirty="0" smtClean="0">
-                <a:solidFill>
-                  <a:schemeClr val="bg1"/>
-                </a:solidFill>
-                <a:latin typeface="-윤고딕330" panose="02030504000101010101" pitchFamily="18" charset="-127"/>
-                <a:ea typeface="-윤고딕330" panose="02030504000101010101" pitchFamily="18" charset="-127"/>
-              </a:rPr>
-              <a:t>1. </a:t>
-            </a:r>
-            <a:r>
-              <a:rPr lang="en-US" altLang="ko-KR" sz="2400" dirty="0" smtClean="0">
-                <a:solidFill>
-                  <a:schemeClr val="bg1"/>
-                </a:solidFill>
-                <a:latin typeface="-윤고딕330" panose="02030504000101010101" pitchFamily="18" charset="-127"/>
-                <a:ea typeface="-윤고딕330" panose="02030504000101010101" pitchFamily="18" charset="-127"/>
-              </a:rPr>
-              <a:t>Requirement - </a:t>
-            </a:r>
-            <a:r>
-              <a:rPr lang="en-US" altLang="ko-KR" sz="2400" dirty="0" err="1" smtClean="0">
-                <a:solidFill>
-                  <a:schemeClr val="bg1"/>
-                </a:solidFill>
-                <a:latin typeface="-윤고딕330" panose="02030504000101010101" pitchFamily="18" charset="-127"/>
-                <a:ea typeface="-윤고딕330" panose="02030504000101010101" pitchFamily="18" charset="-127"/>
-              </a:rPr>
-              <a:t>Usecase</a:t>
-            </a:r>
-            <a:endParaRPr lang="en-US" altLang="ko-KR" sz="2400" dirty="0" smtClean="0">
-              <a:solidFill>
-                <a:schemeClr val="bg1"/>
-              </a:solidFill>
-              <a:latin typeface="-윤고딕330" panose="02030504000101010101" pitchFamily="18" charset="-127"/>
-              <a:ea typeface="-윤고딕330" panose="02030504000101010101" pitchFamily="18" charset="-127"/>
-            </a:endParaRPr>
-          </a:p>
-        </p:txBody>
-      </p:sp>
-      <p:sp>
-        <p:nvSpPr>
-          <p:cNvPr id="9" name="TextBox 25"/>
-          <p:cNvSpPr txBox="1">
-            <a:spLocks noChangeArrowheads="1"/>
-          </p:cNvSpPr>
-          <p:nvPr/>
-        </p:nvSpPr>
-        <p:spPr bwMode="auto">
-          <a:xfrm>
-            <a:off x="1159336" y="2623863"/>
-            <a:ext cx="4888827" cy="461665"/>
-          </a:xfrm>
-          <a:prstGeom prst="rect">
-            <a:avLst/>
-          </a:prstGeom>
-          <a:noFill/>
-          <a:ln w="9525">
-            <a:noFill/>
-            <a:miter lim="800000"/>
-            <a:headEnd/>
-            <a:tailEnd/>
-          </a:ln>
-        </p:spPr>
-        <p:txBody>
-          <a:bodyPr wrap="square">
-            <a:spAutoFit/>
-          </a:bodyPr>
-          <a:lstStyle/>
-          <a:p>
-            <a:r>
-              <a:rPr lang="en-US" altLang="ko-KR" sz="2400" dirty="0">
-                <a:solidFill>
-                  <a:schemeClr val="bg1"/>
-                </a:solidFill>
-                <a:latin typeface="-윤고딕330" panose="02030504000101010101" pitchFamily="18" charset="-127"/>
-                <a:ea typeface="-윤고딕330" panose="02030504000101010101" pitchFamily="18" charset="-127"/>
-              </a:rPr>
-              <a:t>3</a:t>
-            </a:r>
-            <a:r>
-              <a:rPr lang="en-US" altLang="ko-KR" sz="2400" dirty="0" smtClean="0">
-                <a:solidFill>
-                  <a:schemeClr val="bg1"/>
-                </a:solidFill>
-                <a:latin typeface="-윤고딕330" panose="02030504000101010101" pitchFamily="18" charset="-127"/>
-                <a:ea typeface="-윤고딕330" panose="02030504000101010101" pitchFamily="18" charset="-127"/>
-              </a:rPr>
-              <a:t>. </a:t>
-            </a:r>
-            <a:r>
-              <a:rPr lang="en-US" altLang="ko-KR" sz="2400" dirty="0" smtClean="0">
-                <a:solidFill>
-                  <a:schemeClr val="bg1"/>
-                </a:solidFill>
-                <a:latin typeface="-윤고딕330" panose="02030504000101010101" pitchFamily="18" charset="-127"/>
-                <a:ea typeface="-윤고딕330" panose="02030504000101010101" pitchFamily="18" charset="-127"/>
-              </a:rPr>
-              <a:t>Requirement - </a:t>
-            </a:r>
-            <a:r>
-              <a:rPr lang="ko-KR" altLang="en-US" sz="2400" dirty="0" smtClean="0">
-                <a:solidFill>
-                  <a:schemeClr val="bg1"/>
-                </a:solidFill>
-                <a:latin typeface="-윤고딕330" panose="02030504000101010101" pitchFamily="18" charset="-127"/>
-                <a:ea typeface="-윤고딕330" panose="02030504000101010101" pitchFamily="18" charset="-127"/>
-              </a:rPr>
-              <a:t>용어</a:t>
-            </a:r>
-            <a:r>
-              <a:rPr lang="ko-KR" altLang="en-US" sz="2400" dirty="0" smtClean="0">
-                <a:solidFill>
-                  <a:schemeClr val="bg1"/>
-                </a:solidFill>
-                <a:latin typeface="-윤고딕330" panose="02030504000101010101" pitchFamily="18" charset="-127"/>
-                <a:ea typeface="-윤고딕330" panose="02030504000101010101" pitchFamily="18" charset="-127"/>
-              </a:rPr>
-              <a:t>집</a:t>
-            </a:r>
-            <a:endParaRPr lang="en-US" altLang="ko-KR" sz="2400" dirty="0" smtClean="0">
-              <a:solidFill>
-                <a:schemeClr val="bg1"/>
-              </a:solidFill>
-              <a:latin typeface="-윤고딕330" panose="02030504000101010101" pitchFamily="18" charset="-127"/>
-              <a:ea typeface="-윤고딕330" panose="02030504000101010101" pitchFamily="18" charset="-127"/>
-            </a:endParaRPr>
-          </a:p>
-        </p:txBody>
-      </p:sp>
-      <p:sp>
-        <p:nvSpPr>
-          <p:cNvPr id="10" name="TextBox 25"/>
-          <p:cNvSpPr txBox="1">
-            <a:spLocks noChangeArrowheads="1"/>
-          </p:cNvSpPr>
-          <p:nvPr/>
-        </p:nvSpPr>
-        <p:spPr bwMode="auto">
-          <a:xfrm>
-            <a:off x="1159336" y="2193886"/>
-            <a:ext cx="5716919" cy="461665"/>
-          </a:xfrm>
-          <a:prstGeom prst="rect">
-            <a:avLst/>
-          </a:prstGeom>
-          <a:noFill/>
-          <a:ln w="9525">
-            <a:noFill/>
-            <a:miter lim="800000"/>
-            <a:headEnd/>
-            <a:tailEnd/>
-          </a:ln>
-        </p:spPr>
-        <p:txBody>
-          <a:bodyPr wrap="square">
-            <a:spAutoFit/>
-          </a:bodyPr>
-          <a:lstStyle/>
-          <a:p>
-            <a:r>
-              <a:rPr lang="en-US" altLang="ko-KR" sz="2400" dirty="0">
-                <a:solidFill>
-                  <a:schemeClr val="bg1"/>
-                </a:solidFill>
-                <a:latin typeface="-윤고딕330" panose="02030504000101010101" pitchFamily="18" charset="-127"/>
-                <a:ea typeface="-윤고딕330" panose="02030504000101010101" pitchFamily="18" charset="-127"/>
-              </a:rPr>
-              <a:t>2</a:t>
-            </a:r>
-            <a:r>
-              <a:rPr lang="en-US" altLang="ko-KR" sz="2400" dirty="0" smtClean="0">
-                <a:solidFill>
-                  <a:schemeClr val="bg1"/>
-                </a:solidFill>
-                <a:latin typeface="-윤고딕330" panose="02030504000101010101" pitchFamily="18" charset="-127"/>
-                <a:ea typeface="-윤고딕330" panose="02030504000101010101" pitchFamily="18" charset="-127"/>
-              </a:rPr>
-              <a:t>. </a:t>
-            </a:r>
-            <a:r>
-              <a:rPr lang="en-US" altLang="ko-KR" sz="2400" dirty="0" smtClean="0">
-                <a:solidFill>
-                  <a:schemeClr val="bg1"/>
-                </a:solidFill>
-                <a:latin typeface="-윤고딕330" panose="02030504000101010101" pitchFamily="18" charset="-127"/>
-                <a:ea typeface="-윤고딕330" panose="02030504000101010101" pitchFamily="18" charset="-127"/>
-              </a:rPr>
-              <a:t>Requirement - Domain Model</a:t>
-            </a:r>
-            <a:endParaRPr lang="en-US" altLang="ko-KR" sz="2400" dirty="0" smtClean="0">
-              <a:solidFill>
-                <a:schemeClr val="bg1"/>
-              </a:solidFill>
-              <a:latin typeface="-윤고딕330" panose="02030504000101010101" pitchFamily="18" charset="-127"/>
-              <a:ea typeface="-윤고딕330" panose="02030504000101010101" pitchFamily="18" charset="-127"/>
-            </a:endParaRPr>
-          </a:p>
-        </p:txBody>
-      </p:sp>
-      <p:sp>
-        <p:nvSpPr>
-          <p:cNvPr id="11" name="TextBox 25"/>
-          <p:cNvSpPr txBox="1">
-            <a:spLocks noChangeArrowheads="1"/>
-          </p:cNvSpPr>
-          <p:nvPr/>
-        </p:nvSpPr>
-        <p:spPr bwMode="auto">
-          <a:xfrm>
-            <a:off x="1151620" y="3483817"/>
-            <a:ext cx="5184068" cy="461665"/>
-          </a:xfrm>
-          <a:prstGeom prst="rect">
-            <a:avLst/>
-          </a:prstGeom>
-          <a:noFill/>
-          <a:ln w="9525">
-            <a:noFill/>
-            <a:miter lim="800000"/>
-            <a:headEnd/>
-            <a:tailEnd/>
-          </a:ln>
-        </p:spPr>
-        <p:txBody>
-          <a:bodyPr wrap="square">
-            <a:spAutoFit/>
-          </a:bodyPr>
-          <a:lstStyle/>
-          <a:p>
-            <a:r>
-              <a:rPr lang="en-US" altLang="ko-KR" sz="2400" dirty="0" smtClean="0">
-                <a:solidFill>
-                  <a:schemeClr val="bg1"/>
-                </a:solidFill>
-                <a:latin typeface="-윤고딕330" panose="02030504000101010101" pitchFamily="18" charset="-127"/>
-                <a:ea typeface="-윤고딕330" panose="02030504000101010101" pitchFamily="18" charset="-127"/>
-              </a:rPr>
-              <a:t>5. </a:t>
-            </a:r>
-            <a:r>
-              <a:rPr lang="en-US" altLang="ko-KR" sz="2400" dirty="0" smtClean="0">
-                <a:solidFill>
-                  <a:schemeClr val="bg1"/>
-                </a:solidFill>
-                <a:latin typeface="-윤고딕330" panose="02030504000101010101" pitchFamily="18" charset="-127"/>
-                <a:ea typeface="-윤고딕330" panose="02030504000101010101" pitchFamily="18" charset="-127"/>
-              </a:rPr>
-              <a:t>Analysis - </a:t>
-            </a:r>
-            <a:r>
-              <a:rPr lang="en-US" altLang="ko-KR" sz="2400" dirty="0" err="1" smtClean="0">
-                <a:solidFill>
-                  <a:schemeClr val="bg1"/>
-                </a:solidFill>
-                <a:latin typeface="-윤고딕330" panose="02030504000101010101" pitchFamily="18" charset="-127"/>
-                <a:ea typeface="-윤고딕330" panose="02030504000101010101" pitchFamily="18" charset="-127"/>
-              </a:rPr>
-              <a:t>SequenceDiagram</a:t>
-            </a:r>
-            <a:endParaRPr lang="en-US" altLang="ko-KR" sz="2400" dirty="0" smtClean="0">
-              <a:solidFill>
-                <a:schemeClr val="bg1"/>
-              </a:solidFill>
-              <a:latin typeface="-윤고딕330" panose="02030504000101010101" pitchFamily="18" charset="-127"/>
-              <a:ea typeface="-윤고딕330" panose="02030504000101010101" pitchFamily="18" charset="-127"/>
-            </a:endParaRPr>
-          </a:p>
-        </p:txBody>
-      </p:sp>
-      <p:sp>
-        <p:nvSpPr>
-          <p:cNvPr id="12" name="TextBox 25"/>
-          <p:cNvSpPr txBox="1">
-            <a:spLocks noChangeArrowheads="1"/>
-          </p:cNvSpPr>
-          <p:nvPr/>
-        </p:nvSpPr>
-        <p:spPr bwMode="auto">
-          <a:xfrm>
-            <a:off x="1151620" y="3053840"/>
-            <a:ext cx="4464496" cy="461665"/>
-          </a:xfrm>
-          <a:prstGeom prst="rect">
-            <a:avLst/>
-          </a:prstGeom>
-          <a:noFill/>
-          <a:ln w="9525">
-            <a:noFill/>
-            <a:miter lim="800000"/>
-            <a:headEnd/>
-            <a:tailEnd/>
-          </a:ln>
-        </p:spPr>
-        <p:txBody>
-          <a:bodyPr wrap="square">
-            <a:spAutoFit/>
-          </a:bodyPr>
-          <a:lstStyle/>
-          <a:p>
-            <a:r>
-              <a:rPr lang="en-US" altLang="ko-KR" sz="2400" dirty="0" smtClean="0">
-                <a:solidFill>
-                  <a:schemeClr val="bg1"/>
-                </a:solidFill>
-                <a:latin typeface="-윤고딕330" panose="02030504000101010101" pitchFamily="18" charset="-127"/>
-                <a:ea typeface="-윤고딕330" panose="02030504000101010101" pitchFamily="18" charset="-127"/>
-              </a:rPr>
-              <a:t>4. </a:t>
-            </a:r>
-            <a:r>
-              <a:rPr lang="en-US" altLang="ko-KR" sz="2400" dirty="0" smtClean="0">
-                <a:solidFill>
-                  <a:schemeClr val="bg1"/>
-                </a:solidFill>
-                <a:latin typeface="-윤고딕330" panose="02030504000101010101" pitchFamily="18" charset="-127"/>
-                <a:ea typeface="-윤고딕330" panose="02030504000101010101" pitchFamily="18" charset="-127"/>
-              </a:rPr>
-              <a:t>Analysis - </a:t>
-            </a:r>
-            <a:r>
-              <a:rPr lang="en-US" altLang="ko-KR" sz="2400" dirty="0" err="1" smtClean="0">
-                <a:solidFill>
-                  <a:schemeClr val="bg1"/>
-                </a:solidFill>
-                <a:latin typeface="-윤고딕330" panose="02030504000101010101" pitchFamily="18" charset="-127"/>
-                <a:ea typeface="-윤고딕330" panose="02030504000101010101" pitchFamily="18" charset="-127"/>
-              </a:rPr>
-              <a:t>ClassDiagram</a:t>
-            </a:r>
-            <a:endParaRPr lang="en-US" altLang="ko-KR" sz="2400" dirty="0" smtClean="0">
-              <a:solidFill>
-                <a:schemeClr val="bg1"/>
-              </a:solidFill>
-              <a:latin typeface="-윤고딕330" panose="02030504000101010101" pitchFamily="18" charset="-127"/>
-              <a:ea typeface="-윤고딕330" panose="02030504000101010101" pitchFamily="18" charset="-127"/>
-            </a:endParaRPr>
-          </a:p>
-        </p:txBody>
-      </p:sp>
-      <p:sp>
-        <p:nvSpPr>
-          <p:cNvPr id="14" name="TextBox 13"/>
-          <p:cNvSpPr txBox="1"/>
-          <p:nvPr/>
-        </p:nvSpPr>
-        <p:spPr>
-          <a:xfrm>
-            <a:off x="183940" y="263104"/>
-            <a:ext cx="801823" cy="523220"/>
-          </a:xfrm>
-          <a:prstGeom prst="rect">
-            <a:avLst/>
-          </a:prstGeom>
-          <a:noFill/>
-        </p:spPr>
-        <p:txBody>
-          <a:bodyPr wrap="none" rtlCol="0">
-            <a:spAutoFit/>
-          </a:bodyPr>
-          <a:lstStyle/>
-          <a:p>
-            <a:r>
-              <a:rPr lang="ko-KR" altLang="en-US" sz="2800" dirty="0" smtClean="0">
-                <a:solidFill>
-                  <a:srgbClr val="36B5E4"/>
-                </a:solidFill>
-                <a:latin typeface="a옛날목욕탕B" panose="02020600000000000000" pitchFamily="18" charset="-127"/>
-                <a:ea typeface="a옛날목욕탕B" panose="02020600000000000000" pitchFamily="18" charset="-127"/>
-              </a:rPr>
-              <a:t>목차</a:t>
-            </a:r>
-            <a:endParaRPr lang="ko-KR" altLang="en-US" sz="2800" dirty="0">
-              <a:solidFill>
-                <a:srgbClr val="36B5E4"/>
-              </a:solidFill>
-              <a:latin typeface="a옛날목욕탕B" panose="02020600000000000000" pitchFamily="18" charset="-127"/>
-              <a:ea typeface="a옛날목욕탕B" panose="02020600000000000000" pitchFamily="18" charset="-127"/>
-            </a:endParaRPr>
-          </a:p>
-        </p:txBody>
-      </p:sp>
-      <p:sp>
-        <p:nvSpPr>
-          <p:cNvPr id="13" name="TextBox 25"/>
-          <p:cNvSpPr txBox="1">
-            <a:spLocks noChangeArrowheads="1"/>
-          </p:cNvSpPr>
-          <p:nvPr/>
-        </p:nvSpPr>
-        <p:spPr bwMode="auto">
-          <a:xfrm>
-            <a:off x="1151620" y="3913794"/>
-            <a:ext cx="5184068" cy="461665"/>
-          </a:xfrm>
-          <a:prstGeom prst="rect">
-            <a:avLst/>
-          </a:prstGeom>
-          <a:noFill/>
-          <a:ln w="9525">
-            <a:noFill/>
-            <a:miter lim="800000"/>
-            <a:headEnd/>
-            <a:tailEnd/>
-          </a:ln>
-        </p:spPr>
-        <p:txBody>
-          <a:bodyPr wrap="square">
-            <a:spAutoFit/>
-          </a:bodyPr>
-          <a:lstStyle/>
-          <a:p>
-            <a:r>
-              <a:rPr lang="en-US" altLang="ko-KR" sz="2400" dirty="0" smtClean="0">
-                <a:solidFill>
-                  <a:schemeClr val="bg1"/>
-                </a:solidFill>
-                <a:latin typeface="-윤고딕330" panose="02030504000101010101" pitchFamily="18" charset="-127"/>
-                <a:ea typeface="-윤고딕330" panose="02030504000101010101" pitchFamily="18" charset="-127"/>
-              </a:rPr>
-              <a:t>6. </a:t>
-            </a:r>
-            <a:r>
-              <a:rPr lang="en-US" altLang="ko-KR" sz="2400" dirty="0" smtClean="0">
-                <a:solidFill>
-                  <a:schemeClr val="bg1"/>
-                </a:solidFill>
-                <a:latin typeface="-윤고딕330" panose="02030504000101010101" pitchFamily="18" charset="-127"/>
-                <a:ea typeface="-윤고딕330" panose="02030504000101010101" pitchFamily="18" charset="-127"/>
-              </a:rPr>
-              <a:t>Analysis </a:t>
-            </a:r>
-            <a:r>
-              <a:rPr lang="en-US" altLang="ko-KR" sz="2400" dirty="0" smtClean="0">
-                <a:solidFill>
-                  <a:schemeClr val="bg1"/>
-                </a:solidFill>
-                <a:latin typeface="-윤고딕330" panose="02030504000101010101" pitchFamily="18" charset="-127"/>
-                <a:ea typeface="-윤고딕330" panose="02030504000101010101" pitchFamily="18" charset="-127"/>
-              </a:rPr>
-              <a:t>– </a:t>
-            </a:r>
-            <a:r>
-              <a:rPr lang="en-US" altLang="ko-KR" sz="2400" dirty="0" err="1" smtClean="0">
-                <a:solidFill>
-                  <a:schemeClr val="bg1"/>
-                </a:solidFill>
-                <a:latin typeface="-윤고딕330" panose="02030504000101010101" pitchFamily="18" charset="-127"/>
-                <a:ea typeface="-윤고딕330" panose="02030504000101010101" pitchFamily="18" charset="-127"/>
-              </a:rPr>
-              <a:t>Comunication</a:t>
-            </a:r>
-            <a:r>
-              <a:rPr lang="en-US" altLang="ko-KR" sz="2400" dirty="0" smtClean="0">
-                <a:solidFill>
-                  <a:schemeClr val="bg1"/>
-                </a:solidFill>
-                <a:latin typeface="-윤고딕330" panose="02030504000101010101" pitchFamily="18" charset="-127"/>
-                <a:ea typeface="-윤고딕330" panose="02030504000101010101" pitchFamily="18" charset="-127"/>
-              </a:rPr>
-              <a:t> Diagram</a:t>
-            </a:r>
-            <a:endParaRPr lang="en-US" altLang="ko-KR" sz="2400" dirty="0" smtClean="0">
-              <a:solidFill>
-                <a:schemeClr val="bg1"/>
-              </a:solidFill>
-              <a:latin typeface="-윤고딕330" panose="02030504000101010101" pitchFamily="18" charset="-127"/>
-              <a:ea typeface="-윤고딕330" panose="02030504000101010101" pitchFamily="18" charset="-127"/>
-            </a:endParaRPr>
-          </a:p>
-        </p:txBody>
-      </p:sp>
-      <p:sp>
-        <p:nvSpPr>
-          <p:cNvPr id="15" name="TextBox 25"/>
-          <p:cNvSpPr txBox="1">
-            <a:spLocks noChangeArrowheads="1"/>
-          </p:cNvSpPr>
-          <p:nvPr/>
-        </p:nvSpPr>
-        <p:spPr bwMode="auto">
-          <a:xfrm>
-            <a:off x="1151620" y="4343771"/>
-            <a:ext cx="5184068" cy="461665"/>
-          </a:xfrm>
-          <a:prstGeom prst="rect">
-            <a:avLst/>
-          </a:prstGeom>
-          <a:noFill/>
-          <a:ln w="9525">
-            <a:noFill/>
-            <a:miter lim="800000"/>
-            <a:headEnd/>
-            <a:tailEnd/>
-          </a:ln>
-        </p:spPr>
-        <p:txBody>
-          <a:bodyPr wrap="square">
-            <a:spAutoFit/>
-          </a:bodyPr>
-          <a:lstStyle/>
-          <a:p>
-            <a:r>
-              <a:rPr lang="en-US" altLang="ko-KR" sz="2400" dirty="0" smtClean="0">
-                <a:solidFill>
-                  <a:schemeClr val="bg1"/>
-                </a:solidFill>
-                <a:latin typeface="-윤고딕330" panose="02030504000101010101" pitchFamily="18" charset="-127"/>
-                <a:ea typeface="-윤고딕330" panose="02030504000101010101" pitchFamily="18" charset="-127"/>
-              </a:rPr>
-              <a:t>7. </a:t>
-            </a:r>
-            <a:r>
-              <a:rPr lang="en-US" altLang="ko-KR" sz="2400" dirty="0" smtClean="0">
-                <a:solidFill>
-                  <a:schemeClr val="bg1"/>
-                </a:solidFill>
-                <a:latin typeface="-윤고딕330" panose="02030504000101010101" pitchFamily="18" charset="-127"/>
-                <a:ea typeface="-윤고딕330" panose="02030504000101010101" pitchFamily="18" charset="-127"/>
-              </a:rPr>
-              <a:t>Design – Detailed Class Diagram</a:t>
-            </a:r>
-            <a:endParaRPr lang="en-US" altLang="ko-KR" sz="2400" dirty="0" smtClean="0">
-              <a:solidFill>
-                <a:schemeClr val="bg1"/>
-              </a:solidFill>
-              <a:latin typeface="-윤고딕330" panose="02030504000101010101" pitchFamily="18" charset="-127"/>
-              <a:ea typeface="-윤고딕330" panose="02030504000101010101" pitchFamily="18" charset="-127"/>
-            </a:endParaRPr>
-          </a:p>
-        </p:txBody>
-      </p:sp>
-      <p:sp>
-        <p:nvSpPr>
-          <p:cNvPr id="16" name="TextBox 25"/>
-          <p:cNvSpPr txBox="1">
-            <a:spLocks noChangeArrowheads="1"/>
-          </p:cNvSpPr>
-          <p:nvPr/>
-        </p:nvSpPr>
-        <p:spPr bwMode="auto">
-          <a:xfrm>
-            <a:off x="1151620" y="4773748"/>
-            <a:ext cx="5184068" cy="461665"/>
-          </a:xfrm>
-          <a:prstGeom prst="rect">
-            <a:avLst/>
-          </a:prstGeom>
-          <a:noFill/>
-          <a:ln w="9525">
-            <a:noFill/>
-            <a:miter lim="800000"/>
-            <a:headEnd/>
-            <a:tailEnd/>
-          </a:ln>
-        </p:spPr>
-        <p:txBody>
-          <a:bodyPr wrap="square">
-            <a:spAutoFit/>
-          </a:bodyPr>
-          <a:lstStyle/>
-          <a:p>
-            <a:r>
-              <a:rPr lang="en-US" altLang="ko-KR" sz="2400" dirty="0" smtClean="0">
-                <a:solidFill>
-                  <a:schemeClr val="bg1"/>
-                </a:solidFill>
-                <a:latin typeface="-윤고딕330" panose="02030504000101010101" pitchFamily="18" charset="-127"/>
-                <a:ea typeface="-윤고딕330" panose="02030504000101010101" pitchFamily="18" charset="-127"/>
-              </a:rPr>
-              <a:t>8. </a:t>
-            </a:r>
-            <a:r>
-              <a:rPr lang="en-US" altLang="ko-KR" sz="2400" dirty="0" smtClean="0">
-                <a:solidFill>
-                  <a:schemeClr val="bg1"/>
-                </a:solidFill>
-                <a:latin typeface="-윤고딕330" panose="02030504000101010101" pitchFamily="18" charset="-127"/>
-                <a:ea typeface="-윤고딕330" panose="02030504000101010101" pitchFamily="18" charset="-127"/>
-              </a:rPr>
-              <a:t>Design – DB Schema</a:t>
-            </a:r>
-            <a:endParaRPr lang="en-US" altLang="ko-KR" sz="2400" dirty="0" smtClean="0">
-              <a:solidFill>
-                <a:schemeClr val="bg1"/>
-              </a:solidFill>
-              <a:latin typeface="-윤고딕330" panose="02030504000101010101" pitchFamily="18" charset="-127"/>
-              <a:ea typeface="-윤고딕330" panose="02030504000101010101" pitchFamily="18" charset="-127"/>
-            </a:endParaRPr>
-          </a:p>
-        </p:txBody>
-      </p:sp>
-      <p:sp>
-        <p:nvSpPr>
-          <p:cNvPr id="17" name="TextBox 25"/>
-          <p:cNvSpPr txBox="1">
-            <a:spLocks noChangeArrowheads="1"/>
-          </p:cNvSpPr>
-          <p:nvPr/>
-        </p:nvSpPr>
-        <p:spPr bwMode="auto">
-          <a:xfrm>
-            <a:off x="1151620" y="5203725"/>
-            <a:ext cx="7056784" cy="461665"/>
-          </a:xfrm>
-          <a:prstGeom prst="rect">
-            <a:avLst/>
-          </a:prstGeom>
-          <a:noFill/>
-          <a:ln w="9525">
-            <a:noFill/>
-            <a:miter lim="800000"/>
-            <a:headEnd/>
-            <a:tailEnd/>
-          </a:ln>
-        </p:spPr>
-        <p:txBody>
-          <a:bodyPr wrap="square">
-            <a:spAutoFit/>
-          </a:bodyPr>
-          <a:lstStyle/>
-          <a:p>
-            <a:r>
-              <a:rPr lang="en-US" altLang="ko-KR" sz="2400" dirty="0" smtClean="0">
-                <a:solidFill>
-                  <a:schemeClr val="bg1"/>
-                </a:solidFill>
-                <a:latin typeface="-윤고딕330" panose="02030504000101010101" pitchFamily="18" charset="-127"/>
-                <a:ea typeface="-윤고딕330" panose="02030504000101010101" pitchFamily="18" charset="-127"/>
-              </a:rPr>
-              <a:t>9. </a:t>
-            </a:r>
-            <a:r>
-              <a:rPr lang="en-US" altLang="ko-KR" sz="2400" dirty="0" smtClean="0">
-                <a:solidFill>
-                  <a:schemeClr val="bg1"/>
-                </a:solidFill>
-                <a:latin typeface="-윤고딕330" panose="02030504000101010101" pitchFamily="18" charset="-127"/>
-                <a:ea typeface="-윤고딕330" panose="02030504000101010101" pitchFamily="18" charset="-127"/>
-              </a:rPr>
-              <a:t>Implementation – Component Diagram</a:t>
-            </a:r>
-            <a:endParaRPr lang="en-US" altLang="ko-KR" sz="2400" dirty="0" smtClean="0">
-              <a:solidFill>
-                <a:schemeClr val="bg1"/>
-              </a:solidFill>
-              <a:latin typeface="-윤고딕330" panose="02030504000101010101" pitchFamily="18" charset="-127"/>
-              <a:ea typeface="-윤고딕330" panose="02030504000101010101" pitchFamily="18" charset="-127"/>
-            </a:endParaRPr>
-          </a:p>
-        </p:txBody>
-      </p:sp>
-      <p:sp>
-        <p:nvSpPr>
-          <p:cNvPr id="18" name="TextBox 25"/>
-          <p:cNvSpPr txBox="1">
-            <a:spLocks noChangeArrowheads="1"/>
-          </p:cNvSpPr>
-          <p:nvPr/>
-        </p:nvSpPr>
-        <p:spPr bwMode="auto">
-          <a:xfrm>
-            <a:off x="1115616" y="5633702"/>
-            <a:ext cx="7056784" cy="461665"/>
-          </a:xfrm>
-          <a:prstGeom prst="rect">
-            <a:avLst/>
-          </a:prstGeom>
-          <a:noFill/>
-          <a:ln w="9525">
-            <a:noFill/>
-            <a:miter lim="800000"/>
-            <a:headEnd/>
-            <a:tailEnd/>
-          </a:ln>
-        </p:spPr>
-        <p:txBody>
-          <a:bodyPr wrap="square">
-            <a:spAutoFit/>
-          </a:bodyPr>
-          <a:lstStyle/>
-          <a:p>
-            <a:r>
-              <a:rPr lang="en-US" altLang="ko-KR" sz="2400" dirty="0" smtClean="0">
-                <a:solidFill>
-                  <a:schemeClr val="bg1"/>
-                </a:solidFill>
-                <a:latin typeface="-윤고딕330" panose="02030504000101010101" pitchFamily="18" charset="-127"/>
-                <a:ea typeface="-윤고딕330" panose="02030504000101010101" pitchFamily="18" charset="-127"/>
-              </a:rPr>
-              <a:t>10. </a:t>
-            </a:r>
-            <a:r>
-              <a:rPr lang="en-US" altLang="ko-KR" sz="2400" dirty="0" smtClean="0">
-                <a:solidFill>
-                  <a:schemeClr val="bg1"/>
-                </a:solidFill>
-                <a:latin typeface="-윤고딕330" panose="02030504000101010101" pitchFamily="18" charset="-127"/>
-                <a:ea typeface="-윤고딕330" panose="02030504000101010101" pitchFamily="18" charset="-127"/>
-              </a:rPr>
-              <a:t>Implementation – Deployment Diagram</a:t>
-            </a:r>
-            <a:endParaRPr lang="en-US" altLang="ko-KR" sz="2400" dirty="0" smtClean="0">
-              <a:solidFill>
-                <a:schemeClr val="bg1"/>
-              </a:solidFill>
-              <a:latin typeface="-윤고딕330" panose="02030504000101010101" pitchFamily="18" charset="-127"/>
-              <a:ea typeface="-윤고딕330" panose="02030504000101010101" pitchFamily="18" charset="-127"/>
-            </a:endParaRPr>
-          </a:p>
-        </p:txBody>
-      </p:sp>
-      <p:sp>
-        <p:nvSpPr>
-          <p:cNvPr id="19" name="TextBox 25"/>
-          <p:cNvSpPr txBox="1">
-            <a:spLocks noChangeArrowheads="1"/>
-          </p:cNvSpPr>
-          <p:nvPr/>
-        </p:nvSpPr>
-        <p:spPr bwMode="auto">
-          <a:xfrm>
-            <a:off x="1115616" y="6063679"/>
-            <a:ext cx="7056784" cy="461665"/>
-          </a:xfrm>
-          <a:prstGeom prst="rect">
-            <a:avLst/>
-          </a:prstGeom>
-          <a:noFill/>
-          <a:ln w="9525">
-            <a:noFill/>
-            <a:miter lim="800000"/>
-            <a:headEnd/>
-            <a:tailEnd/>
-          </a:ln>
-        </p:spPr>
-        <p:txBody>
-          <a:bodyPr wrap="square">
-            <a:spAutoFit/>
-          </a:bodyPr>
-          <a:lstStyle/>
-          <a:p>
-            <a:r>
-              <a:rPr lang="en-US" altLang="ko-KR" sz="2400" dirty="0" smtClean="0">
-                <a:solidFill>
-                  <a:schemeClr val="bg1"/>
-                </a:solidFill>
-                <a:latin typeface="-윤고딕330" panose="02030504000101010101" pitchFamily="18" charset="-127"/>
-                <a:ea typeface="-윤고딕330" panose="02030504000101010101" pitchFamily="18" charset="-127"/>
-              </a:rPr>
-              <a:t>11. </a:t>
-            </a:r>
-            <a:r>
-              <a:rPr lang="en-US" altLang="ko-KR" sz="2400" dirty="0" smtClean="0">
-                <a:solidFill>
-                  <a:schemeClr val="bg1"/>
-                </a:solidFill>
-                <a:latin typeface="-윤고딕330" panose="02030504000101010101" pitchFamily="18" charset="-127"/>
-                <a:ea typeface="-윤고딕330" panose="02030504000101010101" pitchFamily="18" charset="-127"/>
-              </a:rPr>
-              <a:t>Implementation – </a:t>
-            </a:r>
-            <a:r>
-              <a:rPr lang="ko-KR" altLang="en-US" sz="2400" dirty="0" smtClean="0">
-                <a:solidFill>
-                  <a:schemeClr val="bg1"/>
-                </a:solidFill>
-                <a:latin typeface="-윤고딕330" panose="02030504000101010101" pitchFamily="18" charset="-127"/>
-                <a:ea typeface="-윤고딕330" panose="02030504000101010101" pitchFamily="18" charset="-127"/>
-              </a:rPr>
-              <a:t>시연</a:t>
-            </a:r>
-            <a:endParaRPr lang="en-US" altLang="ko-KR" sz="2400" dirty="0" smtClean="0">
-              <a:solidFill>
-                <a:schemeClr val="bg1"/>
-              </a:solidFill>
-              <a:latin typeface="-윤고딕330" panose="02030504000101010101" pitchFamily="18" charset="-127"/>
-              <a:ea typeface="-윤고딕330" panose="02030504000101010101" pitchFamily="18" charset="-127"/>
-            </a:endParaRPr>
-          </a:p>
-        </p:txBody>
-      </p:sp>
-    </p:spTree>
-    <p:extLst>
-      <p:ext uri="{BB962C8B-B14F-4D97-AF65-F5344CB8AC3E}">
-        <p14:creationId xmlns="" xmlns:p14="http://schemas.microsoft.com/office/powerpoint/2010/main" val="2400432682"/>
-      </p:ext>
-    </p:extLst>
-  </p:cSld>
-  <p:clrMapOvr>
-    <a:masterClrMapping/>
-  </p:clrMapOvr>
-  <p:timing>
-    <p:tnLst>
-      <p:par>
-        <p:cTn id="1" dur="indefinite" restart="never" nodeType="tmRoot"/>
-      </p:par>
-    </p:tnLst>
-  </p:timing>
-</p:sld>
-</file>
-
-<file path=ppt/slides/slide20.xml><?xml version="1.0" encoding="utf-8"?>
+<file path=ppt/slides/slide27.xml><?xml version="1.0" encoding="utf-8"?>
 <p:sld xmlns:a="http://schemas.openxmlformats.org/drawingml/2006/main" xmlns:r="http://schemas.openxmlformats.org/officeDocument/2006/relationships" xmlns:p="http://schemas.openxmlformats.org/presentationml/2006/main">
   <p:cSld>
     <p:spTree>
@@ -8309,7 +10361,7 @@
     </p:spTree>
     <p:extLst>
       <p:ext uri="{BB962C8B-B14F-4D97-AF65-F5344CB8AC3E}">
-        <p14:creationId xmlns="" xmlns:p14="http://schemas.microsoft.com/office/powerpoint/2010/main" val="720871668"/>
+        <p14:creationId xmlns:p14="http://schemas.microsoft.com/office/powerpoint/2010/main" xmlns="" val="720871668"/>
       </p:ext>
     </p:extLst>
   </p:cSld>
@@ -8326,7 +10378,7 @@
 </p:sld>
 </file>
 
-<file path=ppt/slides/slide21.xml><?xml version="1.0" encoding="utf-8"?>
+<file path=ppt/slides/slide28.xml><?xml version="1.0" encoding="utf-8"?>
 <p:sld xmlns:a="http://schemas.openxmlformats.org/drawingml/2006/main" xmlns:r="http://schemas.openxmlformats.org/officeDocument/2006/relationships" xmlns:p="http://schemas.openxmlformats.org/presentationml/2006/main">
   <p:cSld>
     <p:spTree>
@@ -8660,7 +10712,7 @@
     </p:spTree>
     <p:extLst>
       <p:ext uri="{BB962C8B-B14F-4D97-AF65-F5344CB8AC3E}">
-        <p14:creationId xmlns="" xmlns:p14="http://schemas.microsoft.com/office/powerpoint/2010/main" val="720871668"/>
+        <p14:creationId xmlns:p14="http://schemas.microsoft.com/office/powerpoint/2010/main" xmlns="" val="720871668"/>
       </p:ext>
     </p:extLst>
   </p:cSld>
@@ -9155,7 +11207,7 @@
 </p:sld>
 </file>
 
-<file path=ppt/slides/slide22.xml><?xml version="1.0" encoding="utf-8"?>
+<file path=ppt/slides/slide29.xml><?xml version="1.0" encoding="utf-8"?>
 <p:sld xmlns:a="http://schemas.openxmlformats.org/drawingml/2006/main" xmlns:r="http://schemas.openxmlformats.org/officeDocument/2006/relationships" xmlns:p="http://schemas.openxmlformats.org/presentationml/2006/main">
   <p:cSld>
     <p:spTree>
@@ -9257,17 +11309,25 @@
           <a:lstStyle/>
           <a:p>
             <a:r>
-              <a:rPr lang="ko-KR" altLang="en-US" sz="3600" b="1" dirty="0" smtClean="0"/>
+              <a:rPr lang="ko-KR" altLang="en-US" sz="3600" b="1" dirty="0" smtClean="0">
+                <a:solidFill>
+                  <a:srgbClr val="00B0F0"/>
+                </a:solidFill>
+              </a:rPr>
               <a:t>커뮤니케이션 다이어그램 데모</a:t>
             </a:r>
-            <a:endParaRPr lang="ko-KR" altLang="en-US" sz="3600" b="1" dirty="0"/>
+            <a:endParaRPr lang="ko-KR" altLang="en-US" sz="3600" b="1" dirty="0">
+              <a:solidFill>
+                <a:srgbClr val="00B0F0"/>
+              </a:solidFill>
+            </a:endParaRPr>
           </a:p>
         </p:txBody>
       </p:sp>
     </p:spTree>
     <p:extLst>
       <p:ext uri="{BB962C8B-B14F-4D97-AF65-F5344CB8AC3E}">
-        <p14:creationId xmlns="" xmlns:p14="http://schemas.microsoft.com/office/powerpoint/2010/main" val="720871668"/>
+        <p14:creationId xmlns:p14="http://schemas.microsoft.com/office/powerpoint/2010/main" xmlns="" val="720871668"/>
       </p:ext>
     </p:extLst>
   </p:cSld>
@@ -9284,7 +11344,138 @@
 </p:sld>
 </file>
 
-<file path=ppt/slides/slide23.xml><?xml version="1.0" encoding="utf-8"?>
+<file path=ppt/slides/slide3.xml><?xml version="1.0" encoding="utf-8"?>
+<p:sld xmlns:a="http://schemas.openxmlformats.org/drawingml/2006/main" xmlns:r="http://schemas.openxmlformats.org/officeDocument/2006/relationships" xmlns:p="http://schemas.openxmlformats.org/presentationml/2006/main">
+  <p:cSld>
+    <p:spTree>
+      <p:nvGrpSpPr>
+        <p:cNvPr id="1" name=""/>
+        <p:cNvGrpSpPr/>
+        <p:nvPr/>
+      </p:nvGrpSpPr>
+      <p:grpSpPr>
+        <a:xfrm>
+          <a:off x="0" y="0"/>
+          <a:ext cx="0" cy="0"/>
+          <a:chOff x="0" y="0"/>
+          <a:chExt cx="0" cy="0"/>
+        </a:xfrm>
+      </p:grpSpPr>
+      <p:sp>
+        <p:nvSpPr>
+          <p:cNvPr id="3" name="TextBox 2"/>
+          <p:cNvSpPr txBox="1"/>
+          <p:nvPr/>
+        </p:nvSpPr>
+        <p:spPr>
+          <a:xfrm>
+            <a:off x="183940" y="263104"/>
+            <a:ext cx="4067139" cy="523220"/>
+          </a:xfrm>
+          <a:prstGeom prst="rect">
+            <a:avLst/>
+          </a:prstGeom>
+          <a:noFill/>
+        </p:spPr>
+        <p:txBody>
+          <a:bodyPr wrap="none" rtlCol="0">
+            <a:spAutoFit/>
+          </a:bodyPr>
+          <a:lstStyle/>
+          <a:p>
+            <a:r>
+              <a:rPr lang="en-US" altLang="ko-KR" sz="2800" dirty="0" err="1" smtClean="0">
+                <a:solidFill>
+                  <a:srgbClr val="36B5E4"/>
+                </a:solidFill>
+                <a:latin typeface="a옛날목욕탕B" panose="02020600000000000000" pitchFamily="18" charset="-127"/>
+                <a:ea typeface="a옛날목욕탕B" panose="02020600000000000000" pitchFamily="18" charset="-127"/>
+              </a:rPr>
+              <a:t>Requirment</a:t>
+            </a:r>
+            <a:r>
+              <a:rPr lang="en-US" altLang="ko-KR" sz="2800" dirty="0" smtClean="0">
+                <a:solidFill>
+                  <a:srgbClr val="36B5E4"/>
+                </a:solidFill>
+                <a:latin typeface="a옛날목욕탕B" panose="02020600000000000000" pitchFamily="18" charset="-127"/>
+                <a:ea typeface="a옛날목욕탕B" panose="02020600000000000000" pitchFamily="18" charset="-127"/>
+              </a:rPr>
+              <a:t> - </a:t>
+            </a:r>
+            <a:r>
+              <a:rPr lang="en-US" altLang="ko-KR" sz="2800" dirty="0" err="1" smtClean="0">
+                <a:solidFill>
+                  <a:srgbClr val="36B5E4"/>
+                </a:solidFill>
+                <a:latin typeface="a옛날목욕탕B" panose="02020600000000000000" pitchFamily="18" charset="-127"/>
+                <a:ea typeface="a옛날목욕탕B" panose="02020600000000000000" pitchFamily="18" charset="-127"/>
+              </a:rPr>
+              <a:t>Usecase</a:t>
+            </a:r>
+            <a:endParaRPr lang="ko-KR" altLang="en-US" sz="2800" dirty="0">
+              <a:solidFill>
+                <a:srgbClr val="36B5E4"/>
+              </a:solidFill>
+              <a:latin typeface="a옛날목욕탕B" panose="02020600000000000000" pitchFamily="18" charset="-127"/>
+              <a:ea typeface="a옛날목욕탕B" panose="02020600000000000000" pitchFamily="18" charset="-127"/>
+            </a:endParaRPr>
+          </a:p>
+        </p:txBody>
+      </p:sp>
+      <p:pic>
+        <p:nvPicPr>
+          <p:cNvPr id="8" name="Picture 2"/>
+          <p:cNvPicPr>
+            <a:picLocks noChangeAspect="1" noChangeArrowheads="1"/>
+          </p:cNvPicPr>
+          <p:nvPr/>
+        </p:nvPicPr>
+        <p:blipFill>
+          <a:blip r:embed="rId3" cstate="print"/>
+          <a:srcRect/>
+          <a:stretch>
+            <a:fillRect/>
+          </a:stretch>
+        </p:blipFill>
+        <p:spPr bwMode="auto">
+          <a:xfrm>
+            <a:off x="1295636" y="1016732"/>
+            <a:ext cx="6467475" cy="5505450"/>
+          </a:xfrm>
+          <a:prstGeom prst="rect">
+            <a:avLst/>
+          </a:prstGeom>
+          <a:noFill/>
+          <a:ln w="9525">
+            <a:noFill/>
+            <a:miter lim="800000"/>
+            <a:headEnd/>
+            <a:tailEnd/>
+          </a:ln>
+        </p:spPr>
+      </p:pic>
+    </p:spTree>
+    <p:extLst>
+      <p:ext uri="{BB962C8B-B14F-4D97-AF65-F5344CB8AC3E}">
+        <p14:creationId xmlns:p14="http://schemas.microsoft.com/office/powerpoint/2010/main" xmlns="" val="2828006915"/>
+      </p:ext>
+    </p:extLst>
+  </p:cSld>
+  <p:clrMapOvr>
+    <a:masterClrMapping/>
+  </p:clrMapOvr>
+  <p:timing>
+    <p:tnLst>
+      <p:par>
+        <p:cTn id="1" dur="indefinite" restart="never" nodeType="tmRoot"/>
+      </p:par>
+    </p:tnLst>
+  </p:timing>
+</p:sld>
+</file>
+
+<file path=ppt/slides/slide30.xml><?xml version="1.0" encoding="utf-8"?>
 <p:sld xmlns:a="http://schemas.openxmlformats.org/drawingml/2006/main" xmlns:r="http://schemas.openxmlformats.org/officeDocument/2006/relationships" xmlns:p="http://schemas.openxmlformats.org/presentationml/2006/main">
   <p:cSld>
     <p:spTree>
@@ -9409,7 +11600,7 @@
     </p:spTree>
     <p:extLst>
       <p:ext uri="{BB962C8B-B14F-4D97-AF65-F5344CB8AC3E}">
-        <p14:creationId xmlns="" xmlns:p14="http://schemas.microsoft.com/office/powerpoint/2010/main" val="720871668"/>
+        <p14:creationId xmlns:p14="http://schemas.microsoft.com/office/powerpoint/2010/main" xmlns="" val="720871668"/>
       </p:ext>
     </p:extLst>
   </p:cSld>
@@ -9426,7 +11617,7 @@
 </p:sld>
 </file>
 
-<file path=ppt/slides/slide24.xml><?xml version="1.0" encoding="utf-8"?>
+<file path=ppt/slides/slide31.xml><?xml version="1.0" encoding="utf-8"?>
 <p:sld xmlns:a="http://schemas.openxmlformats.org/drawingml/2006/main" xmlns:r="http://schemas.openxmlformats.org/officeDocument/2006/relationships" xmlns:p="http://schemas.openxmlformats.org/presentationml/2006/main">
   <p:cSld>
     <p:spTree>
@@ -9540,138 +11731,7 @@
     </p:spTree>
     <p:extLst>
       <p:ext uri="{BB962C8B-B14F-4D97-AF65-F5344CB8AC3E}">
-        <p14:creationId xmlns="" xmlns:p14="http://schemas.microsoft.com/office/powerpoint/2010/main" val="278058245"/>
-      </p:ext>
-    </p:extLst>
-  </p:cSld>
-  <p:clrMapOvr>
-    <a:masterClrMapping/>
-  </p:clrMapOvr>
-  <p:timing>
-    <p:tnLst>
-      <p:par>
-        <p:cTn id="1" dur="indefinite" restart="never" nodeType="tmRoot"/>
-      </p:par>
-    </p:tnLst>
-  </p:timing>
-</p:sld>
-</file>
-
-<file path=ppt/slides/slide3.xml><?xml version="1.0" encoding="utf-8"?>
-<p:sld xmlns:a="http://schemas.openxmlformats.org/drawingml/2006/main" xmlns:r="http://schemas.openxmlformats.org/officeDocument/2006/relationships" xmlns:p="http://schemas.openxmlformats.org/presentationml/2006/main">
-  <p:cSld>
-    <p:spTree>
-      <p:nvGrpSpPr>
-        <p:cNvPr id="1" name=""/>
-        <p:cNvGrpSpPr/>
-        <p:nvPr/>
-      </p:nvGrpSpPr>
-      <p:grpSpPr>
-        <a:xfrm>
-          <a:off x="0" y="0"/>
-          <a:ext cx="0" cy="0"/>
-          <a:chOff x="0" y="0"/>
-          <a:chExt cx="0" cy="0"/>
-        </a:xfrm>
-      </p:grpSpPr>
-      <p:sp>
-        <p:nvSpPr>
-          <p:cNvPr id="3" name="TextBox 2"/>
-          <p:cNvSpPr txBox="1"/>
-          <p:nvPr/>
-        </p:nvSpPr>
-        <p:spPr>
-          <a:xfrm>
-            <a:off x="183940" y="263104"/>
-            <a:ext cx="4067139" cy="523220"/>
-          </a:xfrm>
-          <a:prstGeom prst="rect">
-            <a:avLst/>
-          </a:prstGeom>
-          <a:noFill/>
-        </p:spPr>
-        <p:txBody>
-          <a:bodyPr wrap="none" rtlCol="0">
-            <a:spAutoFit/>
-          </a:bodyPr>
-          <a:lstStyle/>
-          <a:p>
-            <a:r>
-              <a:rPr lang="en-US" altLang="ko-KR" sz="2800" dirty="0" err="1" smtClean="0">
-                <a:solidFill>
-                  <a:srgbClr val="36B5E4"/>
-                </a:solidFill>
-                <a:latin typeface="a옛날목욕탕B" panose="02020600000000000000" pitchFamily="18" charset="-127"/>
-                <a:ea typeface="a옛날목욕탕B" panose="02020600000000000000" pitchFamily="18" charset="-127"/>
-              </a:rPr>
-              <a:t>Requirment</a:t>
-            </a:r>
-            <a:r>
-              <a:rPr lang="en-US" altLang="ko-KR" sz="2800" dirty="0" smtClean="0">
-                <a:solidFill>
-                  <a:srgbClr val="36B5E4"/>
-                </a:solidFill>
-                <a:latin typeface="a옛날목욕탕B" panose="02020600000000000000" pitchFamily="18" charset="-127"/>
-                <a:ea typeface="a옛날목욕탕B" panose="02020600000000000000" pitchFamily="18" charset="-127"/>
-              </a:rPr>
-              <a:t> - </a:t>
-            </a:r>
-            <a:r>
-              <a:rPr lang="en-US" altLang="ko-KR" sz="2800" dirty="0" err="1" smtClean="0">
-                <a:solidFill>
-                  <a:srgbClr val="36B5E4"/>
-                </a:solidFill>
-                <a:latin typeface="a옛날목욕탕B" panose="02020600000000000000" pitchFamily="18" charset="-127"/>
-                <a:ea typeface="a옛날목욕탕B" panose="02020600000000000000" pitchFamily="18" charset="-127"/>
-              </a:rPr>
-              <a:t>Usecase</a:t>
-            </a:r>
-            <a:endParaRPr lang="ko-KR" altLang="en-US" sz="2800" dirty="0">
-              <a:solidFill>
-                <a:srgbClr val="36B5E4"/>
-              </a:solidFill>
-              <a:latin typeface="a옛날목욕탕B" panose="02020600000000000000" pitchFamily="18" charset="-127"/>
-              <a:ea typeface="a옛날목욕탕B" panose="02020600000000000000" pitchFamily="18" charset="-127"/>
-            </a:endParaRPr>
-          </a:p>
-        </p:txBody>
-      </p:sp>
-      <p:pic>
-        <p:nvPicPr>
-          <p:cNvPr id="8" name="Picture 2"/>
-          <p:cNvPicPr>
-            <a:picLocks noChangeAspect="1" noChangeArrowheads="1"/>
-          </p:cNvPicPr>
-          <p:nvPr/>
-        </p:nvPicPr>
-        <p:blipFill>
-          <a:blip r:embed="rId3" cstate="print"/>
-          <a:srcRect/>
-          <a:stretch>
-            <a:fillRect/>
-          </a:stretch>
-        </p:blipFill>
-        <p:spPr bwMode="auto">
-          <a:xfrm>
-            <a:off x="1295636" y="1016732"/>
-            <a:ext cx="6467475" cy="5505450"/>
-          </a:xfrm>
-          <a:prstGeom prst="rect">
-            <a:avLst/>
-          </a:prstGeom>
-          <a:noFill/>
-          <a:ln w="9525">
-            <a:noFill/>
-            <a:miter lim="800000"/>
-            <a:headEnd/>
-            <a:tailEnd/>
-          </a:ln>
-        </p:spPr>
-      </p:pic>
-    </p:spTree>
-    <p:extLst>
-      <p:ext uri="{BB962C8B-B14F-4D97-AF65-F5344CB8AC3E}">
-        <p14:creationId xmlns="" xmlns:p14="http://schemas.microsoft.com/office/powerpoint/2010/main" val="2828006915"/>
+        <p14:creationId xmlns:p14="http://schemas.microsoft.com/office/powerpoint/2010/main" xmlns="" val="278058245"/>
       </p:ext>
     </p:extLst>
   </p:cSld>
@@ -9792,7 +11852,7 @@
     </p:spTree>
     <p:extLst>
       <p:ext uri="{BB962C8B-B14F-4D97-AF65-F5344CB8AC3E}">
-        <p14:creationId xmlns="" xmlns:p14="http://schemas.microsoft.com/office/powerpoint/2010/main" val="2828006915"/>
+        <p14:creationId xmlns:p14="http://schemas.microsoft.com/office/powerpoint/2010/main" xmlns="" val="2828006915"/>
       </p:ext>
     </p:extLst>
   </p:cSld>
@@ -10067,7 +12127,7 @@
     </p:spTree>
     <p:extLst>
       <p:ext uri="{BB962C8B-B14F-4D97-AF65-F5344CB8AC3E}">
-        <p14:creationId xmlns="" xmlns:p14="http://schemas.microsoft.com/office/powerpoint/2010/main" val="2828006915"/>
+        <p14:creationId xmlns:p14="http://schemas.microsoft.com/office/powerpoint/2010/main" xmlns="" val="2828006915"/>
       </p:ext>
     </p:extLst>
   </p:cSld>
@@ -10325,7 +12385,7 @@
     </p:spTree>
     <p:extLst>
       <p:ext uri="{BB962C8B-B14F-4D97-AF65-F5344CB8AC3E}">
-        <p14:creationId xmlns="" xmlns:p14="http://schemas.microsoft.com/office/powerpoint/2010/main" val="2828006915"/>
+        <p14:creationId xmlns:p14="http://schemas.microsoft.com/office/powerpoint/2010/main" xmlns="" val="2828006915"/>
       </p:ext>
     </p:extLst>
   </p:cSld>
@@ -10600,17 +12660,7 @@
                 <a:latin typeface="a옛날목욕탕B" panose="02020600000000000000" pitchFamily="18" charset="-127"/>
                 <a:ea typeface="a옛날목욕탕B" panose="02020600000000000000" pitchFamily="18" charset="-127"/>
               </a:rPr>
-              <a:t>Analysis – </a:t>
-            </a:r>
-            <a:r>
-              <a:rPr lang="en-US" altLang="ko-KR" sz="2800" dirty="0" smtClean="0">
-                <a:solidFill>
-                  <a:srgbClr val="36B5E4"/>
-                </a:solidFill>
-                <a:latin typeface="a옛날목욕탕B" panose="02020600000000000000" pitchFamily="18" charset="-127"/>
-                <a:ea typeface="a옛날목욕탕B" panose="02020600000000000000" pitchFamily="18" charset="-127"/>
-              </a:rPr>
-              <a:t>Sequence Diagram</a:t>
+              <a:t>Analysis – Sequence Diagram</a:t>
             </a:r>
             <a:endParaRPr lang="ko-KR" altLang="en-US" sz="2800" dirty="0">
               <a:solidFill>
@@ -10716,17 +12766,7 @@
                 <a:latin typeface="a옛날목욕탕B" panose="02020600000000000000" pitchFamily="18" charset="-127"/>
                 <a:ea typeface="a옛날목욕탕B" panose="02020600000000000000" pitchFamily="18" charset="-127"/>
               </a:rPr>
-              <a:t>Analysis – </a:t>
-            </a:r>
-            <a:r>
-              <a:rPr lang="en-US" altLang="ko-KR" sz="2800" dirty="0" smtClean="0">
-                <a:solidFill>
-                  <a:srgbClr val="36B5E4"/>
-                </a:solidFill>
-                <a:latin typeface="a옛날목욕탕B" panose="02020600000000000000" pitchFamily="18" charset="-127"/>
-                <a:ea typeface="a옛날목욕탕B" panose="02020600000000000000" pitchFamily="18" charset="-127"/>
-              </a:rPr>
-              <a:t>Sequence Diagram</a:t>
+              <a:t>Analysis – Sequence Diagram</a:t>
             </a:r>
             <a:endParaRPr lang="ko-KR" altLang="en-US" sz="2800" dirty="0">
               <a:solidFill>
@@ -10832,17 +12872,7 @@
                 <a:latin typeface="a옛날목욕탕B" panose="02020600000000000000" pitchFamily="18" charset="-127"/>
                 <a:ea typeface="a옛날목욕탕B" panose="02020600000000000000" pitchFamily="18" charset="-127"/>
               </a:rPr>
-              <a:t>Analysis – </a:t>
-            </a:r>
-            <a:r>
-              <a:rPr lang="en-US" altLang="ko-KR" sz="2800" dirty="0" smtClean="0">
-                <a:solidFill>
-                  <a:srgbClr val="36B5E4"/>
-                </a:solidFill>
-                <a:latin typeface="a옛날목욕탕B" panose="02020600000000000000" pitchFamily="18" charset="-127"/>
-                <a:ea typeface="a옛날목욕탕B" panose="02020600000000000000" pitchFamily="18" charset="-127"/>
-              </a:rPr>
-              <a:t>Sequence Diagram</a:t>
+              <a:t>Analysis – Sequence Diagram</a:t>
             </a:r>
             <a:endParaRPr lang="ko-KR" altLang="en-US" sz="2800" dirty="0">
               <a:solidFill>

--- a/ATM.pptx
+++ b/ATM.pptx
@@ -443,7 +443,7 @@
     </p:spTree>
     <p:extLst>
       <p:ext uri="{BB962C8B-B14F-4D97-AF65-F5344CB8AC3E}">
-        <p14:creationId xmlns:p14="http://schemas.microsoft.com/office/powerpoint/2010/main" xmlns="" val="2880877131"/>
+        <p14:creationId xmlns="" xmlns:p14="http://schemas.microsoft.com/office/powerpoint/2010/main" val="2880877131"/>
       </p:ext>
     </p:extLst>
   </p:cSld>
@@ -624,7 +624,7 @@
     </p:spTree>
     <p:extLst>
       <p:ext uri="{BB962C8B-B14F-4D97-AF65-F5344CB8AC3E}">
-        <p14:creationId xmlns:p14="http://schemas.microsoft.com/office/powerpoint/2010/main" xmlns="" val="2923878467"/>
+        <p14:creationId xmlns="" xmlns:p14="http://schemas.microsoft.com/office/powerpoint/2010/main" val="2923878467"/>
       </p:ext>
     </p:extLst>
   </p:cSld>
@@ -2144,7 +2144,7 @@
     </p:spTree>
     <p:extLst>
       <p:ext uri="{BB962C8B-B14F-4D97-AF65-F5344CB8AC3E}">
-        <p14:creationId xmlns:p14="http://schemas.microsoft.com/office/powerpoint/2010/main" xmlns="" val="2923878467"/>
+        <p14:creationId xmlns="" xmlns:p14="http://schemas.microsoft.com/office/powerpoint/2010/main" val="2923878467"/>
       </p:ext>
     </p:extLst>
   </p:cSld>
@@ -2377,7 +2377,7 @@
     </p:spTree>
     <p:extLst>
       <p:ext uri="{BB962C8B-B14F-4D97-AF65-F5344CB8AC3E}">
-        <p14:creationId xmlns:p14="http://schemas.microsoft.com/office/powerpoint/2010/main" xmlns="" val="2923878467"/>
+        <p14:creationId xmlns="" xmlns:p14="http://schemas.microsoft.com/office/powerpoint/2010/main" val="2923878467"/>
       </p:ext>
     </p:extLst>
   </p:cSld>
@@ -2467,7 +2467,7 @@
     </p:spTree>
     <p:extLst>
       <p:ext uri="{BB962C8B-B14F-4D97-AF65-F5344CB8AC3E}">
-        <p14:creationId xmlns:p14="http://schemas.microsoft.com/office/powerpoint/2010/main" xmlns="" val="2923878467"/>
+        <p14:creationId xmlns="" xmlns:p14="http://schemas.microsoft.com/office/powerpoint/2010/main" val="2923878467"/>
       </p:ext>
     </p:extLst>
   </p:cSld>
@@ -2557,7 +2557,7 @@
     </p:spTree>
     <p:extLst>
       <p:ext uri="{BB962C8B-B14F-4D97-AF65-F5344CB8AC3E}">
-        <p14:creationId xmlns:p14="http://schemas.microsoft.com/office/powerpoint/2010/main" xmlns="" val="2923878467"/>
+        <p14:creationId xmlns="" xmlns:p14="http://schemas.microsoft.com/office/powerpoint/2010/main" val="2923878467"/>
       </p:ext>
     </p:extLst>
   </p:cSld>
@@ -2647,7 +2647,7 @@
     </p:spTree>
     <p:extLst>
       <p:ext uri="{BB962C8B-B14F-4D97-AF65-F5344CB8AC3E}">
-        <p14:creationId xmlns:p14="http://schemas.microsoft.com/office/powerpoint/2010/main" xmlns="" val="2923878467"/>
+        <p14:creationId xmlns="" xmlns:p14="http://schemas.microsoft.com/office/powerpoint/2010/main" val="2923878467"/>
       </p:ext>
     </p:extLst>
   </p:cSld>
@@ -2737,7 +2737,7 @@
     </p:spTree>
     <p:extLst>
       <p:ext uri="{BB962C8B-B14F-4D97-AF65-F5344CB8AC3E}">
-        <p14:creationId xmlns:p14="http://schemas.microsoft.com/office/powerpoint/2010/main" xmlns="" val="2923878467"/>
+        <p14:creationId xmlns="" xmlns:p14="http://schemas.microsoft.com/office/powerpoint/2010/main" val="2923878467"/>
       </p:ext>
     </p:extLst>
   </p:cSld>
@@ -2827,7 +2827,7 @@
     </p:spTree>
     <p:extLst>
       <p:ext uri="{BB962C8B-B14F-4D97-AF65-F5344CB8AC3E}">
-        <p14:creationId xmlns:p14="http://schemas.microsoft.com/office/powerpoint/2010/main" xmlns="" val="2923878467"/>
+        <p14:creationId xmlns="" xmlns:p14="http://schemas.microsoft.com/office/powerpoint/2010/main" val="2923878467"/>
       </p:ext>
     </p:extLst>
   </p:cSld>
@@ -3786,7 +3786,7 @@
     </p:spTree>
     <p:extLst>
       <p:ext uri="{BB962C8B-B14F-4D97-AF65-F5344CB8AC3E}">
-        <p14:creationId xmlns:p14="http://schemas.microsoft.com/office/powerpoint/2010/main" xmlns="" val="3312566302"/>
+        <p14:creationId xmlns="" xmlns:p14="http://schemas.microsoft.com/office/powerpoint/2010/main" val="3312566302"/>
       </p:ext>
     </p:extLst>
   </p:cSld>
@@ -3965,7 +3965,7 @@
     </p:spTree>
     <p:extLst>
       <p:ext uri="{BB962C8B-B14F-4D97-AF65-F5344CB8AC3E}">
-        <p14:creationId xmlns:p14="http://schemas.microsoft.com/office/powerpoint/2010/main" xmlns="" val="3690458110"/>
+        <p14:creationId xmlns="" xmlns:p14="http://schemas.microsoft.com/office/powerpoint/2010/main" val="3690458110"/>
       </p:ext>
     </p:extLst>
   </p:cSld>
@@ -4147,7 +4147,7 @@
     </p:spTree>
     <p:extLst>
       <p:ext uri="{BB962C8B-B14F-4D97-AF65-F5344CB8AC3E}">
-        <p14:creationId xmlns:p14="http://schemas.microsoft.com/office/powerpoint/2010/main" xmlns="" val="3351353629"/>
+        <p14:creationId xmlns="" xmlns:p14="http://schemas.microsoft.com/office/powerpoint/2010/main" val="3351353629"/>
       </p:ext>
     </p:extLst>
   </p:cSld>
@@ -4339,7 +4339,7 @@
     </p:spTree>
     <p:extLst>
       <p:ext uri="{BB962C8B-B14F-4D97-AF65-F5344CB8AC3E}">
-        <p14:creationId xmlns:p14="http://schemas.microsoft.com/office/powerpoint/2010/main" xmlns="" val="3644754599"/>
+        <p14:creationId xmlns="" xmlns:p14="http://schemas.microsoft.com/office/powerpoint/2010/main" val="3644754599"/>
       </p:ext>
     </p:extLst>
   </p:cSld>
@@ -4594,7 +4594,7 @@
     </p:spTree>
     <p:extLst>
       <p:ext uri="{BB962C8B-B14F-4D97-AF65-F5344CB8AC3E}">
-        <p14:creationId xmlns:p14="http://schemas.microsoft.com/office/powerpoint/2010/main" xmlns="" val="537752893"/>
+        <p14:creationId xmlns="" xmlns:p14="http://schemas.microsoft.com/office/powerpoint/2010/main" val="537752893"/>
       </p:ext>
     </p:extLst>
   </p:cSld>
@@ -4891,7 +4891,7 @@
     </p:spTree>
     <p:extLst>
       <p:ext uri="{BB962C8B-B14F-4D97-AF65-F5344CB8AC3E}">
-        <p14:creationId xmlns:p14="http://schemas.microsoft.com/office/powerpoint/2010/main" xmlns="" val="1145409686"/>
+        <p14:creationId xmlns="" xmlns:p14="http://schemas.microsoft.com/office/powerpoint/2010/main" val="1145409686"/>
       </p:ext>
     </p:extLst>
   </p:cSld>
@@ -5315,7 +5315,7 @@
     </p:spTree>
     <p:extLst>
       <p:ext uri="{BB962C8B-B14F-4D97-AF65-F5344CB8AC3E}">
-        <p14:creationId xmlns:p14="http://schemas.microsoft.com/office/powerpoint/2010/main" xmlns="" val="3566256486"/>
+        <p14:creationId xmlns="" xmlns:p14="http://schemas.microsoft.com/office/powerpoint/2010/main" val="3566256486"/>
       </p:ext>
     </p:extLst>
   </p:cSld>
@@ -5435,7 +5435,7 @@
     </p:spTree>
     <p:extLst>
       <p:ext uri="{BB962C8B-B14F-4D97-AF65-F5344CB8AC3E}">
-        <p14:creationId xmlns:p14="http://schemas.microsoft.com/office/powerpoint/2010/main" xmlns="" val="3837165919"/>
+        <p14:creationId xmlns="" xmlns:p14="http://schemas.microsoft.com/office/powerpoint/2010/main" val="3837165919"/>
       </p:ext>
     </p:extLst>
   </p:cSld>
@@ -5532,7 +5532,7 @@
     </p:spTree>
     <p:extLst>
       <p:ext uri="{BB962C8B-B14F-4D97-AF65-F5344CB8AC3E}">
-        <p14:creationId xmlns:p14="http://schemas.microsoft.com/office/powerpoint/2010/main" xmlns="" val="3309720427"/>
+        <p14:creationId xmlns="" xmlns:p14="http://schemas.microsoft.com/office/powerpoint/2010/main" val="3309720427"/>
       </p:ext>
     </p:extLst>
   </p:cSld>
@@ -5811,7 +5811,7 @@
     </p:spTree>
     <p:extLst>
       <p:ext uri="{BB962C8B-B14F-4D97-AF65-F5344CB8AC3E}">
-        <p14:creationId xmlns:p14="http://schemas.microsoft.com/office/powerpoint/2010/main" xmlns="" val="3224292234"/>
+        <p14:creationId xmlns="" xmlns:p14="http://schemas.microsoft.com/office/powerpoint/2010/main" val="3224292234"/>
       </p:ext>
     </p:extLst>
   </p:cSld>
@@ -6066,7 +6066,7 @@
     </p:spTree>
     <p:extLst>
       <p:ext uri="{BB962C8B-B14F-4D97-AF65-F5344CB8AC3E}">
-        <p14:creationId xmlns:p14="http://schemas.microsoft.com/office/powerpoint/2010/main" xmlns="" val="304396642"/>
+        <p14:creationId xmlns="" xmlns:p14="http://schemas.microsoft.com/office/powerpoint/2010/main" val="304396642"/>
       </p:ext>
     </p:extLst>
   </p:cSld>
@@ -6332,7 +6332,7 @@
     </p:spTree>
     <p:extLst>
       <p:ext uri="{BB962C8B-B14F-4D97-AF65-F5344CB8AC3E}">
-        <p14:creationId xmlns:p14="http://schemas.microsoft.com/office/powerpoint/2010/main" xmlns="" val="3536956202"/>
+        <p14:creationId xmlns="" xmlns:p14="http://schemas.microsoft.com/office/powerpoint/2010/main" val="3536956202"/>
       </p:ext>
     </p:extLst>
   </p:cSld>
@@ -6882,7 +6882,7 @@
     </p:spTree>
     <p:extLst>
       <p:ext uri="{BB962C8B-B14F-4D97-AF65-F5344CB8AC3E}">
-        <p14:creationId xmlns:p14="http://schemas.microsoft.com/office/powerpoint/2010/main" xmlns="" val="1390811957"/>
+        <p14:creationId xmlns="" xmlns:p14="http://schemas.microsoft.com/office/powerpoint/2010/main" val="1390811957"/>
       </p:ext>
     </p:extLst>
   </p:cSld>
@@ -7267,15 +7267,7 @@
                   <a:srgbClr val="36B5E4"/>
                 </a:solidFill>
               </a:rPr>
-              <a:t>예금 </a:t>
-            </a:r>
-            <a:r>
-              <a:rPr lang="ko-KR" altLang="en-US" dirty="0" smtClean="0">
-                <a:solidFill>
-                  <a:srgbClr val="36B5E4"/>
-                </a:solidFill>
-              </a:rPr>
-              <a:t>커뮤니케이션 다이어그램</a:t>
+              <a:t>예금 커뮤니케이션 다이어그램</a:t>
             </a:r>
             <a:endParaRPr lang="ko-KR" altLang="en-US" dirty="0">
               <a:solidFill>
@@ -7418,15 +7410,7 @@
                   <a:srgbClr val="36B5E4"/>
                 </a:solidFill>
               </a:rPr>
-              <a:t>이체 </a:t>
-            </a:r>
-            <a:r>
-              <a:rPr lang="ko-KR" altLang="en-US" dirty="0" smtClean="0">
-                <a:solidFill>
-                  <a:srgbClr val="36B5E4"/>
-                </a:solidFill>
-              </a:rPr>
-              <a:t>커뮤니케이션 다이어그램</a:t>
+              <a:t>이체 커뮤니케이션 다이어그램</a:t>
             </a:r>
             <a:endParaRPr lang="ko-KR" altLang="en-US" dirty="0">
               <a:solidFill>
@@ -7569,15 +7553,7 @@
                   <a:srgbClr val="36B5E4"/>
                 </a:solidFill>
               </a:rPr>
-              <a:t>조회 </a:t>
-            </a:r>
-            <a:r>
-              <a:rPr lang="ko-KR" altLang="en-US" dirty="0" smtClean="0">
-                <a:solidFill>
-                  <a:srgbClr val="36B5E4"/>
-                </a:solidFill>
-              </a:rPr>
-              <a:t>커뮤니케이션 다이어그램</a:t>
+              <a:t>조회 커뮤니케이션 다이어그램</a:t>
             </a:r>
             <a:endParaRPr lang="ko-KR" altLang="en-US" dirty="0">
               <a:solidFill>
@@ -7661,9 +7637,46 @@
           </a:p>
         </p:txBody>
       </p:sp>
+      <p:sp>
+        <p:nvSpPr>
+          <p:cNvPr id="5" name="직사각형 4"/>
+          <p:cNvSpPr/>
+          <p:nvPr/>
+        </p:nvSpPr>
+        <p:spPr>
+          <a:xfrm>
+            <a:off x="791580" y="1196752"/>
+            <a:ext cx="5128327" cy="369332"/>
+          </a:xfrm>
+          <a:prstGeom prst="rect">
+            <a:avLst/>
+          </a:prstGeom>
+        </p:spPr>
+        <p:txBody>
+          <a:bodyPr wrap="none">
+            <a:spAutoFit/>
+          </a:bodyPr>
+          <a:lstStyle/>
+          <a:p>
+            <a:r>
+              <a:rPr lang="ko-KR" altLang="en-US" dirty="0" smtClean="0">
+                <a:solidFill>
+                  <a:srgbClr val="36B5E4"/>
+                </a:solidFill>
+              </a:rPr>
+              <a:t>잘못된 비밀번호 입력 커뮤니케이션 다이어그램</a:t>
+            </a:r>
+            <a:endParaRPr lang="ko-KR" altLang="en-US" dirty="0">
+              <a:solidFill>
+                <a:srgbClr val="36B5E4"/>
+              </a:solidFill>
+            </a:endParaRPr>
+          </a:p>
+        </p:txBody>
+      </p:sp>
       <p:pic>
         <p:nvPicPr>
-          <p:cNvPr id="6" name="Picture 2"/>
+          <p:cNvPr id="1026" name="Picture 2"/>
           <p:cNvPicPr>
             <a:picLocks noChangeAspect="1" noChangeArrowheads="1"/>
           </p:cNvPicPr>
@@ -7678,8 +7691,8 @@
         </p:blipFill>
         <p:spPr bwMode="auto">
           <a:xfrm>
-            <a:off x="120090" y="1628800"/>
-            <a:ext cx="8808394" cy="4130548"/>
+            <a:off x="503548" y="2096852"/>
+            <a:ext cx="8181975" cy="3676650"/>
           </a:xfrm>
           <a:prstGeom prst="rect">
             <a:avLst/>
@@ -7693,51 +7706,6 @@
           </a:ln>
         </p:spPr>
       </p:pic>
-      <p:sp>
-        <p:nvSpPr>
-          <p:cNvPr id="5" name="직사각형 4"/>
-          <p:cNvSpPr/>
-          <p:nvPr/>
-        </p:nvSpPr>
-        <p:spPr>
-          <a:xfrm>
-            <a:off x="791580" y="1196752"/>
-            <a:ext cx="5128327" cy="369332"/>
-          </a:xfrm>
-          <a:prstGeom prst="rect">
-            <a:avLst/>
-          </a:prstGeom>
-        </p:spPr>
-        <p:txBody>
-          <a:bodyPr wrap="none">
-            <a:spAutoFit/>
-          </a:bodyPr>
-          <a:lstStyle/>
-          <a:p>
-            <a:r>
-              <a:rPr lang="ko-KR" altLang="en-US" dirty="0" smtClean="0">
-                <a:solidFill>
-                  <a:srgbClr val="36B5E4"/>
-                </a:solidFill>
-              </a:rPr>
-              <a:t>잘못된 비밀번호 입력 커뮤니케이션 </a:t>
-            </a:r>
-            <a:r>
-              <a:rPr lang="ko-KR" altLang="en-US" dirty="0" smtClean="0">
-                <a:solidFill>
-                  <a:srgbClr val="36B5E4"/>
-                </a:solidFill>
-              </a:rPr>
-              <a:t>다이어그램</a:t>
-            </a:r>
-            <a:endParaRPr lang="ko-KR" altLang="en-US" dirty="0">
-              <a:solidFill>
-                <a:srgbClr val="36B5E4"/>
-              </a:solidFill>
-            </a:endParaRPr>
-          </a:p>
-        </p:txBody>
-      </p:sp>
     </p:spTree>
   </p:cSld>
   <p:clrMapOvr>
@@ -9108,7 +9076,7 @@
     </p:spTree>
     <p:extLst>
       <p:ext uri="{BB962C8B-B14F-4D97-AF65-F5344CB8AC3E}">
-        <p14:creationId xmlns:p14="http://schemas.microsoft.com/office/powerpoint/2010/main" xmlns="" val="2400432682"/>
+        <p14:creationId xmlns="" xmlns:p14="http://schemas.microsoft.com/office/powerpoint/2010/main" val="2400432682"/>
       </p:ext>
     </p:extLst>
   </p:cSld>
@@ -10361,7 +10329,7 @@
     </p:spTree>
     <p:extLst>
       <p:ext uri="{BB962C8B-B14F-4D97-AF65-F5344CB8AC3E}">
-        <p14:creationId xmlns:p14="http://schemas.microsoft.com/office/powerpoint/2010/main" xmlns="" val="720871668"/>
+        <p14:creationId xmlns="" xmlns:p14="http://schemas.microsoft.com/office/powerpoint/2010/main" val="720871668"/>
       </p:ext>
     </p:extLst>
   </p:cSld>
@@ -10712,7 +10680,7 @@
     </p:spTree>
     <p:extLst>
       <p:ext uri="{BB962C8B-B14F-4D97-AF65-F5344CB8AC3E}">
-        <p14:creationId xmlns:p14="http://schemas.microsoft.com/office/powerpoint/2010/main" xmlns="" val="720871668"/>
+        <p14:creationId xmlns="" xmlns:p14="http://schemas.microsoft.com/office/powerpoint/2010/main" val="720871668"/>
       </p:ext>
     </p:extLst>
   </p:cSld>
@@ -11327,7 +11295,7 @@
     </p:spTree>
     <p:extLst>
       <p:ext uri="{BB962C8B-B14F-4D97-AF65-F5344CB8AC3E}">
-        <p14:creationId xmlns:p14="http://schemas.microsoft.com/office/powerpoint/2010/main" xmlns="" val="720871668"/>
+        <p14:creationId xmlns="" xmlns:p14="http://schemas.microsoft.com/office/powerpoint/2010/main" val="720871668"/>
       </p:ext>
     </p:extLst>
   </p:cSld>
@@ -11458,7 +11426,7 @@
     </p:spTree>
     <p:extLst>
       <p:ext uri="{BB962C8B-B14F-4D97-AF65-F5344CB8AC3E}">
-        <p14:creationId xmlns:p14="http://schemas.microsoft.com/office/powerpoint/2010/main" xmlns="" val="2828006915"/>
+        <p14:creationId xmlns="" xmlns:p14="http://schemas.microsoft.com/office/powerpoint/2010/main" val="2828006915"/>
       </p:ext>
     </p:extLst>
   </p:cSld>
@@ -11600,7 +11568,7 @@
     </p:spTree>
     <p:extLst>
       <p:ext uri="{BB962C8B-B14F-4D97-AF65-F5344CB8AC3E}">
-        <p14:creationId xmlns:p14="http://schemas.microsoft.com/office/powerpoint/2010/main" xmlns="" val="720871668"/>
+        <p14:creationId xmlns="" xmlns:p14="http://schemas.microsoft.com/office/powerpoint/2010/main" val="720871668"/>
       </p:ext>
     </p:extLst>
   </p:cSld>
@@ -11731,7 +11699,7 @@
     </p:spTree>
     <p:extLst>
       <p:ext uri="{BB962C8B-B14F-4D97-AF65-F5344CB8AC3E}">
-        <p14:creationId xmlns:p14="http://schemas.microsoft.com/office/powerpoint/2010/main" xmlns="" val="278058245"/>
+        <p14:creationId xmlns="" xmlns:p14="http://schemas.microsoft.com/office/powerpoint/2010/main" val="278058245"/>
       </p:ext>
     </p:extLst>
   </p:cSld>
@@ -11852,7 +11820,7 @@
     </p:spTree>
     <p:extLst>
       <p:ext uri="{BB962C8B-B14F-4D97-AF65-F5344CB8AC3E}">
-        <p14:creationId xmlns:p14="http://schemas.microsoft.com/office/powerpoint/2010/main" xmlns="" val="2828006915"/>
+        <p14:creationId xmlns="" xmlns:p14="http://schemas.microsoft.com/office/powerpoint/2010/main" val="2828006915"/>
       </p:ext>
     </p:extLst>
   </p:cSld>
@@ -12127,7 +12095,7 @@
     </p:spTree>
     <p:extLst>
       <p:ext uri="{BB962C8B-B14F-4D97-AF65-F5344CB8AC3E}">
-        <p14:creationId xmlns:p14="http://schemas.microsoft.com/office/powerpoint/2010/main" xmlns="" val="2828006915"/>
+        <p14:creationId xmlns="" xmlns:p14="http://schemas.microsoft.com/office/powerpoint/2010/main" val="2828006915"/>
       </p:ext>
     </p:extLst>
   </p:cSld>
@@ -12385,7 +12353,7 @@
     </p:spTree>
     <p:extLst>
       <p:ext uri="{BB962C8B-B14F-4D97-AF65-F5344CB8AC3E}">
-        <p14:creationId xmlns:p14="http://schemas.microsoft.com/office/powerpoint/2010/main" xmlns="" val="2828006915"/>
+        <p14:creationId xmlns="" xmlns:p14="http://schemas.microsoft.com/office/powerpoint/2010/main" val="2828006915"/>
       </p:ext>
     </p:extLst>
   </p:cSld>

--- a/ATM.pptx
+++ b/ATM.pptx
@@ -5,7 +5,7 @@
     <p:sldMasterId id="2147483660" r:id="rId1"/>
   </p:sldMasterIdLst>
   <p:notesMasterIdLst>
-    <p:notesMasterId r:id="rId33"/>
+    <p:notesMasterId r:id="rId32"/>
   </p:notesMasterIdLst>
   <p:sldIdLst>
     <p:sldId id="256" r:id="rId2"/>
@@ -14,18 +14,18 @@
     <p:sldId id="293" r:id="rId5"/>
     <p:sldId id="294" r:id="rId6"/>
     <p:sldId id="295" r:id="rId7"/>
-    <p:sldId id="296" r:id="rId8"/>
-    <p:sldId id="297" r:id="rId9"/>
-    <p:sldId id="298" r:id="rId10"/>
-    <p:sldId id="299" r:id="rId11"/>
-    <p:sldId id="300" r:id="rId12"/>
-    <p:sldId id="301" r:id="rId13"/>
-    <p:sldId id="302" r:id="rId14"/>
-    <p:sldId id="303" r:id="rId15"/>
-    <p:sldId id="304" r:id="rId16"/>
-    <p:sldId id="312" r:id="rId17"/>
-    <p:sldId id="313" r:id="rId18"/>
-    <p:sldId id="314" r:id="rId19"/>
+    <p:sldId id="319" r:id="rId8"/>
+    <p:sldId id="296" r:id="rId9"/>
+    <p:sldId id="297" r:id="rId10"/>
+    <p:sldId id="298" r:id="rId11"/>
+    <p:sldId id="299" r:id="rId12"/>
+    <p:sldId id="300" r:id="rId13"/>
+    <p:sldId id="301" r:id="rId14"/>
+    <p:sldId id="302" r:id="rId15"/>
+    <p:sldId id="303" r:id="rId16"/>
+    <p:sldId id="304" r:id="rId17"/>
+    <p:sldId id="312" r:id="rId18"/>
+    <p:sldId id="313" r:id="rId19"/>
     <p:sldId id="315" r:id="rId20"/>
     <p:sldId id="316" r:id="rId21"/>
     <p:sldId id="317" r:id="rId22"/>
@@ -36,33 +36,32 @@
     <p:sldId id="308" r:id="rId27"/>
     <p:sldId id="281" r:id="rId28"/>
     <p:sldId id="309" r:id="rId29"/>
-    <p:sldId id="310" r:id="rId30"/>
-    <p:sldId id="311" r:id="rId31"/>
-    <p:sldId id="285" r:id="rId32"/>
+    <p:sldId id="311" r:id="rId30"/>
+    <p:sldId id="285" r:id="rId31"/>
   </p:sldIdLst>
   <p:sldSz cx="9144000" cy="6858000" type="screen4x3"/>
   <p:notesSz cx="6858000" cy="9144000"/>
   <p:embeddedFontLst>
     <p:embeddedFont>
       <p:font typeface="-윤고딕340" charset="-127"/>
+      <p:regular r:id="rId33"/>
+    </p:embeddedFont>
+    <p:embeddedFont>
+      <p:font typeface="양재붓꽃체L" pitchFamily="18" charset="-127"/>
       <p:regular r:id="rId34"/>
     </p:embeddedFont>
     <p:embeddedFont>
-      <p:font typeface="양재붓꽃체L" pitchFamily="18" charset="-127"/>
+      <p:font typeface="맑은 고딕" pitchFamily="50" charset="-127"/>
       <p:regular r:id="rId35"/>
-    </p:embeddedFont>
-    <p:embeddedFont>
-      <p:font typeface="맑은 고딕" pitchFamily="50" charset="-127"/>
-      <p:regular r:id="rId36"/>
-      <p:bold r:id="rId37"/>
+      <p:bold r:id="rId36"/>
     </p:embeddedFont>
     <p:embeddedFont>
       <p:font typeface="-윤고딕330" charset="-127"/>
-      <p:regular r:id="rId38"/>
+      <p:regular r:id="rId37"/>
     </p:embeddedFont>
     <p:embeddedFont>
       <p:font typeface="Yoon 윤고딕 550_TT" charset="-127"/>
-      <p:regular r:id="rId39"/>
+      <p:regular r:id="rId38"/>
     </p:embeddedFont>
   </p:embeddedFontLst>
   <p:defaultTextStyle>
@@ -763,7 +762,7 @@
               <a:pPr lvl="0">
                 <a:defRPr lang="ko-KR" altLang="en-US"/>
               </a:pPr>
-              <a:t>16</a:t>
+              <a:t>17</a:t>
             </a:fld>
             <a:endParaRPr lang="ko-KR" altLang="en-US"/>
           </a:p>
@@ -906,7 +905,7 @@
               <a:pPr lvl="0">
                 <a:defRPr lang="ko-KR" altLang="en-US"/>
               </a:pPr>
-              <a:t>17</a:t>
+              <a:t>18</a:t>
             </a:fld>
             <a:endParaRPr lang="ko-KR" altLang="en-US"/>
           </a:p>
@@ -1049,7 +1048,7 @@
               <a:pPr lvl="0">
                 <a:defRPr lang="ko-KR" altLang="en-US"/>
               </a:pPr>
-              <a:t>18</a:t>
+              <a:t>19</a:t>
             </a:fld>
             <a:endParaRPr lang="ko-KR" altLang="en-US"/>
           </a:p>
@@ -1192,7 +1191,7 @@
               <a:pPr lvl="0">
                 <a:defRPr lang="ko-KR" altLang="en-US"/>
               </a:pPr>
-              <a:t>19</a:t>
+              <a:t>20</a:t>
             </a:fld>
             <a:endParaRPr lang="ko-KR" altLang="en-US"/>
           </a:p>
@@ -1335,7 +1334,7 @@
               <a:pPr lvl="0">
                 <a:defRPr lang="ko-KR" altLang="en-US"/>
               </a:pPr>
-              <a:t>20</a:t>
+              <a:t>21</a:t>
             </a:fld>
             <a:endParaRPr lang="ko-KR" altLang="en-US"/>
           </a:p>
@@ -1478,7 +1477,7 @@
               <a:pPr lvl="0">
                 <a:defRPr lang="ko-KR" altLang="en-US"/>
               </a:pPr>
-              <a:t>21</a:t>
+              <a:t>22</a:t>
             </a:fld>
             <a:endParaRPr lang="ko-KR" altLang="en-US"/>
           </a:p>
@@ -1621,7 +1620,7 @@
               <a:pPr lvl="0">
                 <a:defRPr lang="ko-KR" altLang="en-US"/>
               </a:pPr>
-              <a:t>22</a:t>
+              <a:t>23</a:t>
             </a:fld>
             <a:endParaRPr lang="ko-KR" altLang="en-US"/>
           </a:p>
@@ -1764,7 +1763,7 @@
               <a:pPr lvl="0">
                 <a:defRPr lang="ko-KR" altLang="en-US"/>
               </a:pPr>
-              <a:t>23</a:t>
+              <a:t>24</a:t>
             </a:fld>
             <a:endParaRPr lang="ko-KR" altLang="en-US"/>
           </a:p>
@@ -1907,7 +1906,7 @@
               <a:pPr lvl="0">
                 <a:defRPr lang="ko-KR" altLang="en-US"/>
               </a:pPr>
-              <a:t>24</a:t>
+              <a:t>25</a:t>
             </a:fld>
             <a:endParaRPr lang="ko-KR" altLang="en-US"/>
           </a:p>
@@ -2050,7 +2049,7 @@
               <a:pPr lvl="0">
                 <a:defRPr lang="ko-KR" altLang="en-US"/>
               </a:pPr>
-              <a:t>25</a:t>
+              <a:t>26</a:t>
             </a:fld>
             <a:endParaRPr lang="ko-KR" altLang="en-US"/>
           </a:p>
@@ -2195,67 +2194,9 @@
         </p:nvSpPr>
         <p:spPr/>
         <p:txBody>
-          <a:bodyPr>
-            <a:normAutofit/>
-          </a:bodyPr>
-          <a:lstStyle/>
-          <a:p>
-            <a:r>
-              <a:rPr lang="en-US" altLang="ko-KR" dirty="0" smtClean="0"/>
-              <a:t>9</a:t>
-            </a:r>
-            <a:r>
-              <a:rPr lang="ko-KR" altLang="en-US" dirty="0" smtClean="0"/>
-              <a:t>가지의 흐름이 있는데 </a:t>
-            </a:r>
-            <a:r>
-              <a:rPr lang="ko-KR" altLang="en-US" dirty="0" err="1" smtClean="0"/>
-              <a:t>그중에서</a:t>
-            </a:r>
-            <a:r>
-              <a:rPr lang="ko-KR" altLang="en-US" dirty="0" smtClean="0"/>
-              <a:t> </a:t>
-            </a:r>
-            <a:r>
-              <a:rPr lang="en-US" altLang="ko-KR" dirty="0" smtClean="0"/>
-              <a:t>Transaction </a:t>
-            </a:r>
-            <a:r>
-              <a:rPr lang="ko-KR" altLang="en-US" dirty="0" smtClean="0"/>
-              <a:t>흐름을 좀더 구체적으로 </a:t>
-            </a:r>
-            <a:r>
-              <a:rPr lang="ko-KR" altLang="en-US" dirty="0" err="1" smtClean="0"/>
-              <a:t>표현하기위해</a:t>
-            </a:r>
-            <a:r>
-              <a:rPr lang="ko-KR" altLang="en-US" dirty="0" smtClean="0"/>
-              <a:t> </a:t>
-            </a:r>
-            <a:r>
-              <a:rPr lang="ko-KR" altLang="en-US" dirty="0" err="1" smtClean="0"/>
-              <a:t>콜라보레이션을</a:t>
-            </a:r>
-            <a:r>
-              <a:rPr lang="ko-KR" altLang="en-US" dirty="0" smtClean="0"/>
-              <a:t> 사용했다</a:t>
-            </a:r>
-            <a:r>
-              <a:rPr lang="en-US" altLang="ko-KR" dirty="0" smtClean="0"/>
-              <a:t>. </a:t>
-            </a:r>
-            <a:r>
-              <a:rPr lang="ko-KR" altLang="en-US" dirty="0" err="1" smtClean="0"/>
-              <a:t>콜라보레이션은</a:t>
-            </a:r>
-            <a:r>
-              <a:rPr lang="ko-KR" altLang="en-US" dirty="0" smtClean="0"/>
-              <a:t> 대화형흐름으로 시퀀스다이어그램 같이 메시지의 흐름을 나타내지만 추가적으로 객체와의 관계를 나타낸다</a:t>
-            </a:r>
-            <a:r>
-              <a:rPr lang="en-US" altLang="ko-KR" dirty="0" smtClean="0"/>
-              <a:t>.</a:t>
-            </a:r>
+          <a:bodyPr/>
+          <a:lstStyle/>
+          <a:p>
             <a:endParaRPr lang="ko-KR" altLang="en-US" dirty="0"/>
           </a:p>
         </p:txBody>
@@ -2283,13 +2224,18 @@
               <a:pPr lvl="0">
                 <a:defRPr lang="ko-KR" altLang="en-US"/>
               </a:pPr>
-              <a:t>26</a:t>
+              <a:t>27</a:t>
             </a:fld>
             <a:endParaRPr lang="ko-KR" altLang="en-US"/>
           </a:p>
         </p:txBody>
       </p:sp>
     </p:spTree>
+    <p:extLst>
+      <p:ext uri="{BB962C8B-B14F-4D97-AF65-F5344CB8AC3E}">
+        <p14:creationId xmlns="" xmlns:p14="http://schemas.microsoft.com/office/powerpoint/2010/main" val="2923878467"/>
+      </p:ext>
+    </p:extLst>
   </p:cSld>
   <p:clrMapOvr>
     <a:masterClrMapping/>
@@ -2368,7 +2314,7 @@
               <a:pPr lvl="0">
                 <a:defRPr lang="ko-KR" altLang="en-US"/>
               </a:pPr>
-              <a:t>27</a:t>
+              <a:t>28</a:t>
             </a:fld>
             <a:endParaRPr lang="ko-KR" altLang="en-US"/>
           </a:p>
@@ -2458,187 +2404,7 @@
               <a:pPr lvl="0">
                 <a:defRPr lang="ko-KR" altLang="en-US"/>
               </a:pPr>
-              <a:t>28</a:t>
-            </a:fld>
-            <a:endParaRPr lang="ko-KR" altLang="en-US"/>
-          </a:p>
-        </p:txBody>
-      </p:sp>
-    </p:spTree>
-    <p:extLst>
-      <p:ext uri="{BB962C8B-B14F-4D97-AF65-F5344CB8AC3E}">
-        <p14:creationId xmlns="" xmlns:p14="http://schemas.microsoft.com/office/powerpoint/2010/main" val="2923878467"/>
-      </p:ext>
-    </p:extLst>
-  </p:cSld>
-  <p:clrMapOvr>
-    <a:masterClrMapping/>
-  </p:clrMapOvr>
-</p:notes>
-</file>
-
-<file path=ppt/notesSlides/notesSlide23.xml><?xml version="1.0" encoding="utf-8"?>
-<p:notes xmlns:a="http://schemas.openxmlformats.org/drawingml/2006/main" xmlns:r="http://schemas.openxmlformats.org/officeDocument/2006/relationships" xmlns:p="http://schemas.openxmlformats.org/presentationml/2006/main">
-  <p:cSld>
-    <p:spTree>
-      <p:nvGrpSpPr>
-        <p:cNvPr id="1" name=""/>
-        <p:cNvGrpSpPr/>
-        <p:nvPr/>
-      </p:nvGrpSpPr>
-      <p:grpSpPr>
-        <a:xfrm>
-          <a:off x="0" y="0"/>
-          <a:ext cx="0" cy="0"/>
-          <a:chOff x="0" y="0"/>
-          <a:chExt cx="0" cy="0"/>
-        </a:xfrm>
-      </p:grpSpPr>
-      <p:sp>
-        <p:nvSpPr>
-          <p:cNvPr id="2" name="슬라이드 이미지 개체 틀 1"/>
-          <p:cNvSpPr>
-            <a:spLocks noGrp="1" noRot="1" noChangeAspect="1"/>
-          </p:cNvSpPr>
-          <p:nvPr>
-            <p:ph type="sldImg"/>
-          </p:nvPr>
-        </p:nvSpPr>
-        <p:spPr/>
-      </p:sp>
-      <p:sp>
-        <p:nvSpPr>
-          <p:cNvPr id="3" name="슬라이드 노트 개체 틀 2"/>
-          <p:cNvSpPr>
-            <a:spLocks noGrp="1"/>
-          </p:cNvSpPr>
-          <p:nvPr>
-            <p:ph type="body" idx="1"/>
-          </p:nvPr>
-        </p:nvSpPr>
-        <p:spPr/>
-        <p:txBody>
-          <a:bodyPr/>
-          <a:lstStyle/>
-          <a:p>
-            <a:endParaRPr lang="ko-KR" altLang="en-US" dirty="0"/>
-          </a:p>
-        </p:txBody>
-      </p:sp>
-      <p:sp>
-        <p:nvSpPr>
-          <p:cNvPr id="4" name="슬라이드 번호 개체 틀 3"/>
-          <p:cNvSpPr>
-            <a:spLocks noGrp="1"/>
-          </p:cNvSpPr>
-          <p:nvPr>
-            <p:ph type="sldNum" sz="quarter" idx="10"/>
-          </p:nvPr>
-        </p:nvSpPr>
-        <p:spPr/>
-        <p:txBody>
-          <a:bodyPr/>
-          <a:lstStyle/>
-          <a:p>
-            <a:pPr lvl="0">
-              <a:defRPr lang="ko-KR" altLang="en-US"/>
-            </a:pPr>
-            <a:fld id="{9C33EF00-BB1E-42E8-9466-D6066537D647}" type="slidenum">
-              <a:rPr lang="ko-KR" altLang="en-US" smtClean="0"/>
-              <a:pPr lvl="0">
-                <a:defRPr lang="ko-KR" altLang="en-US"/>
-              </a:pPr>
               <a:t>29</a:t>
-            </a:fld>
-            <a:endParaRPr lang="ko-KR" altLang="en-US"/>
-          </a:p>
-        </p:txBody>
-      </p:sp>
-    </p:spTree>
-    <p:extLst>
-      <p:ext uri="{BB962C8B-B14F-4D97-AF65-F5344CB8AC3E}">
-        <p14:creationId xmlns="" xmlns:p14="http://schemas.microsoft.com/office/powerpoint/2010/main" val="2923878467"/>
-      </p:ext>
-    </p:extLst>
-  </p:cSld>
-  <p:clrMapOvr>
-    <a:masterClrMapping/>
-  </p:clrMapOvr>
-</p:notes>
-</file>
-
-<file path=ppt/notesSlides/notesSlide24.xml><?xml version="1.0" encoding="utf-8"?>
-<p:notes xmlns:a="http://schemas.openxmlformats.org/drawingml/2006/main" xmlns:r="http://schemas.openxmlformats.org/officeDocument/2006/relationships" xmlns:p="http://schemas.openxmlformats.org/presentationml/2006/main">
-  <p:cSld>
-    <p:spTree>
-      <p:nvGrpSpPr>
-        <p:cNvPr id="1" name=""/>
-        <p:cNvGrpSpPr/>
-        <p:nvPr/>
-      </p:nvGrpSpPr>
-      <p:grpSpPr>
-        <a:xfrm>
-          <a:off x="0" y="0"/>
-          <a:ext cx="0" cy="0"/>
-          <a:chOff x="0" y="0"/>
-          <a:chExt cx="0" cy="0"/>
-        </a:xfrm>
-      </p:grpSpPr>
-      <p:sp>
-        <p:nvSpPr>
-          <p:cNvPr id="2" name="슬라이드 이미지 개체 틀 1"/>
-          <p:cNvSpPr>
-            <a:spLocks noGrp="1" noRot="1" noChangeAspect="1"/>
-          </p:cNvSpPr>
-          <p:nvPr>
-            <p:ph type="sldImg"/>
-          </p:nvPr>
-        </p:nvSpPr>
-        <p:spPr/>
-      </p:sp>
-      <p:sp>
-        <p:nvSpPr>
-          <p:cNvPr id="3" name="슬라이드 노트 개체 틀 2"/>
-          <p:cNvSpPr>
-            <a:spLocks noGrp="1"/>
-          </p:cNvSpPr>
-          <p:nvPr>
-            <p:ph type="body" idx="1"/>
-          </p:nvPr>
-        </p:nvSpPr>
-        <p:spPr/>
-        <p:txBody>
-          <a:bodyPr/>
-          <a:lstStyle/>
-          <a:p>
-            <a:endParaRPr lang="ko-KR" altLang="en-US" dirty="0"/>
-          </a:p>
-        </p:txBody>
-      </p:sp>
-      <p:sp>
-        <p:nvSpPr>
-          <p:cNvPr id="4" name="슬라이드 번호 개체 틀 3"/>
-          <p:cNvSpPr>
-            <a:spLocks noGrp="1"/>
-          </p:cNvSpPr>
-          <p:nvPr>
-            <p:ph type="sldNum" sz="quarter" idx="10"/>
-          </p:nvPr>
-        </p:nvSpPr>
-        <p:spPr/>
-        <p:txBody>
-          <a:bodyPr/>
-          <a:lstStyle/>
-          <a:p>
-            <a:pPr lvl="0">
-              <a:defRPr lang="ko-KR" altLang="en-US"/>
-            </a:pPr>
-            <a:fld id="{9C33EF00-BB1E-42E8-9466-D6066537D647}" type="slidenum">
-              <a:rPr lang="ko-KR" altLang="en-US" smtClean="0"/>
-              <a:pPr lvl="0">
-                <a:defRPr lang="ko-KR" altLang="en-US"/>
-              </a:pPr>
-              <a:t>30</a:t>
             </a:fld>
             <a:endParaRPr lang="ko-KR" altLang="en-US"/>
           </a:p>
@@ -2966,7 +2732,7 @@
               <a:pPr lvl="0">
                 <a:defRPr lang="ko-KR" altLang="en-US"/>
               </a:pPr>
-              <a:t>11</a:t>
+              <a:t>12</a:t>
             </a:fld>
             <a:endParaRPr lang="ko-KR" altLang="en-US"/>
           </a:p>
@@ -3109,7 +2875,7 @@
               <a:pPr lvl="0">
                 <a:defRPr lang="ko-KR" altLang="en-US"/>
               </a:pPr>
-              <a:t>12</a:t>
+              <a:t>13</a:t>
             </a:fld>
             <a:endParaRPr lang="ko-KR" altLang="en-US"/>
           </a:p>
@@ -3252,7 +3018,7 @@
               <a:pPr lvl="0">
                 <a:defRPr lang="ko-KR" altLang="en-US"/>
               </a:pPr>
-              <a:t>13</a:t>
+              <a:t>14</a:t>
             </a:fld>
             <a:endParaRPr lang="ko-KR" altLang="en-US"/>
           </a:p>
@@ -3395,7 +3161,7 @@
               <a:pPr lvl="0">
                 <a:defRPr lang="ko-KR" altLang="en-US"/>
               </a:pPr>
-              <a:t>14</a:t>
+              <a:t>15</a:t>
             </a:fld>
             <a:endParaRPr lang="ko-KR" altLang="en-US"/>
           </a:p>
@@ -3538,7 +3304,7 @@
               <a:pPr lvl="0">
                 <a:defRPr lang="ko-KR" altLang="en-US"/>
               </a:pPr>
-              <a:t>15</a:t>
+              <a:t>16</a:t>
             </a:fld>
             <a:endParaRPr lang="ko-KR" altLang="en-US"/>
           </a:p>
@@ -6975,8 +6741,8 @@
         </p:blipFill>
         <p:spPr bwMode="auto">
           <a:xfrm>
-            <a:off x="222410" y="1700808"/>
-            <a:ext cx="8608276" cy="4032448"/>
+            <a:off x="323528" y="1484784"/>
+            <a:ext cx="8562975" cy="4791075"/>
           </a:xfrm>
           <a:prstGeom prst="rect">
             <a:avLst/>
@@ -7031,7 +6797,7 @@
         <p:spPr>
           <a:xfrm>
             <a:off x="183940" y="263104"/>
-            <a:ext cx="6227987" cy="523220"/>
+            <a:ext cx="5261377" cy="523220"/>
           </a:xfrm>
           <a:prstGeom prst="rect">
             <a:avLst/>
@@ -7052,7 +6818,7 @@
                 <a:latin typeface="a옛날목욕탕B" panose="02020600000000000000" pitchFamily="18" charset="-127"/>
                 <a:ea typeface="a옛날목욕탕B" panose="02020600000000000000" pitchFamily="18" charset="-127"/>
               </a:rPr>
-              <a:t>Analysis – Communication Diagram</a:t>
+              <a:t>Analysis – Sequence Diagram</a:t>
             </a:r>
             <a:endParaRPr lang="ko-KR" altLang="en-US" sz="2800" dirty="0">
               <a:solidFill>
@@ -7066,14 +6832,14 @@
       </p:sp>
       <p:pic>
         <p:nvPicPr>
-          <p:cNvPr id="5" name="Picture 2"/>
+          <p:cNvPr id="3074" name="Picture 2"/>
           <p:cNvPicPr>
             <a:picLocks noChangeAspect="1" noChangeArrowheads="1"/>
           </p:cNvPicPr>
           <p:nvPr/>
         </p:nvPicPr>
         <p:blipFill>
-          <a:blip r:embed="rId3" cstate="print"/>
+          <a:blip r:embed="rId2" cstate="print"/>
           <a:srcRect/>
           <a:stretch>
             <a:fillRect/>
@@ -7081,8 +6847,8 @@
         </p:blipFill>
         <p:spPr bwMode="auto">
           <a:xfrm>
-            <a:off x="539552" y="1613123"/>
-            <a:ext cx="8145900" cy="4444169"/>
+            <a:off x="755576" y="1592796"/>
+            <a:ext cx="7834719" cy="3848261"/>
           </a:xfrm>
           <a:prstGeom prst="rect">
             <a:avLst/>
@@ -7096,44 +6862,6 @@
           </a:ln>
         </p:spPr>
       </p:pic>
-      <p:sp>
-        <p:nvSpPr>
-          <p:cNvPr id="6" name="TextBox 5"/>
-          <p:cNvSpPr txBox="1"/>
-          <p:nvPr/>
-        </p:nvSpPr>
-        <p:spPr>
-          <a:xfrm>
-            <a:off x="791580" y="1160748"/>
-            <a:ext cx="4356484" cy="369332"/>
-          </a:xfrm>
-          <a:prstGeom prst="rect">
-            <a:avLst/>
-          </a:prstGeom>
-          <a:noFill/>
-        </p:spPr>
-        <p:txBody>
-          <a:bodyPr wrap="square" rtlCol="0">
-            <a:spAutoFit/>
-          </a:bodyPr>
-          <a:lstStyle/>
-          <a:p>
-            <a:r>
-              <a:rPr lang="ko-KR" altLang="en-US" dirty="0" smtClean="0">
-                <a:solidFill>
-                  <a:srgbClr val="36B5E4"/>
-                </a:solidFill>
-              </a:rPr>
-              <a:t>출금 커뮤니케이션 다이어그램</a:t>
-            </a:r>
-            <a:endParaRPr lang="ko-KR" altLang="en-US" dirty="0">
-              <a:solidFill>
-                <a:srgbClr val="36B5E4"/>
-              </a:solidFill>
-            </a:endParaRPr>
-          </a:p>
-        </p:txBody>
-      </p:sp>
     </p:spTree>
   </p:cSld>
   <p:clrMapOvr>
@@ -7210,7 +6938,7 @@
       </p:sp>
       <p:pic>
         <p:nvPicPr>
-          <p:cNvPr id="6" name="Picture 2"/>
+          <p:cNvPr id="5" name="Picture 2"/>
           <p:cNvPicPr>
             <a:picLocks noChangeAspect="1" noChangeArrowheads="1"/>
           </p:cNvPicPr>
@@ -7225,8 +6953,8 @@
         </p:blipFill>
         <p:spPr bwMode="auto">
           <a:xfrm>
-            <a:off x="827584" y="1952836"/>
-            <a:ext cx="7422818" cy="4042023"/>
+            <a:off x="539552" y="1613123"/>
+            <a:ext cx="8145900" cy="4444169"/>
           </a:xfrm>
           <a:prstGeom prst="rect">
             <a:avLst/>
@@ -7242,21 +6970,22 @@
       </p:pic>
       <p:sp>
         <p:nvSpPr>
-          <p:cNvPr id="5" name="직사각형 4"/>
-          <p:cNvSpPr/>
+          <p:cNvPr id="6" name="TextBox 5"/>
+          <p:cNvSpPr txBox="1"/>
           <p:nvPr/>
         </p:nvSpPr>
         <p:spPr>
           <a:xfrm>
-            <a:off x="935596" y="1268760"/>
-            <a:ext cx="3348994" cy="369332"/>
+            <a:off x="791580" y="1160748"/>
+            <a:ext cx="4356484" cy="369332"/>
           </a:xfrm>
           <a:prstGeom prst="rect">
             <a:avLst/>
           </a:prstGeom>
-        </p:spPr>
-        <p:txBody>
-          <a:bodyPr wrap="none">
+          <a:noFill/>
+        </p:spPr>
+        <p:txBody>
+          <a:bodyPr wrap="square" rtlCol="0">
             <a:spAutoFit/>
           </a:bodyPr>
           <a:lstStyle/>
@@ -7267,13 +6996,243 @@
                   <a:srgbClr val="36B5E4"/>
                 </a:solidFill>
               </a:rPr>
-              <a:t>예금 커뮤니케이션 다이어그램</a:t>
+              <a:t>출금 커뮤니케이션 다이어그램</a:t>
             </a:r>
             <a:endParaRPr lang="ko-KR" altLang="en-US" dirty="0">
               <a:solidFill>
                 <a:srgbClr val="36B5E4"/>
               </a:solidFill>
             </a:endParaRPr>
+          </a:p>
+        </p:txBody>
+      </p:sp>
+      <p:sp>
+        <p:nvSpPr>
+          <p:cNvPr id="7" name="직사각형 6"/>
+          <p:cNvSpPr/>
+          <p:nvPr/>
+        </p:nvSpPr>
+        <p:spPr>
+          <a:xfrm>
+            <a:off x="755576" y="2456892"/>
+            <a:ext cx="2664296" cy="432048"/>
+          </a:xfrm>
+          <a:prstGeom prst="rect">
+            <a:avLst/>
+          </a:prstGeom>
+          <a:noFill/>
+          <a:ln>
+            <a:solidFill>
+              <a:srgbClr val="FF0000"/>
+            </a:solidFill>
+          </a:ln>
+        </p:spPr>
+        <p:style>
+          <a:lnRef idx="2">
+            <a:schemeClr val="accent1">
+              <a:shade val="50000"/>
+            </a:schemeClr>
+          </a:lnRef>
+          <a:fillRef idx="1">
+            <a:schemeClr val="accent1"/>
+          </a:fillRef>
+          <a:effectRef idx="0">
+            <a:schemeClr val="accent1"/>
+          </a:effectRef>
+          <a:fontRef idx="minor">
+            <a:schemeClr val="lt1"/>
+          </a:fontRef>
+        </p:style>
+        <p:txBody>
+          <a:bodyPr rtlCol="0" anchor="ctr"/>
+          <a:lstStyle/>
+          <a:p>
+            <a:pPr algn="ctr"/>
+            <a:endParaRPr lang="ko-KR" altLang="en-US"/>
+          </a:p>
+        </p:txBody>
+      </p:sp>
+      <p:sp>
+        <p:nvSpPr>
+          <p:cNvPr id="8" name="직사각형 7"/>
+          <p:cNvSpPr/>
+          <p:nvPr/>
+        </p:nvSpPr>
+        <p:spPr>
+          <a:xfrm>
+            <a:off x="3527884" y="2456892"/>
+            <a:ext cx="4176464" cy="432048"/>
+          </a:xfrm>
+          <a:prstGeom prst="rect">
+            <a:avLst/>
+          </a:prstGeom>
+          <a:noFill/>
+          <a:ln>
+            <a:solidFill>
+              <a:srgbClr val="FF0000"/>
+            </a:solidFill>
+          </a:ln>
+        </p:spPr>
+        <p:style>
+          <a:lnRef idx="2">
+            <a:schemeClr val="accent1">
+              <a:shade val="50000"/>
+            </a:schemeClr>
+          </a:lnRef>
+          <a:fillRef idx="1">
+            <a:schemeClr val="accent1"/>
+          </a:fillRef>
+          <a:effectRef idx="0">
+            <a:schemeClr val="accent1"/>
+          </a:effectRef>
+          <a:fontRef idx="minor">
+            <a:schemeClr val="lt1"/>
+          </a:fontRef>
+        </p:style>
+        <p:txBody>
+          <a:bodyPr rtlCol="0" anchor="ctr"/>
+          <a:lstStyle/>
+          <a:p>
+            <a:pPr algn="ctr"/>
+            <a:endParaRPr lang="ko-KR" altLang="en-US"/>
+          </a:p>
+        </p:txBody>
+      </p:sp>
+      <p:sp>
+        <p:nvSpPr>
+          <p:cNvPr id="9" name="직사각형 8"/>
+          <p:cNvSpPr/>
+          <p:nvPr/>
+        </p:nvSpPr>
+        <p:spPr>
+          <a:xfrm>
+            <a:off x="2843808" y="2928864"/>
+            <a:ext cx="5652628" cy="252028"/>
+          </a:xfrm>
+          <a:prstGeom prst="rect">
+            <a:avLst/>
+          </a:prstGeom>
+          <a:noFill/>
+          <a:ln>
+            <a:solidFill>
+              <a:srgbClr val="FF0000"/>
+            </a:solidFill>
+          </a:ln>
+        </p:spPr>
+        <p:style>
+          <a:lnRef idx="2">
+            <a:schemeClr val="accent1">
+              <a:shade val="50000"/>
+            </a:schemeClr>
+          </a:lnRef>
+          <a:fillRef idx="1">
+            <a:schemeClr val="accent1"/>
+          </a:fillRef>
+          <a:effectRef idx="0">
+            <a:schemeClr val="accent1"/>
+          </a:effectRef>
+          <a:fontRef idx="minor">
+            <a:schemeClr val="lt1"/>
+          </a:fontRef>
+        </p:style>
+        <p:txBody>
+          <a:bodyPr rtlCol="0" anchor="ctr"/>
+          <a:lstStyle/>
+          <a:p>
+            <a:pPr algn="ctr"/>
+            <a:endParaRPr lang="ko-KR" altLang="en-US"/>
+          </a:p>
+        </p:txBody>
+      </p:sp>
+      <p:sp>
+        <p:nvSpPr>
+          <p:cNvPr id="10" name="직사각형 9"/>
+          <p:cNvSpPr/>
+          <p:nvPr/>
+        </p:nvSpPr>
+        <p:spPr>
+          <a:xfrm>
+            <a:off x="3347864" y="3501008"/>
+            <a:ext cx="3132348" cy="288032"/>
+          </a:xfrm>
+          <a:prstGeom prst="rect">
+            <a:avLst/>
+          </a:prstGeom>
+          <a:noFill/>
+          <a:ln>
+            <a:solidFill>
+              <a:srgbClr val="FF0000"/>
+            </a:solidFill>
+          </a:ln>
+        </p:spPr>
+        <p:style>
+          <a:lnRef idx="2">
+            <a:schemeClr val="accent1">
+              <a:shade val="50000"/>
+            </a:schemeClr>
+          </a:lnRef>
+          <a:fillRef idx="1">
+            <a:schemeClr val="accent1"/>
+          </a:fillRef>
+          <a:effectRef idx="0">
+            <a:schemeClr val="accent1"/>
+          </a:effectRef>
+          <a:fontRef idx="minor">
+            <a:schemeClr val="lt1"/>
+          </a:fontRef>
+        </p:style>
+        <p:txBody>
+          <a:bodyPr rtlCol="0" anchor="ctr"/>
+          <a:lstStyle/>
+          <a:p>
+            <a:pPr algn="ctr"/>
+            <a:endParaRPr lang="ko-KR" altLang="en-US"/>
+          </a:p>
+        </p:txBody>
+      </p:sp>
+      <p:sp>
+        <p:nvSpPr>
+          <p:cNvPr id="11" name="직사각형 10"/>
+          <p:cNvSpPr/>
+          <p:nvPr/>
+        </p:nvSpPr>
+        <p:spPr>
+          <a:xfrm>
+            <a:off x="719572" y="2996952"/>
+            <a:ext cx="2160240" cy="216024"/>
+          </a:xfrm>
+          <a:prstGeom prst="rect">
+            <a:avLst/>
+          </a:prstGeom>
+          <a:noFill/>
+          <a:ln>
+            <a:solidFill>
+              <a:srgbClr val="FF0000"/>
+            </a:solidFill>
+          </a:ln>
+        </p:spPr>
+        <p:style>
+          <a:lnRef idx="2">
+            <a:schemeClr val="accent1">
+              <a:shade val="50000"/>
+            </a:schemeClr>
+          </a:lnRef>
+          <a:fillRef idx="1">
+            <a:schemeClr val="accent1"/>
+          </a:fillRef>
+          <a:effectRef idx="0">
+            <a:schemeClr val="accent1"/>
+          </a:effectRef>
+          <a:fontRef idx="minor">
+            <a:schemeClr val="lt1"/>
+          </a:fontRef>
+        </p:style>
+        <p:txBody>
+          <a:bodyPr rtlCol="0" anchor="ctr"/>
+          <a:lstStyle/>
+          <a:p>
+            <a:pPr algn="ctr"/>
+            <a:endParaRPr lang="ko-KR" altLang="en-US"/>
           </a:p>
         </p:txBody>
       </p:sp>
@@ -7285,9 +7244,462 @@
   <p:timing>
     <p:tnLst>
       <p:par>
-        <p:cTn id="1" dur="indefinite" restart="never" nodeType="tmRoot"/>
+        <p:cTn id="1" dur="indefinite" restart="never" nodeType="tmRoot">
+          <p:childTnLst>
+            <p:seq concurrent="1" nextAc="seek">
+              <p:cTn id="2" dur="indefinite" nodeType="mainSeq">
+                <p:childTnLst>
+                  <p:par>
+                    <p:cTn id="3" fill="hold">
+                      <p:stCondLst>
+                        <p:cond delay="indefinite"/>
+                      </p:stCondLst>
+                      <p:childTnLst>
+                        <p:par>
+                          <p:cTn id="4" fill="hold">
+                            <p:stCondLst>
+                              <p:cond delay="0"/>
+                            </p:stCondLst>
+                            <p:childTnLst>
+                              <p:par>
+                                <p:cTn id="5" presetID="9" presetClass="entr" presetSubtype="0" fill="hold" grpId="0" nodeType="clickEffect">
+                                  <p:stCondLst>
+                                    <p:cond delay="0"/>
+                                  </p:stCondLst>
+                                  <p:childTnLst>
+                                    <p:set>
+                                      <p:cBhvr>
+                                        <p:cTn id="6" dur="1" fill="hold">
+                                          <p:stCondLst>
+                                            <p:cond delay="0"/>
+                                          </p:stCondLst>
+                                        </p:cTn>
+                                        <p:tgtEl>
+                                          <p:spTgt spid="7"/>
+                                        </p:tgtEl>
+                                        <p:attrNameLst>
+                                          <p:attrName>style.visibility</p:attrName>
+                                        </p:attrNameLst>
+                                      </p:cBhvr>
+                                      <p:to>
+                                        <p:strVal val="visible"/>
+                                      </p:to>
+                                    </p:set>
+                                    <p:animEffect transition="in" filter="dissolve">
+                                      <p:cBhvr>
+                                        <p:cTn id="7" dur="500"/>
+                                        <p:tgtEl>
+                                          <p:spTgt spid="7"/>
+                                        </p:tgtEl>
+                                      </p:cBhvr>
+                                    </p:animEffect>
+                                  </p:childTnLst>
+                                </p:cTn>
+                              </p:par>
+                            </p:childTnLst>
+                          </p:cTn>
+                        </p:par>
+                      </p:childTnLst>
+                    </p:cTn>
+                  </p:par>
+                  <p:par>
+                    <p:cTn id="8" fill="hold">
+                      <p:stCondLst>
+                        <p:cond delay="indefinite"/>
+                      </p:stCondLst>
+                      <p:childTnLst>
+                        <p:par>
+                          <p:cTn id="9" fill="hold">
+                            <p:stCondLst>
+                              <p:cond delay="0"/>
+                            </p:stCondLst>
+                            <p:childTnLst>
+                              <p:par>
+                                <p:cTn id="10" presetID="1" presetClass="exit" presetSubtype="0" fill="hold" grpId="1" nodeType="clickEffect">
+                                  <p:stCondLst>
+                                    <p:cond delay="0"/>
+                                  </p:stCondLst>
+                                  <p:childTnLst>
+                                    <p:set>
+                                      <p:cBhvr>
+                                        <p:cTn id="11" dur="1" fill="hold">
+                                          <p:stCondLst>
+                                            <p:cond delay="0"/>
+                                          </p:stCondLst>
+                                        </p:cTn>
+                                        <p:tgtEl>
+                                          <p:spTgt spid="7"/>
+                                        </p:tgtEl>
+                                        <p:attrNameLst>
+                                          <p:attrName>style.visibility</p:attrName>
+                                        </p:attrNameLst>
+                                      </p:cBhvr>
+                                      <p:to>
+                                        <p:strVal val="hidden"/>
+                                      </p:to>
+                                    </p:set>
+                                  </p:childTnLst>
+                                </p:cTn>
+                              </p:par>
+                              <p:par>
+                                <p:cTn id="12" presetID="9" presetClass="entr" presetSubtype="0" fill="hold" grpId="0" nodeType="withEffect">
+                                  <p:stCondLst>
+                                    <p:cond delay="0"/>
+                                  </p:stCondLst>
+                                  <p:childTnLst>
+                                    <p:set>
+                                      <p:cBhvr>
+                                        <p:cTn id="13" dur="1" fill="hold">
+                                          <p:stCondLst>
+                                            <p:cond delay="0"/>
+                                          </p:stCondLst>
+                                        </p:cTn>
+                                        <p:tgtEl>
+                                          <p:spTgt spid="8"/>
+                                        </p:tgtEl>
+                                        <p:attrNameLst>
+                                          <p:attrName>style.visibility</p:attrName>
+                                        </p:attrNameLst>
+                                      </p:cBhvr>
+                                      <p:to>
+                                        <p:strVal val="visible"/>
+                                      </p:to>
+                                    </p:set>
+                                    <p:animEffect transition="in" filter="dissolve">
+                                      <p:cBhvr>
+                                        <p:cTn id="14" dur="500"/>
+                                        <p:tgtEl>
+                                          <p:spTgt spid="8"/>
+                                        </p:tgtEl>
+                                      </p:cBhvr>
+                                    </p:animEffect>
+                                  </p:childTnLst>
+                                </p:cTn>
+                              </p:par>
+                            </p:childTnLst>
+                          </p:cTn>
+                        </p:par>
+                      </p:childTnLst>
+                    </p:cTn>
+                  </p:par>
+                  <p:par>
+                    <p:cTn id="15" fill="hold">
+                      <p:stCondLst>
+                        <p:cond delay="indefinite"/>
+                      </p:stCondLst>
+                      <p:childTnLst>
+                        <p:par>
+                          <p:cTn id="16" fill="hold">
+                            <p:stCondLst>
+                              <p:cond delay="0"/>
+                            </p:stCondLst>
+                            <p:childTnLst>
+                              <p:par>
+                                <p:cTn id="17" presetID="1" presetClass="exit" presetSubtype="0" fill="hold" grpId="1" nodeType="clickEffect">
+                                  <p:stCondLst>
+                                    <p:cond delay="0"/>
+                                  </p:stCondLst>
+                                  <p:childTnLst>
+                                    <p:set>
+                                      <p:cBhvr>
+                                        <p:cTn id="18" dur="1" fill="hold">
+                                          <p:stCondLst>
+                                            <p:cond delay="0"/>
+                                          </p:stCondLst>
+                                        </p:cTn>
+                                        <p:tgtEl>
+                                          <p:spTgt spid="8"/>
+                                        </p:tgtEl>
+                                        <p:attrNameLst>
+                                          <p:attrName>style.visibility</p:attrName>
+                                        </p:attrNameLst>
+                                      </p:cBhvr>
+                                      <p:to>
+                                        <p:strVal val="hidden"/>
+                                      </p:to>
+                                    </p:set>
+                                  </p:childTnLst>
+                                </p:cTn>
+                              </p:par>
+                              <p:par>
+                                <p:cTn id="19" presetID="9" presetClass="entr" presetSubtype="0" fill="hold" grpId="0" nodeType="withEffect">
+                                  <p:stCondLst>
+                                    <p:cond delay="0"/>
+                                  </p:stCondLst>
+                                  <p:childTnLst>
+                                    <p:set>
+                                      <p:cBhvr>
+                                        <p:cTn id="20" dur="1" fill="hold">
+                                          <p:stCondLst>
+                                            <p:cond delay="0"/>
+                                          </p:stCondLst>
+                                        </p:cTn>
+                                        <p:tgtEl>
+                                          <p:spTgt spid="9"/>
+                                        </p:tgtEl>
+                                        <p:attrNameLst>
+                                          <p:attrName>style.visibility</p:attrName>
+                                        </p:attrNameLst>
+                                      </p:cBhvr>
+                                      <p:to>
+                                        <p:strVal val="visible"/>
+                                      </p:to>
+                                    </p:set>
+                                    <p:animEffect transition="in" filter="dissolve">
+                                      <p:cBhvr>
+                                        <p:cTn id="21" dur="500"/>
+                                        <p:tgtEl>
+                                          <p:spTgt spid="9"/>
+                                        </p:tgtEl>
+                                      </p:cBhvr>
+                                    </p:animEffect>
+                                  </p:childTnLst>
+                                </p:cTn>
+                              </p:par>
+                            </p:childTnLst>
+                          </p:cTn>
+                        </p:par>
+                      </p:childTnLst>
+                    </p:cTn>
+                  </p:par>
+                  <p:par>
+                    <p:cTn id="22" fill="hold">
+                      <p:stCondLst>
+                        <p:cond delay="indefinite"/>
+                      </p:stCondLst>
+                      <p:childTnLst>
+                        <p:par>
+                          <p:cTn id="23" fill="hold">
+                            <p:stCondLst>
+                              <p:cond delay="0"/>
+                            </p:stCondLst>
+                            <p:childTnLst>
+                              <p:par>
+                                <p:cTn id="24" presetID="1" presetClass="exit" presetSubtype="0" fill="hold" grpId="1" nodeType="clickEffect">
+                                  <p:stCondLst>
+                                    <p:cond delay="0"/>
+                                  </p:stCondLst>
+                                  <p:childTnLst>
+                                    <p:set>
+                                      <p:cBhvr>
+                                        <p:cTn id="25" dur="1" fill="hold">
+                                          <p:stCondLst>
+                                            <p:cond delay="0"/>
+                                          </p:stCondLst>
+                                        </p:cTn>
+                                        <p:tgtEl>
+                                          <p:spTgt spid="9"/>
+                                        </p:tgtEl>
+                                        <p:attrNameLst>
+                                          <p:attrName>style.visibility</p:attrName>
+                                        </p:attrNameLst>
+                                      </p:cBhvr>
+                                      <p:to>
+                                        <p:strVal val="hidden"/>
+                                      </p:to>
+                                    </p:set>
+                                  </p:childTnLst>
+                                </p:cTn>
+                              </p:par>
+                              <p:par>
+                                <p:cTn id="26" presetID="9" presetClass="entr" presetSubtype="0" fill="hold" grpId="0" nodeType="withEffect">
+                                  <p:stCondLst>
+                                    <p:cond delay="0"/>
+                                  </p:stCondLst>
+                                  <p:childTnLst>
+                                    <p:set>
+                                      <p:cBhvr>
+                                        <p:cTn id="27" dur="1" fill="hold">
+                                          <p:stCondLst>
+                                            <p:cond delay="0"/>
+                                          </p:stCondLst>
+                                        </p:cTn>
+                                        <p:tgtEl>
+                                          <p:spTgt spid="10"/>
+                                        </p:tgtEl>
+                                        <p:attrNameLst>
+                                          <p:attrName>style.visibility</p:attrName>
+                                        </p:attrNameLst>
+                                      </p:cBhvr>
+                                      <p:to>
+                                        <p:strVal val="visible"/>
+                                      </p:to>
+                                    </p:set>
+                                    <p:animEffect transition="in" filter="dissolve">
+                                      <p:cBhvr>
+                                        <p:cTn id="28" dur="500"/>
+                                        <p:tgtEl>
+                                          <p:spTgt spid="10"/>
+                                        </p:tgtEl>
+                                      </p:cBhvr>
+                                    </p:animEffect>
+                                  </p:childTnLst>
+                                </p:cTn>
+                              </p:par>
+                            </p:childTnLst>
+                          </p:cTn>
+                        </p:par>
+                      </p:childTnLst>
+                    </p:cTn>
+                  </p:par>
+                  <p:par>
+                    <p:cTn id="29" fill="hold">
+                      <p:stCondLst>
+                        <p:cond delay="indefinite"/>
+                      </p:stCondLst>
+                      <p:childTnLst>
+                        <p:par>
+                          <p:cTn id="30" fill="hold">
+                            <p:stCondLst>
+                              <p:cond delay="0"/>
+                            </p:stCondLst>
+                            <p:childTnLst>
+                              <p:par>
+                                <p:cTn id="31" presetID="1" presetClass="exit" presetSubtype="0" fill="hold" grpId="1" nodeType="clickEffect">
+                                  <p:stCondLst>
+                                    <p:cond delay="0"/>
+                                  </p:stCondLst>
+                                  <p:childTnLst>
+                                    <p:set>
+                                      <p:cBhvr>
+                                        <p:cTn id="32" dur="1" fill="hold">
+                                          <p:stCondLst>
+                                            <p:cond delay="0"/>
+                                          </p:stCondLst>
+                                        </p:cTn>
+                                        <p:tgtEl>
+                                          <p:spTgt spid="10"/>
+                                        </p:tgtEl>
+                                        <p:attrNameLst>
+                                          <p:attrName>style.visibility</p:attrName>
+                                        </p:attrNameLst>
+                                      </p:cBhvr>
+                                      <p:to>
+                                        <p:strVal val="hidden"/>
+                                      </p:to>
+                                    </p:set>
+                                  </p:childTnLst>
+                                </p:cTn>
+                              </p:par>
+                              <p:par>
+                                <p:cTn id="33" presetID="9" presetClass="entr" presetSubtype="0" fill="hold" grpId="0" nodeType="withEffect">
+                                  <p:stCondLst>
+                                    <p:cond delay="0"/>
+                                  </p:stCondLst>
+                                  <p:childTnLst>
+                                    <p:set>
+                                      <p:cBhvr>
+                                        <p:cTn id="34" dur="1" fill="hold">
+                                          <p:stCondLst>
+                                            <p:cond delay="0"/>
+                                          </p:stCondLst>
+                                        </p:cTn>
+                                        <p:tgtEl>
+                                          <p:spTgt spid="11"/>
+                                        </p:tgtEl>
+                                        <p:attrNameLst>
+                                          <p:attrName>style.visibility</p:attrName>
+                                        </p:attrNameLst>
+                                      </p:cBhvr>
+                                      <p:to>
+                                        <p:strVal val="visible"/>
+                                      </p:to>
+                                    </p:set>
+                                    <p:animEffect transition="in" filter="dissolve">
+                                      <p:cBhvr>
+                                        <p:cTn id="35" dur="500"/>
+                                        <p:tgtEl>
+                                          <p:spTgt spid="11"/>
+                                        </p:tgtEl>
+                                      </p:cBhvr>
+                                    </p:animEffect>
+                                  </p:childTnLst>
+                                </p:cTn>
+                              </p:par>
+                            </p:childTnLst>
+                          </p:cTn>
+                        </p:par>
+                      </p:childTnLst>
+                    </p:cTn>
+                  </p:par>
+                  <p:par>
+                    <p:cTn id="36" fill="hold">
+                      <p:stCondLst>
+                        <p:cond delay="indefinite"/>
+                      </p:stCondLst>
+                      <p:childTnLst>
+                        <p:par>
+                          <p:cTn id="37" fill="hold">
+                            <p:stCondLst>
+                              <p:cond delay="0"/>
+                            </p:stCondLst>
+                            <p:childTnLst>
+                              <p:par>
+                                <p:cTn id="38" presetID="1" presetClass="exit" presetSubtype="0" fill="hold" grpId="1" nodeType="clickEffect">
+                                  <p:stCondLst>
+                                    <p:cond delay="0"/>
+                                  </p:stCondLst>
+                                  <p:childTnLst>
+                                    <p:set>
+                                      <p:cBhvr>
+                                        <p:cTn id="39" dur="1" fill="hold">
+                                          <p:stCondLst>
+                                            <p:cond delay="0"/>
+                                          </p:stCondLst>
+                                        </p:cTn>
+                                        <p:tgtEl>
+                                          <p:spTgt spid="11"/>
+                                        </p:tgtEl>
+                                        <p:attrNameLst>
+                                          <p:attrName>style.visibility</p:attrName>
+                                        </p:attrNameLst>
+                                      </p:cBhvr>
+                                      <p:to>
+                                        <p:strVal val="hidden"/>
+                                      </p:to>
+                                    </p:set>
+                                  </p:childTnLst>
+                                </p:cTn>
+                              </p:par>
+                            </p:childTnLst>
+                          </p:cTn>
+                        </p:par>
+                      </p:childTnLst>
+                    </p:cTn>
+                  </p:par>
+                </p:childTnLst>
+              </p:cTn>
+              <p:prevCondLst>
+                <p:cond evt="onPrev" delay="0">
+                  <p:tgtEl>
+                    <p:sldTgt/>
+                  </p:tgtEl>
+                </p:cond>
+              </p:prevCondLst>
+              <p:nextCondLst>
+                <p:cond evt="onNext" delay="0">
+                  <p:tgtEl>
+                    <p:sldTgt/>
+                  </p:tgtEl>
+                </p:cond>
+              </p:nextCondLst>
+            </p:seq>
+          </p:childTnLst>
+        </p:cTn>
       </p:par>
     </p:tnLst>
+    <p:bldLst>
+      <p:bldP spid="7" grpId="0" animBg="1"/>
+      <p:bldP spid="7" grpId="1" animBg="1"/>
+      <p:bldP spid="8" grpId="0" animBg="1"/>
+      <p:bldP spid="8" grpId="1" animBg="1"/>
+      <p:bldP spid="9" grpId="0" animBg="1"/>
+      <p:bldP spid="9" grpId="1" animBg="1"/>
+      <p:bldP spid="10" grpId="0" animBg="1"/>
+      <p:bldP spid="10" grpId="1" animBg="1"/>
+      <p:bldP spid="11" grpId="0" animBg="1"/>
+      <p:bldP spid="11" grpId="1" animBg="1"/>
+    </p:bldLst>
   </p:timing>
 </p:sld>
 </file>
@@ -7368,8 +7780,8 @@
         </p:blipFill>
         <p:spPr bwMode="auto">
           <a:xfrm>
-            <a:off x="539552" y="2024844"/>
-            <a:ext cx="8297866" cy="3870759"/>
+            <a:off x="827584" y="1952836"/>
+            <a:ext cx="7422818" cy="4042023"/>
           </a:xfrm>
           <a:prstGeom prst="rect">
             <a:avLst/>
@@ -7391,7 +7803,7 @@
         </p:nvSpPr>
         <p:spPr>
           <a:xfrm>
-            <a:off x="971600" y="1340768"/>
+            <a:off x="935596" y="1268760"/>
             <a:ext cx="3348994" cy="369332"/>
           </a:xfrm>
           <a:prstGeom prst="rect">
@@ -7410,7 +7822,7 @@
                   <a:srgbClr val="36B5E4"/>
                 </a:solidFill>
               </a:rPr>
-              <a:t>이체 커뮤니케이션 다이어그램</a:t>
+              <a:t>예금 커뮤니케이션 다이어그램</a:t>
             </a:r>
             <a:endParaRPr lang="ko-KR" altLang="en-US" dirty="0">
               <a:solidFill>
@@ -7511,8 +7923,8 @@
         </p:blipFill>
         <p:spPr bwMode="auto">
           <a:xfrm>
-            <a:off x="863588" y="1664804"/>
-            <a:ext cx="7368984" cy="3989796"/>
+            <a:off x="539552" y="2024844"/>
+            <a:ext cx="8297866" cy="3870759"/>
           </a:xfrm>
           <a:prstGeom prst="rect">
             <a:avLst/>
@@ -7534,7 +7946,7 @@
         </p:nvSpPr>
         <p:spPr>
           <a:xfrm>
-            <a:off x="1007604" y="1160748"/>
+            <a:off x="971600" y="1340768"/>
             <a:ext cx="3348994" cy="369332"/>
           </a:xfrm>
           <a:prstGeom prst="rect">
@@ -7553,7 +7965,7 @@
                   <a:srgbClr val="36B5E4"/>
                 </a:solidFill>
               </a:rPr>
-              <a:t>조회 커뮤니케이션 다이어그램</a:t>
+              <a:t>이체 커뮤니케이션 다이어그램</a:t>
             </a:r>
             <a:endParaRPr lang="ko-KR" altLang="en-US" dirty="0">
               <a:solidFill>
@@ -7637,46 +8049,9 @@
           </a:p>
         </p:txBody>
       </p:sp>
-      <p:sp>
-        <p:nvSpPr>
-          <p:cNvPr id="5" name="직사각형 4"/>
-          <p:cNvSpPr/>
-          <p:nvPr/>
-        </p:nvSpPr>
-        <p:spPr>
-          <a:xfrm>
-            <a:off x="791580" y="1196752"/>
-            <a:ext cx="5128327" cy="369332"/>
-          </a:xfrm>
-          <a:prstGeom prst="rect">
-            <a:avLst/>
-          </a:prstGeom>
-        </p:spPr>
-        <p:txBody>
-          <a:bodyPr wrap="none">
-            <a:spAutoFit/>
-          </a:bodyPr>
-          <a:lstStyle/>
-          <a:p>
-            <a:r>
-              <a:rPr lang="ko-KR" altLang="en-US" dirty="0" smtClean="0">
-                <a:solidFill>
-                  <a:srgbClr val="36B5E4"/>
-                </a:solidFill>
-              </a:rPr>
-              <a:t>잘못된 비밀번호 입력 커뮤니케이션 다이어그램</a:t>
-            </a:r>
-            <a:endParaRPr lang="ko-KR" altLang="en-US" dirty="0">
-              <a:solidFill>
-                <a:srgbClr val="36B5E4"/>
-              </a:solidFill>
-            </a:endParaRPr>
-          </a:p>
-        </p:txBody>
-      </p:sp>
       <p:pic>
         <p:nvPicPr>
-          <p:cNvPr id="1026" name="Picture 2"/>
+          <p:cNvPr id="6" name="Picture 2"/>
           <p:cNvPicPr>
             <a:picLocks noChangeAspect="1" noChangeArrowheads="1"/>
           </p:cNvPicPr>
@@ -7691,8 +8066,8 @@
         </p:blipFill>
         <p:spPr bwMode="auto">
           <a:xfrm>
-            <a:off x="503548" y="2096852"/>
-            <a:ext cx="8181975" cy="3676650"/>
+            <a:off x="863588" y="1664804"/>
+            <a:ext cx="7368984" cy="3989796"/>
           </a:xfrm>
           <a:prstGeom prst="rect">
             <a:avLst/>
@@ -7706,6 +8081,43 @@
           </a:ln>
         </p:spPr>
       </p:pic>
+      <p:sp>
+        <p:nvSpPr>
+          <p:cNvPr id="5" name="직사각형 4"/>
+          <p:cNvSpPr/>
+          <p:nvPr/>
+        </p:nvSpPr>
+        <p:spPr>
+          <a:xfrm>
+            <a:off x="1007604" y="1160748"/>
+            <a:ext cx="3348994" cy="369332"/>
+          </a:xfrm>
+          <a:prstGeom prst="rect">
+            <a:avLst/>
+          </a:prstGeom>
+        </p:spPr>
+        <p:txBody>
+          <a:bodyPr wrap="none">
+            <a:spAutoFit/>
+          </a:bodyPr>
+          <a:lstStyle/>
+          <a:p>
+            <a:r>
+              <a:rPr lang="ko-KR" altLang="en-US" dirty="0" smtClean="0">
+                <a:solidFill>
+                  <a:srgbClr val="36B5E4"/>
+                </a:solidFill>
+              </a:rPr>
+              <a:t>조회 커뮤니케이션 다이어그램</a:t>
+            </a:r>
+            <a:endParaRPr lang="ko-KR" altLang="en-US" dirty="0">
+              <a:solidFill>
+                <a:srgbClr val="36B5E4"/>
+              </a:solidFill>
+            </a:endParaRPr>
+          </a:p>
+        </p:txBody>
+      </p:sp>
     </p:spTree>
   </p:cSld>
   <p:clrMapOvr>
@@ -7747,7 +8159,7 @@
         <p:spPr>
           <a:xfrm>
             <a:off x="183940" y="263104"/>
-            <a:ext cx="3371436" cy="523220"/>
+            <a:ext cx="6227987" cy="523220"/>
           </a:xfrm>
           <a:prstGeom prst="rect">
             <a:avLst/>
@@ -7768,17 +8180,7 @@
                 <a:latin typeface="a옛날목욕탕B" panose="02020600000000000000" pitchFamily="18" charset="-127"/>
                 <a:ea typeface="a옛날목욕탕B" panose="02020600000000000000" pitchFamily="18" charset="-127"/>
               </a:rPr>
-              <a:t>Design – CRC </a:t>
-            </a:r>
-            <a:r>
-              <a:rPr lang="ko-KR" altLang="en-US" sz="2800" dirty="0" smtClean="0">
-                <a:solidFill>
-                  <a:srgbClr val="36B5E4"/>
-                </a:solidFill>
-                <a:latin typeface="a옛날목욕탕B" panose="02020600000000000000" pitchFamily="18" charset="-127"/>
-                <a:ea typeface="a옛날목욕탕B" panose="02020600000000000000" pitchFamily="18" charset="-127"/>
-              </a:rPr>
-              <a:t>카드</a:t>
+              <a:t>Analysis – Communication Diagram</a:t>
             </a:r>
             <a:endParaRPr lang="ko-KR" altLang="en-US" sz="2800" dirty="0">
               <a:solidFill>
@@ -7792,107 +8194,73 @@
       </p:sp>
       <p:sp>
         <p:nvSpPr>
-          <p:cNvPr id="6" name="직사각형 5"/>
+          <p:cNvPr id="5" name="직사각형 4"/>
           <p:cNvSpPr/>
           <p:nvPr/>
         </p:nvSpPr>
         <p:spPr>
           <a:xfrm>
-            <a:off x="935596" y="2672916"/>
-            <a:ext cx="7740860" cy="1077218"/>
+            <a:off x="791580" y="1196752"/>
+            <a:ext cx="5128327" cy="369332"/>
           </a:xfrm>
           <a:prstGeom prst="rect">
             <a:avLst/>
           </a:prstGeom>
         </p:spPr>
         <p:txBody>
-          <a:bodyPr wrap="square">
+          <a:bodyPr wrap="none">
             <a:spAutoFit/>
           </a:bodyPr>
           <a:lstStyle/>
           <a:p>
             <a:r>
-              <a:rPr lang="en-US" altLang="ko-KR" sz="3200" dirty="0" smtClean="0">
+              <a:rPr lang="ko-KR" altLang="en-US" dirty="0" smtClean="0">
                 <a:solidFill>
-                  <a:srgbClr val="00B0F0"/>
+                  <a:srgbClr val="36B5E4"/>
                 </a:solidFill>
               </a:rPr>
-              <a:t>"Class - Responsibility - Collaborator“</a:t>
-            </a:r>
-          </a:p>
-          <a:p>
-            <a:r>
-              <a:rPr lang="en-US" altLang="ko-KR" sz="3200" dirty="0" smtClean="0">
-                <a:solidFill>
-                  <a:srgbClr val="00B0F0"/>
-                </a:solidFill>
-              </a:rPr>
-              <a:t>   (</a:t>
-            </a:r>
-            <a:r>
-              <a:rPr lang="ko-KR" altLang="en-US" sz="3200" dirty="0" smtClean="0">
-                <a:solidFill>
-                  <a:srgbClr val="00B0F0"/>
-                </a:solidFill>
-              </a:rPr>
-              <a:t>객체 </a:t>
-            </a:r>
-            <a:r>
-              <a:rPr lang="en-US" altLang="ko-KR" sz="3200" dirty="0" smtClean="0">
-                <a:solidFill>
-                  <a:srgbClr val="00B0F0"/>
-                </a:solidFill>
-              </a:rPr>
-              <a:t>- </a:t>
-            </a:r>
-            <a:r>
-              <a:rPr lang="ko-KR" altLang="en-US" sz="3200" dirty="0" smtClean="0">
-                <a:solidFill>
-                  <a:srgbClr val="00B0F0"/>
-                </a:solidFill>
-              </a:rPr>
-              <a:t>책임 </a:t>
-            </a:r>
-            <a:r>
-              <a:rPr lang="en-US" altLang="ko-KR" sz="3200" dirty="0" smtClean="0">
-                <a:solidFill>
-                  <a:srgbClr val="00B0F0"/>
-                </a:solidFill>
-              </a:rPr>
-              <a:t>- </a:t>
-            </a:r>
-            <a:r>
-              <a:rPr lang="ko-KR" altLang="en-US" sz="3200" dirty="0" smtClean="0">
-                <a:solidFill>
-                  <a:srgbClr val="00B0F0"/>
-                </a:solidFill>
-              </a:rPr>
-              <a:t>공동 작업자</a:t>
-            </a:r>
-            <a:r>
-              <a:rPr lang="en-US" altLang="ko-KR" sz="3200" dirty="0" smtClean="0">
-                <a:solidFill>
-                  <a:srgbClr val="00B0F0"/>
-                </a:solidFill>
-              </a:rPr>
-              <a:t>)</a:t>
-            </a:r>
-            <a:r>
-              <a:rPr lang="ko-KR" altLang="en-US" sz="3200" dirty="0" smtClean="0">
-                <a:solidFill>
-                  <a:srgbClr val="00B0F0"/>
-                </a:solidFill>
-              </a:rPr>
-              <a:t>의 약자</a:t>
-            </a:r>
-            <a:endParaRPr lang="ko-KR" altLang="en-US" sz="3200" dirty="0">
+              <a:t>잘못된 비밀번호 입력 커뮤니케이션 다이어그램</a:t>
+            </a:r>
+            <a:endParaRPr lang="ko-KR" altLang="en-US" dirty="0">
               <a:solidFill>
-                <a:srgbClr val="00B0F0"/>
+                <a:srgbClr val="36B5E4"/>
               </a:solidFill>
             </a:endParaRPr>
           </a:p>
         </p:txBody>
       </p:sp>
+      <p:pic>
+        <p:nvPicPr>
+          <p:cNvPr id="4098" name="Picture 2"/>
+          <p:cNvPicPr>
+            <a:picLocks noChangeAspect="1" noChangeArrowheads="1"/>
+          </p:cNvPicPr>
+          <p:nvPr/>
+        </p:nvPicPr>
+        <p:blipFill>
+          <a:blip r:embed="rId3" cstate="print"/>
+          <a:srcRect/>
+          <a:stretch>
+            <a:fillRect/>
+          </a:stretch>
+        </p:blipFill>
+        <p:spPr bwMode="auto">
+          <a:xfrm>
+            <a:off x="467544" y="1988840"/>
+            <a:ext cx="8488761" cy="4212468"/>
+          </a:xfrm>
+          <a:prstGeom prst="rect">
+            <a:avLst/>
+          </a:prstGeom>
+          <a:noFill/>
+          <a:ln w="9525">
+            <a:noFill/>
+            <a:miter lim="800000"/>
+            <a:headEnd/>
+            <a:tailEnd/>
+          </a:ln>
+        </p:spPr>
+      </p:pic>
     </p:spTree>
   </p:cSld>
   <p:clrMapOvr>
@@ -7977,114 +8345,109 @@
           </a:p>
         </p:txBody>
       </p:sp>
-      <p:pic>
-        <p:nvPicPr>
-          <p:cNvPr id="1026" name="Picture 2"/>
-          <p:cNvPicPr>
-            <a:picLocks noChangeAspect="1" noChangeArrowheads="1"/>
-          </p:cNvPicPr>
+      <p:sp>
+        <p:nvSpPr>
+          <p:cNvPr id="6" name="직사각형 5"/>
+          <p:cNvSpPr/>
           <p:nvPr/>
-        </p:nvPicPr>
-        <p:blipFill>
-          <a:blip r:embed="rId3" cstate="print"/>
-          <a:srcRect/>
-          <a:stretch>
-            <a:fillRect/>
-          </a:stretch>
-        </p:blipFill>
-        <p:spPr bwMode="auto">
-          <a:xfrm>
-            <a:off x="323528" y="908720"/>
-            <a:ext cx="8820472" cy="5846150"/>
+        </p:nvSpPr>
+        <p:spPr>
+          <a:xfrm>
+            <a:off x="935596" y="2672916"/>
+            <a:ext cx="7740860" cy="1077218"/>
           </a:xfrm>
           <a:prstGeom prst="rect">
             <a:avLst/>
           </a:prstGeom>
-          <a:noFill/>
-          <a:ln w="9525">
-            <a:noFill/>
-            <a:miter lim="800000"/>
-            <a:headEnd/>
-            <a:tailEnd/>
-          </a:ln>
-        </p:spPr>
-      </p:pic>
-      <p:cxnSp>
-        <p:nvCxnSpPr>
-          <p:cNvPr id="8" name="직선 연결선 7"/>
-          <p:cNvCxnSpPr/>
-          <p:nvPr/>
-        </p:nvCxnSpPr>
-        <p:spPr>
-          <a:xfrm>
-            <a:off x="503548" y="2960948"/>
-            <a:ext cx="8280920" cy="0"/>
-          </a:xfrm>
-          <a:prstGeom prst="line">
-            <a:avLst/>
-          </a:prstGeom>
-          <a:ln>
-            <a:solidFill>
-              <a:schemeClr val="accent3">
-                <a:lumMod val="60000"/>
-                <a:lumOff val="40000"/>
-              </a:schemeClr>
-            </a:solidFill>
-          </a:ln>
-        </p:spPr>
-        <p:style>
-          <a:lnRef idx="1">
-            <a:schemeClr val="accent1"/>
-          </a:lnRef>
-          <a:fillRef idx="0">
-            <a:schemeClr val="accent1"/>
-          </a:fillRef>
-          <a:effectRef idx="0">
-            <a:schemeClr val="accent1"/>
-          </a:effectRef>
-          <a:fontRef idx="minor">
-            <a:schemeClr val="tx1"/>
-          </a:fontRef>
-        </p:style>
-      </p:cxnSp>
-      <p:cxnSp>
-        <p:nvCxnSpPr>
-          <p:cNvPr id="9" name="직선 연결선 8"/>
-          <p:cNvCxnSpPr/>
-          <p:nvPr/>
-        </p:nvCxnSpPr>
-        <p:spPr>
-          <a:xfrm>
-            <a:off x="431540" y="5625244"/>
-            <a:ext cx="8280920" cy="0"/>
-          </a:xfrm>
-          <a:prstGeom prst="line">
-            <a:avLst/>
-          </a:prstGeom>
-          <a:ln>
-            <a:solidFill>
-              <a:schemeClr val="accent3">
-                <a:lumMod val="60000"/>
-                <a:lumOff val="40000"/>
-              </a:schemeClr>
-            </a:solidFill>
-          </a:ln>
-        </p:spPr>
-        <p:style>
-          <a:lnRef idx="1">
-            <a:schemeClr val="accent1"/>
-          </a:lnRef>
-          <a:fillRef idx="0">
-            <a:schemeClr val="accent1"/>
-          </a:fillRef>
-          <a:effectRef idx="0">
-            <a:schemeClr val="accent1"/>
-          </a:effectRef>
-          <a:fontRef idx="minor">
-            <a:schemeClr val="tx1"/>
-          </a:fontRef>
-        </p:style>
-      </p:cxnSp>
+        </p:spPr>
+        <p:txBody>
+          <a:bodyPr wrap="square">
+            <a:spAutoFit/>
+          </a:bodyPr>
+          <a:lstStyle/>
+          <a:p>
+            <a:r>
+              <a:rPr lang="en-US" altLang="ko-KR" sz="3200" dirty="0" smtClean="0">
+                <a:solidFill>
+                  <a:srgbClr val="00B0F0"/>
+                </a:solidFill>
+              </a:rPr>
+              <a:t>"Class - Responsibility - Collaborator“</a:t>
+            </a:r>
+          </a:p>
+          <a:p>
+            <a:r>
+              <a:rPr lang="en-US" altLang="ko-KR" sz="3200" dirty="0" smtClean="0">
+                <a:solidFill>
+                  <a:srgbClr val="00B0F0"/>
+                </a:solidFill>
+              </a:rPr>
+              <a:t>   (</a:t>
+            </a:r>
+            <a:r>
+              <a:rPr lang="ko-KR" altLang="en-US" sz="3200" dirty="0" smtClean="0">
+                <a:solidFill>
+                  <a:srgbClr val="00B0F0"/>
+                </a:solidFill>
+              </a:rPr>
+              <a:t>객체 </a:t>
+            </a:r>
+            <a:r>
+              <a:rPr lang="en-US" altLang="ko-KR" sz="3200" dirty="0" smtClean="0">
+                <a:solidFill>
+                  <a:srgbClr val="00B0F0"/>
+                </a:solidFill>
+              </a:rPr>
+              <a:t>- </a:t>
+            </a:r>
+            <a:r>
+              <a:rPr lang="ko-KR" altLang="en-US" sz="3200" dirty="0" smtClean="0">
+                <a:solidFill>
+                  <a:srgbClr val="00B0F0"/>
+                </a:solidFill>
+              </a:rPr>
+              <a:t>책임 </a:t>
+            </a:r>
+            <a:r>
+              <a:rPr lang="en-US" altLang="ko-KR" sz="3200" dirty="0" smtClean="0">
+                <a:solidFill>
+                  <a:srgbClr val="00B0F0"/>
+                </a:solidFill>
+              </a:rPr>
+              <a:t>- </a:t>
+            </a:r>
+            <a:r>
+              <a:rPr lang="ko-KR" altLang="en-US" sz="3200" dirty="0" smtClean="0">
+                <a:solidFill>
+                  <a:srgbClr val="00B0F0"/>
+                </a:solidFill>
+              </a:rPr>
+              <a:t>공동 작업자</a:t>
+            </a:r>
+            <a:r>
+              <a:rPr lang="en-US" altLang="ko-KR" sz="3200" dirty="0" smtClean="0">
+                <a:solidFill>
+                  <a:srgbClr val="00B0F0"/>
+                </a:solidFill>
+              </a:rPr>
+              <a:t>)</a:t>
+            </a:r>
+            <a:r>
+              <a:rPr lang="ko-KR" altLang="en-US" sz="3200" dirty="0" smtClean="0">
+                <a:solidFill>
+                  <a:srgbClr val="00B0F0"/>
+                </a:solidFill>
+              </a:rPr>
+              <a:t>의 약자</a:t>
+            </a:r>
+            <a:endParaRPr lang="ko-KR" altLang="en-US" sz="3200" dirty="0">
+              <a:solidFill>
+                <a:srgbClr val="00B0F0"/>
+              </a:solidFill>
+            </a:endParaRPr>
+          </a:p>
+        </p:txBody>
+      </p:sp>
     </p:spTree>
   </p:cSld>
   <p:clrMapOvr>
@@ -8171,7 +8534,7 @@
       </p:sp>
       <p:pic>
         <p:nvPicPr>
-          <p:cNvPr id="2050" name="Picture 2"/>
+          <p:cNvPr id="1026" name="Picture 2"/>
           <p:cNvPicPr>
             <a:picLocks noChangeAspect="1" noChangeArrowheads="1"/>
           </p:cNvPicPr>
@@ -8186,8 +8549,8 @@
         </p:blipFill>
         <p:spPr bwMode="auto">
           <a:xfrm>
-            <a:off x="287524" y="872717"/>
-            <a:ext cx="8280920" cy="5760640"/>
+            <a:off x="323528" y="908720"/>
+            <a:ext cx="8820472" cy="5846150"/>
           </a:xfrm>
           <a:prstGeom prst="rect">
             <a:avLst/>
@@ -8201,6 +8564,202 @@
           </a:ln>
         </p:spPr>
       </p:pic>
+      <p:cxnSp>
+        <p:nvCxnSpPr>
+          <p:cNvPr id="8" name="직선 연결선 7"/>
+          <p:cNvCxnSpPr/>
+          <p:nvPr/>
+        </p:nvCxnSpPr>
+        <p:spPr>
+          <a:xfrm>
+            <a:off x="503548" y="2960948"/>
+            <a:ext cx="8280920" cy="0"/>
+          </a:xfrm>
+          <a:prstGeom prst="line">
+            <a:avLst/>
+          </a:prstGeom>
+          <a:ln w="38100">
+            <a:solidFill>
+              <a:schemeClr val="accent3">
+                <a:lumMod val="60000"/>
+                <a:lumOff val="40000"/>
+              </a:schemeClr>
+            </a:solidFill>
+          </a:ln>
+        </p:spPr>
+        <p:style>
+          <a:lnRef idx="1">
+            <a:schemeClr val="accent1"/>
+          </a:lnRef>
+          <a:fillRef idx="0">
+            <a:schemeClr val="accent1"/>
+          </a:fillRef>
+          <a:effectRef idx="0">
+            <a:schemeClr val="accent1"/>
+          </a:effectRef>
+          <a:fontRef idx="minor">
+            <a:schemeClr val="tx1"/>
+          </a:fontRef>
+        </p:style>
+      </p:cxnSp>
+      <p:cxnSp>
+        <p:nvCxnSpPr>
+          <p:cNvPr id="9" name="직선 연결선 8"/>
+          <p:cNvCxnSpPr/>
+          <p:nvPr/>
+        </p:nvCxnSpPr>
+        <p:spPr>
+          <a:xfrm>
+            <a:off x="431540" y="5625244"/>
+            <a:ext cx="8280920" cy="0"/>
+          </a:xfrm>
+          <a:prstGeom prst="line">
+            <a:avLst/>
+          </a:prstGeom>
+          <a:ln>
+            <a:solidFill>
+              <a:schemeClr val="accent3">
+                <a:lumMod val="60000"/>
+                <a:lumOff val="40000"/>
+              </a:schemeClr>
+            </a:solidFill>
+          </a:ln>
+        </p:spPr>
+        <p:style>
+          <a:lnRef idx="1">
+            <a:schemeClr val="accent1"/>
+          </a:lnRef>
+          <a:fillRef idx="0">
+            <a:schemeClr val="accent1"/>
+          </a:fillRef>
+          <a:effectRef idx="0">
+            <a:schemeClr val="accent1"/>
+          </a:effectRef>
+          <a:fontRef idx="minor">
+            <a:schemeClr val="tx1"/>
+          </a:fontRef>
+        </p:style>
+      </p:cxnSp>
+      <p:cxnSp>
+        <p:nvCxnSpPr>
+          <p:cNvPr id="6" name="직선 연결선 5"/>
+          <p:cNvCxnSpPr/>
+          <p:nvPr/>
+        </p:nvCxnSpPr>
+        <p:spPr>
+          <a:xfrm>
+            <a:off x="539552" y="5625244"/>
+            <a:ext cx="8280920" cy="0"/>
+          </a:xfrm>
+          <a:prstGeom prst="line">
+            <a:avLst/>
+          </a:prstGeom>
+          <a:ln w="38100">
+            <a:solidFill>
+              <a:schemeClr val="accent3">
+                <a:lumMod val="60000"/>
+                <a:lumOff val="40000"/>
+              </a:schemeClr>
+            </a:solidFill>
+          </a:ln>
+        </p:spPr>
+        <p:style>
+          <a:lnRef idx="1">
+            <a:schemeClr val="accent1"/>
+          </a:lnRef>
+          <a:fillRef idx="0">
+            <a:schemeClr val="accent1"/>
+          </a:fillRef>
+          <a:effectRef idx="0">
+            <a:schemeClr val="accent1"/>
+          </a:effectRef>
+          <a:fontRef idx="minor">
+            <a:schemeClr val="tx1"/>
+          </a:fontRef>
+        </p:style>
+      </p:cxnSp>
+      <p:sp>
+        <p:nvSpPr>
+          <p:cNvPr id="7" name="직사각형 6"/>
+          <p:cNvSpPr/>
+          <p:nvPr/>
+        </p:nvSpPr>
+        <p:spPr>
+          <a:xfrm>
+            <a:off x="431540" y="1052736"/>
+            <a:ext cx="8352928" cy="3132348"/>
+          </a:xfrm>
+          <a:prstGeom prst="rect">
+            <a:avLst/>
+          </a:prstGeom>
+          <a:noFill/>
+        </p:spPr>
+        <p:style>
+          <a:lnRef idx="2">
+            <a:schemeClr val="accent1">
+              <a:shade val="50000"/>
+            </a:schemeClr>
+          </a:lnRef>
+          <a:fillRef idx="1">
+            <a:schemeClr val="accent1"/>
+          </a:fillRef>
+          <a:effectRef idx="0">
+            <a:schemeClr val="accent1"/>
+          </a:effectRef>
+          <a:fontRef idx="minor">
+            <a:schemeClr val="lt1"/>
+          </a:fontRef>
+        </p:style>
+        <p:txBody>
+          <a:bodyPr rtlCol="0" anchor="ctr"/>
+          <a:lstStyle/>
+          <a:p>
+            <a:pPr algn="ctr"/>
+            <a:endParaRPr lang="ko-KR" altLang="en-US"/>
+          </a:p>
+        </p:txBody>
+      </p:sp>
+      <p:sp>
+        <p:nvSpPr>
+          <p:cNvPr id="10" name="직사각형 9"/>
+          <p:cNvSpPr/>
+          <p:nvPr/>
+        </p:nvSpPr>
+        <p:spPr>
+          <a:xfrm>
+            <a:off x="431540" y="4689140"/>
+            <a:ext cx="8388932" cy="1872208"/>
+          </a:xfrm>
+          <a:prstGeom prst="rect">
+            <a:avLst/>
+          </a:prstGeom>
+          <a:noFill/>
+        </p:spPr>
+        <p:style>
+          <a:lnRef idx="2">
+            <a:schemeClr val="accent1">
+              <a:shade val="50000"/>
+            </a:schemeClr>
+          </a:lnRef>
+          <a:fillRef idx="1">
+            <a:schemeClr val="accent1"/>
+          </a:fillRef>
+          <a:effectRef idx="0">
+            <a:schemeClr val="accent1"/>
+          </a:effectRef>
+          <a:fontRef idx="minor">
+            <a:schemeClr val="lt1"/>
+          </a:fontRef>
+        </p:style>
+        <p:txBody>
+          <a:bodyPr rtlCol="0" anchor="ctr"/>
+          <a:lstStyle/>
+          <a:p>
+            <a:pPr algn="ctr"/>
+            <a:endParaRPr lang="ko-KR" altLang="en-US"/>
+          </a:p>
+        </p:txBody>
+      </p:sp>
     </p:spTree>
   </p:cSld>
   <p:clrMapOvr>
@@ -8355,6 +8914,167 @@
           </a:fontRef>
         </p:style>
       </p:cxnSp>
+      <p:cxnSp>
+        <p:nvCxnSpPr>
+          <p:cNvPr id="6" name="직선 연결선 5"/>
+          <p:cNvCxnSpPr/>
+          <p:nvPr/>
+        </p:nvCxnSpPr>
+        <p:spPr>
+          <a:xfrm>
+            <a:off x="503548" y="4473116"/>
+            <a:ext cx="8280920" cy="0"/>
+          </a:xfrm>
+          <a:prstGeom prst="line">
+            <a:avLst/>
+          </a:prstGeom>
+          <a:ln w="38100">
+            <a:solidFill>
+              <a:schemeClr val="accent3">
+                <a:lumMod val="60000"/>
+                <a:lumOff val="40000"/>
+              </a:schemeClr>
+            </a:solidFill>
+          </a:ln>
+        </p:spPr>
+        <p:style>
+          <a:lnRef idx="1">
+            <a:schemeClr val="accent1"/>
+          </a:lnRef>
+          <a:fillRef idx="0">
+            <a:schemeClr val="accent1"/>
+          </a:fillRef>
+          <a:effectRef idx="0">
+            <a:schemeClr val="accent1"/>
+          </a:effectRef>
+          <a:fontRef idx="minor">
+            <a:schemeClr val="tx1"/>
+          </a:fontRef>
+        </p:style>
+      </p:cxnSp>
+      <p:sp>
+        <p:nvSpPr>
+          <p:cNvPr id="7" name="직사각형 6"/>
+          <p:cNvSpPr/>
+          <p:nvPr/>
+        </p:nvSpPr>
+        <p:spPr>
+          <a:xfrm>
+            <a:off x="395536" y="980728"/>
+            <a:ext cx="8388932" cy="1440160"/>
+          </a:xfrm>
+          <a:prstGeom prst="rect">
+            <a:avLst/>
+          </a:prstGeom>
+          <a:noFill/>
+        </p:spPr>
+        <p:style>
+          <a:lnRef idx="2">
+            <a:schemeClr val="accent1">
+              <a:shade val="50000"/>
+            </a:schemeClr>
+          </a:lnRef>
+          <a:fillRef idx="1">
+            <a:schemeClr val="accent1"/>
+          </a:fillRef>
+          <a:effectRef idx="0">
+            <a:schemeClr val="accent1"/>
+          </a:effectRef>
+          <a:fontRef idx="minor">
+            <a:schemeClr val="lt1"/>
+          </a:fontRef>
+        </p:style>
+        <p:txBody>
+          <a:bodyPr rtlCol="0" anchor="ctr"/>
+          <a:lstStyle/>
+          <a:p>
+            <a:pPr algn="ctr"/>
+            <a:endParaRPr lang="ko-KR" altLang="en-US"/>
+          </a:p>
+        </p:txBody>
+      </p:sp>
+      <p:sp>
+        <p:nvSpPr>
+          <p:cNvPr id="8" name="직사각형 7"/>
+          <p:cNvSpPr/>
+          <p:nvPr/>
+        </p:nvSpPr>
+        <p:spPr>
+          <a:xfrm>
+            <a:off x="467544" y="2780928"/>
+            <a:ext cx="8316924" cy="2160240"/>
+          </a:xfrm>
+          <a:prstGeom prst="rect">
+            <a:avLst/>
+          </a:prstGeom>
+          <a:noFill/>
+        </p:spPr>
+        <p:style>
+          <a:lnRef idx="2">
+            <a:schemeClr val="accent1">
+              <a:shade val="50000"/>
+            </a:schemeClr>
+          </a:lnRef>
+          <a:fillRef idx="1">
+            <a:schemeClr val="accent1"/>
+          </a:fillRef>
+          <a:effectRef idx="0">
+            <a:schemeClr val="accent1"/>
+          </a:effectRef>
+          <a:fontRef idx="minor">
+            <a:schemeClr val="lt1"/>
+          </a:fontRef>
+        </p:style>
+        <p:txBody>
+          <a:bodyPr rtlCol="0" anchor="ctr"/>
+          <a:lstStyle/>
+          <a:p>
+            <a:pPr algn="ctr"/>
+            <a:endParaRPr lang="ko-KR" altLang="en-US"/>
+          </a:p>
+        </p:txBody>
+      </p:sp>
+      <p:sp>
+        <p:nvSpPr>
+          <p:cNvPr id="9" name="직사각형 8"/>
+          <p:cNvSpPr/>
+          <p:nvPr/>
+        </p:nvSpPr>
+        <p:spPr>
+          <a:xfrm>
+            <a:off x="431540" y="5301208"/>
+            <a:ext cx="8316924" cy="1188132"/>
+          </a:xfrm>
+          <a:prstGeom prst="rect">
+            <a:avLst/>
+          </a:prstGeom>
+          <a:noFill/>
+        </p:spPr>
+        <p:style>
+          <a:lnRef idx="2">
+            <a:schemeClr val="accent1">
+              <a:shade val="50000"/>
+            </a:schemeClr>
+          </a:lnRef>
+          <a:fillRef idx="1">
+            <a:schemeClr val="accent1"/>
+          </a:fillRef>
+          <a:effectRef idx="0">
+            <a:schemeClr val="accent1"/>
+          </a:effectRef>
+          <a:fontRef idx="minor">
+            <a:schemeClr val="lt1"/>
+          </a:fontRef>
+        </p:style>
+        <p:txBody>
+          <a:bodyPr rtlCol="0" anchor="ctr"/>
+          <a:lstStyle/>
+          <a:p>
+            <a:pPr algn="ctr"/>
+            <a:endParaRPr lang="ko-KR" altLang="en-US"/>
+          </a:p>
+        </p:txBody>
+      </p:sp>
     </p:spTree>
   </p:cSld>
   <p:clrMapOvr>
@@ -9203,12 +9923,91 @@
         <p:spPr>
           <a:xfrm>
             <a:off x="503548" y="3068960"/>
-            <a:ext cx="8280920" cy="0"/>
+            <a:ext cx="8100900" cy="0"/>
           </a:xfrm>
           <a:prstGeom prst="line">
             <a:avLst/>
           </a:prstGeom>
           <a:ln>
+            <a:solidFill>
+              <a:schemeClr val="accent3">
+                <a:lumMod val="60000"/>
+                <a:lumOff val="40000"/>
+              </a:schemeClr>
+            </a:solidFill>
+          </a:ln>
+        </p:spPr>
+        <p:style>
+          <a:lnRef idx="1">
+            <a:schemeClr val="accent1"/>
+          </a:lnRef>
+          <a:fillRef idx="0">
+            <a:schemeClr val="accent1"/>
+          </a:fillRef>
+          <a:effectRef idx="0">
+            <a:schemeClr val="accent1"/>
+          </a:effectRef>
+          <a:fontRef idx="minor">
+            <a:schemeClr val="tx1"/>
+          </a:fontRef>
+        </p:style>
+      </p:cxnSp>
+      <p:sp>
+        <p:nvSpPr>
+          <p:cNvPr id="7" name="직사각형 6"/>
+          <p:cNvSpPr/>
+          <p:nvPr/>
+        </p:nvSpPr>
+        <p:spPr>
+          <a:xfrm>
+            <a:off x="395536" y="1016732"/>
+            <a:ext cx="8208912" cy="5652628"/>
+          </a:xfrm>
+          <a:prstGeom prst="rect">
+            <a:avLst/>
+          </a:prstGeom>
+          <a:noFill/>
+        </p:spPr>
+        <p:style>
+          <a:lnRef idx="2">
+            <a:schemeClr val="accent1">
+              <a:shade val="50000"/>
+            </a:schemeClr>
+          </a:lnRef>
+          <a:fillRef idx="1">
+            <a:schemeClr val="accent1"/>
+          </a:fillRef>
+          <a:effectRef idx="0">
+            <a:schemeClr val="accent1"/>
+          </a:effectRef>
+          <a:fontRef idx="minor">
+            <a:schemeClr val="lt1"/>
+          </a:fontRef>
+        </p:style>
+        <p:txBody>
+          <a:bodyPr rtlCol="0" anchor="ctr"/>
+          <a:lstStyle/>
+          <a:p>
+            <a:pPr algn="ctr"/>
+            <a:endParaRPr lang="ko-KR" altLang="en-US"/>
+          </a:p>
+        </p:txBody>
+      </p:sp>
+      <p:cxnSp>
+        <p:nvCxnSpPr>
+          <p:cNvPr id="8" name="직선 연결선 7"/>
+          <p:cNvCxnSpPr/>
+          <p:nvPr/>
+        </p:nvCxnSpPr>
+        <p:spPr>
+          <a:xfrm>
+            <a:off x="431540" y="3068960"/>
+            <a:ext cx="8136904" cy="0"/>
+          </a:xfrm>
+          <a:prstGeom prst="line">
+            <a:avLst/>
+          </a:prstGeom>
+          <a:ln w="38100">
             <a:solidFill>
               <a:schemeClr val="accent3">
                 <a:lumMod val="60000"/>
@@ -9234,19 +10033,19 @@
       </p:cxnSp>
       <p:cxnSp>
         <p:nvCxnSpPr>
-          <p:cNvPr id="6" name="직선 연결선 5"/>
+          <p:cNvPr id="9" name="직선 연결선 8"/>
           <p:cNvCxnSpPr/>
           <p:nvPr/>
         </p:nvCxnSpPr>
         <p:spPr>
           <a:xfrm>
-            <a:off x="503548" y="5589240"/>
-            <a:ext cx="8280920" cy="0"/>
+            <a:off x="467544" y="5625244"/>
+            <a:ext cx="8100900" cy="0"/>
           </a:xfrm>
           <a:prstGeom prst="line">
             <a:avLst/>
           </a:prstGeom>
-          <a:ln>
+          <a:ln w="38100">
             <a:solidFill>
               <a:schemeClr val="accent3">
                 <a:lumMod val="60000"/>
@@ -9386,6 +10185,88 @@
           </a:ln>
         </p:spPr>
       </p:pic>
+      <p:sp>
+        <p:nvSpPr>
+          <p:cNvPr id="5" name="직사각형 4"/>
+          <p:cNvSpPr/>
+          <p:nvPr/>
+        </p:nvSpPr>
+        <p:spPr>
+          <a:xfrm>
+            <a:off x="575556" y="1268760"/>
+            <a:ext cx="8136904" cy="2232248"/>
+          </a:xfrm>
+          <a:prstGeom prst="rect">
+            <a:avLst/>
+          </a:prstGeom>
+          <a:noFill/>
+        </p:spPr>
+        <p:style>
+          <a:lnRef idx="2">
+            <a:schemeClr val="accent1">
+              <a:shade val="50000"/>
+            </a:schemeClr>
+          </a:lnRef>
+          <a:fillRef idx="1">
+            <a:schemeClr val="accent1"/>
+          </a:fillRef>
+          <a:effectRef idx="0">
+            <a:schemeClr val="accent1"/>
+          </a:effectRef>
+          <a:fontRef idx="minor">
+            <a:schemeClr val="lt1"/>
+          </a:fontRef>
+        </p:style>
+        <p:txBody>
+          <a:bodyPr rtlCol="0" anchor="ctr"/>
+          <a:lstStyle/>
+          <a:p>
+            <a:pPr algn="ctr"/>
+            <a:endParaRPr lang="ko-KR" altLang="en-US"/>
+          </a:p>
+        </p:txBody>
+      </p:sp>
+      <p:sp>
+        <p:nvSpPr>
+          <p:cNvPr id="6" name="직사각형 5"/>
+          <p:cNvSpPr/>
+          <p:nvPr/>
+        </p:nvSpPr>
+        <p:spPr>
+          <a:xfrm>
+            <a:off x="539552" y="4077072"/>
+            <a:ext cx="8100900" cy="2196244"/>
+          </a:xfrm>
+          <a:prstGeom prst="rect">
+            <a:avLst/>
+          </a:prstGeom>
+          <a:noFill/>
+        </p:spPr>
+        <p:style>
+          <a:lnRef idx="2">
+            <a:schemeClr val="accent1">
+              <a:shade val="50000"/>
+            </a:schemeClr>
+          </a:lnRef>
+          <a:fillRef idx="1">
+            <a:schemeClr val="accent1"/>
+          </a:fillRef>
+          <a:effectRef idx="0">
+            <a:schemeClr val="accent1"/>
+          </a:effectRef>
+          <a:fontRef idx="minor">
+            <a:schemeClr val="lt1"/>
+          </a:fontRef>
+        </p:style>
+        <p:txBody>
+          <a:bodyPr rtlCol="0" anchor="ctr"/>
+          <a:lstStyle/>
+          <a:p>
+            <a:pPr algn="ctr"/>
+            <a:endParaRPr lang="ko-KR" altLang="en-US"/>
+          </a:p>
+        </p:txBody>
+      </p:sp>
     </p:spTree>
   </p:cSld>
   <p:clrMapOvr>
@@ -9502,6 +10383,88 @@
           </a:ln>
         </p:spPr>
       </p:pic>
+      <p:sp>
+        <p:nvSpPr>
+          <p:cNvPr id="5" name="직사각형 4"/>
+          <p:cNvSpPr/>
+          <p:nvPr/>
+        </p:nvSpPr>
+        <p:spPr>
+          <a:xfrm>
+            <a:off x="359532" y="1448780"/>
+            <a:ext cx="8424936" cy="2160240"/>
+          </a:xfrm>
+          <a:prstGeom prst="rect">
+            <a:avLst/>
+          </a:prstGeom>
+          <a:noFill/>
+        </p:spPr>
+        <p:style>
+          <a:lnRef idx="2">
+            <a:schemeClr val="accent1">
+              <a:shade val="50000"/>
+            </a:schemeClr>
+          </a:lnRef>
+          <a:fillRef idx="1">
+            <a:schemeClr val="accent1"/>
+          </a:fillRef>
+          <a:effectRef idx="0">
+            <a:schemeClr val="accent1"/>
+          </a:effectRef>
+          <a:fontRef idx="minor">
+            <a:schemeClr val="lt1"/>
+          </a:fontRef>
+        </p:style>
+        <p:txBody>
+          <a:bodyPr rtlCol="0" anchor="ctr"/>
+          <a:lstStyle/>
+          <a:p>
+            <a:pPr algn="ctr"/>
+            <a:endParaRPr lang="ko-KR" altLang="en-US"/>
+          </a:p>
+        </p:txBody>
+      </p:sp>
+      <p:sp>
+        <p:nvSpPr>
+          <p:cNvPr id="6" name="직사각형 5"/>
+          <p:cNvSpPr/>
+          <p:nvPr/>
+        </p:nvSpPr>
+        <p:spPr>
+          <a:xfrm>
+            <a:off x="395536" y="4293096"/>
+            <a:ext cx="8424936" cy="2124236"/>
+          </a:xfrm>
+          <a:prstGeom prst="rect">
+            <a:avLst/>
+          </a:prstGeom>
+          <a:noFill/>
+        </p:spPr>
+        <p:style>
+          <a:lnRef idx="2">
+            <a:schemeClr val="accent1">
+              <a:shade val="50000"/>
+            </a:schemeClr>
+          </a:lnRef>
+          <a:fillRef idx="1">
+            <a:schemeClr val="accent1"/>
+          </a:fillRef>
+          <a:effectRef idx="0">
+            <a:schemeClr val="accent1"/>
+          </a:effectRef>
+          <a:fontRef idx="minor">
+            <a:schemeClr val="lt1"/>
+          </a:fontRef>
+        </p:style>
+        <p:txBody>
+          <a:bodyPr rtlCol="0" anchor="ctr"/>
+          <a:lstStyle/>
+          <a:p>
+            <a:pPr algn="ctr"/>
+            <a:endParaRPr lang="ko-KR" altLang="en-US"/>
+          </a:p>
+        </p:txBody>
+      </p:sp>
     </p:spTree>
   </p:cSld>
   <p:clrMapOvr>
@@ -9642,7 +10605,7 @@
       </p:pic>
       <p:pic>
         <p:nvPicPr>
-          <p:cNvPr id="8" name="Picture 4"/>
+          <p:cNvPr id="5122" name="Picture 2"/>
           <p:cNvPicPr>
             <a:picLocks noChangeAspect="1" noChangeArrowheads="1"/>
           </p:cNvPicPr>
@@ -9657,8 +10620,8 @@
         </p:blipFill>
         <p:spPr bwMode="auto">
           <a:xfrm>
-            <a:off x="4932040" y="1484784"/>
-            <a:ext cx="3429000" cy="4038600"/>
+            <a:off x="4752020" y="1556792"/>
+            <a:ext cx="3781425" cy="4429125"/>
           </a:xfrm>
           <a:prstGeom prst="rect">
             <a:avLst/>
@@ -9672,6 +10635,44 @@
           </a:ln>
         </p:spPr>
       </p:pic>
+      <p:sp>
+        <p:nvSpPr>
+          <p:cNvPr id="9" name="TextBox 8"/>
+          <p:cNvSpPr txBox="1"/>
+          <p:nvPr/>
+        </p:nvSpPr>
+        <p:spPr>
+          <a:xfrm>
+            <a:off x="6480212" y="4509120"/>
+            <a:ext cx="2412268" cy="369332"/>
+          </a:xfrm>
+          <a:prstGeom prst="rect">
+            <a:avLst/>
+          </a:prstGeom>
+          <a:noFill/>
+        </p:spPr>
+        <p:txBody>
+          <a:bodyPr wrap="square" rtlCol="0">
+            <a:spAutoFit/>
+          </a:bodyPr>
+          <a:lstStyle/>
+          <a:p>
+            <a:r>
+              <a:rPr lang="ko-KR" altLang="en-US" dirty="0" smtClean="0"/>
+              <a:t>총 </a:t>
+            </a:r>
+            <a:r>
+              <a:rPr lang="en-US" altLang="ko-KR" dirty="0" smtClean="0"/>
+              <a:t>40</a:t>
+            </a:r>
+            <a:r>
+              <a:rPr lang="ko-KR" altLang="en-US" dirty="0" smtClean="0"/>
+              <a:t>개의 클래스</a:t>
+            </a:r>
+            <a:endParaRPr lang="ko-KR" altLang="en-US" dirty="0"/>
+          </a:p>
+        </p:txBody>
+      </p:sp>
     </p:spTree>
   </p:cSld>
   <p:clrMapOvr>
@@ -9746,7 +10747,7 @@
                                           </p:stCondLst>
                                         </p:cTn>
                                         <p:tgtEl>
-                                          <p:spTgt spid="8"/>
+                                          <p:spTgt spid="5122"/>
                                         </p:tgtEl>
                                         <p:attrNameLst>
                                           <p:attrName>style.visibility</p:attrName>
@@ -9760,7 +10761,7 @@
                                       <p:cBhvr>
                                         <p:cTn id="10" dur="500"/>
                                         <p:tgtEl>
-                                          <p:spTgt spid="8"/>
+                                          <p:spTgt spid="5122"/>
                                         </p:tgtEl>
                                       </p:cBhvr>
                                     </p:animEffect>
@@ -9802,6 +10803,33 @@
                                   </p:childTnLst>
                                 </p:cTn>
                               </p:par>
+                              <p:par>
+                                <p:cTn id="14" presetID="1" presetClass="exit" presetSubtype="0" fill="hold" grpId="0" nodeType="withEffect">
+                                  <p:stCondLst>
+                                    <p:cond delay="0"/>
+                                  </p:stCondLst>
+                                  <p:childTnLst>
+                                    <p:set>
+                                      <p:cBhvr>
+                                        <p:cTn id="15" dur="1" fill="hold">
+                                          <p:stCondLst>
+                                            <p:cond delay="0"/>
+                                          </p:stCondLst>
+                                        </p:cTn>
+                                        <p:tgtEl>
+                                          <p:spTgt spid="9"/>
+                                        </p:tgtEl>
+                                        <p:attrNameLst>
+                                          <p:attrName>style.visibility</p:attrName>
+                                        </p:attrNameLst>
+                                      </p:cBhvr>
+                                      <p:to>
+                                        <p:strVal val="hidden"/>
+                                      </p:to>
+                                    </p:set>
+                                  </p:childTnLst>
+                                </p:cTn>
+                              </p:par>
                             </p:childTnLst>
                           </p:cTn>
                         </p:par>
@@ -9829,6 +10857,9 @@
         </p:cTn>
       </p:par>
     </p:tnLst>
+    <p:bldLst>
+      <p:bldP spid="9" grpId="0"/>
+    </p:bldLst>
   </p:timing>
 </p:sld>
 </file>
@@ -9912,9 +10943,39 @@
           </a:p>
         </p:txBody>
       </p:sp>
+      <p:sp>
+        <p:nvSpPr>
+          <p:cNvPr id="9" name="TextBox 8"/>
+          <p:cNvSpPr txBox="1"/>
+          <p:nvPr/>
+        </p:nvSpPr>
+        <p:spPr>
+          <a:xfrm>
+            <a:off x="1187624" y="1547500"/>
+            <a:ext cx="2088232" cy="369332"/>
+          </a:xfrm>
+          <a:prstGeom prst="rect">
+            <a:avLst/>
+          </a:prstGeom>
+          <a:noFill/>
+        </p:spPr>
+        <p:txBody>
+          <a:bodyPr wrap="square" rtlCol="0">
+            <a:spAutoFit/>
+          </a:bodyPr>
+          <a:lstStyle/>
+          <a:p>
+            <a:r>
+              <a:rPr lang="en-US" altLang="ko-KR" dirty="0" err="1" smtClean="0"/>
+              <a:t>Atm</a:t>
+            </a:r>
+            <a:endParaRPr lang="ko-KR" altLang="en-US" dirty="0"/>
+          </a:p>
+        </p:txBody>
+      </p:sp>
       <p:pic>
         <p:nvPicPr>
-          <p:cNvPr id="6" name="Picture 2"/>
+          <p:cNvPr id="6147" name="Picture 3"/>
           <p:cNvPicPr>
             <a:picLocks noChangeAspect="1" noChangeArrowheads="1"/>
           </p:cNvPicPr>
@@ -9929,8 +10990,8 @@
         </p:blipFill>
         <p:spPr bwMode="auto">
           <a:xfrm>
-            <a:off x="899592" y="1628800"/>
-            <a:ext cx="7473402" cy="4185105"/>
+            <a:off x="1151620" y="1988840"/>
+            <a:ext cx="6791325" cy="1609725"/>
           </a:xfrm>
           <a:prstGeom prst="rect">
             <a:avLst/>
@@ -9944,36 +11005,6 @@
           </a:ln>
         </p:spPr>
       </p:pic>
-      <p:sp>
-        <p:nvSpPr>
-          <p:cNvPr id="9" name="TextBox 8"/>
-          <p:cNvSpPr txBox="1"/>
-          <p:nvPr/>
-        </p:nvSpPr>
-        <p:spPr>
-          <a:xfrm>
-            <a:off x="1187624" y="1439488"/>
-            <a:ext cx="2088232" cy="369332"/>
-          </a:xfrm>
-          <a:prstGeom prst="rect">
-            <a:avLst/>
-          </a:prstGeom>
-          <a:noFill/>
-        </p:spPr>
-        <p:txBody>
-          <a:bodyPr wrap="square" rtlCol="0">
-            <a:spAutoFit/>
-          </a:bodyPr>
-          <a:lstStyle/>
-          <a:p>
-            <a:r>
-              <a:rPr lang="en-US" altLang="ko-KR" dirty="0" err="1" smtClean="0"/>
-              <a:t>Atm</a:t>
-            </a:r>
-            <a:endParaRPr lang="ko-KR" altLang="en-US" dirty="0"/>
-          </a:p>
-        </p:txBody>
-      </p:sp>
     </p:spTree>
   </p:cSld>
   <p:clrMapOvr>
@@ -10176,7 +11207,7 @@
       </p:sp>
       <p:pic>
         <p:nvPicPr>
-          <p:cNvPr id="1026" name="Picture 2"/>
+          <p:cNvPr id="7170" name="Picture 2"/>
           <p:cNvPicPr>
             <a:picLocks noChangeAspect="1" noChangeArrowheads="1"/>
           </p:cNvPicPr>
@@ -10191,8 +11222,8 @@
         </p:blipFill>
         <p:spPr bwMode="auto">
           <a:xfrm>
-            <a:off x="899592" y="1448780"/>
-            <a:ext cx="7019925" cy="4429125"/>
+            <a:off x="2159732" y="1412776"/>
+            <a:ext cx="4680545" cy="4197632"/>
           </a:xfrm>
           <a:prstGeom prst="rect">
             <a:avLst/>
@@ -11194,274 +12225,6 @@
       </p:grpSpPr>
       <p:sp>
         <p:nvSpPr>
-          <p:cNvPr id="12" name="TextBox 11"/>
-          <p:cNvSpPr txBox="1"/>
-          <p:nvPr/>
-        </p:nvSpPr>
-        <p:spPr>
-          <a:xfrm>
-            <a:off x="183940" y="263104"/>
-            <a:ext cx="3788217" cy="523220"/>
-          </a:xfrm>
-          <a:prstGeom prst="rect">
-            <a:avLst/>
-          </a:prstGeom>
-          <a:noFill/>
-        </p:spPr>
-        <p:txBody>
-          <a:bodyPr wrap="none" rtlCol="0">
-            <a:spAutoFit/>
-          </a:bodyPr>
-          <a:lstStyle/>
-          <a:p>
-            <a:r>
-              <a:rPr lang="en-US" altLang="ko-KR" sz="2800" dirty="0" err="1" smtClean="0">
-                <a:solidFill>
-                  <a:srgbClr val="36B5E4"/>
-                </a:solidFill>
-                <a:latin typeface="a옛날목욕탕B" panose="02020600000000000000" pitchFamily="18" charset="-127"/>
-                <a:ea typeface="a옛날목욕탕B" panose="02020600000000000000" pitchFamily="18" charset="-127"/>
-              </a:rPr>
-              <a:t>Implemetation</a:t>
-            </a:r>
-            <a:r>
-              <a:rPr lang="en-US" altLang="ko-KR" sz="2800" dirty="0" smtClean="0">
-                <a:solidFill>
-                  <a:srgbClr val="36B5E4"/>
-                </a:solidFill>
-                <a:latin typeface="a옛날목욕탕B" panose="02020600000000000000" pitchFamily="18" charset="-127"/>
-                <a:ea typeface="a옛날목욕탕B" panose="02020600000000000000" pitchFamily="18" charset="-127"/>
-              </a:rPr>
-              <a:t> - </a:t>
-            </a:r>
-            <a:r>
-              <a:rPr lang="ko-KR" altLang="en-US" sz="2800" dirty="0" smtClean="0">
-                <a:solidFill>
-                  <a:srgbClr val="36B5E4"/>
-                </a:solidFill>
-                <a:latin typeface="a옛날목욕탕B" panose="02020600000000000000" pitchFamily="18" charset="-127"/>
-                <a:ea typeface="a옛날목욕탕B" panose="02020600000000000000" pitchFamily="18" charset="-127"/>
-              </a:rPr>
-              <a:t>시연</a:t>
-            </a:r>
-            <a:endParaRPr lang="ko-KR" altLang="en-US" sz="2800" dirty="0">
-              <a:solidFill>
-                <a:srgbClr val="36B5E4"/>
-              </a:solidFill>
-              <a:latin typeface="a옛날목욕탕B" panose="02020600000000000000" pitchFamily="18" charset="-127"/>
-              <a:ea typeface="a옛날목욕탕B" panose="02020600000000000000" pitchFamily="18" charset="-127"/>
-            </a:endParaRPr>
-          </a:p>
-        </p:txBody>
-      </p:sp>
-      <p:sp>
-        <p:nvSpPr>
-          <p:cNvPr id="13" name="TextBox 12"/>
-          <p:cNvSpPr txBox="1"/>
-          <p:nvPr/>
-        </p:nvSpPr>
-        <p:spPr>
-          <a:xfrm>
-            <a:off x="1403648" y="3068960"/>
-            <a:ext cx="6552728" cy="646331"/>
-          </a:xfrm>
-          <a:prstGeom prst="rect">
-            <a:avLst/>
-          </a:prstGeom>
-          <a:noFill/>
-        </p:spPr>
-        <p:txBody>
-          <a:bodyPr wrap="square" rtlCol="0">
-            <a:spAutoFit/>
-          </a:bodyPr>
-          <a:lstStyle/>
-          <a:p>
-            <a:r>
-              <a:rPr lang="ko-KR" altLang="en-US" sz="3600" b="1" dirty="0" smtClean="0">
-                <a:solidFill>
-                  <a:srgbClr val="00B0F0"/>
-                </a:solidFill>
-              </a:rPr>
-              <a:t>커뮤니케이션 다이어그램 데모</a:t>
-            </a:r>
-            <a:endParaRPr lang="ko-KR" altLang="en-US" sz="3600" b="1" dirty="0">
-              <a:solidFill>
-                <a:srgbClr val="00B0F0"/>
-              </a:solidFill>
-            </a:endParaRPr>
-          </a:p>
-        </p:txBody>
-      </p:sp>
-    </p:spTree>
-    <p:extLst>
-      <p:ext uri="{BB962C8B-B14F-4D97-AF65-F5344CB8AC3E}">
-        <p14:creationId xmlns="" xmlns:p14="http://schemas.microsoft.com/office/powerpoint/2010/main" val="720871668"/>
-      </p:ext>
-    </p:extLst>
-  </p:cSld>
-  <p:clrMapOvr>
-    <a:masterClrMapping/>
-  </p:clrMapOvr>
-  <p:timing>
-    <p:tnLst>
-      <p:par>
-        <p:cTn id="1" dur="indefinite" restart="never" nodeType="tmRoot"/>
-      </p:par>
-    </p:tnLst>
-  </p:timing>
-</p:sld>
-</file>
-
-<file path=ppt/slides/slide3.xml><?xml version="1.0" encoding="utf-8"?>
-<p:sld xmlns:a="http://schemas.openxmlformats.org/drawingml/2006/main" xmlns:r="http://schemas.openxmlformats.org/officeDocument/2006/relationships" xmlns:p="http://schemas.openxmlformats.org/presentationml/2006/main">
-  <p:cSld>
-    <p:spTree>
-      <p:nvGrpSpPr>
-        <p:cNvPr id="1" name=""/>
-        <p:cNvGrpSpPr/>
-        <p:nvPr/>
-      </p:nvGrpSpPr>
-      <p:grpSpPr>
-        <a:xfrm>
-          <a:off x="0" y="0"/>
-          <a:ext cx="0" cy="0"/>
-          <a:chOff x="0" y="0"/>
-          <a:chExt cx="0" cy="0"/>
-        </a:xfrm>
-      </p:grpSpPr>
-      <p:sp>
-        <p:nvSpPr>
-          <p:cNvPr id="3" name="TextBox 2"/>
-          <p:cNvSpPr txBox="1"/>
-          <p:nvPr/>
-        </p:nvSpPr>
-        <p:spPr>
-          <a:xfrm>
-            <a:off x="183940" y="263104"/>
-            <a:ext cx="4067139" cy="523220"/>
-          </a:xfrm>
-          <a:prstGeom prst="rect">
-            <a:avLst/>
-          </a:prstGeom>
-          <a:noFill/>
-        </p:spPr>
-        <p:txBody>
-          <a:bodyPr wrap="none" rtlCol="0">
-            <a:spAutoFit/>
-          </a:bodyPr>
-          <a:lstStyle/>
-          <a:p>
-            <a:r>
-              <a:rPr lang="en-US" altLang="ko-KR" sz="2800" dirty="0" err="1" smtClean="0">
-                <a:solidFill>
-                  <a:srgbClr val="36B5E4"/>
-                </a:solidFill>
-                <a:latin typeface="a옛날목욕탕B" panose="02020600000000000000" pitchFamily="18" charset="-127"/>
-                <a:ea typeface="a옛날목욕탕B" panose="02020600000000000000" pitchFamily="18" charset="-127"/>
-              </a:rPr>
-              <a:t>Requirment</a:t>
-            </a:r>
-            <a:r>
-              <a:rPr lang="en-US" altLang="ko-KR" sz="2800" dirty="0" smtClean="0">
-                <a:solidFill>
-                  <a:srgbClr val="36B5E4"/>
-                </a:solidFill>
-                <a:latin typeface="a옛날목욕탕B" panose="02020600000000000000" pitchFamily="18" charset="-127"/>
-                <a:ea typeface="a옛날목욕탕B" panose="02020600000000000000" pitchFamily="18" charset="-127"/>
-              </a:rPr>
-              <a:t> - </a:t>
-            </a:r>
-            <a:r>
-              <a:rPr lang="en-US" altLang="ko-KR" sz="2800" dirty="0" err="1" smtClean="0">
-                <a:solidFill>
-                  <a:srgbClr val="36B5E4"/>
-                </a:solidFill>
-                <a:latin typeface="a옛날목욕탕B" panose="02020600000000000000" pitchFamily="18" charset="-127"/>
-                <a:ea typeface="a옛날목욕탕B" panose="02020600000000000000" pitchFamily="18" charset="-127"/>
-              </a:rPr>
-              <a:t>Usecase</a:t>
-            </a:r>
-            <a:endParaRPr lang="ko-KR" altLang="en-US" sz="2800" dirty="0">
-              <a:solidFill>
-                <a:srgbClr val="36B5E4"/>
-              </a:solidFill>
-              <a:latin typeface="a옛날목욕탕B" panose="02020600000000000000" pitchFamily="18" charset="-127"/>
-              <a:ea typeface="a옛날목욕탕B" panose="02020600000000000000" pitchFamily="18" charset="-127"/>
-            </a:endParaRPr>
-          </a:p>
-        </p:txBody>
-      </p:sp>
-      <p:pic>
-        <p:nvPicPr>
-          <p:cNvPr id="8" name="Picture 2"/>
-          <p:cNvPicPr>
-            <a:picLocks noChangeAspect="1" noChangeArrowheads="1"/>
-          </p:cNvPicPr>
-          <p:nvPr/>
-        </p:nvPicPr>
-        <p:blipFill>
-          <a:blip r:embed="rId3" cstate="print"/>
-          <a:srcRect/>
-          <a:stretch>
-            <a:fillRect/>
-          </a:stretch>
-        </p:blipFill>
-        <p:spPr bwMode="auto">
-          <a:xfrm>
-            <a:off x="1295636" y="1016732"/>
-            <a:ext cx="6467475" cy="5505450"/>
-          </a:xfrm>
-          <a:prstGeom prst="rect">
-            <a:avLst/>
-          </a:prstGeom>
-          <a:noFill/>
-          <a:ln w="9525">
-            <a:noFill/>
-            <a:miter lim="800000"/>
-            <a:headEnd/>
-            <a:tailEnd/>
-          </a:ln>
-        </p:spPr>
-      </p:pic>
-    </p:spTree>
-    <p:extLst>
-      <p:ext uri="{BB962C8B-B14F-4D97-AF65-F5344CB8AC3E}">
-        <p14:creationId xmlns="" xmlns:p14="http://schemas.microsoft.com/office/powerpoint/2010/main" val="2828006915"/>
-      </p:ext>
-    </p:extLst>
-  </p:cSld>
-  <p:clrMapOvr>
-    <a:masterClrMapping/>
-  </p:clrMapOvr>
-  <p:timing>
-    <p:tnLst>
-      <p:par>
-        <p:cTn id="1" dur="indefinite" restart="never" nodeType="tmRoot"/>
-      </p:par>
-    </p:tnLst>
-  </p:timing>
-</p:sld>
-</file>
-
-<file path=ppt/slides/slide30.xml><?xml version="1.0" encoding="utf-8"?>
-<p:sld xmlns:a="http://schemas.openxmlformats.org/drawingml/2006/main" xmlns:r="http://schemas.openxmlformats.org/officeDocument/2006/relationships" xmlns:p="http://schemas.openxmlformats.org/presentationml/2006/main">
-  <p:cSld>
-    <p:spTree>
-      <p:nvGrpSpPr>
-        <p:cNvPr id="1" name=""/>
-        <p:cNvGrpSpPr/>
-        <p:nvPr/>
-      </p:nvGrpSpPr>
-      <p:grpSpPr>
-        <a:xfrm>
-          <a:off x="0" y="0"/>
-          <a:ext cx="0" cy="0"/>
-          <a:chOff x="0" y="0"/>
-          <a:chExt cx="0" cy="0"/>
-        </a:xfrm>
-      </p:grpSpPr>
-      <p:sp>
-        <p:nvSpPr>
           <p:cNvPr id="4" name="직사각형 3"/>
           <p:cNvSpPr/>
           <p:nvPr/>
@@ -11585,7 +12348,138 @@
 </p:sld>
 </file>
 
-<file path=ppt/slides/slide31.xml><?xml version="1.0" encoding="utf-8"?>
+<file path=ppt/slides/slide3.xml><?xml version="1.0" encoding="utf-8"?>
+<p:sld xmlns:a="http://schemas.openxmlformats.org/drawingml/2006/main" xmlns:r="http://schemas.openxmlformats.org/officeDocument/2006/relationships" xmlns:p="http://schemas.openxmlformats.org/presentationml/2006/main">
+  <p:cSld>
+    <p:spTree>
+      <p:nvGrpSpPr>
+        <p:cNvPr id="1" name=""/>
+        <p:cNvGrpSpPr/>
+        <p:nvPr/>
+      </p:nvGrpSpPr>
+      <p:grpSpPr>
+        <a:xfrm>
+          <a:off x="0" y="0"/>
+          <a:ext cx="0" cy="0"/>
+          <a:chOff x="0" y="0"/>
+          <a:chExt cx="0" cy="0"/>
+        </a:xfrm>
+      </p:grpSpPr>
+      <p:sp>
+        <p:nvSpPr>
+          <p:cNvPr id="3" name="TextBox 2"/>
+          <p:cNvSpPr txBox="1"/>
+          <p:nvPr/>
+        </p:nvSpPr>
+        <p:spPr>
+          <a:xfrm>
+            <a:off x="183940" y="263104"/>
+            <a:ext cx="4067139" cy="523220"/>
+          </a:xfrm>
+          <a:prstGeom prst="rect">
+            <a:avLst/>
+          </a:prstGeom>
+          <a:noFill/>
+        </p:spPr>
+        <p:txBody>
+          <a:bodyPr wrap="none" rtlCol="0">
+            <a:spAutoFit/>
+          </a:bodyPr>
+          <a:lstStyle/>
+          <a:p>
+            <a:r>
+              <a:rPr lang="en-US" altLang="ko-KR" sz="2800" dirty="0" err="1" smtClean="0">
+                <a:solidFill>
+                  <a:srgbClr val="36B5E4"/>
+                </a:solidFill>
+                <a:latin typeface="a옛날목욕탕B" panose="02020600000000000000" pitchFamily="18" charset="-127"/>
+                <a:ea typeface="a옛날목욕탕B" panose="02020600000000000000" pitchFamily="18" charset="-127"/>
+              </a:rPr>
+              <a:t>Requirment</a:t>
+            </a:r>
+            <a:r>
+              <a:rPr lang="en-US" altLang="ko-KR" sz="2800" dirty="0" smtClean="0">
+                <a:solidFill>
+                  <a:srgbClr val="36B5E4"/>
+                </a:solidFill>
+                <a:latin typeface="a옛날목욕탕B" panose="02020600000000000000" pitchFamily="18" charset="-127"/>
+                <a:ea typeface="a옛날목욕탕B" panose="02020600000000000000" pitchFamily="18" charset="-127"/>
+              </a:rPr>
+              <a:t> - </a:t>
+            </a:r>
+            <a:r>
+              <a:rPr lang="en-US" altLang="ko-KR" sz="2800" dirty="0" err="1" smtClean="0">
+                <a:solidFill>
+                  <a:srgbClr val="36B5E4"/>
+                </a:solidFill>
+                <a:latin typeface="a옛날목욕탕B" panose="02020600000000000000" pitchFamily="18" charset="-127"/>
+                <a:ea typeface="a옛날목욕탕B" panose="02020600000000000000" pitchFamily="18" charset="-127"/>
+              </a:rPr>
+              <a:t>Usecase</a:t>
+            </a:r>
+            <a:endParaRPr lang="ko-KR" altLang="en-US" sz="2800" dirty="0">
+              <a:solidFill>
+                <a:srgbClr val="36B5E4"/>
+              </a:solidFill>
+              <a:latin typeface="a옛날목욕탕B" panose="02020600000000000000" pitchFamily="18" charset="-127"/>
+              <a:ea typeface="a옛날목욕탕B" panose="02020600000000000000" pitchFamily="18" charset="-127"/>
+            </a:endParaRPr>
+          </a:p>
+        </p:txBody>
+      </p:sp>
+      <p:pic>
+        <p:nvPicPr>
+          <p:cNvPr id="8" name="Picture 2"/>
+          <p:cNvPicPr>
+            <a:picLocks noChangeAspect="1" noChangeArrowheads="1"/>
+          </p:cNvPicPr>
+          <p:nvPr/>
+        </p:nvPicPr>
+        <p:blipFill>
+          <a:blip r:embed="rId3" cstate="print"/>
+          <a:srcRect/>
+          <a:stretch>
+            <a:fillRect/>
+          </a:stretch>
+        </p:blipFill>
+        <p:spPr bwMode="auto">
+          <a:xfrm>
+            <a:off x="1295636" y="1016732"/>
+            <a:ext cx="6467475" cy="5505450"/>
+          </a:xfrm>
+          <a:prstGeom prst="rect">
+            <a:avLst/>
+          </a:prstGeom>
+          <a:noFill/>
+          <a:ln w="9525">
+            <a:noFill/>
+            <a:miter lim="800000"/>
+            <a:headEnd/>
+            <a:tailEnd/>
+          </a:ln>
+        </p:spPr>
+      </p:pic>
+    </p:spTree>
+    <p:extLst>
+      <p:ext uri="{BB962C8B-B14F-4D97-AF65-F5344CB8AC3E}">
+        <p14:creationId xmlns="" xmlns:p14="http://schemas.microsoft.com/office/powerpoint/2010/main" val="2828006915"/>
+      </p:ext>
+    </p:extLst>
+  </p:cSld>
+  <p:clrMapOvr>
+    <a:masterClrMapping/>
+  </p:clrMapOvr>
+  <p:timing>
+    <p:tnLst>
+      <p:par>
+        <p:cTn id="1" dur="indefinite" restart="never" nodeType="tmRoot"/>
+      </p:par>
+    </p:tnLst>
+  </p:timing>
+</p:sld>
+</file>
+
+<file path=ppt/slides/slide30.xml><?xml version="1.0" encoding="utf-8"?>
 <p:sld xmlns:a="http://schemas.openxmlformats.org/drawingml/2006/main" xmlns:r="http://schemas.openxmlformats.org/officeDocument/2006/relationships" xmlns:p="http://schemas.openxmlformats.org/presentationml/2006/main">
   <p:cSld>
     <p:spTree>
@@ -11787,7 +12681,7 @@
       </p:sp>
       <p:pic>
         <p:nvPicPr>
-          <p:cNvPr id="4" name="Picture 2"/>
+          <p:cNvPr id="1026" name="Picture 2"/>
           <p:cNvPicPr>
             <a:picLocks noChangeAspect="1" noChangeArrowheads="1"/>
           </p:cNvPicPr>
@@ -11802,8 +12696,8 @@
         </p:blipFill>
         <p:spPr bwMode="auto">
           <a:xfrm>
-            <a:off x="971601" y="1173973"/>
-            <a:ext cx="7344815" cy="5486705"/>
+            <a:off x="899592" y="1088740"/>
+            <a:ext cx="7419975" cy="5543550"/>
           </a:xfrm>
           <a:prstGeom prst="rect">
             <a:avLst/>
@@ -11817,6 +12711,326 @@
           </a:ln>
         </p:spPr>
       </p:pic>
+      <p:sp>
+        <p:nvSpPr>
+          <p:cNvPr id="4" name="TextBox 3"/>
+          <p:cNvSpPr txBox="1"/>
+          <p:nvPr/>
+        </p:nvSpPr>
+        <p:spPr>
+          <a:xfrm>
+            <a:off x="431540" y="1196752"/>
+            <a:ext cx="1584176" cy="369332"/>
+          </a:xfrm>
+          <a:prstGeom prst="rect">
+            <a:avLst/>
+          </a:prstGeom>
+          <a:noFill/>
+        </p:spPr>
+        <p:txBody>
+          <a:bodyPr wrap="square" rtlCol="0">
+            <a:spAutoFit/>
+          </a:bodyPr>
+          <a:lstStyle/>
+          <a:p>
+            <a:r>
+              <a:rPr lang="ko-KR" altLang="en-US" smtClean="0">
+                <a:solidFill>
+                  <a:srgbClr val="36B5E4"/>
+                </a:solidFill>
+              </a:rPr>
+              <a:t>고</a:t>
+            </a:r>
+            <a:r>
+              <a:rPr lang="ko-KR" altLang="en-US" smtClean="0">
+                <a:solidFill>
+                  <a:srgbClr val="36B5E4"/>
+                </a:solidFill>
+              </a:rPr>
+              <a:t>객</a:t>
+            </a:r>
+            <a:endParaRPr lang="ko-KR" altLang="en-US">
+              <a:solidFill>
+                <a:srgbClr val="36B5E4"/>
+              </a:solidFill>
+            </a:endParaRPr>
+          </a:p>
+        </p:txBody>
+      </p:sp>
+      <p:sp>
+        <p:nvSpPr>
+          <p:cNvPr id="5" name="TextBox 4"/>
+          <p:cNvSpPr txBox="1"/>
+          <p:nvPr/>
+        </p:nvSpPr>
+        <p:spPr>
+          <a:xfrm>
+            <a:off x="2519772" y="1196752"/>
+            <a:ext cx="1584176" cy="369332"/>
+          </a:xfrm>
+          <a:prstGeom prst="rect">
+            <a:avLst/>
+          </a:prstGeom>
+          <a:noFill/>
+        </p:spPr>
+        <p:txBody>
+          <a:bodyPr wrap="square" rtlCol="0">
+            <a:spAutoFit/>
+          </a:bodyPr>
+          <a:lstStyle/>
+          <a:p>
+            <a:r>
+              <a:rPr lang="ko-KR" altLang="en-US" dirty="0" smtClean="0">
+                <a:solidFill>
+                  <a:srgbClr val="36B5E4"/>
+                </a:solidFill>
+              </a:rPr>
+              <a:t>세</a:t>
+            </a:r>
+            <a:r>
+              <a:rPr lang="ko-KR" altLang="en-US" dirty="0" smtClean="0">
+                <a:solidFill>
+                  <a:srgbClr val="36B5E4"/>
+                </a:solidFill>
+              </a:rPr>
+              <a:t>션</a:t>
+            </a:r>
+            <a:endParaRPr lang="ko-KR" altLang="en-US" dirty="0">
+              <a:solidFill>
+                <a:srgbClr val="36B5E4"/>
+              </a:solidFill>
+            </a:endParaRPr>
+          </a:p>
+        </p:txBody>
+      </p:sp>
+      <p:sp>
+        <p:nvSpPr>
+          <p:cNvPr id="6" name="TextBox 5"/>
+          <p:cNvSpPr txBox="1"/>
+          <p:nvPr/>
+        </p:nvSpPr>
+        <p:spPr>
+          <a:xfrm>
+            <a:off x="2195736" y="3347700"/>
+            <a:ext cx="1584176" cy="369332"/>
+          </a:xfrm>
+          <a:prstGeom prst="rect">
+            <a:avLst/>
+          </a:prstGeom>
+          <a:noFill/>
+        </p:spPr>
+        <p:txBody>
+          <a:bodyPr wrap="square" rtlCol="0">
+            <a:spAutoFit/>
+          </a:bodyPr>
+          <a:lstStyle/>
+          <a:p>
+            <a:r>
+              <a:rPr lang="ko-KR" altLang="en-US" smtClean="0">
+                <a:solidFill>
+                  <a:srgbClr val="36B5E4"/>
+                </a:solidFill>
+              </a:rPr>
+              <a:t>거래</a:t>
+            </a:r>
+            <a:endParaRPr lang="ko-KR" altLang="en-US" dirty="0">
+              <a:solidFill>
+                <a:srgbClr val="36B5E4"/>
+              </a:solidFill>
+            </a:endParaRPr>
+          </a:p>
+        </p:txBody>
+      </p:sp>
+      <p:sp>
+        <p:nvSpPr>
+          <p:cNvPr id="7" name="TextBox 6"/>
+          <p:cNvSpPr txBox="1"/>
+          <p:nvPr/>
+        </p:nvSpPr>
+        <p:spPr>
+          <a:xfrm>
+            <a:off x="5580112" y="3392996"/>
+            <a:ext cx="1584176" cy="369332"/>
+          </a:xfrm>
+          <a:prstGeom prst="rect">
+            <a:avLst/>
+          </a:prstGeom>
+          <a:noFill/>
+        </p:spPr>
+        <p:txBody>
+          <a:bodyPr wrap="square" rtlCol="0">
+            <a:spAutoFit/>
+          </a:bodyPr>
+          <a:lstStyle/>
+          <a:p>
+            <a:r>
+              <a:rPr lang="ko-KR" altLang="en-US" smtClean="0">
+                <a:solidFill>
+                  <a:srgbClr val="36B5E4"/>
+                </a:solidFill>
+              </a:rPr>
+              <a:t>은행</a:t>
+            </a:r>
+            <a:endParaRPr lang="ko-KR" altLang="en-US" dirty="0">
+              <a:solidFill>
+                <a:srgbClr val="36B5E4"/>
+              </a:solidFill>
+            </a:endParaRPr>
+          </a:p>
+        </p:txBody>
+      </p:sp>
+      <p:sp>
+        <p:nvSpPr>
+          <p:cNvPr id="8" name="TextBox 7"/>
+          <p:cNvSpPr txBox="1"/>
+          <p:nvPr/>
+        </p:nvSpPr>
+        <p:spPr>
+          <a:xfrm>
+            <a:off x="1187624" y="5985284"/>
+            <a:ext cx="648072" cy="369332"/>
+          </a:xfrm>
+          <a:prstGeom prst="rect">
+            <a:avLst/>
+          </a:prstGeom>
+          <a:noFill/>
+        </p:spPr>
+        <p:txBody>
+          <a:bodyPr wrap="square" rtlCol="0">
+            <a:spAutoFit/>
+          </a:bodyPr>
+          <a:lstStyle/>
+          <a:p>
+            <a:r>
+              <a:rPr lang="ko-KR" altLang="en-US" dirty="0" smtClean="0">
+                <a:solidFill>
+                  <a:srgbClr val="36B5E4"/>
+                </a:solidFill>
+              </a:rPr>
+              <a:t>조회</a:t>
+            </a:r>
+            <a:endParaRPr lang="ko-KR" altLang="en-US" dirty="0">
+              <a:solidFill>
+                <a:srgbClr val="36B5E4"/>
+              </a:solidFill>
+            </a:endParaRPr>
+          </a:p>
+        </p:txBody>
+      </p:sp>
+      <p:sp>
+        <p:nvSpPr>
+          <p:cNvPr id="9" name="TextBox 8"/>
+          <p:cNvSpPr txBox="1"/>
+          <p:nvPr/>
+        </p:nvSpPr>
+        <p:spPr>
+          <a:xfrm>
+            <a:off x="2519772" y="6021288"/>
+            <a:ext cx="648072" cy="369332"/>
+          </a:xfrm>
+          <a:prstGeom prst="rect">
+            <a:avLst/>
+          </a:prstGeom>
+          <a:noFill/>
+        </p:spPr>
+        <p:txBody>
+          <a:bodyPr wrap="square" rtlCol="0">
+            <a:spAutoFit/>
+          </a:bodyPr>
+          <a:lstStyle/>
+          <a:p>
+            <a:r>
+              <a:rPr lang="ko-KR" altLang="en-US" dirty="0" smtClean="0">
+                <a:solidFill>
+                  <a:srgbClr val="36B5E4"/>
+                </a:solidFill>
+              </a:rPr>
+              <a:t>출금</a:t>
+            </a:r>
+            <a:endParaRPr lang="ko-KR" altLang="en-US" dirty="0">
+              <a:solidFill>
+                <a:srgbClr val="36B5E4"/>
+              </a:solidFill>
+            </a:endParaRPr>
+          </a:p>
+        </p:txBody>
+      </p:sp>
+      <p:sp>
+        <p:nvSpPr>
+          <p:cNvPr id="10" name="TextBox 9"/>
+          <p:cNvSpPr txBox="1"/>
+          <p:nvPr/>
+        </p:nvSpPr>
+        <p:spPr>
+          <a:xfrm>
+            <a:off x="3779912" y="6057292"/>
+            <a:ext cx="648072" cy="369332"/>
+          </a:xfrm>
+          <a:prstGeom prst="rect">
+            <a:avLst/>
+          </a:prstGeom>
+          <a:noFill/>
+        </p:spPr>
+        <p:txBody>
+          <a:bodyPr wrap="square" rtlCol="0">
+            <a:spAutoFit/>
+          </a:bodyPr>
+          <a:lstStyle/>
+          <a:p>
+            <a:r>
+              <a:rPr lang="ko-KR" altLang="en-US" dirty="0" smtClean="0">
+                <a:solidFill>
+                  <a:srgbClr val="36B5E4"/>
+                </a:solidFill>
+              </a:rPr>
+              <a:t>예금</a:t>
+            </a:r>
+            <a:endParaRPr lang="ko-KR" altLang="en-US" dirty="0">
+              <a:solidFill>
+                <a:srgbClr val="36B5E4"/>
+              </a:solidFill>
+            </a:endParaRPr>
+          </a:p>
+        </p:txBody>
+      </p:sp>
+      <p:sp>
+        <p:nvSpPr>
+          <p:cNvPr id="11" name="TextBox 10"/>
+          <p:cNvSpPr txBox="1"/>
+          <p:nvPr/>
+        </p:nvSpPr>
+        <p:spPr>
+          <a:xfrm>
+            <a:off x="5004048" y="5985284"/>
+            <a:ext cx="648072" cy="369332"/>
+          </a:xfrm>
+          <a:prstGeom prst="rect">
+            <a:avLst/>
+          </a:prstGeom>
+          <a:noFill/>
+        </p:spPr>
+        <p:txBody>
+          <a:bodyPr wrap="square" rtlCol="0">
+            <a:spAutoFit/>
+          </a:bodyPr>
+          <a:lstStyle/>
+          <a:p>
+            <a:r>
+              <a:rPr lang="ko-KR" altLang="en-US" dirty="0" smtClean="0">
+                <a:solidFill>
+                  <a:srgbClr val="36B5E4"/>
+                </a:solidFill>
+              </a:rPr>
+              <a:t>이체</a:t>
+            </a:r>
+            <a:endParaRPr lang="ko-KR" altLang="en-US" dirty="0">
+              <a:solidFill>
+                <a:srgbClr val="36B5E4"/>
+              </a:solidFill>
+            </a:endParaRPr>
+          </a:p>
+        </p:txBody>
+      </p:sp>
     </p:spTree>
     <p:extLst>
       <p:ext uri="{BB962C8B-B14F-4D97-AF65-F5344CB8AC3E}">
@@ -12183,7 +13397,7 @@
       </p:sp>
       <p:pic>
         <p:nvPicPr>
-          <p:cNvPr id="4" name="Picture 2"/>
+          <p:cNvPr id="2050" name="Picture 2"/>
           <p:cNvPicPr>
             <a:picLocks noChangeAspect="1" noChangeArrowheads="1"/>
           </p:cNvPicPr>
@@ -12198,8 +13412,8 @@
         </p:blipFill>
         <p:spPr bwMode="auto">
           <a:xfrm>
-            <a:off x="1619672" y="1412776"/>
-            <a:ext cx="5762625" cy="4705350"/>
+            <a:off x="0" y="980728"/>
+            <a:ext cx="9077325" cy="5877272"/>
           </a:xfrm>
           <a:prstGeom prst="rect">
             <a:avLst/>
@@ -12213,140 +13427,1059 @@
           </a:ln>
         </p:spPr>
       </p:pic>
-      <p:pic>
-        <p:nvPicPr>
-          <p:cNvPr id="6" name="Picture 6"/>
-          <p:cNvPicPr>
-            <a:picLocks noChangeAspect="1" noChangeArrowheads="1"/>
-          </p:cNvPicPr>
+      <p:sp>
+        <p:nvSpPr>
+          <p:cNvPr id="10" name="직사각형 9"/>
+          <p:cNvSpPr/>
           <p:nvPr/>
-        </p:nvPicPr>
-        <p:blipFill>
-          <a:blip r:embed="rId4" cstate="print"/>
-          <a:srcRect/>
-          <a:stretch>
-            <a:fillRect/>
-          </a:stretch>
-        </p:blipFill>
-        <p:spPr bwMode="auto">
-          <a:xfrm>
-            <a:off x="323528" y="1304764"/>
-            <a:ext cx="2628292" cy="5140021"/>
+        </p:nvSpPr>
+        <p:spPr>
+          <a:xfrm>
+            <a:off x="2519772" y="3248980"/>
+            <a:ext cx="972108" cy="756084"/>
           </a:xfrm>
           <a:prstGeom prst="rect">
             <a:avLst/>
           </a:prstGeom>
           <a:noFill/>
-          <a:ln w="9525">
-            <a:noFill/>
-            <a:miter lim="800000"/>
-            <a:headEnd/>
-            <a:tailEnd/>
+          <a:ln>
+            <a:solidFill>
+              <a:srgbClr val="FF0000"/>
+            </a:solidFill>
           </a:ln>
         </p:spPr>
-      </p:pic>
-      <p:pic>
-        <p:nvPicPr>
-          <p:cNvPr id="7" name="Picture 7"/>
-          <p:cNvPicPr>
-            <a:picLocks noChangeAspect="1" noChangeArrowheads="1"/>
-          </p:cNvPicPr>
+        <p:style>
+          <a:lnRef idx="2">
+            <a:schemeClr val="accent1">
+              <a:shade val="50000"/>
+            </a:schemeClr>
+          </a:lnRef>
+          <a:fillRef idx="1">
+            <a:schemeClr val="accent1"/>
+          </a:fillRef>
+          <a:effectRef idx="0">
+            <a:schemeClr val="accent1"/>
+          </a:effectRef>
+          <a:fontRef idx="minor">
+            <a:schemeClr val="lt1"/>
+          </a:fontRef>
+        </p:style>
+        <p:txBody>
+          <a:bodyPr rtlCol="0" anchor="ctr"/>
+          <a:lstStyle/>
+          <a:p>
+            <a:pPr algn="ctr"/>
+            <a:endParaRPr lang="ko-KR" altLang="en-US"/>
+          </a:p>
+        </p:txBody>
+      </p:sp>
+      <p:sp>
+        <p:nvSpPr>
+          <p:cNvPr id="11" name="직사각형 10"/>
+          <p:cNvSpPr/>
           <p:nvPr/>
-        </p:nvPicPr>
-        <p:blipFill>
-          <a:blip r:embed="rId5" cstate="print"/>
-          <a:srcRect/>
-          <a:stretch>
-            <a:fillRect/>
-          </a:stretch>
-        </p:blipFill>
-        <p:spPr bwMode="auto">
-          <a:xfrm>
-            <a:off x="3167844" y="1304764"/>
-            <a:ext cx="2160240" cy="5113788"/>
+        </p:nvSpPr>
+        <p:spPr>
+          <a:xfrm>
+            <a:off x="3779912" y="3212976"/>
+            <a:ext cx="1008112" cy="864096"/>
           </a:xfrm>
           <a:prstGeom prst="rect">
             <a:avLst/>
           </a:prstGeom>
           <a:noFill/>
-          <a:ln w="9525">
-            <a:noFill/>
-            <a:miter lim="800000"/>
-            <a:headEnd/>
-            <a:tailEnd/>
+          <a:ln>
+            <a:solidFill>
+              <a:srgbClr val="FF0000"/>
+            </a:solidFill>
           </a:ln>
         </p:spPr>
-      </p:pic>
-      <p:pic>
-        <p:nvPicPr>
-          <p:cNvPr id="8" name="Picture 8"/>
-          <p:cNvPicPr>
-            <a:picLocks noChangeAspect="1" noChangeArrowheads="1"/>
-          </p:cNvPicPr>
+        <p:style>
+          <a:lnRef idx="2">
+            <a:schemeClr val="accent1">
+              <a:shade val="50000"/>
+            </a:schemeClr>
+          </a:lnRef>
+          <a:fillRef idx="1">
+            <a:schemeClr val="accent1"/>
+          </a:fillRef>
+          <a:effectRef idx="0">
+            <a:schemeClr val="accent1"/>
+          </a:effectRef>
+          <a:fontRef idx="minor">
+            <a:schemeClr val="lt1"/>
+          </a:fontRef>
+        </p:style>
+        <p:txBody>
+          <a:bodyPr rtlCol="0" anchor="ctr"/>
+          <a:lstStyle/>
+          <a:p>
+            <a:pPr algn="ctr"/>
+            <a:endParaRPr lang="ko-KR" altLang="en-US"/>
+          </a:p>
+        </p:txBody>
+      </p:sp>
+      <p:sp>
+        <p:nvSpPr>
+          <p:cNvPr id="12" name="직사각형 11"/>
+          <p:cNvSpPr/>
           <p:nvPr/>
-        </p:nvPicPr>
-        <p:blipFill>
-          <a:blip r:embed="rId6" cstate="print"/>
-          <a:srcRect/>
-          <a:stretch>
-            <a:fillRect/>
-          </a:stretch>
-        </p:blipFill>
-        <p:spPr bwMode="auto">
-          <a:xfrm>
-            <a:off x="5616116" y="1304764"/>
-            <a:ext cx="2988332" cy="3969118"/>
+        </p:nvSpPr>
+        <p:spPr>
+          <a:xfrm>
+            <a:off x="2951820" y="4185084"/>
+            <a:ext cx="1404156" cy="1764196"/>
           </a:xfrm>
           <a:prstGeom prst="rect">
             <a:avLst/>
           </a:prstGeom>
           <a:noFill/>
-          <a:ln w="9525">
-            <a:noFill/>
-            <a:miter lim="800000"/>
-            <a:headEnd/>
-            <a:tailEnd/>
+          <a:ln>
+            <a:solidFill>
+              <a:srgbClr val="FF0000"/>
+            </a:solidFill>
           </a:ln>
         </p:spPr>
-      </p:pic>
-      <p:sp>
-        <p:nvSpPr>
-          <p:cNvPr id="9" name="TextBox 8"/>
-          <p:cNvSpPr txBox="1"/>
+        <p:style>
+          <a:lnRef idx="2">
+            <a:schemeClr val="accent1">
+              <a:shade val="50000"/>
+            </a:schemeClr>
+          </a:lnRef>
+          <a:fillRef idx="1">
+            <a:schemeClr val="accent1"/>
+          </a:fillRef>
+          <a:effectRef idx="0">
+            <a:schemeClr val="accent1"/>
+          </a:effectRef>
+          <a:fontRef idx="minor">
+            <a:schemeClr val="lt1"/>
+          </a:fontRef>
+        </p:style>
+        <p:txBody>
+          <a:bodyPr rtlCol="0" anchor="ctr"/>
+          <a:lstStyle/>
+          <a:p>
+            <a:pPr algn="ctr"/>
+            <a:endParaRPr lang="ko-KR" altLang="en-US"/>
+          </a:p>
+        </p:txBody>
+      </p:sp>
+      <p:sp>
+        <p:nvSpPr>
+          <p:cNvPr id="13" name="직사각형 12"/>
+          <p:cNvSpPr/>
           <p:nvPr/>
         </p:nvSpPr>
         <p:spPr>
           <a:xfrm>
-            <a:off x="6300192" y="4797152"/>
-            <a:ext cx="2340260" cy="646331"/>
+            <a:off x="287524" y="5985284"/>
+            <a:ext cx="1332148" cy="756084"/>
           </a:xfrm>
           <a:prstGeom prst="rect">
             <a:avLst/>
           </a:prstGeom>
           <a:noFill/>
-        </p:spPr>
-        <p:txBody>
-          <a:bodyPr wrap="square" rtlCol="0">
-            <a:spAutoFit/>
-          </a:bodyPr>
-          <a:lstStyle/>
-          <a:p>
-            <a:r>
-              <a:rPr lang="ko-KR" altLang="en-US" dirty="0" smtClean="0"/>
-              <a:t> </a:t>
-            </a:r>
-            <a:r>
-              <a:rPr lang="en-US" altLang="ko-KR" dirty="0" smtClean="0"/>
-              <a:t>40</a:t>
-            </a:r>
-            <a:r>
-              <a:rPr lang="ko-KR" altLang="en-US" dirty="0" smtClean="0"/>
-              <a:t>개의 클래스</a:t>
-            </a:r>
-            <a:endParaRPr lang="en-US" altLang="ko-KR" dirty="0" smtClean="0"/>
-          </a:p>
-          <a:p>
-            <a:endParaRPr lang="ko-KR" altLang="en-US" dirty="0"/>
+          <a:ln>
+            <a:solidFill>
+              <a:srgbClr val="FF0000"/>
+            </a:solidFill>
+          </a:ln>
+        </p:spPr>
+        <p:style>
+          <a:lnRef idx="2">
+            <a:schemeClr val="accent1">
+              <a:shade val="50000"/>
+            </a:schemeClr>
+          </a:lnRef>
+          <a:fillRef idx="1">
+            <a:schemeClr val="accent1"/>
+          </a:fillRef>
+          <a:effectRef idx="0">
+            <a:schemeClr val="accent1"/>
+          </a:effectRef>
+          <a:fontRef idx="minor">
+            <a:schemeClr val="lt1"/>
+          </a:fontRef>
+        </p:style>
+        <p:txBody>
+          <a:bodyPr rtlCol="0" anchor="ctr"/>
+          <a:lstStyle/>
+          <a:p>
+            <a:pPr algn="ctr"/>
+            <a:endParaRPr lang="ko-KR" altLang="en-US"/>
+          </a:p>
+        </p:txBody>
+      </p:sp>
+      <p:sp>
+        <p:nvSpPr>
+          <p:cNvPr id="14" name="직사각형 13"/>
+          <p:cNvSpPr/>
+          <p:nvPr/>
+        </p:nvSpPr>
+        <p:spPr>
+          <a:xfrm>
+            <a:off x="1871700" y="6201308"/>
+            <a:ext cx="1260140" cy="684076"/>
+          </a:xfrm>
+          <a:prstGeom prst="rect">
+            <a:avLst/>
+          </a:prstGeom>
+          <a:noFill/>
+          <a:ln>
+            <a:solidFill>
+              <a:srgbClr val="FF0000"/>
+            </a:solidFill>
+          </a:ln>
+        </p:spPr>
+        <p:style>
+          <a:lnRef idx="2">
+            <a:schemeClr val="accent1">
+              <a:shade val="50000"/>
+            </a:schemeClr>
+          </a:lnRef>
+          <a:fillRef idx="1">
+            <a:schemeClr val="accent1"/>
+          </a:fillRef>
+          <a:effectRef idx="0">
+            <a:schemeClr val="accent1"/>
+          </a:effectRef>
+          <a:fontRef idx="minor">
+            <a:schemeClr val="lt1"/>
+          </a:fontRef>
+        </p:style>
+        <p:txBody>
+          <a:bodyPr rtlCol="0" anchor="ctr"/>
+          <a:lstStyle/>
+          <a:p>
+            <a:pPr algn="ctr"/>
+            <a:endParaRPr lang="ko-KR" altLang="en-US"/>
+          </a:p>
+        </p:txBody>
+      </p:sp>
+      <p:sp>
+        <p:nvSpPr>
+          <p:cNvPr id="15" name="직사각형 14"/>
+          <p:cNvSpPr/>
+          <p:nvPr/>
+        </p:nvSpPr>
+        <p:spPr>
+          <a:xfrm>
+            <a:off x="3311860" y="6165304"/>
+            <a:ext cx="1260140" cy="692696"/>
+          </a:xfrm>
+          <a:prstGeom prst="rect">
+            <a:avLst/>
+          </a:prstGeom>
+          <a:noFill/>
+          <a:ln>
+            <a:solidFill>
+              <a:srgbClr val="FF0000"/>
+            </a:solidFill>
+          </a:ln>
+        </p:spPr>
+        <p:style>
+          <a:lnRef idx="2">
+            <a:schemeClr val="accent1">
+              <a:shade val="50000"/>
+            </a:schemeClr>
+          </a:lnRef>
+          <a:fillRef idx="1">
+            <a:schemeClr val="accent1"/>
+          </a:fillRef>
+          <a:effectRef idx="0">
+            <a:schemeClr val="accent1"/>
+          </a:effectRef>
+          <a:fontRef idx="minor">
+            <a:schemeClr val="lt1"/>
+          </a:fontRef>
+        </p:style>
+        <p:txBody>
+          <a:bodyPr rtlCol="0" anchor="ctr"/>
+          <a:lstStyle/>
+          <a:p>
+            <a:pPr algn="ctr"/>
+            <a:endParaRPr lang="ko-KR" altLang="en-US"/>
+          </a:p>
+        </p:txBody>
+      </p:sp>
+      <p:sp>
+        <p:nvSpPr>
+          <p:cNvPr id="16" name="직사각형 15"/>
+          <p:cNvSpPr/>
+          <p:nvPr/>
+        </p:nvSpPr>
+        <p:spPr>
+          <a:xfrm>
+            <a:off x="4716016" y="6101916"/>
+            <a:ext cx="1332148" cy="756084"/>
+          </a:xfrm>
+          <a:prstGeom prst="rect">
+            <a:avLst/>
+          </a:prstGeom>
+          <a:noFill/>
+          <a:ln>
+            <a:solidFill>
+              <a:srgbClr val="FF0000"/>
+            </a:solidFill>
+          </a:ln>
+        </p:spPr>
+        <p:style>
+          <a:lnRef idx="2">
+            <a:schemeClr val="accent1">
+              <a:shade val="50000"/>
+            </a:schemeClr>
+          </a:lnRef>
+          <a:fillRef idx="1">
+            <a:schemeClr val="accent1"/>
+          </a:fillRef>
+          <a:effectRef idx="0">
+            <a:schemeClr val="accent1"/>
+          </a:effectRef>
+          <a:fontRef idx="minor">
+            <a:schemeClr val="lt1"/>
+          </a:fontRef>
+        </p:style>
+        <p:txBody>
+          <a:bodyPr rtlCol="0" anchor="ctr"/>
+          <a:lstStyle/>
+          <a:p>
+            <a:pPr algn="ctr"/>
+            <a:endParaRPr lang="ko-KR" altLang="en-US"/>
+          </a:p>
+        </p:txBody>
+      </p:sp>
+      <p:sp>
+        <p:nvSpPr>
+          <p:cNvPr id="17" name="직사각형 16"/>
+          <p:cNvSpPr/>
+          <p:nvPr/>
+        </p:nvSpPr>
+        <p:spPr>
+          <a:xfrm>
+            <a:off x="7416316" y="4509120"/>
+            <a:ext cx="1404156" cy="1692188"/>
+          </a:xfrm>
+          <a:prstGeom prst="rect">
+            <a:avLst/>
+          </a:prstGeom>
+          <a:noFill/>
+          <a:ln>
+            <a:solidFill>
+              <a:srgbClr val="FF0000"/>
+            </a:solidFill>
+          </a:ln>
+        </p:spPr>
+        <p:style>
+          <a:lnRef idx="2">
+            <a:schemeClr val="accent1">
+              <a:shade val="50000"/>
+            </a:schemeClr>
+          </a:lnRef>
+          <a:fillRef idx="1">
+            <a:schemeClr val="accent1"/>
+          </a:fillRef>
+          <a:effectRef idx="0">
+            <a:schemeClr val="accent1"/>
+          </a:effectRef>
+          <a:fontRef idx="minor">
+            <a:schemeClr val="lt1"/>
+          </a:fontRef>
+        </p:style>
+        <p:txBody>
+          <a:bodyPr rtlCol="0" anchor="ctr"/>
+          <a:lstStyle/>
+          <a:p>
+            <a:pPr algn="ctr"/>
+            <a:endParaRPr lang="ko-KR" altLang="en-US"/>
+          </a:p>
+        </p:txBody>
+      </p:sp>
+      <p:cxnSp>
+        <p:nvCxnSpPr>
+          <p:cNvPr id="19" name="직선 연결선 18"/>
+          <p:cNvCxnSpPr>
+            <a:stCxn id="10" idx="3"/>
+            <a:endCxn id="11" idx="1"/>
+          </p:cNvCxnSpPr>
+          <p:nvPr/>
+        </p:nvCxnSpPr>
+        <p:spPr>
+          <a:xfrm>
+            <a:off x="3491880" y="3627022"/>
+            <a:ext cx="288032" cy="18002"/>
+          </a:xfrm>
+          <a:prstGeom prst="line">
+            <a:avLst/>
+          </a:prstGeom>
+          <a:ln>
+            <a:solidFill>
+              <a:srgbClr val="FF0000"/>
+            </a:solidFill>
+          </a:ln>
+        </p:spPr>
+        <p:style>
+          <a:lnRef idx="1">
+            <a:schemeClr val="accent1"/>
+          </a:lnRef>
+          <a:fillRef idx="0">
+            <a:schemeClr val="accent1"/>
+          </a:fillRef>
+          <a:effectRef idx="0">
+            <a:schemeClr val="accent1"/>
+          </a:effectRef>
+          <a:fontRef idx="minor">
+            <a:schemeClr val="tx1"/>
+          </a:fontRef>
+        </p:style>
+      </p:cxnSp>
+      <p:cxnSp>
+        <p:nvCxnSpPr>
+          <p:cNvPr id="21" name="직선 연결선 20"/>
+          <p:cNvCxnSpPr/>
+          <p:nvPr/>
+        </p:nvCxnSpPr>
+        <p:spPr>
+          <a:xfrm flipH="1">
+            <a:off x="4031940" y="4041068"/>
+            <a:ext cx="36004" cy="144016"/>
+          </a:xfrm>
+          <a:prstGeom prst="line">
+            <a:avLst/>
+          </a:prstGeom>
+          <a:ln>
+            <a:solidFill>
+              <a:srgbClr val="FF0000"/>
+            </a:solidFill>
+          </a:ln>
+        </p:spPr>
+        <p:style>
+          <a:lnRef idx="1">
+            <a:schemeClr val="accent1"/>
+          </a:lnRef>
+          <a:fillRef idx="0">
+            <a:schemeClr val="accent1"/>
+          </a:fillRef>
+          <a:effectRef idx="0">
+            <a:schemeClr val="accent1"/>
+          </a:effectRef>
+          <a:fontRef idx="minor">
+            <a:schemeClr val="tx1"/>
+          </a:fontRef>
+        </p:style>
+      </p:cxnSp>
+      <p:cxnSp>
+        <p:nvCxnSpPr>
+          <p:cNvPr id="23" name="직선 연결선 22"/>
+          <p:cNvCxnSpPr/>
+          <p:nvPr/>
+        </p:nvCxnSpPr>
+        <p:spPr>
+          <a:xfrm>
+            <a:off x="4355976" y="5301208"/>
+            <a:ext cx="1404156" cy="468052"/>
+          </a:xfrm>
+          <a:prstGeom prst="line">
+            <a:avLst/>
+          </a:prstGeom>
+          <a:ln>
+            <a:solidFill>
+              <a:srgbClr val="FF0000"/>
+            </a:solidFill>
+          </a:ln>
+        </p:spPr>
+        <p:style>
+          <a:lnRef idx="1">
+            <a:schemeClr val="accent1"/>
+          </a:lnRef>
+          <a:fillRef idx="0">
+            <a:schemeClr val="accent1"/>
+          </a:fillRef>
+          <a:effectRef idx="0">
+            <a:schemeClr val="accent1"/>
+          </a:effectRef>
+          <a:fontRef idx="minor">
+            <a:schemeClr val="tx1"/>
+          </a:fontRef>
+        </p:style>
+      </p:cxnSp>
+      <p:cxnSp>
+        <p:nvCxnSpPr>
+          <p:cNvPr id="25" name="직선 연결선 24"/>
+          <p:cNvCxnSpPr/>
+          <p:nvPr/>
+        </p:nvCxnSpPr>
+        <p:spPr>
+          <a:xfrm>
+            <a:off x="10260632" y="5481228"/>
+            <a:ext cx="914400" cy="914400"/>
+          </a:xfrm>
+          <a:prstGeom prst="line">
+            <a:avLst/>
+          </a:prstGeom>
+        </p:spPr>
+        <p:style>
+          <a:lnRef idx="1">
+            <a:schemeClr val="accent1"/>
+          </a:lnRef>
+          <a:fillRef idx="0">
+            <a:schemeClr val="accent1"/>
+          </a:fillRef>
+          <a:effectRef idx="0">
+            <a:schemeClr val="accent1"/>
+          </a:effectRef>
+          <a:fontRef idx="minor">
+            <a:schemeClr val="tx1"/>
+          </a:fontRef>
+        </p:style>
+      </p:cxnSp>
+      <p:cxnSp>
+        <p:nvCxnSpPr>
+          <p:cNvPr id="27" name="직선 연결선 26"/>
+          <p:cNvCxnSpPr/>
+          <p:nvPr/>
+        </p:nvCxnSpPr>
+        <p:spPr>
+          <a:xfrm flipV="1">
+            <a:off x="5760132" y="5481228"/>
+            <a:ext cx="1620180" cy="288032"/>
+          </a:xfrm>
+          <a:prstGeom prst="line">
+            <a:avLst/>
+          </a:prstGeom>
+          <a:ln>
+            <a:solidFill>
+              <a:srgbClr val="FF0000"/>
+            </a:solidFill>
+          </a:ln>
+        </p:spPr>
+        <p:style>
+          <a:lnRef idx="1">
+            <a:schemeClr val="accent1"/>
+          </a:lnRef>
+          <a:fillRef idx="0">
+            <a:schemeClr val="accent1"/>
+          </a:fillRef>
+          <a:effectRef idx="0">
+            <a:schemeClr val="accent1"/>
+          </a:effectRef>
+          <a:fontRef idx="minor">
+            <a:schemeClr val="tx1"/>
+          </a:fontRef>
+        </p:style>
+      </p:cxnSp>
+      <p:cxnSp>
+        <p:nvCxnSpPr>
+          <p:cNvPr id="29" name="직선 화살표 연결선 28"/>
+          <p:cNvCxnSpPr/>
+          <p:nvPr/>
+        </p:nvCxnSpPr>
+        <p:spPr>
+          <a:xfrm flipV="1">
+            <a:off x="1619672" y="5409220"/>
+            <a:ext cx="1296144" cy="648072"/>
+          </a:xfrm>
+          <a:prstGeom prst="straightConnector1">
+            <a:avLst/>
+          </a:prstGeom>
+          <a:ln>
+            <a:solidFill>
+              <a:srgbClr val="FF0000"/>
+            </a:solidFill>
+            <a:tailEnd type="arrow"/>
+          </a:ln>
+        </p:spPr>
+        <p:style>
+          <a:lnRef idx="1">
+            <a:schemeClr val="accent1"/>
+          </a:lnRef>
+          <a:fillRef idx="0">
+            <a:schemeClr val="accent1"/>
+          </a:fillRef>
+          <a:effectRef idx="0">
+            <a:schemeClr val="accent1"/>
+          </a:effectRef>
+          <a:fontRef idx="minor">
+            <a:schemeClr val="tx1"/>
+          </a:fontRef>
+        </p:style>
+      </p:cxnSp>
+      <p:cxnSp>
+        <p:nvCxnSpPr>
+          <p:cNvPr id="31" name="직선 화살표 연결선 30"/>
+          <p:cNvCxnSpPr/>
+          <p:nvPr/>
+        </p:nvCxnSpPr>
+        <p:spPr>
+          <a:xfrm flipV="1">
+            <a:off x="2771800" y="5985284"/>
+            <a:ext cx="180020" cy="216024"/>
+          </a:xfrm>
+          <a:prstGeom prst="straightConnector1">
+            <a:avLst/>
+          </a:prstGeom>
+          <a:ln>
+            <a:solidFill>
+              <a:srgbClr val="FF0000"/>
+            </a:solidFill>
+            <a:tailEnd type="arrow"/>
+          </a:ln>
+        </p:spPr>
+        <p:style>
+          <a:lnRef idx="1">
+            <a:schemeClr val="accent1"/>
+          </a:lnRef>
+          <a:fillRef idx="0">
+            <a:schemeClr val="accent1"/>
+          </a:fillRef>
+          <a:effectRef idx="0">
+            <a:schemeClr val="accent1"/>
+          </a:effectRef>
+          <a:fontRef idx="minor">
+            <a:schemeClr val="tx1"/>
+          </a:fontRef>
+        </p:style>
+      </p:cxnSp>
+      <p:cxnSp>
+        <p:nvCxnSpPr>
+          <p:cNvPr id="33" name="직선 화살표 연결선 32"/>
+          <p:cNvCxnSpPr>
+            <a:stCxn id="15" idx="0"/>
+          </p:cNvCxnSpPr>
+          <p:nvPr/>
+        </p:nvCxnSpPr>
+        <p:spPr>
+          <a:xfrm flipH="1" flipV="1">
+            <a:off x="3851920" y="5985284"/>
+            <a:ext cx="90010" cy="180020"/>
+          </a:xfrm>
+          <a:prstGeom prst="straightConnector1">
+            <a:avLst/>
+          </a:prstGeom>
+          <a:ln>
+            <a:solidFill>
+              <a:srgbClr val="FF0000"/>
+            </a:solidFill>
+            <a:tailEnd type="arrow"/>
+          </a:ln>
+        </p:spPr>
+        <p:style>
+          <a:lnRef idx="1">
+            <a:schemeClr val="accent1"/>
+          </a:lnRef>
+          <a:fillRef idx="0">
+            <a:schemeClr val="accent1"/>
+          </a:fillRef>
+          <a:effectRef idx="0">
+            <a:schemeClr val="accent1"/>
+          </a:effectRef>
+          <a:fontRef idx="minor">
+            <a:schemeClr val="tx1"/>
+          </a:fontRef>
+        </p:style>
+      </p:cxnSp>
+      <p:cxnSp>
+        <p:nvCxnSpPr>
+          <p:cNvPr id="35" name="직선 화살표 연결선 34"/>
+          <p:cNvCxnSpPr/>
+          <p:nvPr/>
+        </p:nvCxnSpPr>
+        <p:spPr>
+          <a:xfrm flipH="1" flipV="1">
+            <a:off x="4391980" y="5697252"/>
+            <a:ext cx="540060" cy="396044"/>
+          </a:xfrm>
+          <a:prstGeom prst="straightConnector1">
+            <a:avLst/>
+          </a:prstGeom>
+          <a:ln>
+            <a:solidFill>
+              <a:srgbClr val="FF0000"/>
+            </a:solidFill>
+            <a:tailEnd type="arrow"/>
+          </a:ln>
+        </p:spPr>
+        <p:style>
+          <a:lnRef idx="1">
+            <a:schemeClr val="accent1"/>
+          </a:lnRef>
+          <a:fillRef idx="0">
+            <a:schemeClr val="accent1"/>
+          </a:fillRef>
+          <a:effectRef idx="0">
+            <a:schemeClr val="accent1"/>
+          </a:effectRef>
+          <a:fontRef idx="minor">
+            <a:schemeClr val="tx1"/>
+          </a:fontRef>
+        </p:style>
+      </p:cxnSp>
+      <p:sp>
+        <p:nvSpPr>
+          <p:cNvPr id="36" name="직사각형 35"/>
+          <p:cNvSpPr/>
+          <p:nvPr/>
+        </p:nvSpPr>
+        <p:spPr>
+          <a:xfrm>
+            <a:off x="1187624" y="2060848"/>
+            <a:ext cx="1188132" cy="3420380"/>
+          </a:xfrm>
+          <a:prstGeom prst="rect">
+            <a:avLst/>
+          </a:prstGeom>
+          <a:noFill/>
+        </p:spPr>
+        <p:style>
+          <a:lnRef idx="2">
+            <a:schemeClr val="accent1">
+              <a:shade val="50000"/>
+            </a:schemeClr>
+          </a:lnRef>
+          <a:fillRef idx="1">
+            <a:schemeClr val="accent1"/>
+          </a:fillRef>
+          <a:effectRef idx="0">
+            <a:schemeClr val="accent1"/>
+          </a:effectRef>
+          <a:fontRef idx="minor">
+            <a:schemeClr val="lt1"/>
+          </a:fontRef>
+        </p:style>
+        <p:txBody>
+          <a:bodyPr rtlCol="0" anchor="ctr"/>
+          <a:lstStyle/>
+          <a:p>
+            <a:pPr algn="ctr"/>
+            <a:endParaRPr lang="ko-KR" altLang="en-US"/>
+          </a:p>
+        </p:txBody>
+      </p:sp>
+      <p:sp>
+        <p:nvSpPr>
+          <p:cNvPr id="37" name="직사각형 36"/>
+          <p:cNvSpPr/>
+          <p:nvPr/>
+        </p:nvSpPr>
+        <p:spPr>
+          <a:xfrm>
+            <a:off x="0" y="1016732"/>
+            <a:ext cx="1151620" cy="792088"/>
+          </a:xfrm>
+          <a:prstGeom prst="rect">
+            <a:avLst/>
+          </a:prstGeom>
+          <a:noFill/>
+        </p:spPr>
+        <p:style>
+          <a:lnRef idx="2">
+            <a:schemeClr val="accent1">
+              <a:shade val="50000"/>
+            </a:schemeClr>
+          </a:lnRef>
+          <a:fillRef idx="1">
+            <a:schemeClr val="accent1"/>
+          </a:fillRef>
+          <a:effectRef idx="0">
+            <a:schemeClr val="accent1"/>
+          </a:effectRef>
+          <a:fontRef idx="minor">
+            <a:schemeClr val="lt1"/>
+          </a:fontRef>
+        </p:style>
+        <p:txBody>
+          <a:bodyPr rtlCol="0" anchor="ctr"/>
+          <a:lstStyle/>
+          <a:p>
+            <a:pPr algn="ctr"/>
+            <a:endParaRPr lang="ko-KR" altLang="en-US"/>
+          </a:p>
+        </p:txBody>
+      </p:sp>
+      <p:sp>
+        <p:nvSpPr>
+          <p:cNvPr id="38" name="직사각형 37"/>
+          <p:cNvSpPr/>
+          <p:nvPr/>
+        </p:nvSpPr>
+        <p:spPr>
+          <a:xfrm>
+            <a:off x="0" y="1952836"/>
+            <a:ext cx="971600" cy="792088"/>
+          </a:xfrm>
+          <a:prstGeom prst="rect">
+            <a:avLst/>
+          </a:prstGeom>
+          <a:noFill/>
+        </p:spPr>
+        <p:style>
+          <a:lnRef idx="2">
+            <a:schemeClr val="accent1">
+              <a:shade val="50000"/>
+            </a:schemeClr>
+          </a:lnRef>
+          <a:fillRef idx="1">
+            <a:schemeClr val="accent1"/>
+          </a:fillRef>
+          <a:effectRef idx="0">
+            <a:schemeClr val="accent1"/>
+          </a:effectRef>
+          <a:fontRef idx="minor">
+            <a:schemeClr val="lt1"/>
+          </a:fontRef>
+        </p:style>
+        <p:txBody>
+          <a:bodyPr rtlCol="0" anchor="ctr"/>
+          <a:lstStyle/>
+          <a:p>
+            <a:pPr algn="ctr"/>
+            <a:endParaRPr lang="ko-KR" altLang="en-US"/>
+          </a:p>
+        </p:txBody>
+      </p:sp>
+      <p:sp>
+        <p:nvSpPr>
+          <p:cNvPr id="39" name="직사각형 38"/>
+          <p:cNvSpPr/>
+          <p:nvPr/>
+        </p:nvSpPr>
+        <p:spPr>
+          <a:xfrm>
+            <a:off x="2555776" y="2060848"/>
+            <a:ext cx="900100" cy="1080120"/>
+          </a:xfrm>
+          <a:prstGeom prst="rect">
+            <a:avLst/>
+          </a:prstGeom>
+          <a:noFill/>
+        </p:spPr>
+        <p:style>
+          <a:lnRef idx="2">
+            <a:schemeClr val="accent1">
+              <a:shade val="50000"/>
+            </a:schemeClr>
+          </a:lnRef>
+          <a:fillRef idx="1">
+            <a:schemeClr val="accent1"/>
+          </a:fillRef>
+          <a:effectRef idx="0">
+            <a:schemeClr val="accent1"/>
+          </a:effectRef>
+          <a:fontRef idx="minor">
+            <a:schemeClr val="lt1"/>
+          </a:fontRef>
+        </p:style>
+        <p:txBody>
+          <a:bodyPr rtlCol="0" anchor="ctr"/>
+          <a:lstStyle/>
+          <a:p>
+            <a:pPr algn="ctr"/>
+            <a:endParaRPr lang="ko-KR" altLang="en-US"/>
+          </a:p>
+        </p:txBody>
+      </p:sp>
+      <p:sp>
+        <p:nvSpPr>
+          <p:cNvPr id="40" name="직사각형 39"/>
+          <p:cNvSpPr/>
+          <p:nvPr/>
+        </p:nvSpPr>
+        <p:spPr>
+          <a:xfrm>
+            <a:off x="1259632" y="1052736"/>
+            <a:ext cx="1152128" cy="756084"/>
+          </a:xfrm>
+          <a:prstGeom prst="rect">
+            <a:avLst/>
+          </a:prstGeom>
+          <a:noFill/>
+        </p:spPr>
+        <p:style>
+          <a:lnRef idx="2">
+            <a:schemeClr val="accent1">
+              <a:shade val="50000"/>
+            </a:schemeClr>
+          </a:lnRef>
+          <a:fillRef idx="1">
+            <a:schemeClr val="accent1"/>
+          </a:fillRef>
+          <a:effectRef idx="0">
+            <a:schemeClr val="accent1"/>
+          </a:effectRef>
+          <a:fontRef idx="minor">
+            <a:schemeClr val="lt1"/>
+          </a:fontRef>
+        </p:style>
+        <p:txBody>
+          <a:bodyPr rtlCol="0" anchor="ctr"/>
+          <a:lstStyle/>
+          <a:p>
+            <a:pPr algn="ctr"/>
+            <a:endParaRPr lang="ko-KR" altLang="en-US"/>
+          </a:p>
+        </p:txBody>
+      </p:sp>
+      <p:sp>
+        <p:nvSpPr>
+          <p:cNvPr id="41" name="직사각형 40"/>
+          <p:cNvSpPr/>
+          <p:nvPr/>
+        </p:nvSpPr>
+        <p:spPr>
+          <a:xfrm>
+            <a:off x="5868144" y="2420888"/>
+            <a:ext cx="1296144" cy="2916324"/>
+          </a:xfrm>
+          <a:prstGeom prst="rect">
+            <a:avLst/>
+          </a:prstGeom>
+          <a:noFill/>
+        </p:spPr>
+        <p:style>
+          <a:lnRef idx="2">
+            <a:schemeClr val="accent1">
+              <a:shade val="50000"/>
+            </a:schemeClr>
+          </a:lnRef>
+          <a:fillRef idx="1">
+            <a:schemeClr val="accent1"/>
+          </a:fillRef>
+          <a:effectRef idx="0">
+            <a:schemeClr val="accent1"/>
+          </a:effectRef>
+          <a:fontRef idx="minor">
+            <a:schemeClr val="lt1"/>
+          </a:fontRef>
+        </p:style>
+        <p:txBody>
+          <a:bodyPr rtlCol="0" anchor="ctr"/>
+          <a:lstStyle/>
+          <a:p>
+            <a:pPr algn="ctr"/>
+            <a:endParaRPr lang="ko-KR" altLang="en-US"/>
+          </a:p>
+        </p:txBody>
+      </p:sp>
+      <p:sp>
+        <p:nvSpPr>
+          <p:cNvPr id="42" name="직사각형 41"/>
+          <p:cNvSpPr/>
+          <p:nvPr/>
+        </p:nvSpPr>
+        <p:spPr>
+          <a:xfrm>
+            <a:off x="4572000" y="1484784"/>
+            <a:ext cx="1116124" cy="1584176"/>
+          </a:xfrm>
+          <a:prstGeom prst="rect">
+            <a:avLst/>
+          </a:prstGeom>
+          <a:noFill/>
+        </p:spPr>
+        <p:style>
+          <a:lnRef idx="2">
+            <a:schemeClr val="accent1">
+              <a:shade val="50000"/>
+            </a:schemeClr>
+          </a:lnRef>
+          <a:fillRef idx="1">
+            <a:schemeClr val="accent1"/>
+          </a:fillRef>
+          <a:effectRef idx="0">
+            <a:schemeClr val="accent1"/>
+          </a:effectRef>
+          <a:fontRef idx="minor">
+            <a:schemeClr val="lt1"/>
+          </a:fontRef>
+        </p:style>
+        <p:txBody>
+          <a:bodyPr rtlCol="0" anchor="ctr"/>
+          <a:lstStyle/>
+          <a:p>
+            <a:pPr algn="ctr"/>
+            <a:endParaRPr lang="ko-KR" altLang="en-US"/>
+          </a:p>
+        </p:txBody>
+      </p:sp>
+      <p:sp>
+        <p:nvSpPr>
+          <p:cNvPr id="43" name="직사각형 42"/>
+          <p:cNvSpPr/>
+          <p:nvPr/>
+        </p:nvSpPr>
+        <p:spPr>
+          <a:xfrm>
+            <a:off x="2519772" y="3248980"/>
+            <a:ext cx="972108" cy="756084"/>
+          </a:xfrm>
+          <a:prstGeom prst="rect">
+            <a:avLst/>
+          </a:prstGeom>
+          <a:noFill/>
+        </p:spPr>
+        <p:style>
+          <a:lnRef idx="2">
+            <a:schemeClr val="accent1">
+              <a:shade val="50000"/>
+            </a:schemeClr>
+          </a:lnRef>
+          <a:fillRef idx="1">
+            <a:schemeClr val="accent1"/>
+          </a:fillRef>
+          <a:effectRef idx="0">
+            <a:schemeClr val="accent1"/>
+          </a:effectRef>
+          <a:fontRef idx="minor">
+            <a:schemeClr val="lt1"/>
+          </a:fontRef>
+        </p:style>
+        <p:txBody>
+          <a:bodyPr rtlCol="0" anchor="ctr"/>
+          <a:lstStyle/>
+          <a:p>
+            <a:pPr algn="ctr"/>
+            <a:endParaRPr lang="ko-KR" altLang="en-US"/>
+          </a:p>
+        </p:txBody>
+      </p:sp>
+      <p:sp>
+        <p:nvSpPr>
+          <p:cNvPr id="44" name="직사각형 43"/>
+          <p:cNvSpPr/>
+          <p:nvPr/>
+        </p:nvSpPr>
+        <p:spPr>
+          <a:xfrm>
+            <a:off x="7416316" y="4509120"/>
+            <a:ext cx="1404156" cy="1692188"/>
+          </a:xfrm>
+          <a:prstGeom prst="rect">
+            <a:avLst/>
+          </a:prstGeom>
+          <a:noFill/>
+        </p:spPr>
+        <p:style>
+          <a:lnRef idx="2">
+            <a:schemeClr val="accent1">
+              <a:shade val="50000"/>
+            </a:schemeClr>
+          </a:lnRef>
+          <a:fillRef idx="1">
+            <a:schemeClr val="accent1"/>
+          </a:fillRef>
+          <a:effectRef idx="0">
+            <a:schemeClr val="accent1"/>
+          </a:effectRef>
+          <a:fontRef idx="minor">
+            <a:schemeClr val="lt1"/>
+          </a:fontRef>
+        </p:style>
+        <p:txBody>
+          <a:bodyPr rtlCol="0" anchor="ctr"/>
+          <a:lstStyle/>
+          <a:p>
+            <a:pPr algn="ctr"/>
+            <a:endParaRPr lang="ko-KR" altLang="en-US"/>
           </a:p>
         </p:txBody>
       </p:sp>
@@ -12381,7 +14514,7 @@
                             </p:stCondLst>
                             <p:childTnLst>
                               <p:par>
-                                <p:cTn id="5" presetID="9" presetClass="entr" presetSubtype="0" fill="hold" nodeType="clickEffect">
+                                <p:cTn id="5" presetID="9" presetClass="entr" presetSubtype="0" fill="hold" grpId="0" nodeType="clickEffect">
                                   <p:stCondLst>
                                     <p:cond delay="0"/>
                                   </p:stCondLst>
@@ -12394,7 +14527,7 @@
                                           </p:stCondLst>
                                         </p:cTn>
                                         <p:tgtEl>
-                                          <p:spTgt spid="8"/>
+                                          <p:spTgt spid="43"/>
                                         </p:tgtEl>
                                         <p:attrNameLst>
                                           <p:attrName>style.visibility</p:attrName>
@@ -12408,28 +14541,46 @@
                                       <p:cBhvr>
                                         <p:cTn id="7" dur="500"/>
                                         <p:tgtEl>
-                                          <p:spTgt spid="8"/>
+                                          <p:spTgt spid="43"/>
                                         </p:tgtEl>
                                       </p:cBhvr>
                                     </p:animEffect>
                                   </p:childTnLst>
                                 </p:cTn>
                               </p:par>
+                            </p:childTnLst>
+                          </p:cTn>
+                        </p:par>
+                      </p:childTnLst>
+                    </p:cTn>
+                  </p:par>
+                  <p:par>
+                    <p:cTn id="8" fill="hold">
+                      <p:stCondLst>
+                        <p:cond delay="indefinite"/>
+                      </p:stCondLst>
+                      <p:childTnLst>
+                        <p:par>
+                          <p:cTn id="9" fill="hold">
+                            <p:stCondLst>
+                              <p:cond delay="0"/>
+                            </p:stCondLst>
+                            <p:childTnLst>
                               <p:par>
-                                <p:cTn id="8" presetID="9" presetClass="entr" presetSubtype="0" fill="hold" nodeType="withEffect">
+                                <p:cTn id="10" presetID="9" presetClass="entr" presetSubtype="0" fill="hold" grpId="0" nodeType="clickEffect">
                                   <p:stCondLst>
                                     <p:cond delay="0"/>
                                   </p:stCondLst>
                                   <p:childTnLst>
                                     <p:set>
                                       <p:cBhvr>
-                                        <p:cTn id="9" dur="1" fill="hold">
+                                        <p:cTn id="11" dur="1" fill="hold">
                                           <p:stCondLst>
                                             <p:cond delay="0"/>
                                           </p:stCondLst>
                                         </p:cTn>
                                         <p:tgtEl>
-                                          <p:spTgt spid="6"/>
+                                          <p:spTgt spid="44"/>
                                         </p:tgtEl>
                                         <p:attrNameLst>
                                           <p:attrName>style.visibility</p:attrName>
@@ -12441,30 +14592,48 @@
                                     </p:set>
                                     <p:animEffect transition="in" filter="dissolve">
                                       <p:cBhvr>
-                                        <p:cTn id="10" dur="500"/>
+                                        <p:cTn id="12" dur="500"/>
                                         <p:tgtEl>
-                                          <p:spTgt spid="6"/>
+                                          <p:spTgt spid="44"/>
                                         </p:tgtEl>
                                       </p:cBhvr>
                                     </p:animEffect>
                                   </p:childTnLst>
                                 </p:cTn>
                               </p:par>
+                            </p:childTnLst>
+                          </p:cTn>
+                        </p:par>
+                      </p:childTnLst>
+                    </p:cTn>
+                  </p:par>
+                  <p:par>
+                    <p:cTn id="13" fill="hold">
+                      <p:stCondLst>
+                        <p:cond delay="indefinite"/>
+                      </p:stCondLst>
+                      <p:childTnLst>
+                        <p:par>
+                          <p:cTn id="14" fill="hold">
+                            <p:stCondLst>
+                              <p:cond delay="0"/>
+                            </p:stCondLst>
+                            <p:childTnLst>
                               <p:par>
-                                <p:cTn id="11" presetID="9" presetClass="entr" presetSubtype="0" fill="hold" nodeType="withEffect">
+                                <p:cTn id="15" presetID="9" presetClass="entr" presetSubtype="0" fill="hold" grpId="0" nodeType="clickEffect">
                                   <p:stCondLst>
                                     <p:cond delay="0"/>
                                   </p:stCondLst>
                                   <p:childTnLst>
                                     <p:set>
                                       <p:cBhvr>
-                                        <p:cTn id="12" dur="1" fill="hold">
+                                        <p:cTn id="16" dur="1" fill="hold">
                                           <p:stCondLst>
                                             <p:cond delay="0"/>
                                           </p:stCondLst>
                                         </p:cTn>
                                         <p:tgtEl>
-                                          <p:spTgt spid="7"/>
+                                          <p:spTgt spid="36"/>
                                         </p:tgtEl>
                                         <p:attrNameLst>
                                           <p:attrName>style.visibility</p:attrName>
@@ -12476,38 +14645,48 @@
                                     </p:set>
                                     <p:animEffect transition="in" filter="dissolve">
                                       <p:cBhvr>
-                                        <p:cTn id="13" dur="500"/>
+                                        <p:cTn id="17" dur="500"/>
                                         <p:tgtEl>
-                                          <p:spTgt spid="7"/>
+                                          <p:spTgt spid="36"/>
                                         </p:tgtEl>
                                       </p:cBhvr>
                                     </p:animEffect>
                                   </p:childTnLst>
                                 </p:cTn>
                               </p:par>
+                            </p:childTnLst>
+                          </p:cTn>
+                        </p:par>
+                      </p:childTnLst>
+                    </p:cTn>
+                  </p:par>
+                  <p:par>
+                    <p:cTn id="18" fill="hold">
+                      <p:stCondLst>
+                        <p:cond delay="indefinite"/>
+                      </p:stCondLst>
+                      <p:childTnLst>
+                        <p:par>
+                          <p:cTn id="19" fill="hold">
+                            <p:stCondLst>
+                              <p:cond delay="0"/>
+                            </p:stCondLst>
+                            <p:childTnLst>
                               <p:par>
-                                <p:cTn id="14" presetID="4" presetClass="exit" presetSubtype="16" fill="hold" nodeType="withEffect">
+                                <p:cTn id="20" presetID="1" presetClass="exit" presetSubtype="0" fill="hold" grpId="1" nodeType="clickEffect">
                                   <p:stCondLst>
                                     <p:cond delay="0"/>
                                   </p:stCondLst>
                                   <p:childTnLst>
-                                    <p:animEffect transition="out" filter="box(in)">
-                                      <p:cBhvr>
-                                        <p:cTn id="15" dur="500"/>
-                                        <p:tgtEl>
-                                          <p:spTgt spid="4"/>
-                                        </p:tgtEl>
-                                      </p:cBhvr>
-                                    </p:animEffect>
                                     <p:set>
                                       <p:cBhvr>
-                                        <p:cTn id="16" dur="1" fill="hold">
+                                        <p:cTn id="21" dur="1" fill="hold">
                                           <p:stCondLst>
-                                            <p:cond delay="499"/>
+                                            <p:cond delay="0"/>
                                           </p:stCondLst>
                                         </p:cTn>
                                         <p:tgtEl>
-                                          <p:spTgt spid="4"/>
+                                          <p:spTgt spid="36"/>
                                         </p:tgtEl>
                                         <p:attrNameLst>
                                           <p:attrName>style.visibility</p:attrName>
@@ -12521,20 +14700,473 @@
                                 </p:cTn>
                               </p:par>
                               <p:par>
-                                <p:cTn id="17" presetID="1" presetClass="exit" presetSubtype="0" fill="hold" grpId="0" nodeType="withEffect">
+                                <p:cTn id="22" presetID="9" presetClass="entr" presetSubtype="0" fill="hold" grpId="0" nodeType="withEffect">
                                   <p:stCondLst>
                                     <p:cond delay="0"/>
                                   </p:stCondLst>
                                   <p:childTnLst>
                                     <p:set>
                                       <p:cBhvr>
-                                        <p:cTn id="18" dur="1" fill="hold">
+                                        <p:cTn id="23" dur="1" fill="hold">
                                           <p:stCondLst>
                                             <p:cond delay="0"/>
                                           </p:stCondLst>
                                         </p:cTn>
                                         <p:tgtEl>
-                                          <p:spTgt spid="9"/>
+                                          <p:spTgt spid="37"/>
+                                        </p:tgtEl>
+                                        <p:attrNameLst>
+                                          <p:attrName>style.visibility</p:attrName>
+                                        </p:attrNameLst>
+                                      </p:cBhvr>
+                                      <p:to>
+                                        <p:strVal val="visible"/>
+                                      </p:to>
+                                    </p:set>
+                                    <p:animEffect transition="in" filter="dissolve">
+                                      <p:cBhvr>
+                                        <p:cTn id="24" dur="500"/>
+                                        <p:tgtEl>
+                                          <p:spTgt spid="37"/>
+                                        </p:tgtEl>
+                                      </p:cBhvr>
+                                    </p:animEffect>
+                                  </p:childTnLst>
+                                </p:cTn>
+                              </p:par>
+                            </p:childTnLst>
+                          </p:cTn>
+                        </p:par>
+                      </p:childTnLst>
+                    </p:cTn>
+                  </p:par>
+                  <p:par>
+                    <p:cTn id="25" fill="hold">
+                      <p:stCondLst>
+                        <p:cond delay="indefinite"/>
+                      </p:stCondLst>
+                      <p:childTnLst>
+                        <p:par>
+                          <p:cTn id="26" fill="hold">
+                            <p:stCondLst>
+                              <p:cond delay="0"/>
+                            </p:stCondLst>
+                            <p:childTnLst>
+                              <p:par>
+                                <p:cTn id="27" presetID="1" presetClass="exit" presetSubtype="0" fill="hold" grpId="1" nodeType="clickEffect">
+                                  <p:stCondLst>
+                                    <p:cond delay="0"/>
+                                  </p:stCondLst>
+                                  <p:childTnLst>
+                                    <p:set>
+                                      <p:cBhvr>
+                                        <p:cTn id="28" dur="1" fill="hold">
+                                          <p:stCondLst>
+                                            <p:cond delay="0"/>
+                                          </p:stCondLst>
+                                        </p:cTn>
+                                        <p:tgtEl>
+                                          <p:spTgt spid="37"/>
+                                        </p:tgtEl>
+                                        <p:attrNameLst>
+                                          <p:attrName>style.visibility</p:attrName>
+                                        </p:attrNameLst>
+                                      </p:cBhvr>
+                                      <p:to>
+                                        <p:strVal val="hidden"/>
+                                      </p:to>
+                                    </p:set>
+                                  </p:childTnLst>
+                                </p:cTn>
+                              </p:par>
+                              <p:par>
+                                <p:cTn id="29" presetID="9" presetClass="entr" presetSubtype="0" fill="hold" grpId="0" nodeType="withEffect">
+                                  <p:stCondLst>
+                                    <p:cond delay="0"/>
+                                  </p:stCondLst>
+                                  <p:childTnLst>
+                                    <p:set>
+                                      <p:cBhvr>
+                                        <p:cTn id="30" dur="1" fill="hold">
+                                          <p:stCondLst>
+                                            <p:cond delay="0"/>
+                                          </p:stCondLst>
+                                        </p:cTn>
+                                        <p:tgtEl>
+                                          <p:spTgt spid="38"/>
+                                        </p:tgtEl>
+                                        <p:attrNameLst>
+                                          <p:attrName>style.visibility</p:attrName>
+                                        </p:attrNameLst>
+                                      </p:cBhvr>
+                                      <p:to>
+                                        <p:strVal val="visible"/>
+                                      </p:to>
+                                    </p:set>
+                                    <p:animEffect transition="in" filter="dissolve">
+                                      <p:cBhvr>
+                                        <p:cTn id="31" dur="500"/>
+                                        <p:tgtEl>
+                                          <p:spTgt spid="38"/>
+                                        </p:tgtEl>
+                                      </p:cBhvr>
+                                    </p:animEffect>
+                                  </p:childTnLst>
+                                </p:cTn>
+                              </p:par>
+                            </p:childTnLst>
+                          </p:cTn>
+                        </p:par>
+                      </p:childTnLst>
+                    </p:cTn>
+                  </p:par>
+                  <p:par>
+                    <p:cTn id="32" fill="hold">
+                      <p:stCondLst>
+                        <p:cond delay="indefinite"/>
+                      </p:stCondLst>
+                      <p:childTnLst>
+                        <p:par>
+                          <p:cTn id="33" fill="hold">
+                            <p:stCondLst>
+                              <p:cond delay="0"/>
+                            </p:stCondLst>
+                            <p:childTnLst>
+                              <p:par>
+                                <p:cTn id="34" presetID="1" presetClass="exit" presetSubtype="0" fill="hold" grpId="1" nodeType="clickEffect">
+                                  <p:stCondLst>
+                                    <p:cond delay="0"/>
+                                  </p:stCondLst>
+                                  <p:childTnLst>
+                                    <p:set>
+                                      <p:cBhvr>
+                                        <p:cTn id="35" dur="1" fill="hold">
+                                          <p:stCondLst>
+                                            <p:cond delay="0"/>
+                                          </p:stCondLst>
+                                        </p:cTn>
+                                        <p:tgtEl>
+                                          <p:spTgt spid="38"/>
+                                        </p:tgtEl>
+                                        <p:attrNameLst>
+                                          <p:attrName>style.visibility</p:attrName>
+                                        </p:attrNameLst>
+                                      </p:cBhvr>
+                                      <p:to>
+                                        <p:strVal val="hidden"/>
+                                      </p:to>
+                                    </p:set>
+                                  </p:childTnLst>
+                                </p:cTn>
+                              </p:par>
+                              <p:par>
+                                <p:cTn id="36" presetID="9" presetClass="entr" presetSubtype="0" fill="hold" grpId="0" nodeType="withEffect">
+                                  <p:stCondLst>
+                                    <p:cond delay="0"/>
+                                  </p:stCondLst>
+                                  <p:childTnLst>
+                                    <p:set>
+                                      <p:cBhvr>
+                                        <p:cTn id="37" dur="1" fill="hold">
+                                          <p:stCondLst>
+                                            <p:cond delay="0"/>
+                                          </p:stCondLst>
+                                        </p:cTn>
+                                        <p:tgtEl>
+                                          <p:spTgt spid="39"/>
+                                        </p:tgtEl>
+                                        <p:attrNameLst>
+                                          <p:attrName>style.visibility</p:attrName>
+                                        </p:attrNameLst>
+                                      </p:cBhvr>
+                                      <p:to>
+                                        <p:strVal val="visible"/>
+                                      </p:to>
+                                    </p:set>
+                                    <p:animEffect transition="in" filter="dissolve">
+                                      <p:cBhvr>
+                                        <p:cTn id="38" dur="500"/>
+                                        <p:tgtEl>
+                                          <p:spTgt spid="39"/>
+                                        </p:tgtEl>
+                                      </p:cBhvr>
+                                    </p:animEffect>
+                                  </p:childTnLst>
+                                </p:cTn>
+                              </p:par>
+                            </p:childTnLst>
+                          </p:cTn>
+                        </p:par>
+                      </p:childTnLst>
+                    </p:cTn>
+                  </p:par>
+                  <p:par>
+                    <p:cTn id="39" fill="hold">
+                      <p:stCondLst>
+                        <p:cond delay="indefinite"/>
+                      </p:stCondLst>
+                      <p:childTnLst>
+                        <p:par>
+                          <p:cTn id="40" fill="hold">
+                            <p:stCondLst>
+                              <p:cond delay="0"/>
+                            </p:stCondLst>
+                            <p:childTnLst>
+                              <p:par>
+                                <p:cTn id="41" presetID="1" presetClass="exit" presetSubtype="0" fill="hold" grpId="1" nodeType="clickEffect">
+                                  <p:stCondLst>
+                                    <p:cond delay="0"/>
+                                  </p:stCondLst>
+                                  <p:childTnLst>
+                                    <p:set>
+                                      <p:cBhvr>
+                                        <p:cTn id="42" dur="1" fill="hold">
+                                          <p:stCondLst>
+                                            <p:cond delay="0"/>
+                                          </p:stCondLst>
+                                        </p:cTn>
+                                        <p:tgtEl>
+                                          <p:spTgt spid="39"/>
+                                        </p:tgtEl>
+                                        <p:attrNameLst>
+                                          <p:attrName>style.visibility</p:attrName>
+                                        </p:attrNameLst>
+                                      </p:cBhvr>
+                                      <p:to>
+                                        <p:strVal val="hidden"/>
+                                      </p:to>
+                                    </p:set>
+                                  </p:childTnLst>
+                                </p:cTn>
+                              </p:par>
+                              <p:par>
+                                <p:cTn id="43" presetID="9" presetClass="entr" presetSubtype="0" fill="hold" grpId="0" nodeType="withEffect">
+                                  <p:stCondLst>
+                                    <p:cond delay="0"/>
+                                  </p:stCondLst>
+                                  <p:childTnLst>
+                                    <p:set>
+                                      <p:cBhvr>
+                                        <p:cTn id="44" dur="1" fill="hold">
+                                          <p:stCondLst>
+                                            <p:cond delay="0"/>
+                                          </p:stCondLst>
+                                        </p:cTn>
+                                        <p:tgtEl>
+                                          <p:spTgt spid="40"/>
+                                        </p:tgtEl>
+                                        <p:attrNameLst>
+                                          <p:attrName>style.visibility</p:attrName>
+                                        </p:attrNameLst>
+                                      </p:cBhvr>
+                                      <p:to>
+                                        <p:strVal val="visible"/>
+                                      </p:to>
+                                    </p:set>
+                                    <p:animEffect transition="in" filter="dissolve">
+                                      <p:cBhvr>
+                                        <p:cTn id="45" dur="500"/>
+                                        <p:tgtEl>
+                                          <p:spTgt spid="40"/>
+                                        </p:tgtEl>
+                                      </p:cBhvr>
+                                    </p:animEffect>
+                                  </p:childTnLst>
+                                </p:cTn>
+                              </p:par>
+                            </p:childTnLst>
+                          </p:cTn>
+                        </p:par>
+                      </p:childTnLst>
+                    </p:cTn>
+                  </p:par>
+                  <p:par>
+                    <p:cTn id="46" fill="hold">
+                      <p:stCondLst>
+                        <p:cond delay="indefinite"/>
+                      </p:stCondLst>
+                      <p:childTnLst>
+                        <p:par>
+                          <p:cTn id="47" fill="hold">
+                            <p:stCondLst>
+                              <p:cond delay="0"/>
+                            </p:stCondLst>
+                            <p:childTnLst>
+                              <p:par>
+                                <p:cTn id="48" presetID="1" presetClass="exit" presetSubtype="0" fill="hold" grpId="1" nodeType="clickEffect">
+                                  <p:stCondLst>
+                                    <p:cond delay="0"/>
+                                  </p:stCondLst>
+                                  <p:childTnLst>
+                                    <p:set>
+                                      <p:cBhvr>
+                                        <p:cTn id="49" dur="1" fill="hold">
+                                          <p:stCondLst>
+                                            <p:cond delay="0"/>
+                                          </p:stCondLst>
+                                        </p:cTn>
+                                        <p:tgtEl>
+                                          <p:spTgt spid="40"/>
+                                        </p:tgtEl>
+                                        <p:attrNameLst>
+                                          <p:attrName>style.visibility</p:attrName>
+                                        </p:attrNameLst>
+                                      </p:cBhvr>
+                                      <p:to>
+                                        <p:strVal val="hidden"/>
+                                      </p:to>
+                                    </p:set>
+                                  </p:childTnLst>
+                                </p:cTn>
+                              </p:par>
+                              <p:par>
+                                <p:cTn id="50" presetID="9" presetClass="entr" presetSubtype="0" fill="hold" grpId="0" nodeType="withEffect">
+                                  <p:stCondLst>
+                                    <p:cond delay="0"/>
+                                  </p:stCondLst>
+                                  <p:childTnLst>
+                                    <p:set>
+                                      <p:cBhvr>
+                                        <p:cTn id="51" dur="1" fill="hold">
+                                          <p:stCondLst>
+                                            <p:cond delay="0"/>
+                                          </p:stCondLst>
+                                        </p:cTn>
+                                        <p:tgtEl>
+                                          <p:spTgt spid="41"/>
+                                        </p:tgtEl>
+                                        <p:attrNameLst>
+                                          <p:attrName>style.visibility</p:attrName>
+                                        </p:attrNameLst>
+                                      </p:cBhvr>
+                                      <p:to>
+                                        <p:strVal val="visible"/>
+                                      </p:to>
+                                    </p:set>
+                                    <p:animEffect transition="in" filter="dissolve">
+                                      <p:cBhvr>
+                                        <p:cTn id="52" dur="500"/>
+                                        <p:tgtEl>
+                                          <p:spTgt spid="41"/>
+                                        </p:tgtEl>
+                                      </p:cBhvr>
+                                    </p:animEffect>
+                                  </p:childTnLst>
+                                </p:cTn>
+                              </p:par>
+                            </p:childTnLst>
+                          </p:cTn>
+                        </p:par>
+                      </p:childTnLst>
+                    </p:cTn>
+                  </p:par>
+                  <p:par>
+                    <p:cTn id="53" fill="hold">
+                      <p:stCondLst>
+                        <p:cond delay="indefinite"/>
+                      </p:stCondLst>
+                      <p:childTnLst>
+                        <p:par>
+                          <p:cTn id="54" fill="hold">
+                            <p:stCondLst>
+                              <p:cond delay="0"/>
+                            </p:stCondLst>
+                            <p:childTnLst>
+                              <p:par>
+                                <p:cTn id="55" presetID="1" presetClass="exit" presetSubtype="0" fill="hold" grpId="1" nodeType="clickEffect">
+                                  <p:stCondLst>
+                                    <p:cond delay="0"/>
+                                  </p:stCondLst>
+                                  <p:childTnLst>
+                                    <p:set>
+                                      <p:cBhvr>
+                                        <p:cTn id="56" dur="1" fill="hold">
+                                          <p:stCondLst>
+                                            <p:cond delay="0"/>
+                                          </p:stCondLst>
+                                        </p:cTn>
+                                        <p:tgtEl>
+                                          <p:spTgt spid="41"/>
+                                        </p:tgtEl>
+                                        <p:attrNameLst>
+                                          <p:attrName>style.visibility</p:attrName>
+                                        </p:attrNameLst>
+                                      </p:cBhvr>
+                                      <p:to>
+                                        <p:strVal val="hidden"/>
+                                      </p:to>
+                                    </p:set>
+                                  </p:childTnLst>
+                                </p:cTn>
+                              </p:par>
+                              <p:par>
+                                <p:cTn id="57" presetID="9" presetClass="entr" presetSubtype="0" fill="hold" grpId="0" nodeType="withEffect">
+                                  <p:stCondLst>
+                                    <p:cond delay="0"/>
+                                  </p:stCondLst>
+                                  <p:childTnLst>
+                                    <p:set>
+                                      <p:cBhvr>
+                                        <p:cTn id="58" dur="1" fill="hold">
+                                          <p:stCondLst>
+                                            <p:cond delay="0"/>
+                                          </p:stCondLst>
+                                        </p:cTn>
+                                        <p:tgtEl>
+                                          <p:spTgt spid="42"/>
+                                        </p:tgtEl>
+                                        <p:attrNameLst>
+                                          <p:attrName>style.visibility</p:attrName>
+                                        </p:attrNameLst>
+                                      </p:cBhvr>
+                                      <p:to>
+                                        <p:strVal val="visible"/>
+                                      </p:to>
+                                    </p:set>
+                                    <p:animEffect transition="in" filter="dissolve">
+                                      <p:cBhvr>
+                                        <p:cTn id="59" dur="500"/>
+                                        <p:tgtEl>
+                                          <p:spTgt spid="42"/>
+                                        </p:tgtEl>
+                                      </p:cBhvr>
+                                    </p:animEffect>
+                                  </p:childTnLst>
+                                </p:cTn>
+                              </p:par>
+                            </p:childTnLst>
+                          </p:cTn>
+                        </p:par>
+                      </p:childTnLst>
+                    </p:cTn>
+                  </p:par>
+                  <p:par>
+                    <p:cTn id="60" fill="hold">
+                      <p:stCondLst>
+                        <p:cond delay="indefinite"/>
+                      </p:stCondLst>
+                      <p:childTnLst>
+                        <p:par>
+                          <p:cTn id="61" fill="hold">
+                            <p:stCondLst>
+                              <p:cond delay="0"/>
+                            </p:stCondLst>
+                            <p:childTnLst>
+                              <p:par>
+                                <p:cTn id="62" presetID="1" presetClass="exit" presetSubtype="0" fill="hold" grpId="1" nodeType="clickEffect">
+                                  <p:stCondLst>
+                                    <p:cond delay="0"/>
+                                  </p:stCondLst>
+                                  <p:childTnLst>
+                                    <p:set>
+                                      <p:cBhvr>
+                                        <p:cTn id="63" dur="1" fill="hold">
+                                          <p:stCondLst>
+                                            <p:cond delay="0"/>
+                                          </p:stCondLst>
+                                        </p:cTn>
+                                        <p:tgtEl>
+                                          <p:spTgt spid="42"/>
                                         </p:tgtEl>
                                         <p:attrNameLst>
                                           <p:attrName>style.visibility</p:attrName>
@@ -12575,7 +15207,22 @@
       </p:par>
     </p:tnLst>
     <p:bldLst>
-      <p:bldP spid="9" grpId="0"/>
+      <p:bldP spid="36" grpId="0" animBg="1"/>
+      <p:bldP spid="36" grpId="1" animBg="1"/>
+      <p:bldP spid="37" grpId="0" animBg="1"/>
+      <p:bldP spid="37" grpId="1" animBg="1"/>
+      <p:bldP spid="38" grpId="0" animBg="1"/>
+      <p:bldP spid="38" grpId="1" animBg="1"/>
+      <p:bldP spid="39" grpId="0" animBg="1"/>
+      <p:bldP spid="39" grpId="1" animBg="1"/>
+      <p:bldP spid="40" grpId="0" animBg="1"/>
+      <p:bldP spid="40" grpId="1" animBg="1"/>
+      <p:bldP spid="41" grpId="0" animBg="1"/>
+      <p:bldP spid="41" grpId="1" animBg="1"/>
+      <p:bldP spid="42" grpId="0" animBg="1"/>
+      <p:bldP spid="42" grpId="1" animBg="1"/>
+      <p:bldP spid="43" grpId="0" animBg="1"/>
+      <p:bldP spid="44" grpId="0" animBg="1"/>
     </p:bldLst>
   </p:timing>
 </p:sld>
@@ -12600,7 +15247,7 @@
       </p:grpSpPr>
       <p:sp>
         <p:nvSpPr>
-          <p:cNvPr id="4" name="TextBox 3"/>
+          <p:cNvPr id="5" name="TextBox 4"/>
           <p:cNvSpPr txBox="1"/>
           <p:nvPr/>
         </p:nvSpPr>
@@ -12640,38 +15287,291 @@
           </a:p>
         </p:txBody>
       </p:sp>
-      <p:pic>
-        <p:nvPicPr>
-          <p:cNvPr id="5" name="Picture 3"/>
-          <p:cNvPicPr>
-            <a:picLocks noChangeAspect="1" noChangeArrowheads="1"/>
-          </p:cNvPicPr>
+      <p:sp>
+        <p:nvSpPr>
+          <p:cNvPr id="6" name="TextBox 5"/>
+          <p:cNvSpPr txBox="1"/>
           <p:nvPr/>
-        </p:nvPicPr>
-        <p:blipFill>
-          <a:blip r:embed="rId2" cstate="print"/>
-          <a:srcRect/>
-          <a:stretch>
-            <a:fillRect/>
-          </a:stretch>
-        </p:blipFill>
-        <p:spPr bwMode="auto">
-          <a:xfrm>
-            <a:off x="395536" y="1268760"/>
-            <a:ext cx="8533987" cy="4752528"/>
+        </p:nvSpPr>
+        <p:spPr>
+          <a:xfrm>
+            <a:off x="935596" y="2466762"/>
+            <a:ext cx="3780420" cy="1754326"/>
           </a:xfrm>
           <a:prstGeom prst="rect">
             <a:avLst/>
           </a:prstGeom>
           <a:noFill/>
-          <a:ln w="9525">
-            <a:noFill/>
-            <a:miter lim="800000"/>
-            <a:headEnd/>
-            <a:tailEnd/>
+        </p:spPr>
+        <p:txBody>
+          <a:bodyPr wrap="square" rtlCol="0">
+            <a:spAutoFit/>
+          </a:bodyPr>
+          <a:lstStyle/>
+          <a:p>
+            <a:r>
+              <a:rPr lang="en-US" altLang="ko-KR" dirty="0" smtClean="0">
+                <a:solidFill>
+                  <a:srgbClr val="36B5E4"/>
+                </a:solidFill>
+              </a:rPr>
+              <a:t>9</a:t>
+            </a:r>
+            <a:r>
+              <a:rPr lang="ko-KR" altLang="en-US" dirty="0" smtClean="0">
+                <a:solidFill>
+                  <a:srgbClr val="36B5E4"/>
+                </a:solidFill>
+              </a:rPr>
+              <a:t>개의 기본흐름</a:t>
+            </a:r>
+            <a:endParaRPr lang="en-US" altLang="ko-KR" dirty="0" smtClean="0">
+              <a:solidFill>
+                <a:srgbClr val="36B5E4"/>
+              </a:solidFill>
+            </a:endParaRPr>
+          </a:p>
+          <a:p>
+            <a:endParaRPr lang="en-US" altLang="ko-KR" dirty="0" smtClean="0">
+              <a:solidFill>
+                <a:srgbClr val="36B5E4"/>
+              </a:solidFill>
+            </a:endParaRPr>
+          </a:p>
+          <a:p>
+            <a:endParaRPr lang="en-US" altLang="ko-KR" dirty="0" smtClean="0">
+              <a:solidFill>
+                <a:srgbClr val="36B5E4"/>
+              </a:solidFill>
+            </a:endParaRPr>
+          </a:p>
+          <a:p>
+            <a:r>
+              <a:rPr lang="en-US" altLang="ko-KR" dirty="0" smtClean="0">
+                <a:solidFill>
+                  <a:srgbClr val="36B5E4"/>
+                </a:solidFill>
+              </a:rPr>
+              <a:t>4</a:t>
+            </a:r>
+            <a:r>
+              <a:rPr lang="ko-KR" altLang="en-US" dirty="0" smtClean="0">
+                <a:solidFill>
+                  <a:srgbClr val="36B5E4"/>
+                </a:solidFill>
+              </a:rPr>
+              <a:t>개의 </a:t>
+            </a:r>
+            <a:r>
+              <a:rPr lang="en-US" altLang="ko-KR" dirty="0" smtClean="0">
+                <a:solidFill>
+                  <a:srgbClr val="36B5E4"/>
+                </a:solidFill>
+              </a:rPr>
+              <a:t>Sequence Diagram </a:t>
+            </a:r>
+          </a:p>
+          <a:p>
+            <a:endParaRPr lang="en-US" altLang="ko-KR" dirty="0" smtClean="0">
+              <a:solidFill>
+                <a:srgbClr val="36B5E4"/>
+              </a:solidFill>
+            </a:endParaRPr>
+          </a:p>
+          <a:p>
+            <a:r>
+              <a:rPr lang="en-US" altLang="ko-KR" dirty="0" smtClean="0">
+                <a:solidFill>
+                  <a:srgbClr val="36B5E4"/>
+                </a:solidFill>
+              </a:rPr>
+              <a:t>5</a:t>
+            </a:r>
+            <a:r>
+              <a:rPr lang="ko-KR" altLang="en-US" dirty="0" smtClean="0">
+                <a:solidFill>
+                  <a:srgbClr val="36B5E4"/>
+                </a:solidFill>
+              </a:rPr>
+              <a:t>개의 </a:t>
+            </a:r>
+            <a:r>
+              <a:rPr lang="en-US" altLang="ko-KR" dirty="0" smtClean="0">
+                <a:solidFill>
+                  <a:srgbClr val="36B5E4"/>
+                </a:solidFill>
+              </a:rPr>
+              <a:t>Collaboration Diagram</a:t>
+            </a:r>
+          </a:p>
+        </p:txBody>
+      </p:sp>
+      <p:cxnSp>
+        <p:nvCxnSpPr>
+          <p:cNvPr id="8" name="직선 화살표 연결선 7"/>
+          <p:cNvCxnSpPr/>
+          <p:nvPr/>
+        </p:nvCxnSpPr>
+        <p:spPr>
+          <a:xfrm>
+            <a:off x="1871700" y="2826802"/>
+            <a:ext cx="0" cy="504056"/>
+          </a:xfrm>
+          <a:prstGeom prst="straightConnector1">
+            <a:avLst/>
+          </a:prstGeom>
+          <a:ln>
+            <a:solidFill>
+              <a:srgbClr val="FF0000"/>
+            </a:solidFill>
+            <a:tailEnd type="arrow"/>
           </a:ln>
         </p:spPr>
-      </p:pic>
+        <p:style>
+          <a:lnRef idx="1">
+            <a:schemeClr val="accent1"/>
+          </a:lnRef>
+          <a:fillRef idx="0">
+            <a:schemeClr val="accent1"/>
+          </a:fillRef>
+          <a:effectRef idx="0">
+            <a:schemeClr val="accent1"/>
+          </a:effectRef>
+          <a:fontRef idx="minor">
+            <a:schemeClr val="tx1"/>
+          </a:fontRef>
+        </p:style>
+      </p:cxnSp>
+      <p:cxnSp>
+        <p:nvCxnSpPr>
+          <p:cNvPr id="10" name="직선 화살표 연결선 9"/>
+          <p:cNvCxnSpPr>
+            <a:endCxn id="11" idx="1"/>
+          </p:cNvCxnSpPr>
+          <p:nvPr/>
+        </p:nvCxnSpPr>
+        <p:spPr>
+          <a:xfrm>
+            <a:off x="4103948" y="4014934"/>
+            <a:ext cx="1476164" cy="4646"/>
+          </a:xfrm>
+          <a:prstGeom prst="straightConnector1">
+            <a:avLst/>
+          </a:prstGeom>
+          <a:ln>
+            <a:solidFill>
+              <a:srgbClr val="FF0000"/>
+            </a:solidFill>
+            <a:tailEnd type="arrow"/>
+          </a:ln>
+        </p:spPr>
+        <p:style>
+          <a:lnRef idx="1">
+            <a:schemeClr val="accent1"/>
+          </a:lnRef>
+          <a:fillRef idx="0">
+            <a:schemeClr val="accent1"/>
+          </a:fillRef>
+          <a:effectRef idx="0">
+            <a:schemeClr val="accent1"/>
+          </a:effectRef>
+          <a:fontRef idx="minor">
+            <a:schemeClr val="tx1"/>
+          </a:fontRef>
+        </p:style>
+      </p:cxnSp>
+      <p:sp>
+        <p:nvSpPr>
+          <p:cNvPr id="11" name="TextBox 10"/>
+          <p:cNvSpPr txBox="1"/>
+          <p:nvPr/>
+        </p:nvSpPr>
+        <p:spPr>
+          <a:xfrm>
+            <a:off x="5580112" y="3834914"/>
+            <a:ext cx="3312368" cy="369332"/>
+          </a:xfrm>
+          <a:prstGeom prst="rect">
+            <a:avLst/>
+          </a:prstGeom>
+          <a:noFill/>
+        </p:spPr>
+        <p:txBody>
+          <a:bodyPr wrap="square" rtlCol="0">
+            <a:spAutoFit/>
+          </a:bodyPr>
+          <a:lstStyle/>
+          <a:p>
+            <a:r>
+              <a:rPr lang="en-US" altLang="ko-KR" dirty="0" smtClean="0">
+                <a:solidFill>
+                  <a:srgbClr val="36B5E4"/>
+                </a:solidFill>
+              </a:rPr>
+              <a:t>Communication Diagram</a:t>
+            </a:r>
+            <a:endParaRPr lang="ko-KR" altLang="en-US" dirty="0">
+              <a:solidFill>
+                <a:srgbClr val="36B5E4"/>
+              </a:solidFill>
+            </a:endParaRPr>
+          </a:p>
+        </p:txBody>
+      </p:sp>
+      <p:sp>
+        <p:nvSpPr>
+          <p:cNvPr id="12" name="TextBox 11"/>
+          <p:cNvSpPr txBox="1"/>
+          <p:nvPr/>
+        </p:nvSpPr>
+        <p:spPr>
+          <a:xfrm>
+            <a:off x="4067944" y="3618890"/>
+            <a:ext cx="1728192" cy="369332"/>
+          </a:xfrm>
+          <a:prstGeom prst="rect">
+            <a:avLst/>
+          </a:prstGeom>
+          <a:noFill/>
+        </p:spPr>
+        <p:txBody>
+          <a:bodyPr wrap="square" rtlCol="0">
+            <a:spAutoFit/>
+          </a:bodyPr>
+          <a:lstStyle/>
+          <a:p>
+            <a:r>
+              <a:rPr lang="en-US" altLang="ko-KR" dirty="0" err="1" smtClean="0">
+                <a:solidFill>
+                  <a:srgbClr val="36B5E4"/>
+                </a:solidFill>
+              </a:rPr>
+              <a:t>Uml</a:t>
+            </a:r>
+            <a:r>
+              <a:rPr lang="en-US" altLang="ko-KR" dirty="0" smtClean="0">
+                <a:solidFill>
+                  <a:srgbClr val="36B5E4"/>
+                </a:solidFill>
+              </a:rPr>
+              <a:t> 2.0 </a:t>
+            </a:r>
+            <a:r>
+              <a:rPr lang="ko-KR" altLang="en-US" dirty="0" smtClean="0">
+                <a:solidFill>
+                  <a:srgbClr val="36B5E4"/>
+                </a:solidFill>
+              </a:rPr>
+              <a:t>표준</a:t>
+            </a:r>
+            <a:endParaRPr lang="ko-KR" altLang="en-US" dirty="0">
+              <a:solidFill>
+                <a:srgbClr val="36B5E4"/>
+              </a:solidFill>
+            </a:endParaRPr>
+          </a:p>
+        </p:txBody>
+      </p:sp>
     </p:spTree>
   </p:cSld>
   <p:clrMapOvr>
@@ -12748,7 +15648,7 @@
       </p:sp>
       <p:pic>
         <p:nvPicPr>
-          <p:cNvPr id="6" name="Picture 2"/>
+          <p:cNvPr id="5" name="Picture 3"/>
           <p:cNvPicPr>
             <a:picLocks noChangeAspect="1" noChangeArrowheads="1"/>
           </p:cNvPicPr>
@@ -12763,8 +15663,8 @@
         </p:blipFill>
         <p:spPr bwMode="auto">
           <a:xfrm>
-            <a:off x="755576" y="1268760"/>
-            <a:ext cx="7686675" cy="5162550"/>
+            <a:off x="395536" y="1268760"/>
+            <a:ext cx="8533987" cy="4752528"/>
           </a:xfrm>
           <a:prstGeom prst="rect">
             <a:avLst/>
@@ -12869,8 +15769,8 @@
         </p:blipFill>
         <p:spPr bwMode="auto">
           <a:xfrm>
-            <a:off x="323528" y="1484784"/>
-            <a:ext cx="8562975" cy="4791075"/>
+            <a:off x="755576" y="1268760"/>
+            <a:ext cx="7686675" cy="5162550"/>
           </a:xfrm>
           <a:prstGeom prst="rect">
             <a:avLst/>
